--- a/Programacion/GIT/GIT - Control Versiones.pptx
+++ b/Programacion/GIT/GIT - Control Versiones.pptx
@@ -5,25 +5,26 @@
     <p:sldMasterId id="2147483648" r:id="rId1"/>
   </p:sldMasterIdLst>
   <p:notesMasterIdLst>
-    <p:notesMasterId r:id="rId15"/>
+    <p:notesMasterId r:id="rId16"/>
   </p:notesMasterIdLst>
   <p:handoutMasterIdLst>
-    <p:handoutMasterId r:id="rId16"/>
+    <p:handoutMasterId r:id="rId17"/>
   </p:handoutMasterIdLst>
   <p:sldIdLst>
     <p:sldId id="256" r:id="rId2"/>
     <p:sldId id="273" r:id="rId3"/>
     <p:sldId id="267" r:id="rId4"/>
-    <p:sldId id="274" r:id="rId5"/>
-    <p:sldId id="268" r:id="rId6"/>
-    <p:sldId id="269" r:id="rId7"/>
-    <p:sldId id="271" r:id="rId8"/>
-    <p:sldId id="258" r:id="rId9"/>
-    <p:sldId id="260" r:id="rId10"/>
-    <p:sldId id="261" r:id="rId11"/>
-    <p:sldId id="262" r:id="rId12"/>
-    <p:sldId id="272" r:id="rId13"/>
-    <p:sldId id="264" r:id="rId14"/>
+    <p:sldId id="275" r:id="rId5"/>
+    <p:sldId id="274" r:id="rId6"/>
+    <p:sldId id="268" r:id="rId7"/>
+    <p:sldId id="269" r:id="rId8"/>
+    <p:sldId id="271" r:id="rId9"/>
+    <p:sldId id="258" r:id="rId10"/>
+    <p:sldId id="260" r:id="rId11"/>
+    <p:sldId id="261" r:id="rId12"/>
+    <p:sldId id="262" r:id="rId13"/>
+    <p:sldId id="272" r:id="rId14"/>
+    <p:sldId id="264" r:id="rId15"/>
   </p:sldIdLst>
   <p:sldSz cx="12188825" cy="6858000"/>
   <p:notesSz cx="6858000" cy="9144000"/>
@@ -4386,7 +4387,7 @@
             <a:pPr rtl="0"/>
             <a:fld id="{69BBBD98-8689-4A62-BBFB-92BF328A7966}" type="datetime1">
               <a:rPr lang="es-ES" smtClean="0"/>
-              <a:t>21/12/2022</a:t>
+              <a:t>22/12/2022</a:t>
             </a:fld>
             <a:endParaRPr lang="es-ES" dirty="0"/>
           </a:p>
@@ -4564,7 +4565,7 @@
             <a:pPr rtl="0"/>
             <a:fld id="{8E41AB9B-16BF-4ECF-B92C-3E61E5BECA90}" type="datetime1">
               <a:rPr lang="es-ES" noProof="0" smtClean="0"/>
-              <a:t>21/12/2022</a:t>
+              <a:t>22/12/2022</a:t>
             </a:fld>
             <a:endParaRPr lang="es-ES" noProof="0" dirty="0"/>
           </a:p>
@@ -5006,7 +5007,7 @@
     </p:spTree>
     <p:extLst>
       <p:ext uri="{BB962C8B-B14F-4D97-AF65-F5344CB8AC3E}">
-        <p14:creationId xmlns:p14="http://schemas.microsoft.com/office/powerpoint/2010/main" val="1841258042"/>
+        <p14:creationId xmlns:p14="http://schemas.microsoft.com/office/powerpoint/2010/main" val="569135123"/>
       </p:ext>
     </p:extLst>
   </p:cSld>
@@ -5092,7 +5093,7 @@
     </p:spTree>
     <p:extLst>
       <p:ext uri="{BB962C8B-B14F-4D97-AF65-F5344CB8AC3E}">
-        <p14:creationId xmlns:p14="http://schemas.microsoft.com/office/powerpoint/2010/main" val="1399428138"/>
+        <p14:creationId xmlns:p14="http://schemas.microsoft.com/office/powerpoint/2010/main" val="1841258042"/>
       </p:ext>
     </p:extLst>
   </p:cSld>
@@ -5178,7 +5179,7 @@
     </p:spTree>
     <p:extLst>
       <p:ext uri="{BB962C8B-B14F-4D97-AF65-F5344CB8AC3E}">
-        <p14:creationId xmlns:p14="http://schemas.microsoft.com/office/powerpoint/2010/main" val="368498654"/>
+        <p14:creationId xmlns:p14="http://schemas.microsoft.com/office/powerpoint/2010/main" val="1399428138"/>
       </p:ext>
     </p:extLst>
   </p:cSld>
@@ -5256,6 +5257,92 @@
               <a:rPr lang="es-ES" smtClean="0"/>
               <a:pPr rtl="0"/>
               <a:t>13</a:t>
+            </a:fld>
+            <a:endParaRPr lang="es-ES" dirty="0"/>
+          </a:p>
+        </p:txBody>
+      </p:sp>
+    </p:spTree>
+    <p:extLst>
+      <p:ext uri="{BB962C8B-B14F-4D97-AF65-F5344CB8AC3E}">
+        <p14:creationId xmlns:p14="http://schemas.microsoft.com/office/powerpoint/2010/main" val="368498654"/>
+      </p:ext>
+    </p:extLst>
+  </p:cSld>
+  <p:clrMapOvr>
+    <a:masterClrMapping/>
+  </p:clrMapOvr>
+</p:notes>
+</file>
+
+<file path=ppt/notesSlides/notesSlide14.xml><?xml version="1.0" encoding="utf-8"?>
+<p:notes xmlns:a="http://schemas.openxmlformats.org/drawingml/2006/main" xmlns:r="http://schemas.openxmlformats.org/officeDocument/2006/relationships" xmlns:p="http://schemas.openxmlformats.org/presentationml/2006/main">
+  <p:cSld>
+    <p:spTree>
+      <p:nvGrpSpPr>
+        <p:cNvPr id="1" name=""/>
+        <p:cNvGrpSpPr/>
+        <p:nvPr/>
+      </p:nvGrpSpPr>
+      <p:grpSpPr>
+        <a:xfrm>
+          <a:off x="0" y="0"/>
+          <a:ext cx="0" cy="0"/>
+          <a:chOff x="0" y="0"/>
+          <a:chExt cx="0" cy="0"/>
+        </a:xfrm>
+      </p:grpSpPr>
+      <p:sp>
+        <p:nvSpPr>
+          <p:cNvPr id="2" name="Marcador de imagen de diapositiva 1"/>
+          <p:cNvSpPr>
+            <a:spLocks noGrp="1" noRot="1" noChangeAspect="1"/>
+          </p:cNvSpPr>
+          <p:nvPr>
+            <p:ph type="sldImg"/>
+          </p:nvPr>
+        </p:nvSpPr>
+        <p:spPr/>
+      </p:sp>
+      <p:sp>
+        <p:nvSpPr>
+          <p:cNvPr id="3" name="Marcador de notas 2"/>
+          <p:cNvSpPr>
+            <a:spLocks noGrp="1"/>
+          </p:cNvSpPr>
+          <p:nvPr>
+            <p:ph type="body" idx="1"/>
+          </p:nvPr>
+        </p:nvSpPr>
+        <p:spPr/>
+        <p:txBody>
+          <a:bodyPr/>
+          <a:lstStyle/>
+          <a:p>
+            <a:endParaRPr lang="es-ES" dirty="0"/>
+          </a:p>
+        </p:txBody>
+      </p:sp>
+      <p:sp>
+        <p:nvSpPr>
+          <p:cNvPr id="4" name="Marcador de número de diapositiva 3"/>
+          <p:cNvSpPr>
+            <a:spLocks noGrp="1"/>
+          </p:cNvSpPr>
+          <p:nvPr>
+            <p:ph type="sldNum" sz="quarter" idx="10"/>
+          </p:nvPr>
+        </p:nvSpPr>
+        <p:spPr/>
+        <p:txBody>
+          <a:bodyPr/>
+          <a:lstStyle/>
+          <a:p>
+            <a:pPr rtl="0"/>
+            <a:fld id="{841221E5-7225-48EB-A4EE-420E7BFCF705}" type="slidenum">
+              <a:rPr lang="es-ES" smtClean="0"/>
+              <a:pPr rtl="0"/>
+              <a:t>14</a:t>
             </a:fld>
             <a:endParaRPr lang="es-ES" dirty="0"/>
           </a:p>
@@ -5522,7 +5609,7 @@
     </p:spTree>
     <p:extLst>
       <p:ext uri="{BB962C8B-B14F-4D97-AF65-F5344CB8AC3E}">
-        <p14:creationId xmlns:p14="http://schemas.microsoft.com/office/powerpoint/2010/main" val="1952920916"/>
+        <p14:creationId xmlns:p14="http://schemas.microsoft.com/office/powerpoint/2010/main" val="2507219206"/>
       </p:ext>
     </p:extLst>
   </p:cSld>
@@ -5608,7 +5695,7 @@
     </p:spTree>
     <p:extLst>
       <p:ext uri="{BB962C8B-B14F-4D97-AF65-F5344CB8AC3E}">
-        <p14:creationId xmlns:p14="http://schemas.microsoft.com/office/powerpoint/2010/main" val="472929191"/>
+        <p14:creationId xmlns:p14="http://schemas.microsoft.com/office/powerpoint/2010/main" val="1952920916"/>
       </p:ext>
     </p:extLst>
   </p:cSld>
@@ -5694,7 +5781,7 @@
     </p:spTree>
     <p:extLst>
       <p:ext uri="{BB962C8B-B14F-4D97-AF65-F5344CB8AC3E}">
-        <p14:creationId xmlns:p14="http://schemas.microsoft.com/office/powerpoint/2010/main" val="1654880986"/>
+        <p14:creationId xmlns:p14="http://schemas.microsoft.com/office/powerpoint/2010/main" val="472929191"/>
       </p:ext>
     </p:extLst>
   </p:cSld>
@@ -5780,7 +5867,7 @@
     </p:spTree>
     <p:extLst>
       <p:ext uri="{BB962C8B-B14F-4D97-AF65-F5344CB8AC3E}">
-        <p14:creationId xmlns:p14="http://schemas.microsoft.com/office/powerpoint/2010/main" val="57769914"/>
+        <p14:creationId xmlns:p14="http://schemas.microsoft.com/office/powerpoint/2010/main" val="1654880986"/>
       </p:ext>
     </p:extLst>
   </p:cSld>
@@ -5866,7 +5953,7 @@
     </p:spTree>
     <p:extLst>
       <p:ext uri="{BB962C8B-B14F-4D97-AF65-F5344CB8AC3E}">
-        <p14:creationId xmlns:p14="http://schemas.microsoft.com/office/powerpoint/2010/main" val="51468493"/>
+        <p14:creationId xmlns:p14="http://schemas.microsoft.com/office/powerpoint/2010/main" val="57769914"/>
       </p:ext>
     </p:extLst>
   </p:cSld>
@@ -5952,7 +6039,7 @@
     </p:spTree>
     <p:extLst>
       <p:ext uri="{BB962C8B-B14F-4D97-AF65-F5344CB8AC3E}">
-        <p14:creationId xmlns:p14="http://schemas.microsoft.com/office/powerpoint/2010/main" val="569135123"/>
+        <p14:creationId xmlns:p14="http://schemas.microsoft.com/office/powerpoint/2010/main" val="51468493"/>
       </p:ext>
     </p:extLst>
   </p:cSld>
@@ -6882,7 +6969,7 @@
             <a:pPr rtl="0"/>
             <a:fld id="{D227DDB9-0E5E-4C56-81E2-42C38C100EB8}" type="datetime1">
               <a:rPr lang="es-ES" noProof="0" smtClean="0"/>
-              <a:t>21/12/2022</a:t>
+              <a:t>22/12/2022</a:t>
             </a:fld>
             <a:endParaRPr lang="es-ES" noProof="0" dirty="0"/>
           </a:p>
@@ -7109,7 +7196,7 @@
             <a:pPr rtl="0"/>
             <a:fld id="{854D34C8-6636-436D-90B3-E45C17BC29D1}" type="datetime1">
               <a:rPr lang="es-ES" noProof="0" smtClean="0"/>
-              <a:t>21/12/2022</a:t>
+              <a:t>22/12/2022</a:t>
             </a:fld>
             <a:endParaRPr lang="es-ES" noProof="0" dirty="0"/>
           </a:p>
@@ -7932,7 +8019,7 @@
             <a:pPr rtl="0"/>
             <a:fld id="{5B1A7055-A05B-47D6-9397-3E4A1BE71239}" type="datetime1">
               <a:rPr lang="es-ES" noProof="0" smtClean="0"/>
-              <a:t>21/12/2022</a:t>
+              <a:t>22/12/2022</a:t>
             </a:fld>
             <a:endParaRPr lang="es-ES" noProof="0" dirty="0"/>
           </a:p>
@@ -8137,7 +8224,7 @@
             <a:pPr rtl="0"/>
             <a:fld id="{397066DD-333B-4949-A479-115F2B9E08E7}" type="datetime1">
               <a:rPr lang="es-ES" noProof="0" smtClean="0"/>
-              <a:t>21/12/2022</a:t>
+              <a:t>22/12/2022</a:t>
             </a:fld>
             <a:endParaRPr lang="es-ES" noProof="0" dirty="0"/>
           </a:p>
@@ -9715,7 +9802,7 @@
             <a:pPr rtl="0"/>
             <a:fld id="{2C913CB4-D4A9-4FBE-913D-B9E890ABEF3F}" type="datetime1">
               <a:rPr lang="es-ES" noProof="0" smtClean="0"/>
-              <a:t>21/12/2022</a:t>
+              <a:t>22/12/2022</a:t>
             </a:fld>
             <a:endParaRPr lang="es-ES" noProof="0" dirty="0"/>
           </a:p>
@@ -9852,7 +9939,7 @@
             <a:pPr rtl="0"/>
             <a:fld id="{543DE88F-8DA3-44F9-868D-559DD495EADB}" type="datetime1">
               <a:rPr lang="es-ES" noProof="0" smtClean="0"/>
-              <a:t>21/12/2022</a:t>
+              <a:t>22/12/2022</a:t>
             </a:fld>
             <a:endParaRPr lang="es-ES" noProof="0" dirty="0"/>
           </a:p>
@@ -10193,7 +10280,7 @@
             <a:pPr rtl="0"/>
             <a:fld id="{C7A9AAEF-0AD3-419E-B51F-A77C6A89DFB2}" type="datetime1">
               <a:rPr lang="es-ES" noProof="0" smtClean="0"/>
-              <a:t>21/12/2022</a:t>
+              <a:t>22/12/2022</a:t>
             </a:fld>
             <a:endParaRPr lang="es-ES" noProof="0" dirty="0"/>
           </a:p>
@@ -10692,7 +10779,7 @@
             <a:pPr rtl="0"/>
             <a:fld id="{C31318DA-4832-4504-A64F-05EF187BF5DA}" type="datetime1">
               <a:rPr lang="es-ES" noProof="0" smtClean="0"/>
-              <a:t>21/12/2022</a:t>
+              <a:t>22/12/2022</a:t>
             </a:fld>
             <a:endParaRPr lang="es-ES" noProof="0" dirty="0"/>
           </a:p>
@@ -11148,7 +11235,7 @@
             <a:pPr rtl="0"/>
             <a:fld id="{A361280F-B7E7-4174-BE87-9E37B5A43C49}" type="datetime1">
               <a:rPr lang="es-ES" noProof="0" smtClean="0"/>
-              <a:t>21/12/2022</a:t>
+              <a:t>22/12/2022</a:t>
             </a:fld>
             <a:endParaRPr lang="es-ES" noProof="0" dirty="0"/>
           </a:p>
@@ -12052,7 +12139,7 @@
             <a:pPr rtl="0"/>
             <a:fld id="{3FB7BB0F-7041-4735-B07A-25DB00AC6E71}" type="datetime1">
               <a:rPr lang="es-ES" noProof="0" smtClean="0"/>
-              <a:t>21/12/2022</a:t>
+              <a:t>22/12/2022</a:t>
             </a:fld>
             <a:endParaRPr lang="es-ES" noProof="0" dirty="0"/>
           </a:p>
@@ -12620,8 +12707,88 @@
             <a:pPr rtl="0"/>
             <a:r>
               <a:rPr lang="es-ES" dirty="0"/>
-              <a:t>Agregar un título de diapositiva (3)</a:t>
+              <a:t>Agregar un título de diapositiva (2)</a:t>
             </a:r>
+          </a:p>
+        </p:txBody>
+      </p:sp>
+      <p:sp>
+        <p:nvSpPr>
+          <p:cNvPr id="4" name="Marcador de posición de texto 3"/>
+          <p:cNvSpPr>
+            <a:spLocks noGrp="1"/>
+          </p:cNvSpPr>
+          <p:nvPr>
+            <p:ph type="body" idx="1"/>
+          </p:nvPr>
+        </p:nvSpPr>
+        <p:spPr/>
+        <p:txBody>
+          <a:bodyPr rtlCol="0"/>
+          <a:lstStyle/>
+          <a:p>
+            <a:pPr rtl="0"/>
+            <a:endParaRPr lang="es-ES" dirty="0"/>
+          </a:p>
+        </p:txBody>
+      </p:sp>
+      <p:sp>
+        <p:nvSpPr>
+          <p:cNvPr id="5" name="Marcador de posición de contenido 4"/>
+          <p:cNvSpPr>
+            <a:spLocks noGrp="1"/>
+          </p:cNvSpPr>
+          <p:nvPr>
+            <p:ph sz="half" idx="2"/>
+          </p:nvPr>
+        </p:nvSpPr>
+        <p:spPr/>
+        <p:txBody>
+          <a:bodyPr rtlCol="0"/>
+          <a:lstStyle/>
+          <a:p>
+            <a:pPr rtl="0"/>
+            <a:endParaRPr lang="es-ES" dirty="0"/>
+          </a:p>
+        </p:txBody>
+      </p:sp>
+      <p:sp>
+        <p:nvSpPr>
+          <p:cNvPr id="6" name="Marcador de posición de texto 5"/>
+          <p:cNvSpPr>
+            <a:spLocks noGrp="1"/>
+          </p:cNvSpPr>
+          <p:nvPr>
+            <p:ph type="body" sz="quarter" idx="3"/>
+          </p:nvPr>
+        </p:nvSpPr>
+        <p:spPr/>
+        <p:txBody>
+          <a:bodyPr rtlCol="0"/>
+          <a:lstStyle/>
+          <a:p>
+            <a:pPr rtl="0"/>
+            <a:endParaRPr lang="es-ES" dirty="0"/>
+          </a:p>
+        </p:txBody>
+      </p:sp>
+      <p:sp>
+        <p:nvSpPr>
+          <p:cNvPr id="11" name="Marcador de posición de contenido 10"/>
+          <p:cNvSpPr>
+            <a:spLocks noGrp="1"/>
+          </p:cNvSpPr>
+          <p:nvPr>
+            <p:ph sz="quarter" idx="4"/>
+          </p:nvPr>
+        </p:nvSpPr>
+        <p:spPr/>
+        <p:txBody>
+          <a:bodyPr rtlCol="0"/>
+          <a:lstStyle/>
+          <a:p>
+            <a:pPr rtl="0"/>
+            <a:endParaRPr lang="es-ES" dirty="0"/>
           </a:p>
         </p:txBody>
       </p:sp>
@@ -12630,7 +12797,7 @@
           <p:cNvPr id="3" name="Marcador de pie de página 2">
             <a:extLst>
               <a:ext uri="{FF2B5EF4-FFF2-40B4-BE49-F238E27FC236}">
-                <a16:creationId xmlns:a16="http://schemas.microsoft.com/office/drawing/2014/main" id="{605CF5B0-E3D8-4A73-B6A0-F474B11593A7}"/>
+                <a16:creationId xmlns:a16="http://schemas.microsoft.com/office/drawing/2014/main" id="{FB76CB50-1503-4000-8D3D-47FE31E61BC6}"/>
               </a:ext>
             </a:extLst>
           </p:cNvPr>
@@ -12657,10 +12824,10 @@
       </p:sp>
       <p:sp>
         <p:nvSpPr>
-          <p:cNvPr id="4" name="Marcador de número de diapositiva 3">
+          <p:cNvPr id="7" name="Marcador de número de diapositiva 6">
             <a:extLst>
               <a:ext uri="{FF2B5EF4-FFF2-40B4-BE49-F238E27FC236}">
-                <a16:creationId xmlns:a16="http://schemas.microsoft.com/office/drawing/2014/main" id="{B6383853-2D00-4E16-8AE5-C1B6B8DC5FE3}"/>
+                <a16:creationId xmlns:a16="http://schemas.microsoft.com/office/drawing/2014/main" id="{41DA4AFA-E518-472B-A834-5D4295BA6605}"/>
               </a:ext>
             </a:extLst>
           </p:cNvPr>
@@ -12688,7 +12855,7 @@
     </p:spTree>
     <p:extLst>
       <p:ext uri="{BB962C8B-B14F-4D97-AF65-F5344CB8AC3E}">
-        <p14:creationId xmlns:p14="http://schemas.microsoft.com/office/powerpoint/2010/main" val="3401786857"/>
+        <p14:creationId xmlns:p14="http://schemas.microsoft.com/office/powerpoint/2010/main" val="1061194279"/>
       </p:ext>
     </p:extLst>
   </p:cSld>
@@ -12729,10 +12896,33 @@
       </p:grpSpPr>
       <p:sp>
         <p:nvSpPr>
-          <p:cNvPr id="2" name="Marcador de pie de página 1">
+          <p:cNvPr id="2" name="Título 1"/>
+          <p:cNvSpPr>
+            <a:spLocks noGrp="1"/>
+          </p:cNvSpPr>
+          <p:nvPr>
+            <p:ph type="title"/>
+          </p:nvPr>
+        </p:nvSpPr>
+        <p:spPr/>
+        <p:txBody>
+          <a:bodyPr rtlCol="0"/>
+          <a:lstStyle/>
+          <a:p>
+            <a:pPr rtl="0"/>
+            <a:r>
+              <a:rPr lang="es-ES" dirty="0"/>
+              <a:t>Agregar un título de diapositiva (3)</a:t>
+            </a:r>
+          </a:p>
+        </p:txBody>
+      </p:sp>
+      <p:sp>
+        <p:nvSpPr>
+          <p:cNvPr id="3" name="Marcador de pie de página 2">
             <a:extLst>
               <a:ext uri="{FF2B5EF4-FFF2-40B4-BE49-F238E27FC236}">
-                <a16:creationId xmlns:a16="http://schemas.microsoft.com/office/drawing/2014/main" id="{7F42C0CF-13C4-4154-B2AB-C267BFC017E5}"/>
+                <a16:creationId xmlns:a16="http://schemas.microsoft.com/office/drawing/2014/main" id="{605CF5B0-E3D8-4A73-B6A0-F474B11593A7}"/>
               </a:ext>
             </a:extLst>
           </p:cNvPr>
@@ -12759,10 +12949,10 @@
       </p:sp>
       <p:sp>
         <p:nvSpPr>
-          <p:cNvPr id="3" name="Marcador de número de diapositiva 2">
+          <p:cNvPr id="4" name="Marcador de número de diapositiva 3">
             <a:extLst>
               <a:ext uri="{FF2B5EF4-FFF2-40B4-BE49-F238E27FC236}">
-                <a16:creationId xmlns:a16="http://schemas.microsoft.com/office/drawing/2014/main" id="{E1491466-AF14-4928-BFC8-9433024D6A7E}"/>
+                <a16:creationId xmlns:a16="http://schemas.microsoft.com/office/drawing/2014/main" id="{B6383853-2D00-4E16-8AE5-C1B6B8DC5FE3}"/>
               </a:ext>
             </a:extLst>
           </p:cNvPr>
@@ -12781,7 +12971,6 @@
             <a:pPr rtl="0"/>
             <a:fld id="{7DC1BBB0-96F0-4077-A278-0F3FB5C104D3}" type="slidenum">
               <a:rPr lang="es-ES" noProof="0" smtClean="0"/>
-              <a:pPr rtl="0"/>
               <a:t>11</a:t>
             </a:fld>
             <a:endParaRPr lang="es-ES" noProof="0" dirty="0"/>
@@ -12791,7 +12980,7 @@
     </p:spTree>
     <p:extLst>
       <p:ext uri="{BB962C8B-B14F-4D97-AF65-F5344CB8AC3E}">
-        <p14:creationId xmlns:p14="http://schemas.microsoft.com/office/powerpoint/2010/main" val="4022862849"/>
+        <p14:creationId xmlns:p14="http://schemas.microsoft.com/office/powerpoint/2010/main" val="3401786857"/>
       </p:ext>
     </p:extLst>
   </p:cSld>
@@ -12832,73 +13021,10 @@
       </p:grpSpPr>
       <p:sp>
         <p:nvSpPr>
-          <p:cNvPr id="2" name="Título 1"/>
-          <p:cNvSpPr>
-            <a:spLocks noGrp="1"/>
-          </p:cNvSpPr>
-          <p:nvPr>
-            <p:ph type="title"/>
-          </p:nvPr>
-        </p:nvSpPr>
-        <p:spPr/>
-        <p:txBody>
-          <a:bodyPr rtlCol="0"/>
-          <a:lstStyle/>
-          <a:p>
-            <a:pPr rtl="0"/>
-            <a:r>
-              <a:rPr lang="es-ES" dirty="0"/>
-              <a:t>Agregar un título de diapositiva (4)</a:t>
-            </a:r>
-          </a:p>
-        </p:txBody>
-      </p:sp>
-      <p:sp>
-        <p:nvSpPr>
-          <p:cNvPr id="4" name="Marcador de posición de contenido 3"/>
-          <p:cNvSpPr>
-            <a:spLocks noGrp="1"/>
-          </p:cNvSpPr>
-          <p:nvPr>
-            <p:ph idx="1"/>
-          </p:nvPr>
-        </p:nvSpPr>
-        <p:spPr/>
-        <p:txBody>
-          <a:bodyPr rtlCol="0"/>
-          <a:lstStyle/>
-          <a:p>
-            <a:pPr rtl="0"/>
-            <a:endParaRPr lang="es-ES" dirty="0"/>
-          </a:p>
-        </p:txBody>
-      </p:sp>
-      <p:sp>
-        <p:nvSpPr>
-          <p:cNvPr id="7" name="Marcador de posición de texto 6"/>
-          <p:cNvSpPr>
-            <a:spLocks noGrp="1"/>
-          </p:cNvSpPr>
-          <p:nvPr>
-            <p:ph type="body" sz="half" idx="2"/>
-          </p:nvPr>
-        </p:nvSpPr>
-        <p:spPr/>
-        <p:txBody>
-          <a:bodyPr rtlCol="0"/>
-          <a:lstStyle/>
-          <a:p>
-            <a:pPr rtl="0"/>
-            <a:endParaRPr lang="es-ES" dirty="0"/>
-          </a:p>
-        </p:txBody>
-      </p:sp>
-      <p:sp>
-        <p:nvSpPr>
-          <p:cNvPr id="3" name="Marcador de pie de página 2">
+          <p:cNvPr id="2" name="Marcador de pie de página 1">
             <a:extLst>
               <a:ext uri="{FF2B5EF4-FFF2-40B4-BE49-F238E27FC236}">
-                <a16:creationId xmlns:a16="http://schemas.microsoft.com/office/drawing/2014/main" id="{1B0A2556-12B2-42D6-BCC3-F811588323DF}"/>
+                <a16:creationId xmlns:a16="http://schemas.microsoft.com/office/drawing/2014/main" id="{7F42C0CF-13C4-4154-B2AB-C267BFC017E5}"/>
               </a:ext>
             </a:extLst>
           </p:cNvPr>
@@ -12925,10 +13051,10 @@
       </p:sp>
       <p:sp>
         <p:nvSpPr>
-          <p:cNvPr id="5" name="Marcador de número de diapositiva 4">
+          <p:cNvPr id="3" name="Marcador de número de diapositiva 2">
             <a:extLst>
               <a:ext uri="{FF2B5EF4-FFF2-40B4-BE49-F238E27FC236}">
-                <a16:creationId xmlns:a16="http://schemas.microsoft.com/office/drawing/2014/main" id="{F845EE72-4EF2-4A51-80A2-B71984092F2F}"/>
+                <a16:creationId xmlns:a16="http://schemas.microsoft.com/office/drawing/2014/main" id="{E1491466-AF14-4928-BFC8-9433024D6A7E}"/>
               </a:ext>
             </a:extLst>
           </p:cNvPr>
@@ -12947,6 +13073,7 @@
             <a:pPr rtl="0"/>
             <a:fld id="{7DC1BBB0-96F0-4077-A278-0F3FB5C104D3}" type="slidenum">
               <a:rPr lang="es-ES" noProof="0" smtClean="0"/>
+              <a:pPr rtl="0"/>
               <a:t>12</a:t>
             </a:fld>
             <a:endParaRPr lang="es-ES" noProof="0" dirty="0"/>
@@ -12956,7 +13083,7 @@
     </p:spTree>
     <p:extLst>
       <p:ext uri="{BB962C8B-B14F-4D97-AF65-F5344CB8AC3E}">
-        <p14:creationId xmlns:p14="http://schemas.microsoft.com/office/powerpoint/2010/main" val="3614150638"/>
+        <p14:creationId xmlns:p14="http://schemas.microsoft.com/office/powerpoint/2010/main" val="4022862849"/>
       </p:ext>
     </p:extLst>
   </p:cSld>
@@ -13013,6 +13140,171 @@
             <a:pPr rtl="0"/>
             <a:r>
               <a:rPr lang="es-ES" dirty="0"/>
+              <a:t>Agregar un título de diapositiva (4)</a:t>
+            </a:r>
+          </a:p>
+        </p:txBody>
+      </p:sp>
+      <p:sp>
+        <p:nvSpPr>
+          <p:cNvPr id="4" name="Marcador de posición de contenido 3"/>
+          <p:cNvSpPr>
+            <a:spLocks noGrp="1"/>
+          </p:cNvSpPr>
+          <p:nvPr>
+            <p:ph idx="1"/>
+          </p:nvPr>
+        </p:nvSpPr>
+        <p:spPr/>
+        <p:txBody>
+          <a:bodyPr rtlCol="0"/>
+          <a:lstStyle/>
+          <a:p>
+            <a:pPr rtl="0"/>
+            <a:endParaRPr lang="es-ES" dirty="0"/>
+          </a:p>
+        </p:txBody>
+      </p:sp>
+      <p:sp>
+        <p:nvSpPr>
+          <p:cNvPr id="7" name="Marcador de posición de texto 6"/>
+          <p:cNvSpPr>
+            <a:spLocks noGrp="1"/>
+          </p:cNvSpPr>
+          <p:nvPr>
+            <p:ph type="body" sz="half" idx="2"/>
+          </p:nvPr>
+        </p:nvSpPr>
+        <p:spPr/>
+        <p:txBody>
+          <a:bodyPr rtlCol="0"/>
+          <a:lstStyle/>
+          <a:p>
+            <a:pPr rtl="0"/>
+            <a:endParaRPr lang="es-ES" dirty="0"/>
+          </a:p>
+        </p:txBody>
+      </p:sp>
+      <p:sp>
+        <p:nvSpPr>
+          <p:cNvPr id="3" name="Marcador de pie de página 2">
+            <a:extLst>
+              <a:ext uri="{FF2B5EF4-FFF2-40B4-BE49-F238E27FC236}">
+                <a16:creationId xmlns:a16="http://schemas.microsoft.com/office/drawing/2014/main" id="{1B0A2556-12B2-42D6-BCC3-F811588323DF}"/>
+              </a:ext>
+            </a:extLst>
+          </p:cNvPr>
+          <p:cNvSpPr>
+            <a:spLocks noGrp="1"/>
+          </p:cNvSpPr>
+          <p:nvPr>
+            <p:ph type="ftr" sz="quarter" idx="11"/>
+          </p:nvPr>
+        </p:nvSpPr>
+        <p:spPr/>
+        <p:txBody>
+          <a:bodyPr/>
+          <a:lstStyle/>
+          <a:p>
+            <a:pPr rtl="0"/>
+            <a:r>
+              <a:rPr lang="es-ES" noProof="0"/>
+              <a:t>Agregar un pie de página</a:t>
+            </a:r>
+            <a:endParaRPr lang="es-ES" noProof="0" dirty="0"/>
+          </a:p>
+        </p:txBody>
+      </p:sp>
+      <p:sp>
+        <p:nvSpPr>
+          <p:cNvPr id="5" name="Marcador de número de diapositiva 4">
+            <a:extLst>
+              <a:ext uri="{FF2B5EF4-FFF2-40B4-BE49-F238E27FC236}">
+                <a16:creationId xmlns:a16="http://schemas.microsoft.com/office/drawing/2014/main" id="{F845EE72-4EF2-4A51-80A2-B71984092F2F}"/>
+              </a:ext>
+            </a:extLst>
+          </p:cNvPr>
+          <p:cNvSpPr>
+            <a:spLocks noGrp="1"/>
+          </p:cNvSpPr>
+          <p:nvPr>
+            <p:ph type="sldNum" sz="quarter" idx="12"/>
+          </p:nvPr>
+        </p:nvSpPr>
+        <p:spPr/>
+        <p:txBody>
+          <a:bodyPr/>
+          <a:lstStyle/>
+          <a:p>
+            <a:pPr rtl="0"/>
+            <a:fld id="{7DC1BBB0-96F0-4077-A278-0F3FB5C104D3}" type="slidenum">
+              <a:rPr lang="es-ES" noProof="0" smtClean="0"/>
+              <a:t>13</a:t>
+            </a:fld>
+            <a:endParaRPr lang="es-ES" noProof="0" dirty="0"/>
+          </a:p>
+        </p:txBody>
+      </p:sp>
+    </p:spTree>
+    <p:extLst>
+      <p:ext uri="{BB962C8B-B14F-4D97-AF65-F5344CB8AC3E}">
+        <p14:creationId xmlns:p14="http://schemas.microsoft.com/office/powerpoint/2010/main" val="3614150638"/>
+      </p:ext>
+    </p:extLst>
+  </p:cSld>
+  <p:clrMapOvr>
+    <a:masterClrMapping/>
+  </p:clrMapOvr>
+  <mc:AlternateContent xmlns:mc="http://schemas.openxmlformats.org/markup-compatibility/2006" xmlns:p14="http://schemas.microsoft.com/office/powerpoint/2010/main">
+    <mc:Choice Requires="p14">
+      <p:transition spd="med" p14:dur="700">
+        <p:fade/>
+      </p:transition>
+    </mc:Choice>
+    <mc:Fallback xmlns="">
+      <p:transition spd="med">
+        <p:fade/>
+      </p:transition>
+    </mc:Fallback>
+  </mc:AlternateContent>
+</p:sld>
+</file>
+
+<file path=ppt/slides/slide14.xml><?xml version="1.0" encoding="utf-8"?>
+<p:sld xmlns:a="http://schemas.openxmlformats.org/drawingml/2006/main" xmlns:r="http://schemas.openxmlformats.org/officeDocument/2006/relationships" xmlns:p="http://schemas.openxmlformats.org/presentationml/2006/main">
+  <p:cSld>
+    <p:spTree>
+      <p:nvGrpSpPr>
+        <p:cNvPr id="1" name=""/>
+        <p:cNvGrpSpPr/>
+        <p:nvPr/>
+      </p:nvGrpSpPr>
+      <p:grpSpPr>
+        <a:xfrm>
+          <a:off x="0" y="0"/>
+          <a:ext cx="0" cy="0"/>
+          <a:chOff x="0" y="0"/>
+          <a:chExt cx="0" cy="0"/>
+        </a:xfrm>
+      </p:grpSpPr>
+      <p:sp>
+        <p:nvSpPr>
+          <p:cNvPr id="2" name="Título 1"/>
+          <p:cNvSpPr>
+            <a:spLocks noGrp="1"/>
+          </p:cNvSpPr>
+          <p:nvPr>
+            <p:ph type="title"/>
+          </p:nvPr>
+        </p:nvSpPr>
+        <p:spPr/>
+        <p:txBody>
+          <a:bodyPr rtlCol="0"/>
+          <a:lstStyle/>
+          <a:p>
+            <a:pPr rtl="0"/>
+            <a:r>
+              <a:rPr lang="es-ES" dirty="0"/>
               <a:t>Agregar un título de diapositiva (5)</a:t>
             </a:r>
           </a:p>
@@ -13105,7 +13397,7 @@
             <a:fld id="{7DC1BBB0-96F0-4077-A278-0F3FB5C104D3}" type="slidenum">
               <a:rPr lang="es-ES" noProof="0" smtClean="0"/>
               <a:pPr rtl="0"/>
-              <a:t>13</a:t>
+              <a:t>14</a:t>
             </a:fld>
             <a:endParaRPr lang="es-ES" noProof="0" dirty="0"/>
           </a:p>
@@ -13296,10 +13588,1312 @@
       </p:sp>
       <p:sp>
         <p:nvSpPr>
-          <p:cNvPr id="8" name="Rectángulo 7">
+          <p:cNvPr id="9" name="CuadroTexto 8">
             <a:extLst>
               <a:ext uri="{FF2B5EF4-FFF2-40B4-BE49-F238E27FC236}">
-                <a16:creationId xmlns:a16="http://schemas.microsoft.com/office/drawing/2014/main" id="{E40D875A-E6CF-490C-83CA-4AC6A68775EF}"/>
+                <a16:creationId xmlns:a16="http://schemas.microsoft.com/office/drawing/2014/main" id="{522997E0-2C77-4E05-9F75-87F72499A351}"/>
+              </a:ext>
+            </a:extLst>
+          </p:cNvPr>
+          <p:cNvSpPr txBox="1"/>
+          <p:nvPr/>
+        </p:nvSpPr>
+        <p:spPr>
+          <a:xfrm>
+            <a:off x="5391274" y="35332"/>
+            <a:ext cx="2036648" cy="369332"/>
+          </a:xfrm>
+          <a:prstGeom prst="rect">
+            <a:avLst/>
+          </a:prstGeom>
+          <a:noFill/>
+        </p:spPr>
+        <p:txBody>
+          <a:bodyPr wrap="none" rtlCol="0">
+            <a:spAutoFit/>
+          </a:bodyPr>
+          <a:lstStyle/>
+          <a:p>
+            <a:r>
+              <a:rPr lang="es-PE" b="1" dirty="0">
+                <a:solidFill>
+                  <a:schemeClr val="accent1">
+                    <a:lumMod val="75000"/>
+                  </a:schemeClr>
+                </a:solidFill>
+                <a:effectLst>
+                  <a:outerShdw blurRad="38100" dist="38100" dir="2700000" algn="tl">
+                    <a:srgbClr val="000000">
+                      <a:alpha val="43137"/>
+                    </a:srgbClr>
+                  </a:outerShdw>
+                </a:effectLst>
+              </a:rPr>
+              <a:t>AMBIENTE LOCAL</a:t>
+            </a:r>
+          </a:p>
+        </p:txBody>
+      </p:sp>
+      <p:cxnSp>
+        <p:nvCxnSpPr>
+          <p:cNvPr id="27" name="Conector recto de flecha 26">
+            <a:extLst>
+              <a:ext uri="{FF2B5EF4-FFF2-40B4-BE49-F238E27FC236}">
+                <a16:creationId xmlns:a16="http://schemas.microsoft.com/office/drawing/2014/main" id="{FF22195C-ECB5-45AC-9EC2-7E524C424D29}"/>
+              </a:ext>
+            </a:extLst>
+          </p:cNvPr>
+          <p:cNvCxnSpPr>
+            <a:cxnSpLocks/>
+            <a:stCxn id="9" idx="1"/>
+          </p:cNvCxnSpPr>
+          <p:nvPr/>
+        </p:nvCxnSpPr>
+        <p:spPr>
+          <a:xfrm flipH="1">
+            <a:off x="1214810" y="219998"/>
+            <a:ext cx="4176464" cy="0"/>
+          </a:xfrm>
+          <a:prstGeom prst="straightConnector1">
+            <a:avLst/>
+          </a:prstGeom>
+          <a:ln>
+            <a:prstDash val="dash"/>
+            <a:tailEnd type="triangle"/>
+          </a:ln>
+        </p:spPr>
+        <p:style>
+          <a:lnRef idx="1">
+            <a:schemeClr val="accent1"/>
+          </a:lnRef>
+          <a:fillRef idx="0">
+            <a:schemeClr val="accent1"/>
+          </a:fillRef>
+          <a:effectRef idx="0">
+            <a:schemeClr val="accent1"/>
+          </a:effectRef>
+          <a:fontRef idx="minor">
+            <a:schemeClr val="tx1"/>
+          </a:fontRef>
+        </p:style>
+      </p:cxnSp>
+      <p:cxnSp>
+        <p:nvCxnSpPr>
+          <p:cNvPr id="33" name="Conector recto de flecha 32">
+            <a:extLst>
+              <a:ext uri="{FF2B5EF4-FFF2-40B4-BE49-F238E27FC236}">
+                <a16:creationId xmlns:a16="http://schemas.microsoft.com/office/drawing/2014/main" id="{5355338F-22AA-4923-9AAD-1094982EF4F5}"/>
+              </a:ext>
+            </a:extLst>
+          </p:cNvPr>
+          <p:cNvCxnSpPr>
+            <a:cxnSpLocks/>
+            <a:stCxn id="9" idx="3"/>
+          </p:cNvCxnSpPr>
+          <p:nvPr/>
+        </p:nvCxnSpPr>
+        <p:spPr>
+          <a:xfrm>
+            <a:off x="7427922" y="219998"/>
+            <a:ext cx="4372064" cy="0"/>
+          </a:xfrm>
+          <a:prstGeom prst="straightConnector1">
+            <a:avLst/>
+          </a:prstGeom>
+          <a:ln>
+            <a:prstDash val="dash"/>
+            <a:tailEnd type="triangle"/>
+          </a:ln>
+        </p:spPr>
+        <p:style>
+          <a:lnRef idx="1">
+            <a:schemeClr val="accent1"/>
+          </a:lnRef>
+          <a:fillRef idx="0">
+            <a:schemeClr val="accent1"/>
+          </a:fillRef>
+          <a:effectRef idx="0">
+            <a:schemeClr val="accent1"/>
+          </a:effectRef>
+          <a:fontRef idx="minor">
+            <a:schemeClr val="tx1"/>
+          </a:fontRef>
+        </p:style>
+      </p:cxnSp>
+      <p:sp>
+        <p:nvSpPr>
+          <p:cNvPr id="40" name="CuadroTexto 39">
+            <a:extLst>
+              <a:ext uri="{FF2B5EF4-FFF2-40B4-BE49-F238E27FC236}">
+                <a16:creationId xmlns:a16="http://schemas.microsoft.com/office/drawing/2014/main" id="{9E93214B-44EA-4A6A-B083-B9F7FC2A00FD}"/>
+              </a:ext>
+            </a:extLst>
+          </p:cNvPr>
+          <p:cNvSpPr txBox="1"/>
+          <p:nvPr/>
+        </p:nvSpPr>
+        <p:spPr>
+          <a:xfrm>
+            <a:off x="4428643" y="2205224"/>
+            <a:ext cx="1144801" cy="584775"/>
+          </a:xfrm>
+          <a:prstGeom prst="rect">
+            <a:avLst/>
+          </a:prstGeom>
+          <a:noFill/>
+          <a:ln>
+            <a:solidFill>
+              <a:schemeClr val="tx2"/>
+            </a:solidFill>
+          </a:ln>
+        </p:spPr>
+        <p:txBody>
+          <a:bodyPr wrap="none" rtlCol="0">
+            <a:spAutoFit/>
+          </a:bodyPr>
+          <a:lstStyle/>
+          <a:p>
+            <a:pPr algn="ctr"/>
+            <a:r>
+              <a:rPr lang="es-PE" sz="1600" b="1" dirty="0">
+                <a:effectLst>
+                  <a:outerShdw blurRad="38100" dist="38100" dir="2700000" algn="tl">
+                    <a:srgbClr val="000000">
+                      <a:alpha val="43137"/>
+                    </a:srgbClr>
+                  </a:outerShdw>
+                </a:effectLst>
+                <a:latin typeface="Calibri" panose="020F0502020204030204" pitchFamily="34" charset="0"/>
+                <a:cs typeface="Calibri" panose="020F0502020204030204" pitchFamily="34" charset="0"/>
+              </a:rPr>
+              <a:t>WORKING</a:t>
+            </a:r>
+          </a:p>
+          <a:p>
+            <a:pPr algn="ctr"/>
+            <a:r>
+              <a:rPr lang="es-PE" sz="1600" b="1" dirty="0">
+                <a:effectLst>
+                  <a:outerShdw blurRad="38100" dist="38100" dir="2700000" algn="tl">
+                    <a:srgbClr val="000000">
+                      <a:alpha val="43137"/>
+                    </a:srgbClr>
+                  </a:outerShdw>
+                </a:effectLst>
+                <a:latin typeface="Calibri" panose="020F0502020204030204" pitchFamily="34" charset="0"/>
+                <a:cs typeface="Calibri" panose="020F0502020204030204" pitchFamily="34" charset="0"/>
+              </a:rPr>
+              <a:t>DIRECTORY</a:t>
+            </a:r>
+          </a:p>
+        </p:txBody>
+      </p:sp>
+      <p:sp>
+        <p:nvSpPr>
+          <p:cNvPr id="42" name="CuadroTexto 41">
+            <a:extLst>
+              <a:ext uri="{FF2B5EF4-FFF2-40B4-BE49-F238E27FC236}">
+                <a16:creationId xmlns:a16="http://schemas.microsoft.com/office/drawing/2014/main" id="{820C0448-D53E-4E01-90D1-48B05281B96A}"/>
+              </a:ext>
+            </a:extLst>
+          </p:cNvPr>
+          <p:cNvSpPr txBox="1"/>
+          <p:nvPr/>
+        </p:nvSpPr>
+        <p:spPr>
+          <a:xfrm>
+            <a:off x="2259858" y="2205224"/>
+            <a:ext cx="980653" cy="584775"/>
+          </a:xfrm>
+          <a:prstGeom prst="rect">
+            <a:avLst/>
+          </a:prstGeom>
+          <a:noFill/>
+          <a:ln>
+            <a:solidFill>
+              <a:schemeClr val="tx2"/>
+            </a:solidFill>
+          </a:ln>
+        </p:spPr>
+        <p:txBody>
+          <a:bodyPr wrap="none" rtlCol="0">
+            <a:spAutoFit/>
+          </a:bodyPr>
+          <a:lstStyle/>
+          <a:p>
+            <a:pPr algn="ctr"/>
+            <a:r>
+              <a:rPr lang="es-PE" sz="1600" b="1" dirty="0">
+                <a:effectLst>
+                  <a:outerShdw blurRad="38100" dist="38100" dir="2700000" algn="tl">
+                    <a:srgbClr val="000000">
+                      <a:alpha val="43137"/>
+                    </a:srgbClr>
+                  </a:outerShdw>
+                </a:effectLst>
+                <a:latin typeface="Calibri" panose="020F0502020204030204" pitchFamily="34" charset="0"/>
+                <a:cs typeface="Calibri" panose="020F0502020204030204" pitchFamily="34" charset="0"/>
+              </a:rPr>
+              <a:t>USUARIO</a:t>
+            </a:r>
+          </a:p>
+          <a:p>
+            <a:pPr algn="ctr"/>
+            <a:r>
+              <a:rPr lang="es-PE" sz="1600" b="1" dirty="0">
+                <a:effectLst>
+                  <a:outerShdw blurRad="38100" dist="38100" dir="2700000" algn="tl">
+                    <a:srgbClr val="000000">
+                      <a:alpha val="43137"/>
+                    </a:srgbClr>
+                  </a:outerShdw>
+                </a:effectLst>
+                <a:latin typeface="Calibri" panose="020F0502020204030204" pitchFamily="34" charset="0"/>
+                <a:cs typeface="Calibri" panose="020F0502020204030204" pitchFamily="34" charset="0"/>
+              </a:rPr>
+              <a:t>(USER)</a:t>
+            </a:r>
+          </a:p>
+        </p:txBody>
+      </p:sp>
+      <p:sp>
+        <p:nvSpPr>
+          <p:cNvPr id="44" name="CuadroTexto 43">
+            <a:extLst>
+              <a:ext uri="{FF2B5EF4-FFF2-40B4-BE49-F238E27FC236}">
+                <a16:creationId xmlns:a16="http://schemas.microsoft.com/office/drawing/2014/main" id="{39F1F58E-92D5-4AB2-B7CA-E970FF319CC7}"/>
+              </a:ext>
+            </a:extLst>
+          </p:cNvPr>
+          <p:cNvSpPr txBox="1"/>
+          <p:nvPr/>
+        </p:nvSpPr>
+        <p:spPr>
+          <a:xfrm>
+            <a:off x="6843603" y="2205224"/>
+            <a:ext cx="939873" cy="584775"/>
+          </a:xfrm>
+          <a:prstGeom prst="rect">
+            <a:avLst/>
+          </a:prstGeom>
+          <a:noFill/>
+          <a:ln>
+            <a:solidFill>
+              <a:schemeClr val="tx2"/>
+            </a:solidFill>
+          </a:ln>
+        </p:spPr>
+        <p:txBody>
+          <a:bodyPr wrap="none" rtlCol="0">
+            <a:spAutoFit/>
+          </a:bodyPr>
+          <a:lstStyle/>
+          <a:p>
+            <a:pPr algn="ctr"/>
+            <a:r>
+              <a:rPr lang="es-PE" sz="1600" b="1" dirty="0">
+                <a:effectLst>
+                  <a:outerShdw blurRad="38100" dist="38100" dir="2700000" algn="tl">
+                    <a:srgbClr val="000000">
+                      <a:alpha val="43137"/>
+                    </a:srgbClr>
+                  </a:outerShdw>
+                </a:effectLst>
+                <a:latin typeface="Calibri" panose="020F0502020204030204" pitchFamily="34" charset="0"/>
+                <a:cs typeface="Calibri" panose="020F0502020204030204" pitchFamily="34" charset="0"/>
+              </a:rPr>
+              <a:t>STAGING</a:t>
+            </a:r>
+          </a:p>
+          <a:p>
+            <a:pPr algn="ctr"/>
+            <a:r>
+              <a:rPr lang="es-PE" sz="1600" b="1" dirty="0">
+                <a:effectLst>
+                  <a:outerShdw blurRad="38100" dist="38100" dir="2700000" algn="tl">
+                    <a:srgbClr val="000000">
+                      <a:alpha val="43137"/>
+                    </a:srgbClr>
+                  </a:outerShdw>
+                </a:effectLst>
+                <a:latin typeface="Calibri" panose="020F0502020204030204" pitchFamily="34" charset="0"/>
+                <a:cs typeface="Calibri" panose="020F0502020204030204" pitchFamily="34" charset="0"/>
+              </a:rPr>
+              <a:t>AREA</a:t>
+            </a:r>
+          </a:p>
+        </p:txBody>
+      </p:sp>
+      <p:sp>
+        <p:nvSpPr>
+          <p:cNvPr id="45" name="CuadroTexto 44">
+            <a:extLst>
+              <a:ext uri="{FF2B5EF4-FFF2-40B4-BE49-F238E27FC236}">
+                <a16:creationId xmlns:a16="http://schemas.microsoft.com/office/drawing/2014/main" id="{3F84DAE6-D0E0-4DF1-B529-7D750EA4F6C6}"/>
+              </a:ext>
+            </a:extLst>
+          </p:cNvPr>
+          <p:cNvSpPr txBox="1"/>
+          <p:nvPr/>
+        </p:nvSpPr>
+        <p:spPr>
+          <a:xfrm>
+            <a:off x="8953093" y="2205224"/>
+            <a:ext cx="1254191" cy="584775"/>
+          </a:xfrm>
+          <a:prstGeom prst="rect">
+            <a:avLst/>
+          </a:prstGeom>
+          <a:noFill/>
+          <a:ln>
+            <a:solidFill>
+              <a:schemeClr val="tx2"/>
+            </a:solidFill>
+          </a:ln>
+        </p:spPr>
+        <p:txBody>
+          <a:bodyPr wrap="none" rtlCol="0">
+            <a:spAutoFit/>
+          </a:bodyPr>
+          <a:lstStyle/>
+          <a:p>
+            <a:pPr algn="ctr"/>
+            <a:r>
+              <a:rPr lang="es-PE" sz="1600" b="1" dirty="0">
+                <a:effectLst>
+                  <a:outerShdw blurRad="38100" dist="38100" dir="2700000" algn="tl">
+                    <a:srgbClr val="000000">
+                      <a:alpha val="43137"/>
+                    </a:srgbClr>
+                  </a:outerShdw>
+                </a:effectLst>
+                <a:latin typeface="Calibri" panose="020F0502020204030204" pitchFamily="34" charset="0"/>
+                <a:cs typeface="Calibri" panose="020F0502020204030204" pitchFamily="34" charset="0"/>
+              </a:rPr>
+              <a:t>LOCAL</a:t>
+            </a:r>
+          </a:p>
+          <a:p>
+            <a:pPr algn="ctr"/>
+            <a:r>
+              <a:rPr lang="es-PE" sz="1600" b="1" dirty="0">
+                <a:effectLst>
+                  <a:outerShdw blurRad="38100" dist="38100" dir="2700000" algn="tl">
+                    <a:srgbClr val="000000">
+                      <a:alpha val="43137"/>
+                    </a:srgbClr>
+                  </a:outerShdw>
+                </a:effectLst>
+                <a:latin typeface="Calibri" panose="020F0502020204030204" pitchFamily="34" charset="0"/>
+                <a:cs typeface="Calibri" panose="020F0502020204030204" pitchFamily="34" charset="0"/>
+              </a:rPr>
+              <a:t>REPOSITORY</a:t>
+            </a:r>
+          </a:p>
+        </p:txBody>
+      </p:sp>
+      <p:cxnSp>
+        <p:nvCxnSpPr>
+          <p:cNvPr id="46" name="Conector recto 45">
+            <a:extLst>
+              <a:ext uri="{FF2B5EF4-FFF2-40B4-BE49-F238E27FC236}">
+                <a16:creationId xmlns:a16="http://schemas.microsoft.com/office/drawing/2014/main" id="{24E6399B-882A-4CD2-80C5-845387F2A563}"/>
+              </a:ext>
+            </a:extLst>
+          </p:cNvPr>
+          <p:cNvCxnSpPr/>
+          <p:nvPr/>
+        </p:nvCxnSpPr>
+        <p:spPr>
+          <a:xfrm>
+            <a:off x="3862164" y="2205224"/>
+            <a:ext cx="0" cy="3240000"/>
+          </a:xfrm>
+          <a:prstGeom prst="line">
+            <a:avLst/>
+          </a:prstGeom>
+        </p:spPr>
+        <p:style>
+          <a:lnRef idx="1">
+            <a:schemeClr val="dk1"/>
+          </a:lnRef>
+          <a:fillRef idx="0">
+            <a:schemeClr val="dk1"/>
+          </a:fillRef>
+          <a:effectRef idx="0">
+            <a:schemeClr val="dk1"/>
+          </a:effectRef>
+          <a:fontRef idx="minor">
+            <a:schemeClr val="tx1"/>
+          </a:fontRef>
+        </p:style>
+      </p:cxnSp>
+      <p:cxnSp>
+        <p:nvCxnSpPr>
+          <p:cNvPr id="48" name="Conector recto 47">
+            <a:extLst>
+              <a:ext uri="{FF2B5EF4-FFF2-40B4-BE49-F238E27FC236}">
+                <a16:creationId xmlns:a16="http://schemas.microsoft.com/office/drawing/2014/main" id="{DF56AB82-C98D-4EBC-957B-38498090DACB}"/>
+              </a:ext>
+            </a:extLst>
+          </p:cNvPr>
+          <p:cNvCxnSpPr/>
+          <p:nvPr/>
+        </p:nvCxnSpPr>
+        <p:spPr>
+          <a:xfrm>
+            <a:off x="6238428" y="2205224"/>
+            <a:ext cx="0" cy="3240000"/>
+          </a:xfrm>
+          <a:prstGeom prst="line">
+            <a:avLst/>
+          </a:prstGeom>
+        </p:spPr>
+        <p:style>
+          <a:lnRef idx="1">
+            <a:schemeClr val="dk1"/>
+          </a:lnRef>
+          <a:fillRef idx="0">
+            <a:schemeClr val="dk1"/>
+          </a:fillRef>
+          <a:effectRef idx="0">
+            <a:schemeClr val="dk1"/>
+          </a:effectRef>
+          <a:fontRef idx="minor">
+            <a:schemeClr val="tx1"/>
+          </a:fontRef>
+        </p:style>
+      </p:cxnSp>
+      <p:cxnSp>
+        <p:nvCxnSpPr>
+          <p:cNvPr id="49" name="Conector recto 48">
+            <a:extLst>
+              <a:ext uri="{FF2B5EF4-FFF2-40B4-BE49-F238E27FC236}">
+                <a16:creationId xmlns:a16="http://schemas.microsoft.com/office/drawing/2014/main" id="{68B0A12E-6461-41F6-AA0D-E44E39494B04}"/>
+              </a:ext>
+            </a:extLst>
+          </p:cNvPr>
+          <p:cNvCxnSpPr/>
+          <p:nvPr/>
+        </p:nvCxnSpPr>
+        <p:spPr>
+          <a:xfrm>
+            <a:off x="8398668" y="2205224"/>
+            <a:ext cx="0" cy="3240000"/>
+          </a:xfrm>
+          <a:prstGeom prst="line">
+            <a:avLst/>
+          </a:prstGeom>
+        </p:spPr>
+        <p:style>
+          <a:lnRef idx="1">
+            <a:schemeClr val="dk1"/>
+          </a:lnRef>
+          <a:fillRef idx="0">
+            <a:schemeClr val="dk1"/>
+          </a:fillRef>
+          <a:effectRef idx="0">
+            <a:schemeClr val="dk1"/>
+          </a:effectRef>
+          <a:fontRef idx="minor">
+            <a:schemeClr val="tx1"/>
+          </a:fontRef>
+        </p:style>
+      </p:cxnSp>
+      <p:cxnSp>
+        <p:nvCxnSpPr>
+          <p:cNvPr id="50" name="Conector recto 49">
+            <a:extLst>
+              <a:ext uri="{FF2B5EF4-FFF2-40B4-BE49-F238E27FC236}">
+                <a16:creationId xmlns:a16="http://schemas.microsoft.com/office/drawing/2014/main" id="{A97CFA67-BA9B-4845-A44A-590F0A171D68}"/>
+              </a:ext>
+            </a:extLst>
+          </p:cNvPr>
+          <p:cNvCxnSpPr/>
+          <p:nvPr/>
+        </p:nvCxnSpPr>
+        <p:spPr>
+          <a:xfrm>
+            <a:off x="10774932" y="2205224"/>
+            <a:ext cx="0" cy="3240000"/>
+          </a:xfrm>
+          <a:prstGeom prst="line">
+            <a:avLst/>
+          </a:prstGeom>
+        </p:spPr>
+        <p:style>
+          <a:lnRef idx="1">
+            <a:schemeClr val="dk1"/>
+          </a:lnRef>
+          <a:fillRef idx="0">
+            <a:schemeClr val="dk1"/>
+          </a:fillRef>
+          <a:effectRef idx="0">
+            <a:schemeClr val="dk1"/>
+          </a:effectRef>
+          <a:fontRef idx="minor">
+            <a:schemeClr val="tx1"/>
+          </a:fontRef>
+        </p:style>
+      </p:cxnSp>
+      <p:cxnSp>
+        <p:nvCxnSpPr>
+          <p:cNvPr id="51" name="Conector recto 50">
+            <a:extLst>
+              <a:ext uri="{FF2B5EF4-FFF2-40B4-BE49-F238E27FC236}">
+                <a16:creationId xmlns:a16="http://schemas.microsoft.com/office/drawing/2014/main" id="{A7FD9FF3-1324-4118-AB86-30A6ED9FBB94}"/>
+              </a:ext>
+            </a:extLst>
+          </p:cNvPr>
+          <p:cNvCxnSpPr/>
+          <p:nvPr/>
+        </p:nvCxnSpPr>
+        <p:spPr>
+          <a:xfrm>
+            <a:off x="1701924" y="2205224"/>
+            <a:ext cx="0" cy="3240000"/>
+          </a:xfrm>
+          <a:prstGeom prst="line">
+            <a:avLst/>
+          </a:prstGeom>
+        </p:spPr>
+        <p:style>
+          <a:lnRef idx="1">
+            <a:schemeClr val="dk1"/>
+          </a:lnRef>
+          <a:fillRef idx="0">
+            <a:schemeClr val="dk1"/>
+          </a:fillRef>
+          <a:effectRef idx="0">
+            <a:schemeClr val="dk1"/>
+          </a:effectRef>
+          <a:fontRef idx="minor">
+            <a:schemeClr val="tx1"/>
+          </a:fontRef>
+        </p:style>
+      </p:cxnSp>
+      <p:pic>
+        <p:nvPicPr>
+          <p:cNvPr id="1026" name="Picture 2" descr="File:Robustness Diagram Actor.svg - Wikipedia">
+            <a:extLst>
+              <a:ext uri="{FF2B5EF4-FFF2-40B4-BE49-F238E27FC236}">
+                <a16:creationId xmlns:a16="http://schemas.microsoft.com/office/drawing/2014/main" id="{D4E9EA36-DB5E-44C4-ADF5-919CF6C54734}"/>
+              </a:ext>
+            </a:extLst>
+          </p:cNvPr>
+          <p:cNvPicPr>
+            <a:picLocks noChangeAspect="1" noChangeArrowheads="1"/>
+          </p:cNvPicPr>
+          <p:nvPr/>
+        </p:nvPicPr>
+        <p:blipFill rotWithShape="1">
+          <a:blip r:embed="rId3">
+            <a:extLst>
+              <a:ext uri="{28A0092B-C50C-407E-A947-70E740481C1C}">
+                <a14:useLocalDpi xmlns:a14="http://schemas.microsoft.com/office/drawing/2010/main" val="0"/>
+              </a:ext>
+            </a:extLst>
+          </a:blip>
+          <a:srcRect l="28390" t="6182" r="28390" b="7271"/>
+          <a:stretch/>
+        </p:blipFill>
+        <p:spPr bwMode="auto">
+          <a:xfrm>
+            <a:off x="2259858" y="3462991"/>
+            <a:ext cx="980633" cy="1372898"/>
+          </a:xfrm>
+          <a:prstGeom prst="rect">
+            <a:avLst/>
+          </a:prstGeom>
+          <a:noFill/>
+          <a:extLst>
+            <a:ext uri="{909E8E84-426E-40DD-AFC4-6F175D3DCCD1}">
+              <a14:hiddenFill xmlns:a14="http://schemas.microsoft.com/office/drawing/2010/main">
+                <a:solidFill>
+                  <a:srgbClr val="FFFFFF"/>
+                </a:solidFill>
+              </a14:hiddenFill>
+            </a:ext>
+          </a:extLst>
+        </p:spPr>
+      </p:pic>
+      <p:pic>
+        <p:nvPicPr>
+          <p:cNvPr id="47" name="Picture 4" descr="File Icon Vector Isolated on White Background, File Sign Stock Vector -  Illustration of decline, management: 125391856">
+            <a:extLst>
+              <a:ext uri="{FF2B5EF4-FFF2-40B4-BE49-F238E27FC236}">
+                <a16:creationId xmlns:a16="http://schemas.microsoft.com/office/drawing/2014/main" id="{D4E3E3B6-4729-4DAB-BC19-4580E240668C}"/>
+              </a:ext>
+            </a:extLst>
+          </p:cNvPr>
+          <p:cNvPicPr>
+            <a:picLocks noChangeAspect="1" noChangeArrowheads="1"/>
+          </p:cNvPicPr>
+          <p:nvPr/>
+        </p:nvPicPr>
+        <p:blipFill rotWithShape="1">
+          <a:blip r:embed="rId4">
+            <a:extLst>
+              <a:ext uri="{28A0092B-C50C-407E-A947-70E740481C1C}">
+                <a14:useLocalDpi xmlns:a14="http://schemas.microsoft.com/office/drawing/2010/main" val="0"/>
+              </a:ext>
+            </a:extLst>
+          </a:blip>
+          <a:srcRect l="12754" t="11280" r="19547" b="11279"/>
+          <a:stretch/>
+        </p:blipFill>
+        <p:spPr bwMode="auto">
+          <a:xfrm>
+            <a:off x="4477357" y="3462991"/>
+            <a:ext cx="1200187" cy="1372898"/>
+          </a:xfrm>
+          <a:prstGeom prst="rect">
+            <a:avLst/>
+          </a:prstGeom>
+          <a:noFill/>
+          <a:extLst>
+            <a:ext uri="{909E8E84-426E-40DD-AFC4-6F175D3DCCD1}">
+              <a14:hiddenFill xmlns:a14="http://schemas.microsoft.com/office/drawing/2010/main">
+                <a:solidFill>
+                  <a:srgbClr val="FFFFFF"/>
+                </a:solidFill>
+              </a14:hiddenFill>
+            </a:ext>
+          </a:extLst>
+        </p:spPr>
+      </p:pic>
+      <p:pic>
+        <p:nvPicPr>
+          <p:cNvPr id="54" name="Picture 4" descr="File Icon Vector Isolated on White Background, File Sign Stock Vector -  Illustration of decline, management: 125391856">
+            <a:extLst>
+              <a:ext uri="{FF2B5EF4-FFF2-40B4-BE49-F238E27FC236}">
+                <a16:creationId xmlns:a16="http://schemas.microsoft.com/office/drawing/2014/main" id="{1C48B4FD-9407-4A52-9266-C3391507ADB5}"/>
+              </a:ext>
+            </a:extLst>
+          </p:cNvPr>
+          <p:cNvPicPr>
+            <a:picLocks noChangeAspect="1" noChangeArrowheads="1"/>
+          </p:cNvPicPr>
+          <p:nvPr/>
+        </p:nvPicPr>
+        <p:blipFill rotWithShape="1">
+          <a:blip r:embed="rId4">
+            <a:extLst>
+              <a:ext uri="{28A0092B-C50C-407E-A947-70E740481C1C}">
+                <a14:useLocalDpi xmlns:a14="http://schemas.microsoft.com/office/drawing/2010/main" val="0"/>
+              </a:ext>
+            </a:extLst>
+          </a:blip>
+          <a:srcRect l="12754" t="11280" r="19547" b="11279"/>
+          <a:stretch/>
+        </p:blipFill>
+        <p:spPr bwMode="auto">
+          <a:xfrm>
+            <a:off x="6718455" y="3462991"/>
+            <a:ext cx="1200187" cy="1372898"/>
+          </a:xfrm>
+          <a:prstGeom prst="rect">
+            <a:avLst/>
+          </a:prstGeom>
+          <a:noFill/>
+          <a:extLst>
+            <a:ext uri="{909E8E84-426E-40DD-AFC4-6F175D3DCCD1}">
+              <a14:hiddenFill xmlns:a14="http://schemas.microsoft.com/office/drawing/2010/main">
+                <a:solidFill>
+                  <a:srgbClr val="FFFFFF"/>
+                </a:solidFill>
+              </a14:hiddenFill>
+            </a:ext>
+          </a:extLst>
+        </p:spPr>
+      </p:pic>
+      <p:pic>
+        <p:nvPicPr>
+          <p:cNvPr id="55" name="Picture 4" descr="File Icon Vector Isolated on White Background, File Sign Stock Vector -  Illustration of decline, management: 125391856">
+            <a:extLst>
+              <a:ext uri="{FF2B5EF4-FFF2-40B4-BE49-F238E27FC236}">
+                <a16:creationId xmlns:a16="http://schemas.microsoft.com/office/drawing/2014/main" id="{AD95C780-2EDB-4BB1-8711-C598FB2D82FF}"/>
+              </a:ext>
+            </a:extLst>
+          </p:cNvPr>
+          <p:cNvPicPr>
+            <a:picLocks noChangeAspect="1" noChangeArrowheads="1"/>
+          </p:cNvPicPr>
+          <p:nvPr/>
+        </p:nvPicPr>
+        <p:blipFill rotWithShape="1">
+          <a:blip r:embed="rId4">
+            <a:extLst>
+              <a:ext uri="{28A0092B-C50C-407E-A947-70E740481C1C}">
+                <a14:useLocalDpi xmlns:a14="http://schemas.microsoft.com/office/drawing/2010/main" val="0"/>
+              </a:ext>
+            </a:extLst>
+          </a:blip>
+          <a:srcRect l="12754" t="11280" r="19547" b="11279"/>
+          <a:stretch/>
+        </p:blipFill>
+        <p:spPr bwMode="auto">
+          <a:xfrm>
+            <a:off x="9013861" y="3462991"/>
+            <a:ext cx="1200187" cy="1372898"/>
+          </a:xfrm>
+          <a:prstGeom prst="rect">
+            <a:avLst/>
+          </a:prstGeom>
+          <a:noFill/>
+          <a:extLst>
+            <a:ext uri="{909E8E84-426E-40DD-AFC4-6F175D3DCCD1}">
+              <a14:hiddenFill xmlns:a14="http://schemas.microsoft.com/office/drawing/2010/main">
+                <a:solidFill>
+                  <a:srgbClr val="FFFFFF"/>
+                </a:solidFill>
+              </a14:hiddenFill>
+            </a:ext>
+          </a:extLst>
+        </p:spPr>
+      </p:pic>
+      <p:cxnSp>
+        <p:nvCxnSpPr>
+          <p:cNvPr id="53" name="Conector recto de flecha 52">
+            <a:extLst>
+              <a:ext uri="{FF2B5EF4-FFF2-40B4-BE49-F238E27FC236}">
+                <a16:creationId xmlns:a16="http://schemas.microsoft.com/office/drawing/2014/main" id="{6C8ADE01-51B6-493A-A9CC-3740E61308B4}"/>
+              </a:ext>
+            </a:extLst>
+          </p:cNvPr>
+          <p:cNvCxnSpPr>
+            <a:stCxn id="1026" idx="3"/>
+            <a:endCxn id="47" idx="1"/>
+          </p:cNvCxnSpPr>
+          <p:nvPr/>
+        </p:nvCxnSpPr>
+        <p:spPr>
+          <a:xfrm>
+            <a:off x="3240491" y="4149440"/>
+            <a:ext cx="1236866" cy="0"/>
+          </a:xfrm>
+          <a:prstGeom prst="straightConnector1">
+            <a:avLst/>
+          </a:prstGeom>
+          <a:ln w="28575">
+            <a:solidFill>
+              <a:srgbClr val="0070C0"/>
+            </a:solidFill>
+            <a:tailEnd type="triangle"/>
+          </a:ln>
+        </p:spPr>
+        <p:style>
+          <a:lnRef idx="1">
+            <a:schemeClr val="accent4"/>
+          </a:lnRef>
+          <a:fillRef idx="0">
+            <a:schemeClr val="accent4"/>
+          </a:fillRef>
+          <a:effectRef idx="0">
+            <a:schemeClr val="accent4"/>
+          </a:effectRef>
+          <a:fontRef idx="minor">
+            <a:schemeClr val="tx1"/>
+          </a:fontRef>
+        </p:style>
+      </p:cxnSp>
+      <p:cxnSp>
+        <p:nvCxnSpPr>
+          <p:cNvPr id="58" name="Conector recto de flecha 57">
+            <a:extLst>
+              <a:ext uri="{FF2B5EF4-FFF2-40B4-BE49-F238E27FC236}">
+                <a16:creationId xmlns:a16="http://schemas.microsoft.com/office/drawing/2014/main" id="{3C311777-2617-4E94-972F-2358DAA605AF}"/>
+              </a:ext>
+            </a:extLst>
+          </p:cNvPr>
+          <p:cNvCxnSpPr>
+            <a:cxnSpLocks/>
+            <a:stCxn id="47" idx="3"/>
+            <a:endCxn id="54" idx="1"/>
+          </p:cNvCxnSpPr>
+          <p:nvPr/>
+        </p:nvCxnSpPr>
+        <p:spPr>
+          <a:xfrm>
+            <a:off x="5677544" y="4149440"/>
+            <a:ext cx="1040911" cy="0"/>
+          </a:xfrm>
+          <a:prstGeom prst="straightConnector1">
+            <a:avLst/>
+          </a:prstGeom>
+          <a:ln w="28575">
+            <a:solidFill>
+              <a:srgbClr val="0070C0"/>
+            </a:solidFill>
+            <a:tailEnd type="triangle"/>
+          </a:ln>
+        </p:spPr>
+        <p:style>
+          <a:lnRef idx="1">
+            <a:schemeClr val="accent4"/>
+          </a:lnRef>
+          <a:fillRef idx="0">
+            <a:schemeClr val="accent4"/>
+          </a:fillRef>
+          <a:effectRef idx="0">
+            <a:schemeClr val="accent4"/>
+          </a:effectRef>
+          <a:fontRef idx="minor">
+            <a:schemeClr val="tx1"/>
+          </a:fontRef>
+        </p:style>
+      </p:cxnSp>
+      <p:cxnSp>
+        <p:nvCxnSpPr>
+          <p:cNvPr id="61" name="Conector recto de flecha 60">
+            <a:extLst>
+              <a:ext uri="{FF2B5EF4-FFF2-40B4-BE49-F238E27FC236}">
+                <a16:creationId xmlns:a16="http://schemas.microsoft.com/office/drawing/2014/main" id="{ED9BF824-C4FB-45AD-AC99-6673DC1C20A5}"/>
+              </a:ext>
+            </a:extLst>
+          </p:cNvPr>
+          <p:cNvCxnSpPr>
+            <a:cxnSpLocks/>
+            <a:stCxn id="54" idx="3"/>
+            <a:endCxn id="55" idx="1"/>
+          </p:cNvCxnSpPr>
+          <p:nvPr/>
+        </p:nvCxnSpPr>
+        <p:spPr>
+          <a:xfrm>
+            <a:off x="7918642" y="4149440"/>
+            <a:ext cx="1095219" cy="0"/>
+          </a:xfrm>
+          <a:prstGeom prst="straightConnector1">
+            <a:avLst/>
+          </a:prstGeom>
+          <a:ln w="28575">
+            <a:solidFill>
+              <a:srgbClr val="0070C0"/>
+            </a:solidFill>
+            <a:tailEnd type="triangle"/>
+          </a:ln>
+        </p:spPr>
+        <p:style>
+          <a:lnRef idx="1">
+            <a:schemeClr val="accent4"/>
+          </a:lnRef>
+          <a:fillRef idx="0">
+            <a:schemeClr val="accent4"/>
+          </a:fillRef>
+          <a:effectRef idx="0">
+            <a:schemeClr val="accent4"/>
+          </a:effectRef>
+          <a:fontRef idx="minor">
+            <a:schemeClr val="tx1"/>
+          </a:fontRef>
+        </p:style>
+      </p:cxnSp>
+      <p:sp>
+        <p:nvSpPr>
+          <p:cNvPr id="1025" name="CuadroTexto 1024">
+            <a:extLst>
+              <a:ext uri="{FF2B5EF4-FFF2-40B4-BE49-F238E27FC236}">
+                <a16:creationId xmlns:a16="http://schemas.microsoft.com/office/drawing/2014/main" id="{D70AB8BE-08D8-45F9-A58B-1F196E9918C4}"/>
+              </a:ext>
+            </a:extLst>
+          </p:cNvPr>
+          <p:cNvSpPr txBox="1"/>
+          <p:nvPr/>
+        </p:nvSpPr>
+        <p:spPr>
+          <a:xfrm>
+            <a:off x="3597931" y="3789040"/>
+            <a:ext cx="319318" cy="369332"/>
+          </a:xfrm>
+          <a:prstGeom prst="rect">
+            <a:avLst/>
+          </a:prstGeom>
+          <a:noFill/>
+        </p:spPr>
+        <p:txBody>
+          <a:bodyPr wrap="none" rtlCol="0">
+            <a:spAutoFit/>
+          </a:bodyPr>
+          <a:lstStyle/>
+          <a:p>
+            <a:r>
+              <a:rPr lang="es-PE" b="1" dirty="0">
+                <a:solidFill>
+                  <a:srgbClr val="C00000"/>
+                </a:solidFill>
+                <a:effectLst>
+                  <a:outerShdw blurRad="38100" dist="38100" dir="2700000" algn="tl">
+                    <a:srgbClr val="000000">
+                      <a:alpha val="43137"/>
+                    </a:srgbClr>
+                  </a:outerShdw>
+                </a:effectLst>
+              </a:rPr>
+              <a:t>1</a:t>
+            </a:r>
+          </a:p>
+        </p:txBody>
+      </p:sp>
+      <p:sp>
+        <p:nvSpPr>
+          <p:cNvPr id="68" name="CuadroTexto 67">
+            <a:extLst>
+              <a:ext uri="{FF2B5EF4-FFF2-40B4-BE49-F238E27FC236}">
+                <a16:creationId xmlns:a16="http://schemas.microsoft.com/office/drawing/2014/main" id="{0A8BED9D-4000-4212-8455-D8CE202F9852}"/>
+              </a:ext>
+            </a:extLst>
+          </p:cNvPr>
+          <p:cNvSpPr txBox="1"/>
+          <p:nvPr/>
+        </p:nvSpPr>
+        <p:spPr>
+          <a:xfrm>
+            <a:off x="5911732" y="3802142"/>
+            <a:ext cx="319318" cy="369332"/>
+          </a:xfrm>
+          <a:prstGeom prst="rect">
+            <a:avLst/>
+          </a:prstGeom>
+          <a:noFill/>
+        </p:spPr>
+        <p:txBody>
+          <a:bodyPr wrap="none" rtlCol="0">
+            <a:spAutoFit/>
+          </a:bodyPr>
+          <a:lstStyle>
+            <a:defPPr rtl="0">
+              <a:defRPr lang="es-es"/>
+            </a:defPPr>
+            <a:lvl1pPr>
+              <a:defRPr b="1">
+                <a:solidFill>
+                  <a:srgbClr val="C00000"/>
+                </a:solidFill>
+                <a:effectLst>
+                  <a:outerShdw blurRad="38100" dist="38100" dir="2700000" algn="tl">
+                    <a:srgbClr val="000000">
+                      <a:alpha val="43137"/>
+                    </a:srgbClr>
+                  </a:outerShdw>
+                </a:effectLst>
+              </a:defRPr>
+            </a:lvl1pPr>
+          </a:lstStyle>
+          <a:p>
+            <a:r>
+              <a:rPr lang="es-PE" dirty="0"/>
+              <a:t>2</a:t>
+            </a:r>
+          </a:p>
+        </p:txBody>
+      </p:sp>
+      <p:sp>
+        <p:nvSpPr>
+          <p:cNvPr id="69" name="CuadroTexto 68">
+            <a:extLst>
+              <a:ext uri="{FF2B5EF4-FFF2-40B4-BE49-F238E27FC236}">
+                <a16:creationId xmlns:a16="http://schemas.microsoft.com/office/drawing/2014/main" id="{4AD8FBA2-D082-4E39-9D23-FEAA71EFB4E9}"/>
+              </a:ext>
+            </a:extLst>
+          </p:cNvPr>
+          <p:cNvSpPr txBox="1"/>
+          <p:nvPr/>
+        </p:nvSpPr>
+        <p:spPr>
+          <a:xfrm>
+            <a:off x="8105467" y="3813159"/>
+            <a:ext cx="319318" cy="369332"/>
+          </a:xfrm>
+          <a:prstGeom prst="rect">
+            <a:avLst/>
+          </a:prstGeom>
+          <a:noFill/>
+        </p:spPr>
+        <p:txBody>
+          <a:bodyPr wrap="none" rtlCol="0">
+            <a:spAutoFit/>
+          </a:bodyPr>
+          <a:lstStyle>
+            <a:defPPr rtl="0">
+              <a:defRPr lang="es-es"/>
+            </a:defPPr>
+            <a:lvl1pPr>
+              <a:defRPr b="1">
+                <a:solidFill>
+                  <a:srgbClr val="C00000"/>
+                </a:solidFill>
+                <a:effectLst>
+                  <a:outerShdw blurRad="38100" dist="38100" dir="2700000" algn="tl">
+                    <a:srgbClr val="000000">
+                      <a:alpha val="43137"/>
+                    </a:srgbClr>
+                  </a:outerShdw>
+                </a:effectLst>
+              </a:defRPr>
+            </a:lvl1pPr>
+          </a:lstStyle>
+          <a:p>
+            <a:r>
+              <a:rPr lang="es-PE" dirty="0"/>
+              <a:t>3</a:t>
+            </a:r>
+          </a:p>
+        </p:txBody>
+      </p:sp>
+      <p:sp>
+        <p:nvSpPr>
+          <p:cNvPr id="70" name="CuadroTexto 69">
+            <a:extLst>
+              <a:ext uri="{FF2B5EF4-FFF2-40B4-BE49-F238E27FC236}">
+                <a16:creationId xmlns:a16="http://schemas.microsoft.com/office/drawing/2014/main" id="{27E5E434-0BD8-4B12-94CA-A5DA4DD7F981}"/>
+              </a:ext>
+            </a:extLst>
+          </p:cNvPr>
+          <p:cNvSpPr txBox="1"/>
+          <p:nvPr/>
+        </p:nvSpPr>
+        <p:spPr>
+          <a:xfrm>
+            <a:off x="1355204" y="5839754"/>
+            <a:ext cx="4352153" cy="923330"/>
+          </a:xfrm>
+          <a:prstGeom prst="rect">
+            <a:avLst/>
+          </a:prstGeom>
+          <a:noFill/>
+          <a:ln>
+            <a:solidFill>
+              <a:schemeClr val="tx2"/>
+            </a:solidFill>
+          </a:ln>
+        </p:spPr>
+        <p:txBody>
+          <a:bodyPr wrap="none" rtlCol="0">
+            <a:spAutoFit/>
+          </a:bodyPr>
+          <a:lstStyle/>
+          <a:p>
+            <a:pPr marL="342900" indent="-342900">
+              <a:buFont typeface="+mj-lt"/>
+              <a:buAutoNum type="arabicParenR"/>
+            </a:pPr>
+            <a:r>
+              <a:rPr lang="es-PE" b="1" dirty="0">
+                <a:solidFill>
+                  <a:srgbClr val="C00000"/>
+                </a:solidFill>
+                <a:effectLst>
+                  <a:outerShdw blurRad="38100" dist="38100" dir="2700000" algn="tl">
+                    <a:srgbClr val="000000">
+                      <a:alpha val="43137"/>
+                    </a:srgbClr>
+                  </a:outerShdw>
+                </a:effectLst>
+              </a:rPr>
+              <a:t>Crear, modificar o eliminar archivos</a:t>
+            </a:r>
+          </a:p>
+          <a:p>
+            <a:pPr marL="342900" indent="-342900">
+              <a:buFont typeface="+mj-lt"/>
+              <a:buAutoNum type="arabicParenR"/>
+            </a:pPr>
+            <a:r>
+              <a:rPr lang="es-PE" b="1" dirty="0">
+                <a:solidFill>
+                  <a:srgbClr val="C00000"/>
+                </a:solidFill>
+                <a:effectLst>
+                  <a:outerShdw blurRad="38100" dist="38100" dir="2700000" algn="tl">
+                    <a:srgbClr val="000000">
+                      <a:alpha val="43137"/>
+                    </a:srgbClr>
+                  </a:outerShdw>
+                </a:effectLst>
+              </a:rPr>
+              <a:t>Preparar archivos para confirmación</a:t>
+            </a:r>
+          </a:p>
+          <a:p>
+            <a:pPr marL="342900" indent="-342900">
+              <a:buFont typeface="+mj-lt"/>
+              <a:buAutoNum type="arabicParenR"/>
+            </a:pPr>
+            <a:r>
+              <a:rPr lang="es-PE" b="1" dirty="0">
+                <a:solidFill>
+                  <a:srgbClr val="C00000"/>
+                </a:solidFill>
+                <a:effectLst>
+                  <a:outerShdw blurRad="38100" dist="38100" dir="2700000" algn="tl">
+                    <a:srgbClr val="000000">
+                      <a:alpha val="43137"/>
+                    </a:srgbClr>
+                  </a:outerShdw>
+                </a:effectLst>
+              </a:rPr>
+              <a:t>Confirmar archivos</a:t>
+            </a:r>
+          </a:p>
+        </p:txBody>
+      </p:sp>
+      <p:sp>
+        <p:nvSpPr>
+          <p:cNvPr id="1027" name="CuadroTexto 1026">
+            <a:extLst>
+              <a:ext uri="{FF2B5EF4-FFF2-40B4-BE49-F238E27FC236}">
+                <a16:creationId xmlns:a16="http://schemas.microsoft.com/office/drawing/2014/main" id="{5EE7A636-5BEA-46C1-95DE-D608AF5EC326}"/>
+              </a:ext>
+            </a:extLst>
+          </p:cNvPr>
+          <p:cNvSpPr txBox="1"/>
+          <p:nvPr/>
+        </p:nvSpPr>
+        <p:spPr>
+          <a:xfrm>
+            <a:off x="4298701" y="5005636"/>
+            <a:ext cx="1340432" cy="338554"/>
+          </a:xfrm>
+          <a:prstGeom prst="rect">
+            <a:avLst/>
+          </a:prstGeom>
+          <a:noFill/>
+        </p:spPr>
+        <p:txBody>
+          <a:bodyPr wrap="none" rtlCol="0">
+            <a:spAutoFit/>
+          </a:bodyPr>
+          <a:lstStyle/>
+          <a:p>
+            <a:r>
+              <a:rPr lang="es-PE" sz="1600" b="1" dirty="0">
+                <a:solidFill>
+                  <a:schemeClr val="accent5">
+                    <a:lumMod val="75000"/>
+                  </a:schemeClr>
+                </a:solidFill>
+                <a:effectLst>
+                  <a:outerShdw blurRad="38100" dist="38100" dir="2700000" algn="tl">
+                    <a:srgbClr val="000000">
+                      <a:alpha val="43137"/>
+                    </a:srgbClr>
+                  </a:outerShdw>
+                </a:effectLst>
+                <a:latin typeface="Calibri" panose="020F0502020204030204" pitchFamily="34" charset="0"/>
+                <a:cs typeface="Calibri" panose="020F0502020204030204" pitchFamily="34" charset="0"/>
+              </a:rPr>
+              <a:t>MODIFICADO</a:t>
+            </a:r>
+          </a:p>
+        </p:txBody>
+      </p:sp>
+      <p:sp>
+        <p:nvSpPr>
+          <p:cNvPr id="72" name="CuadroTexto 71">
+            <a:extLst>
+              <a:ext uri="{FF2B5EF4-FFF2-40B4-BE49-F238E27FC236}">
+                <a16:creationId xmlns:a16="http://schemas.microsoft.com/office/drawing/2014/main" id="{6D12DF37-D69E-4A78-B8CF-B9B02E3F2E80}"/>
+              </a:ext>
+            </a:extLst>
+          </p:cNvPr>
+          <p:cNvSpPr txBox="1"/>
+          <p:nvPr/>
+        </p:nvSpPr>
+        <p:spPr>
+          <a:xfrm>
+            <a:off x="6542647" y="5005636"/>
+            <a:ext cx="1684757" cy="338554"/>
+          </a:xfrm>
+          <a:prstGeom prst="rect">
+            <a:avLst/>
+          </a:prstGeom>
+          <a:noFill/>
+        </p:spPr>
+        <p:txBody>
+          <a:bodyPr wrap="none" rtlCol="0">
+            <a:spAutoFit/>
+          </a:bodyPr>
+          <a:lstStyle/>
+          <a:p>
+            <a:r>
+              <a:rPr lang="es-PE" sz="1600" b="1" dirty="0">
+                <a:solidFill>
+                  <a:schemeClr val="accent5">
+                    <a:lumMod val="75000"/>
+                  </a:schemeClr>
+                </a:solidFill>
+                <a:effectLst>
+                  <a:outerShdw blurRad="38100" dist="38100" dir="2700000" algn="tl">
+                    <a:srgbClr val="000000">
+                      <a:alpha val="43137"/>
+                    </a:srgbClr>
+                  </a:outerShdw>
+                </a:effectLst>
+                <a:latin typeface="Calibri" panose="020F0502020204030204" pitchFamily="34" charset="0"/>
+                <a:cs typeface="Calibri" panose="020F0502020204030204" pitchFamily="34" charset="0"/>
+              </a:rPr>
+              <a:t>EN PREPARACIÓN</a:t>
+            </a:r>
+          </a:p>
+        </p:txBody>
+      </p:sp>
+      <p:sp>
+        <p:nvSpPr>
+          <p:cNvPr id="73" name="CuadroTexto 72">
+            <a:extLst>
+              <a:ext uri="{FF2B5EF4-FFF2-40B4-BE49-F238E27FC236}">
+                <a16:creationId xmlns:a16="http://schemas.microsoft.com/office/drawing/2014/main" id="{6ABE6A28-0FF5-4B65-8574-320049786869}"/>
+              </a:ext>
+            </a:extLst>
+          </p:cNvPr>
+          <p:cNvSpPr txBox="1"/>
+          <p:nvPr/>
+        </p:nvSpPr>
+        <p:spPr>
+          <a:xfrm>
+            <a:off x="8842596" y="4991749"/>
+            <a:ext cx="1404680" cy="338554"/>
+          </a:xfrm>
+          <a:prstGeom prst="rect">
+            <a:avLst/>
+          </a:prstGeom>
+          <a:noFill/>
+        </p:spPr>
+        <p:txBody>
+          <a:bodyPr wrap="none" rtlCol="0">
+            <a:spAutoFit/>
+          </a:bodyPr>
+          <a:lstStyle/>
+          <a:p>
+            <a:r>
+              <a:rPr lang="es-PE" sz="1600" b="1" dirty="0">
+                <a:solidFill>
+                  <a:schemeClr val="accent5">
+                    <a:lumMod val="75000"/>
+                  </a:schemeClr>
+                </a:solidFill>
+                <a:effectLst>
+                  <a:outerShdw blurRad="38100" dist="38100" dir="2700000" algn="tl">
+                    <a:srgbClr val="000000">
+                      <a:alpha val="43137"/>
+                    </a:srgbClr>
+                  </a:outerShdw>
+                </a:effectLst>
+                <a:latin typeface="Calibri" panose="020F0502020204030204" pitchFamily="34" charset="0"/>
+                <a:cs typeface="Calibri" panose="020F0502020204030204" pitchFamily="34" charset="0"/>
+              </a:rPr>
+              <a:t>CONFIRMADO</a:t>
+            </a:r>
+          </a:p>
+        </p:txBody>
+      </p:sp>
+      <p:sp>
+        <p:nvSpPr>
+          <p:cNvPr id="74" name="Rectángulo 73">
+            <a:extLst>
+              <a:ext uri="{FF2B5EF4-FFF2-40B4-BE49-F238E27FC236}">
+                <a16:creationId xmlns:a16="http://schemas.microsoft.com/office/drawing/2014/main" id="{4BA07E8C-9199-4F81-8C57-C908F374D1D0}"/>
               </a:ext>
             </a:extLst>
           </p:cNvPr>
@@ -13308,7 +14902,7 @@
         </p:nvSpPr>
         <p:spPr>
           <a:xfrm>
-            <a:off x="1636000" y="881582"/>
+            <a:off x="4019563" y="548680"/>
             <a:ext cx="2160260" cy="900246"/>
           </a:xfrm>
           <a:prstGeom prst="rect">
@@ -13348,6 +14942,254 @@
               <a:rPr lang="es-ES" sz="1050" dirty="0"/>
               <a:t>, donde se encuentran almacenados los archivos generados por tu lenguaje de programación, en el que estas trabajando.</a:t>
             </a:r>
+          </a:p>
+        </p:txBody>
+      </p:sp>
+      <p:sp>
+        <p:nvSpPr>
+          <p:cNvPr id="75" name="Rectángulo 74">
+            <a:extLst>
+              <a:ext uri="{FF2B5EF4-FFF2-40B4-BE49-F238E27FC236}">
+                <a16:creationId xmlns:a16="http://schemas.microsoft.com/office/drawing/2014/main" id="{0AB75C2D-B755-41B6-AAFA-603BE706A03E}"/>
+              </a:ext>
+            </a:extLst>
+          </p:cNvPr>
+          <p:cNvSpPr/>
+          <p:nvPr/>
+        </p:nvSpPr>
+        <p:spPr>
+          <a:xfrm>
+            <a:off x="6407274" y="548680"/>
+            <a:ext cx="1955502" cy="1384995"/>
+          </a:xfrm>
+          <a:prstGeom prst="rect">
+            <a:avLst/>
+          </a:prstGeom>
+          <a:solidFill>
+            <a:schemeClr val="accent3">
+              <a:lumMod val="20000"/>
+              <a:lumOff val="80000"/>
+            </a:schemeClr>
+          </a:solidFill>
+          <a:ln>
+            <a:solidFill>
+              <a:schemeClr val="tx2"/>
+            </a:solidFill>
+          </a:ln>
+          <a:effectLst>
+            <a:outerShdw blurRad="50800" dist="38100" dir="8100000" algn="tr" rotWithShape="0">
+              <a:prstClr val="black">
+                <a:alpha val="40000"/>
+              </a:prstClr>
+            </a:outerShdw>
+          </a:effectLst>
+        </p:spPr>
+        <p:txBody>
+          <a:bodyPr wrap="square">
+            <a:spAutoFit/>
+          </a:bodyPr>
+          <a:lstStyle/>
+          <a:p>
+            <a:pPr algn="just"/>
+            <a:r>
+              <a:rPr lang="es-ES" sz="1050" b="1" dirty="0"/>
+              <a:t>Área de Preparación</a:t>
+            </a:r>
+            <a:r>
+              <a:rPr lang="es-ES" sz="1050" dirty="0"/>
+              <a:t>, es el lugar de término medio entre lo que ha actualizado con sus archivos del directorio de trabajo y lo que ha confirmado (ha realizado COMMIT) por última vez.</a:t>
+            </a:r>
+          </a:p>
+        </p:txBody>
+      </p:sp>
+      <p:sp>
+        <p:nvSpPr>
+          <p:cNvPr id="76" name="Rectángulo 75">
+            <a:extLst>
+              <a:ext uri="{FF2B5EF4-FFF2-40B4-BE49-F238E27FC236}">
+                <a16:creationId xmlns:a16="http://schemas.microsoft.com/office/drawing/2014/main" id="{10F4B60B-34F9-4122-A680-684FF6CC9525}"/>
+              </a:ext>
+            </a:extLst>
+          </p:cNvPr>
+          <p:cNvSpPr/>
+          <p:nvPr/>
+        </p:nvSpPr>
+        <p:spPr>
+          <a:xfrm>
+            <a:off x="8636203" y="548680"/>
+            <a:ext cx="1955501" cy="1223412"/>
+          </a:xfrm>
+          <a:prstGeom prst="rect">
+            <a:avLst/>
+          </a:prstGeom>
+          <a:solidFill>
+            <a:schemeClr val="accent3">
+              <a:lumMod val="20000"/>
+              <a:lumOff val="80000"/>
+            </a:schemeClr>
+          </a:solidFill>
+          <a:ln>
+            <a:solidFill>
+              <a:schemeClr val="tx2"/>
+            </a:solidFill>
+          </a:ln>
+          <a:effectLst>
+            <a:outerShdw blurRad="50800" dist="38100" dir="8100000" algn="tr" rotWithShape="0">
+              <a:prstClr val="black">
+                <a:alpha val="40000"/>
+              </a:prstClr>
+            </a:outerShdw>
+          </a:effectLst>
+        </p:spPr>
+        <p:txBody>
+          <a:bodyPr wrap="square">
+            <a:spAutoFit/>
+          </a:bodyPr>
+          <a:lstStyle/>
+          <a:p>
+            <a:pPr algn="just"/>
+            <a:r>
+              <a:rPr lang="es-ES" sz="1050" b="1" dirty="0"/>
+              <a:t>Repositorio Local</a:t>
+            </a:r>
+            <a:r>
+              <a:rPr lang="es-ES" sz="1050" dirty="0"/>
+              <a:t>, lugar donde se almacenan las diferencias versiones de tus archivos generados y modificados localmente (PC o RED LAN), que ya han sido confirmados.</a:t>
+            </a:r>
+          </a:p>
+        </p:txBody>
+      </p:sp>
+      <p:sp>
+        <p:nvSpPr>
+          <p:cNvPr id="77" name="Rectángulo 76">
+            <a:extLst>
+              <a:ext uri="{FF2B5EF4-FFF2-40B4-BE49-F238E27FC236}">
+                <a16:creationId xmlns:a16="http://schemas.microsoft.com/office/drawing/2014/main" id="{315922E9-4793-42B3-AB05-AAEC199BF4E6}"/>
+              </a:ext>
+            </a:extLst>
+          </p:cNvPr>
+          <p:cNvSpPr/>
+          <p:nvPr/>
+        </p:nvSpPr>
+        <p:spPr>
+          <a:xfrm>
+            <a:off x="6285601" y="5565491"/>
+            <a:ext cx="2027182" cy="1223412"/>
+          </a:xfrm>
+          <a:prstGeom prst="rect">
+            <a:avLst/>
+          </a:prstGeom>
+          <a:solidFill>
+            <a:schemeClr val="accent3">
+              <a:lumMod val="20000"/>
+              <a:lumOff val="80000"/>
+            </a:schemeClr>
+          </a:solidFill>
+          <a:ln>
+            <a:solidFill>
+              <a:schemeClr val="tx2"/>
+            </a:solidFill>
+          </a:ln>
+          <a:effectLst>
+            <a:outerShdw blurRad="50800" dist="38100" dir="8100000" algn="tr" rotWithShape="0">
+              <a:prstClr val="black">
+                <a:alpha val="40000"/>
+              </a:prstClr>
+            </a:outerShdw>
+          </a:effectLst>
+        </p:spPr>
+        <p:txBody>
+          <a:bodyPr wrap="square">
+            <a:spAutoFit/>
+          </a:bodyPr>
+          <a:lstStyle/>
+          <a:p>
+            <a:pPr algn="just"/>
+            <a:r>
+              <a:rPr lang="es-ES" sz="1050" b="1" dirty="0"/>
+              <a:t>Área de Preparación</a:t>
+            </a:r>
+            <a:r>
+              <a:rPr lang="es-ES" sz="1050" dirty="0"/>
+              <a:t>, Brinda espacio para preparar los cambios que se reflejarán en la próxima confirmación, con las modificaciones que se requieran antes de realizar la confirmación</a:t>
+            </a:r>
+          </a:p>
+        </p:txBody>
+      </p:sp>
+    </p:spTree>
+    <p:extLst>
+      <p:ext uri="{BB962C8B-B14F-4D97-AF65-F5344CB8AC3E}">
+        <p14:creationId xmlns:p14="http://schemas.microsoft.com/office/powerpoint/2010/main" val="1720426387"/>
+      </p:ext>
+    </p:extLst>
+  </p:cSld>
+  <p:clrMapOvr>
+    <a:masterClrMapping/>
+  </p:clrMapOvr>
+  <mc:AlternateContent xmlns:mc="http://schemas.openxmlformats.org/markup-compatibility/2006" xmlns:p14="http://schemas.microsoft.com/office/powerpoint/2010/main">
+    <mc:Choice Requires="p14">
+      <p:transition spd="med" p14:dur="700">
+        <p:fade/>
+      </p:transition>
+    </mc:Choice>
+    <mc:Fallback xmlns="">
+      <p:transition spd="med">
+        <p:fade/>
+      </p:transition>
+    </mc:Fallback>
+  </mc:AlternateContent>
+</p:sld>
+</file>
+
+<file path=ppt/slides/slide4.xml><?xml version="1.0" encoding="utf-8"?>
+<p:sld xmlns:a="http://schemas.openxmlformats.org/drawingml/2006/main" xmlns:r="http://schemas.openxmlformats.org/officeDocument/2006/relationships" xmlns:p="http://schemas.openxmlformats.org/presentationml/2006/main">
+  <p:cSld>
+    <p:spTree>
+      <p:nvGrpSpPr>
+        <p:cNvPr id="1" name=""/>
+        <p:cNvGrpSpPr/>
+        <p:nvPr/>
+      </p:nvGrpSpPr>
+      <p:grpSpPr>
+        <a:xfrm>
+          <a:off x="0" y="0"/>
+          <a:ext cx="0" cy="0"/>
+          <a:chOff x="0" y="0"/>
+          <a:chExt cx="0" cy="0"/>
+        </a:xfrm>
+      </p:grpSpPr>
+      <p:sp>
+        <p:nvSpPr>
+          <p:cNvPr id="3" name="Marcador de número de diapositiva 2">
+            <a:extLst>
+              <a:ext uri="{FF2B5EF4-FFF2-40B4-BE49-F238E27FC236}">
+                <a16:creationId xmlns:a16="http://schemas.microsoft.com/office/drawing/2014/main" id="{8D2D6617-46E2-4BB5-A527-766D31BC6FE3}"/>
+              </a:ext>
+            </a:extLst>
+          </p:cNvPr>
+          <p:cNvSpPr>
+            <a:spLocks noGrp="1"/>
+          </p:cNvSpPr>
+          <p:nvPr>
+            <p:ph type="sldNum" sz="quarter" idx="12"/>
+          </p:nvPr>
+        </p:nvSpPr>
+        <p:spPr>
+          <a:xfrm>
+            <a:off x="10766796" y="6448251"/>
+            <a:ext cx="609441" cy="365125"/>
+          </a:xfrm>
+        </p:spPr>
+        <p:txBody>
+          <a:bodyPr/>
+          <a:lstStyle/>
+          <a:p>
+            <a:pPr rtl="0"/>
+            <a:fld id="{7DC1BBB0-96F0-4077-A278-0F3FB5C104D3}" type="slidenum">
+              <a:rPr lang="es-ES" noProof="0" smtClean="0"/>
+              <a:t>4</a:t>
+            </a:fld>
+            <a:endParaRPr lang="es-ES" noProof="0" dirty="0"/>
           </a:p>
         </p:txBody>
       </p:sp>
@@ -13396,116 +15238,6 @@
           </a:extLst>
         </p:spPr>
       </p:pic>
-      <p:sp>
-        <p:nvSpPr>
-          <p:cNvPr id="15" name="Rectángulo 14">
-            <a:extLst>
-              <a:ext uri="{FF2B5EF4-FFF2-40B4-BE49-F238E27FC236}">
-                <a16:creationId xmlns:a16="http://schemas.microsoft.com/office/drawing/2014/main" id="{C2AE63E3-54F7-4C89-98D6-4B8672A38007}"/>
-              </a:ext>
-            </a:extLst>
-          </p:cNvPr>
-          <p:cNvSpPr/>
-          <p:nvPr/>
-        </p:nvSpPr>
-        <p:spPr>
-          <a:xfrm>
-            <a:off x="6033845" y="879577"/>
-            <a:ext cx="1955501" cy="1061829"/>
-          </a:xfrm>
-          <a:prstGeom prst="rect">
-            <a:avLst/>
-          </a:prstGeom>
-          <a:solidFill>
-            <a:schemeClr val="accent3">
-              <a:lumMod val="20000"/>
-              <a:lumOff val="80000"/>
-            </a:schemeClr>
-          </a:solidFill>
-          <a:ln>
-            <a:solidFill>
-              <a:schemeClr val="tx2"/>
-            </a:solidFill>
-          </a:ln>
-          <a:effectLst>
-            <a:outerShdw blurRad="50800" dist="38100" dir="8100000" algn="tr" rotWithShape="0">
-              <a:prstClr val="black">
-                <a:alpha val="40000"/>
-              </a:prstClr>
-            </a:outerShdw>
-          </a:effectLst>
-        </p:spPr>
-        <p:txBody>
-          <a:bodyPr wrap="square">
-            <a:spAutoFit/>
-          </a:bodyPr>
-          <a:lstStyle/>
-          <a:p>
-            <a:pPr algn="just"/>
-            <a:r>
-              <a:rPr lang="es-ES" sz="1050" dirty="0"/>
-              <a:t>Repositorio donde se almacenan las diferencias versiones de tus archivos generados en tu red local o PC local, que ya han sido confirmados.</a:t>
-            </a:r>
-          </a:p>
-        </p:txBody>
-      </p:sp>
-      <p:sp>
-        <p:nvSpPr>
-          <p:cNvPr id="16" name="Rectángulo 15">
-            <a:extLst>
-              <a:ext uri="{FF2B5EF4-FFF2-40B4-BE49-F238E27FC236}">
-                <a16:creationId xmlns:a16="http://schemas.microsoft.com/office/drawing/2014/main" id="{45167B69-FD56-4D70-8D7A-993AE0D66251}"/>
-              </a:ext>
-            </a:extLst>
-          </p:cNvPr>
-          <p:cNvSpPr/>
-          <p:nvPr/>
-        </p:nvSpPr>
-        <p:spPr>
-          <a:xfrm>
-            <a:off x="4033425" y="881582"/>
-            <a:ext cx="1660876" cy="1546577"/>
-          </a:xfrm>
-          <a:prstGeom prst="rect">
-            <a:avLst/>
-          </a:prstGeom>
-          <a:solidFill>
-            <a:schemeClr val="accent3">
-              <a:lumMod val="20000"/>
-              <a:lumOff val="80000"/>
-            </a:schemeClr>
-          </a:solidFill>
-          <a:ln>
-            <a:solidFill>
-              <a:schemeClr val="tx2"/>
-            </a:solidFill>
-          </a:ln>
-          <a:effectLst>
-            <a:outerShdw blurRad="50800" dist="38100" dir="8100000" algn="tr" rotWithShape="0">
-              <a:prstClr val="black">
-                <a:alpha val="40000"/>
-              </a:prstClr>
-            </a:outerShdw>
-          </a:effectLst>
-        </p:spPr>
-        <p:txBody>
-          <a:bodyPr wrap="square">
-            <a:spAutoFit/>
-          </a:bodyPr>
-          <a:lstStyle/>
-          <a:p>
-            <a:pPr algn="just"/>
-            <a:r>
-              <a:rPr lang="es-ES" sz="1050" b="1" dirty="0"/>
-              <a:t>Área de Preparación</a:t>
-            </a:r>
-            <a:r>
-              <a:rPr lang="es-ES" sz="1050" dirty="0"/>
-              <a:t>, es el repositorio que es el término medio entre lo que ha hecho con sus archivos del directorio de trabajo y lo que ha confirmado (ha realizado COMMIT) por última vez. </a:t>
-            </a:r>
-          </a:p>
-        </p:txBody>
-      </p:sp>
       <p:cxnSp>
         <p:nvCxnSpPr>
           <p:cNvPr id="10" name="Conector recto de flecha 9">
@@ -13517,7 +15249,6 @@
           </p:cNvPr>
           <p:cNvCxnSpPr>
             <a:cxnSpLocks/>
-            <a:stCxn id="8" idx="2"/>
           </p:cNvCxnSpPr>
           <p:nvPr/>
         </p:nvCxnSpPr>
@@ -13563,7 +15294,6 @@
           </p:cNvPr>
           <p:cNvCxnSpPr>
             <a:cxnSpLocks/>
-            <a:stCxn id="16" idx="2"/>
           </p:cNvCxnSpPr>
           <p:nvPr/>
         </p:nvCxnSpPr>
@@ -13613,7 +15343,7 @@
         <p:spPr>
           <a:xfrm>
             <a:off x="8254652" y="879577"/>
-            <a:ext cx="1800200" cy="738664"/>
+            <a:ext cx="1800200" cy="1061829"/>
           </a:xfrm>
           <a:prstGeom prst="rect">
             <a:avLst/>
@@ -13645,8 +15375,12 @@
           <a:p>
             <a:pPr algn="just"/>
             <a:r>
+              <a:rPr lang="es-ES" sz="1050" b="1" dirty="0"/>
+              <a:t>Repositorio Remoto</a:t>
+            </a:r>
+            <a:r>
               <a:rPr lang="es-ES" sz="1050" dirty="0"/>
-              <a:t>Repositorio en la Nube, donde se almacenan las diferencias versiones de tus archivos generados.</a:t>
+              <a:t>, lugar en la NUBE, donde se almacenan las diferencias versiones de tus archivos confirmados del REPOSITORIO LOCAL.</a:t>
             </a:r>
           </a:p>
         </p:txBody>
@@ -13662,14 +15396,13 @@
           </p:cNvPr>
           <p:cNvCxnSpPr>
             <a:cxnSpLocks/>
-            <a:stCxn id="15" idx="2"/>
           </p:cNvCxnSpPr>
           <p:nvPr/>
         </p:nvCxnSpPr>
         <p:spPr>
           <a:xfrm>
-            <a:off x="7011596" y="1941406"/>
-            <a:ext cx="0" cy="753945"/>
+            <a:off x="7011596" y="2102989"/>
+            <a:ext cx="0" cy="592362"/>
           </a:xfrm>
           <a:prstGeom prst="straightConnector1">
             <a:avLst/>
@@ -13714,8 +15447,8 @@
         </p:nvCxnSpPr>
         <p:spPr>
           <a:xfrm>
-            <a:off x="9154752" y="1618241"/>
-            <a:ext cx="4578" cy="1077110"/>
+            <a:off x="9154752" y="1941406"/>
+            <a:ext cx="4578" cy="753945"/>
           </a:xfrm>
           <a:prstGeom prst="straightConnector1">
             <a:avLst/>
@@ -13743,232 +15476,574 @@
           </a:fontRef>
         </p:style>
       </p:cxnSp>
-      <p:sp>
-        <p:nvSpPr>
-          <p:cNvPr id="39" name="Rectángulo 38">
+      <p:cxnSp>
+        <p:nvCxnSpPr>
+          <p:cNvPr id="4" name="Conector recto 3">
             <a:extLst>
               <a:ext uri="{FF2B5EF4-FFF2-40B4-BE49-F238E27FC236}">
-                <a16:creationId xmlns:a16="http://schemas.microsoft.com/office/drawing/2014/main" id="{D0B72F6E-003F-486E-8D0F-9FA5D07881DD}"/>
+                <a16:creationId xmlns:a16="http://schemas.microsoft.com/office/drawing/2014/main" id="{87677A50-FBCC-4240-82B1-1F3CB4E6BFA2}"/>
               </a:ext>
             </a:extLst>
           </p:cNvPr>
-          <p:cNvSpPr/>
+          <p:cNvCxnSpPr>
+            <a:cxnSpLocks/>
+          </p:cNvCxnSpPr>
           <p:nvPr/>
-        </p:nvSpPr>
+        </p:nvCxnSpPr>
         <p:spPr>
           <a:xfrm>
-            <a:off x="9478788" y="4250669"/>
-            <a:ext cx="2027182" cy="1223412"/>
+            <a:off x="8110636" y="0"/>
+            <a:ext cx="0" cy="6858000"/>
+          </a:xfrm>
+          <a:prstGeom prst="line">
+            <a:avLst/>
+          </a:prstGeom>
+          <a:ln>
+            <a:prstDash val="dash"/>
+          </a:ln>
+        </p:spPr>
+        <p:style>
+          <a:lnRef idx="1">
+            <a:schemeClr val="accent1"/>
+          </a:lnRef>
+          <a:fillRef idx="0">
+            <a:schemeClr val="accent1"/>
+          </a:fillRef>
+          <a:effectRef idx="0">
+            <a:schemeClr val="accent1"/>
+          </a:effectRef>
+          <a:fontRef idx="minor">
+            <a:schemeClr val="tx1"/>
+          </a:fontRef>
+        </p:style>
+      </p:cxnSp>
+      <p:sp>
+        <p:nvSpPr>
+          <p:cNvPr id="7" name="CuadroTexto 6">
+            <a:extLst>
+              <a:ext uri="{FF2B5EF4-FFF2-40B4-BE49-F238E27FC236}">
+                <a16:creationId xmlns:a16="http://schemas.microsoft.com/office/drawing/2014/main" id="{7DD6B780-77C0-4BCC-AE9E-C94D45A6D19A}"/>
+              </a:ext>
+            </a:extLst>
+          </p:cNvPr>
+          <p:cNvSpPr txBox="1"/>
+          <p:nvPr/>
+        </p:nvSpPr>
+        <p:spPr>
+          <a:xfrm>
+            <a:off x="1561223" y="336473"/>
+            <a:ext cx="2304527" cy="523220"/>
           </a:xfrm>
           <a:prstGeom prst="rect">
             <a:avLst/>
           </a:prstGeom>
-          <a:solidFill>
-            <a:schemeClr val="accent3">
-              <a:lumMod val="20000"/>
-              <a:lumOff val="80000"/>
-            </a:schemeClr>
-          </a:solidFill>
-          <a:ln>
-            <a:solidFill>
-              <a:schemeClr val="tx2"/>
-            </a:solidFill>
-          </a:ln>
-          <a:effectLst>
-            <a:outerShdw blurRad="50800" dist="38100" dir="8100000" algn="tr" rotWithShape="0">
-              <a:prstClr val="black">
-                <a:alpha val="40000"/>
-              </a:prstClr>
-            </a:outerShdw>
-          </a:effectLst>
+          <a:noFill/>
         </p:spPr>
         <p:txBody>
-          <a:bodyPr wrap="square">
+          <a:bodyPr wrap="square" rtlCol="0">
             <a:spAutoFit/>
           </a:bodyPr>
           <a:lstStyle/>
           <a:p>
-            <a:pPr algn="just"/>
+            <a:pPr algn="ctr"/>
             <a:r>
-              <a:rPr lang="es-ES" sz="1050" b="1" dirty="0"/>
-              <a:t>Área de Preparación</a:t>
+              <a:rPr lang="es-PE" sz="1400" b="1" dirty="0">
+                <a:solidFill>
+                  <a:schemeClr val="accent5">
+                    <a:lumMod val="75000"/>
+                  </a:schemeClr>
+                </a:solidFill>
+                <a:effectLst>
+                  <a:outerShdw blurRad="38100" dist="38100" dir="2700000" algn="tl">
+                    <a:srgbClr val="000000">
+                      <a:alpha val="43137"/>
+                    </a:srgbClr>
+                  </a:outerShdw>
+                </a:effectLst>
+              </a:rPr>
+              <a:t>Archivos en estado modificado y confirmado</a:t>
             </a:r>
+          </a:p>
+        </p:txBody>
+      </p:sp>
+      <p:sp>
+        <p:nvSpPr>
+          <p:cNvPr id="18" name="CuadroTexto 17">
+            <a:extLst>
+              <a:ext uri="{FF2B5EF4-FFF2-40B4-BE49-F238E27FC236}">
+                <a16:creationId xmlns:a16="http://schemas.microsoft.com/office/drawing/2014/main" id="{0BC5BA16-3DC5-46AE-B787-0D2ACF40C549}"/>
+              </a:ext>
+            </a:extLst>
+          </p:cNvPr>
+          <p:cNvSpPr txBox="1"/>
+          <p:nvPr/>
+        </p:nvSpPr>
+        <p:spPr>
+          <a:xfrm>
+            <a:off x="3753923" y="331658"/>
+            <a:ext cx="2304527" cy="523220"/>
+          </a:xfrm>
+          <a:prstGeom prst="rect">
+            <a:avLst/>
+          </a:prstGeom>
+          <a:noFill/>
+        </p:spPr>
+        <p:txBody>
+          <a:bodyPr wrap="square" rtlCol="0">
+            <a:spAutoFit/>
+          </a:bodyPr>
+          <a:lstStyle/>
+          <a:p>
+            <a:pPr algn="ctr"/>
             <a:r>
-              <a:rPr lang="es-ES" sz="1050" dirty="0"/>
-              <a:t>, Brinda espacio para preparar los cambios que se reflejarán en la próxima confirmación, con las modificaciones que se requieran antes de realizar la confirmación</a:t>
+              <a:rPr lang="es-PE" sz="1400" b="1" dirty="0">
+                <a:solidFill>
+                  <a:schemeClr val="accent5">
+                    <a:lumMod val="75000"/>
+                  </a:schemeClr>
+                </a:solidFill>
+                <a:effectLst>
+                  <a:outerShdw blurRad="38100" dist="38100" dir="2700000" algn="tl">
+                    <a:srgbClr val="000000">
+                      <a:alpha val="43137"/>
+                    </a:srgbClr>
+                  </a:outerShdw>
+                </a:effectLst>
+              </a:rPr>
+              <a:t>Archivos en estado </a:t>
             </a:r>
           </a:p>
-        </p:txBody>
-      </p:sp>
+          <a:p>
+            <a:pPr algn="ctr"/>
+            <a:r>
+              <a:rPr lang="es-PE" sz="1400" b="1" dirty="0">
+                <a:solidFill>
+                  <a:schemeClr val="accent5">
+                    <a:lumMod val="75000"/>
+                  </a:schemeClr>
+                </a:solidFill>
+                <a:effectLst>
+                  <a:outerShdw blurRad="38100" dist="38100" dir="2700000" algn="tl">
+                    <a:srgbClr val="000000">
+                      <a:alpha val="43137"/>
+                    </a:srgbClr>
+                  </a:outerShdw>
+                </a:effectLst>
+              </a:rPr>
+              <a:t>En Preparación</a:t>
+            </a:r>
+          </a:p>
+        </p:txBody>
+      </p:sp>
+      <p:sp>
+        <p:nvSpPr>
+          <p:cNvPr id="19" name="CuadroTexto 18">
+            <a:extLst>
+              <a:ext uri="{FF2B5EF4-FFF2-40B4-BE49-F238E27FC236}">
+                <a16:creationId xmlns:a16="http://schemas.microsoft.com/office/drawing/2014/main" id="{21B069E1-8F52-4705-8195-DD55174CFF23}"/>
+              </a:ext>
+            </a:extLst>
+          </p:cNvPr>
+          <p:cNvSpPr txBox="1"/>
+          <p:nvPr/>
+        </p:nvSpPr>
+        <p:spPr>
+          <a:xfrm>
+            <a:off x="5859331" y="329570"/>
+            <a:ext cx="2304527" cy="523220"/>
+          </a:xfrm>
+          <a:prstGeom prst="rect">
+            <a:avLst/>
+          </a:prstGeom>
+          <a:noFill/>
+        </p:spPr>
+        <p:txBody>
+          <a:bodyPr wrap="square" rtlCol="0">
+            <a:spAutoFit/>
+          </a:bodyPr>
+          <a:lstStyle/>
+          <a:p>
+            <a:pPr algn="ctr"/>
+            <a:r>
+              <a:rPr lang="es-PE" sz="1400" b="1" dirty="0">
+                <a:solidFill>
+                  <a:schemeClr val="accent5">
+                    <a:lumMod val="75000"/>
+                  </a:schemeClr>
+                </a:solidFill>
+                <a:effectLst>
+                  <a:outerShdw blurRad="38100" dist="38100" dir="2700000" algn="tl">
+                    <a:srgbClr val="000000">
+                      <a:alpha val="43137"/>
+                    </a:srgbClr>
+                  </a:outerShdw>
+                </a:effectLst>
+              </a:rPr>
+              <a:t>Archivos en estado </a:t>
+            </a:r>
+          </a:p>
+          <a:p>
+            <a:pPr algn="ctr"/>
+            <a:r>
+              <a:rPr lang="es-PE" sz="1400" b="1" dirty="0">
+                <a:solidFill>
+                  <a:schemeClr val="accent5">
+                    <a:lumMod val="75000"/>
+                  </a:schemeClr>
+                </a:solidFill>
+                <a:effectLst>
+                  <a:outerShdw blurRad="38100" dist="38100" dir="2700000" algn="tl">
+                    <a:srgbClr val="000000">
+                      <a:alpha val="43137"/>
+                    </a:srgbClr>
+                  </a:outerShdw>
+                </a:effectLst>
+              </a:rPr>
+              <a:t>Confirmado</a:t>
+            </a:r>
+          </a:p>
+        </p:txBody>
+      </p:sp>
+      <p:sp>
+        <p:nvSpPr>
+          <p:cNvPr id="20" name="CuadroTexto 19">
+            <a:extLst>
+              <a:ext uri="{FF2B5EF4-FFF2-40B4-BE49-F238E27FC236}">
+                <a16:creationId xmlns:a16="http://schemas.microsoft.com/office/drawing/2014/main" id="{A6EB5726-73FE-4508-8261-6C4A8A3E6B26}"/>
+              </a:ext>
+            </a:extLst>
+          </p:cNvPr>
+          <p:cNvSpPr txBox="1"/>
+          <p:nvPr/>
+        </p:nvSpPr>
+        <p:spPr>
+          <a:xfrm>
+            <a:off x="7964739" y="336473"/>
+            <a:ext cx="2304527" cy="523220"/>
+          </a:xfrm>
+          <a:prstGeom prst="rect">
+            <a:avLst/>
+          </a:prstGeom>
+          <a:noFill/>
+        </p:spPr>
+        <p:txBody>
+          <a:bodyPr wrap="square" rtlCol="0">
+            <a:spAutoFit/>
+          </a:bodyPr>
+          <a:lstStyle/>
+          <a:p>
+            <a:pPr algn="ctr"/>
+            <a:r>
+              <a:rPr lang="es-PE" sz="1400" b="1" dirty="0">
+                <a:solidFill>
+                  <a:schemeClr val="accent5">
+                    <a:lumMod val="75000"/>
+                  </a:schemeClr>
+                </a:solidFill>
+                <a:effectLst>
+                  <a:outerShdw blurRad="38100" dist="38100" dir="2700000" algn="tl">
+                    <a:srgbClr val="000000">
+                      <a:alpha val="43137"/>
+                    </a:srgbClr>
+                  </a:outerShdw>
+                </a:effectLst>
+              </a:rPr>
+              <a:t>Archivos en estado </a:t>
+            </a:r>
+          </a:p>
+          <a:p>
+            <a:pPr algn="ctr"/>
+            <a:r>
+              <a:rPr lang="es-PE" sz="1400" b="1" dirty="0">
+                <a:solidFill>
+                  <a:schemeClr val="accent5">
+                    <a:lumMod val="75000"/>
+                  </a:schemeClr>
+                </a:solidFill>
+                <a:effectLst>
+                  <a:outerShdw blurRad="38100" dist="38100" dir="2700000" algn="tl">
+                    <a:srgbClr val="000000">
+                      <a:alpha val="43137"/>
+                    </a:srgbClr>
+                  </a:outerShdw>
+                </a:effectLst>
+              </a:rPr>
+              <a:t>Compartidos</a:t>
+            </a:r>
+          </a:p>
+        </p:txBody>
+      </p:sp>
+      <p:sp>
+        <p:nvSpPr>
+          <p:cNvPr id="9" name="CuadroTexto 8">
+            <a:extLst>
+              <a:ext uri="{FF2B5EF4-FFF2-40B4-BE49-F238E27FC236}">
+                <a16:creationId xmlns:a16="http://schemas.microsoft.com/office/drawing/2014/main" id="{522997E0-2C77-4E05-9F75-87F72499A351}"/>
+              </a:ext>
+            </a:extLst>
+          </p:cNvPr>
+          <p:cNvSpPr txBox="1"/>
+          <p:nvPr/>
+        </p:nvSpPr>
+        <p:spPr>
+          <a:xfrm>
+            <a:off x="3873519" y="14634"/>
+            <a:ext cx="2036648" cy="369332"/>
+          </a:xfrm>
+          <a:prstGeom prst="rect">
+            <a:avLst/>
+          </a:prstGeom>
+          <a:noFill/>
+        </p:spPr>
+        <p:txBody>
+          <a:bodyPr wrap="none" rtlCol="0">
+            <a:spAutoFit/>
+          </a:bodyPr>
+          <a:lstStyle/>
+          <a:p>
+            <a:r>
+              <a:rPr lang="es-PE" b="1" dirty="0">
+                <a:solidFill>
+                  <a:schemeClr val="accent1">
+                    <a:lumMod val="75000"/>
+                  </a:schemeClr>
+                </a:solidFill>
+                <a:effectLst>
+                  <a:outerShdw blurRad="38100" dist="38100" dir="2700000" algn="tl">
+                    <a:srgbClr val="000000">
+                      <a:alpha val="43137"/>
+                    </a:srgbClr>
+                  </a:outerShdw>
+                </a:effectLst>
+              </a:rPr>
+              <a:t>AMBIENTE LOCAL</a:t>
+            </a:r>
+          </a:p>
+        </p:txBody>
+      </p:sp>
+      <p:sp>
+        <p:nvSpPr>
+          <p:cNvPr id="23" name="CuadroTexto 22">
+            <a:extLst>
+              <a:ext uri="{FF2B5EF4-FFF2-40B4-BE49-F238E27FC236}">
+                <a16:creationId xmlns:a16="http://schemas.microsoft.com/office/drawing/2014/main" id="{9891046A-E541-4ABE-BAE6-94A1CE4874D9}"/>
+              </a:ext>
+            </a:extLst>
+          </p:cNvPr>
+          <p:cNvSpPr txBox="1"/>
+          <p:nvPr/>
+        </p:nvSpPr>
+        <p:spPr>
+          <a:xfrm>
+            <a:off x="8740365" y="0"/>
+            <a:ext cx="2265877" cy="369332"/>
+          </a:xfrm>
+          <a:prstGeom prst="rect">
+            <a:avLst/>
+          </a:prstGeom>
+          <a:noFill/>
+        </p:spPr>
+        <p:txBody>
+          <a:bodyPr wrap="none" rtlCol="0">
+            <a:spAutoFit/>
+          </a:bodyPr>
+          <a:lstStyle/>
+          <a:p>
+            <a:r>
+              <a:rPr lang="es-PE" b="1" dirty="0">
+                <a:solidFill>
+                  <a:schemeClr val="accent1">
+                    <a:lumMod val="75000"/>
+                  </a:schemeClr>
+                </a:solidFill>
+                <a:effectLst>
+                  <a:outerShdw blurRad="38100" dist="38100" dir="2700000" algn="tl">
+                    <a:srgbClr val="000000">
+                      <a:alpha val="43137"/>
+                    </a:srgbClr>
+                  </a:outerShdw>
+                </a:effectLst>
+              </a:rPr>
+              <a:t>AMBIENTE REMOTO</a:t>
+            </a:r>
+          </a:p>
+        </p:txBody>
+      </p:sp>
+      <p:cxnSp>
+        <p:nvCxnSpPr>
+          <p:cNvPr id="12" name="Conector recto de flecha 11">
+            <a:extLst>
+              <a:ext uri="{FF2B5EF4-FFF2-40B4-BE49-F238E27FC236}">
+                <a16:creationId xmlns:a16="http://schemas.microsoft.com/office/drawing/2014/main" id="{5FD3A27C-FB90-4DBF-9103-57381F1116F8}"/>
+              </a:ext>
+            </a:extLst>
+          </p:cNvPr>
+          <p:cNvCxnSpPr>
+            <a:stCxn id="23" idx="1"/>
+          </p:cNvCxnSpPr>
+          <p:nvPr/>
+        </p:nvCxnSpPr>
+        <p:spPr>
+          <a:xfrm flipH="1">
+            <a:off x="8163858" y="184666"/>
+            <a:ext cx="576507" cy="0"/>
+          </a:xfrm>
+          <a:prstGeom prst="straightConnector1">
+            <a:avLst/>
+          </a:prstGeom>
+          <a:ln>
+            <a:prstDash val="dash"/>
+            <a:tailEnd type="triangle"/>
+          </a:ln>
+        </p:spPr>
+        <p:style>
+          <a:lnRef idx="1">
+            <a:schemeClr val="accent1"/>
+          </a:lnRef>
+          <a:fillRef idx="0">
+            <a:schemeClr val="accent1"/>
+          </a:fillRef>
+          <a:effectRef idx="0">
+            <a:schemeClr val="accent1"/>
+          </a:effectRef>
+          <a:fontRef idx="minor">
+            <a:schemeClr val="tx1"/>
+          </a:fontRef>
+        </p:style>
+      </p:cxnSp>
+      <p:cxnSp>
+        <p:nvCxnSpPr>
+          <p:cNvPr id="27" name="Conector recto de flecha 26">
+            <a:extLst>
+              <a:ext uri="{FF2B5EF4-FFF2-40B4-BE49-F238E27FC236}">
+                <a16:creationId xmlns:a16="http://schemas.microsoft.com/office/drawing/2014/main" id="{FF22195C-ECB5-45AC-9EC2-7E524C424D29}"/>
+              </a:ext>
+            </a:extLst>
+          </p:cNvPr>
+          <p:cNvCxnSpPr>
+            <a:cxnSpLocks/>
+            <a:stCxn id="9" idx="1"/>
+          </p:cNvCxnSpPr>
+          <p:nvPr/>
+        </p:nvCxnSpPr>
+        <p:spPr>
+          <a:xfrm flipH="1">
+            <a:off x="1341884" y="199300"/>
+            <a:ext cx="2531635" cy="0"/>
+          </a:xfrm>
+          <a:prstGeom prst="straightConnector1">
+            <a:avLst/>
+          </a:prstGeom>
+          <a:ln>
+            <a:prstDash val="dash"/>
+            <a:tailEnd type="triangle"/>
+          </a:ln>
+        </p:spPr>
+        <p:style>
+          <a:lnRef idx="1">
+            <a:schemeClr val="accent1"/>
+          </a:lnRef>
+          <a:fillRef idx="0">
+            <a:schemeClr val="accent1"/>
+          </a:fillRef>
+          <a:effectRef idx="0">
+            <a:schemeClr val="accent1"/>
+          </a:effectRef>
+          <a:fontRef idx="minor">
+            <a:schemeClr val="tx1"/>
+          </a:fontRef>
+        </p:style>
+      </p:cxnSp>
+      <p:cxnSp>
+        <p:nvCxnSpPr>
+          <p:cNvPr id="30" name="Conector recto de flecha 29">
+            <a:extLst>
+              <a:ext uri="{FF2B5EF4-FFF2-40B4-BE49-F238E27FC236}">
+                <a16:creationId xmlns:a16="http://schemas.microsoft.com/office/drawing/2014/main" id="{44BFFCC4-9202-43DB-9B56-88853CCD9CB2}"/>
+              </a:ext>
+            </a:extLst>
+          </p:cNvPr>
+          <p:cNvCxnSpPr>
+            <a:cxnSpLocks/>
+            <a:stCxn id="23" idx="3"/>
+          </p:cNvCxnSpPr>
+          <p:nvPr/>
+        </p:nvCxnSpPr>
+        <p:spPr>
+          <a:xfrm>
+            <a:off x="11006242" y="184666"/>
+            <a:ext cx="848810" cy="0"/>
+          </a:xfrm>
+          <a:prstGeom prst="straightConnector1">
+            <a:avLst/>
+          </a:prstGeom>
+          <a:ln>
+            <a:prstDash val="dash"/>
+            <a:tailEnd type="triangle"/>
+          </a:ln>
+        </p:spPr>
+        <p:style>
+          <a:lnRef idx="1">
+            <a:schemeClr val="accent1"/>
+          </a:lnRef>
+          <a:fillRef idx="0">
+            <a:schemeClr val="accent1"/>
+          </a:fillRef>
+          <a:effectRef idx="0">
+            <a:schemeClr val="accent1"/>
+          </a:effectRef>
+          <a:fontRef idx="minor">
+            <a:schemeClr val="tx1"/>
+          </a:fontRef>
+        </p:style>
+      </p:cxnSp>
+      <p:cxnSp>
+        <p:nvCxnSpPr>
+          <p:cNvPr id="33" name="Conector recto de flecha 32">
+            <a:extLst>
+              <a:ext uri="{FF2B5EF4-FFF2-40B4-BE49-F238E27FC236}">
+                <a16:creationId xmlns:a16="http://schemas.microsoft.com/office/drawing/2014/main" id="{5355338F-22AA-4923-9AAD-1094982EF4F5}"/>
+              </a:ext>
+            </a:extLst>
+          </p:cNvPr>
+          <p:cNvCxnSpPr>
+            <a:cxnSpLocks/>
+            <a:stCxn id="9" idx="3"/>
+          </p:cNvCxnSpPr>
+          <p:nvPr/>
+        </p:nvCxnSpPr>
+        <p:spPr>
+          <a:xfrm flipV="1">
+            <a:off x="5910167" y="184666"/>
+            <a:ext cx="2079179" cy="14634"/>
+          </a:xfrm>
+          <a:prstGeom prst="straightConnector1">
+            <a:avLst/>
+          </a:prstGeom>
+          <a:ln>
+            <a:prstDash val="dash"/>
+            <a:tailEnd type="triangle"/>
+          </a:ln>
+        </p:spPr>
+        <p:style>
+          <a:lnRef idx="1">
+            <a:schemeClr val="accent1"/>
+          </a:lnRef>
+          <a:fillRef idx="0">
+            <a:schemeClr val="accent1"/>
+          </a:fillRef>
+          <a:effectRef idx="0">
+            <a:schemeClr val="accent1"/>
+          </a:effectRef>
+          <a:fontRef idx="minor">
+            <a:schemeClr val="tx1"/>
+          </a:fontRef>
+        </p:style>
+      </p:cxnSp>
     </p:spTree>
     <p:extLst>
       <p:ext uri="{BB962C8B-B14F-4D97-AF65-F5344CB8AC3E}">
-        <p14:creationId xmlns:p14="http://schemas.microsoft.com/office/powerpoint/2010/main" val="1720426387"/>
-      </p:ext>
-    </p:extLst>
-  </p:cSld>
-  <p:clrMapOvr>
-    <a:masterClrMapping/>
-  </p:clrMapOvr>
-  <mc:AlternateContent xmlns:mc="http://schemas.openxmlformats.org/markup-compatibility/2006" xmlns:p14="http://schemas.microsoft.com/office/powerpoint/2010/main">
-    <mc:Choice Requires="p14">
-      <p:transition spd="med" p14:dur="700">
-        <p:fade/>
-      </p:transition>
-    </mc:Choice>
-    <mc:Fallback xmlns="">
-      <p:transition spd="med">
-        <p:fade/>
-      </p:transition>
-    </mc:Fallback>
-  </mc:AlternateContent>
-</p:sld>
-</file>
-
-<file path=ppt/slides/slide4.xml><?xml version="1.0" encoding="utf-8"?>
-<p:sld xmlns:a="http://schemas.openxmlformats.org/drawingml/2006/main" xmlns:r="http://schemas.openxmlformats.org/officeDocument/2006/relationships" xmlns:p="http://schemas.openxmlformats.org/presentationml/2006/main">
-  <p:cSld>
-    <p:spTree>
-      <p:nvGrpSpPr>
-        <p:cNvPr id="1" name=""/>
-        <p:cNvGrpSpPr/>
-        <p:nvPr/>
-      </p:nvGrpSpPr>
-      <p:grpSpPr>
-        <a:xfrm>
-          <a:off x="0" y="0"/>
-          <a:ext cx="0" cy="0"/>
-          <a:chOff x="0" y="0"/>
-          <a:chExt cx="0" cy="0"/>
-        </a:xfrm>
-      </p:grpSpPr>
-      <p:sp>
-        <p:nvSpPr>
-          <p:cNvPr id="2" name="Título 1"/>
-          <p:cNvSpPr>
-            <a:spLocks noGrp="1"/>
-          </p:cNvSpPr>
-          <p:nvPr>
-            <p:ph type="title"/>
-          </p:nvPr>
-        </p:nvSpPr>
-        <p:spPr/>
-        <p:txBody>
-          <a:bodyPr rtlCol="0"/>
-          <a:lstStyle/>
-          <a:p>
-            <a:pPr rtl="0"/>
-            <a:r>
-              <a:rPr lang="es-ES" dirty="0"/>
-              <a:t>Agregar un título de diapositiva (4)</a:t>
-            </a:r>
-          </a:p>
-        </p:txBody>
-      </p:sp>
-      <p:sp>
-        <p:nvSpPr>
-          <p:cNvPr id="4" name="Marcador de posición de contenido 3"/>
-          <p:cNvSpPr>
-            <a:spLocks noGrp="1"/>
-          </p:cNvSpPr>
-          <p:nvPr>
-            <p:ph idx="1"/>
-          </p:nvPr>
-        </p:nvSpPr>
-        <p:spPr/>
-        <p:txBody>
-          <a:bodyPr rtlCol="0"/>
-          <a:lstStyle/>
-          <a:p>
-            <a:pPr rtl="0"/>
-            <a:endParaRPr lang="es-ES" dirty="0"/>
-          </a:p>
-        </p:txBody>
-      </p:sp>
-      <p:sp>
-        <p:nvSpPr>
-          <p:cNvPr id="7" name="Marcador de posición de texto 6"/>
-          <p:cNvSpPr>
-            <a:spLocks noGrp="1"/>
-          </p:cNvSpPr>
-          <p:nvPr>
-            <p:ph type="body" sz="half" idx="2"/>
-          </p:nvPr>
-        </p:nvSpPr>
-        <p:spPr/>
-        <p:txBody>
-          <a:bodyPr rtlCol="0"/>
-          <a:lstStyle/>
-          <a:p>
-            <a:pPr rtl="0"/>
-            <a:endParaRPr lang="es-ES" dirty="0"/>
-          </a:p>
-        </p:txBody>
-      </p:sp>
-      <p:sp>
-        <p:nvSpPr>
-          <p:cNvPr id="3" name="Marcador de pie de página 2">
-            <a:extLst>
-              <a:ext uri="{FF2B5EF4-FFF2-40B4-BE49-F238E27FC236}">
-                <a16:creationId xmlns:a16="http://schemas.microsoft.com/office/drawing/2014/main" id="{1B0A2556-12B2-42D6-BCC3-F811588323DF}"/>
-              </a:ext>
-            </a:extLst>
-          </p:cNvPr>
-          <p:cNvSpPr>
-            <a:spLocks noGrp="1"/>
-          </p:cNvSpPr>
-          <p:nvPr>
-            <p:ph type="ftr" sz="quarter" idx="11"/>
-          </p:nvPr>
-        </p:nvSpPr>
-        <p:spPr/>
-        <p:txBody>
-          <a:bodyPr/>
-          <a:lstStyle/>
-          <a:p>
-            <a:pPr rtl="0"/>
-            <a:r>
-              <a:rPr lang="es-ES" noProof="0"/>
-              <a:t>Agregar un pie de página</a:t>
-            </a:r>
-            <a:endParaRPr lang="es-ES" noProof="0" dirty="0"/>
-          </a:p>
-        </p:txBody>
-      </p:sp>
-      <p:sp>
-        <p:nvSpPr>
-          <p:cNvPr id="5" name="Marcador de número de diapositiva 4">
-            <a:extLst>
-              <a:ext uri="{FF2B5EF4-FFF2-40B4-BE49-F238E27FC236}">
-                <a16:creationId xmlns:a16="http://schemas.microsoft.com/office/drawing/2014/main" id="{F845EE72-4EF2-4A51-80A2-B71984092F2F}"/>
-              </a:ext>
-            </a:extLst>
-          </p:cNvPr>
-          <p:cNvSpPr>
-            <a:spLocks noGrp="1"/>
-          </p:cNvSpPr>
-          <p:nvPr>
-            <p:ph type="sldNum" sz="quarter" idx="12"/>
-          </p:nvPr>
-        </p:nvSpPr>
-        <p:spPr/>
-        <p:txBody>
-          <a:bodyPr/>
-          <a:lstStyle/>
-          <a:p>
-            <a:pPr rtl="0"/>
-            <a:fld id="{7DC1BBB0-96F0-4077-A278-0F3FB5C104D3}" type="slidenum">
-              <a:rPr lang="es-ES" noProof="0" smtClean="0"/>
-              <a:t>4</a:t>
-            </a:fld>
-            <a:endParaRPr lang="es-ES" noProof="0" dirty="0"/>
-          </a:p>
-        </p:txBody>
-      </p:sp>
-    </p:spTree>
-    <p:extLst>
-      <p:ext uri="{BB962C8B-B14F-4D97-AF65-F5344CB8AC3E}">
-        <p14:creationId xmlns:p14="http://schemas.microsoft.com/office/powerpoint/2010/main" val="1139907238"/>
+        <p14:creationId xmlns:p14="http://schemas.microsoft.com/office/powerpoint/2010/main" val="1519307525"/>
       </p:ext>
     </p:extLst>
   </p:cSld>
@@ -14025,6 +16100,198 @@
             <a:pPr rtl="0"/>
             <a:r>
               <a:rPr lang="es-ES" dirty="0"/>
+              <a:t>Agregar un título de diapositiva (4)</a:t>
+            </a:r>
+          </a:p>
+        </p:txBody>
+      </p:sp>
+      <p:sp>
+        <p:nvSpPr>
+          <p:cNvPr id="7" name="Marcador de posición de texto 6"/>
+          <p:cNvSpPr>
+            <a:spLocks noGrp="1"/>
+          </p:cNvSpPr>
+          <p:nvPr>
+            <p:ph type="body" sz="half" idx="2"/>
+          </p:nvPr>
+        </p:nvSpPr>
+        <p:spPr/>
+        <p:txBody>
+          <a:bodyPr rtlCol="0"/>
+          <a:lstStyle/>
+          <a:p>
+            <a:pPr rtl="0"/>
+            <a:endParaRPr lang="es-ES" dirty="0"/>
+          </a:p>
+        </p:txBody>
+      </p:sp>
+      <p:sp>
+        <p:nvSpPr>
+          <p:cNvPr id="3" name="Marcador de pie de página 2">
+            <a:extLst>
+              <a:ext uri="{FF2B5EF4-FFF2-40B4-BE49-F238E27FC236}">
+                <a16:creationId xmlns:a16="http://schemas.microsoft.com/office/drawing/2014/main" id="{1B0A2556-12B2-42D6-BCC3-F811588323DF}"/>
+              </a:ext>
+            </a:extLst>
+          </p:cNvPr>
+          <p:cNvSpPr>
+            <a:spLocks noGrp="1"/>
+          </p:cNvSpPr>
+          <p:nvPr>
+            <p:ph type="ftr" sz="quarter" idx="11"/>
+          </p:nvPr>
+        </p:nvSpPr>
+        <p:spPr/>
+        <p:txBody>
+          <a:bodyPr/>
+          <a:lstStyle/>
+          <a:p>
+            <a:pPr rtl="0"/>
+            <a:r>
+              <a:rPr lang="es-ES" noProof="0"/>
+              <a:t>Agregar un pie de página</a:t>
+            </a:r>
+            <a:endParaRPr lang="es-ES" noProof="0" dirty="0"/>
+          </a:p>
+        </p:txBody>
+      </p:sp>
+      <p:sp>
+        <p:nvSpPr>
+          <p:cNvPr id="5" name="Marcador de número de diapositiva 4">
+            <a:extLst>
+              <a:ext uri="{FF2B5EF4-FFF2-40B4-BE49-F238E27FC236}">
+                <a16:creationId xmlns:a16="http://schemas.microsoft.com/office/drawing/2014/main" id="{F845EE72-4EF2-4A51-80A2-B71984092F2F}"/>
+              </a:ext>
+            </a:extLst>
+          </p:cNvPr>
+          <p:cNvSpPr>
+            <a:spLocks noGrp="1"/>
+          </p:cNvSpPr>
+          <p:nvPr>
+            <p:ph type="sldNum" sz="quarter" idx="12"/>
+          </p:nvPr>
+        </p:nvSpPr>
+        <p:spPr/>
+        <p:txBody>
+          <a:bodyPr/>
+          <a:lstStyle/>
+          <a:p>
+            <a:pPr rtl="0"/>
+            <a:fld id="{7DC1BBB0-96F0-4077-A278-0F3FB5C104D3}" type="slidenum">
+              <a:rPr lang="es-ES" noProof="0" smtClean="0"/>
+              <a:t>5</a:t>
+            </a:fld>
+            <a:endParaRPr lang="es-ES" noProof="0" dirty="0"/>
+          </a:p>
+        </p:txBody>
+      </p:sp>
+      <p:pic>
+        <p:nvPicPr>
+          <p:cNvPr id="2050" name="Picture 2" descr="El ciclo de vida del estado de tus archivos.">
+            <a:extLst>
+              <a:ext uri="{FF2B5EF4-FFF2-40B4-BE49-F238E27FC236}">
+                <a16:creationId xmlns:a16="http://schemas.microsoft.com/office/drawing/2014/main" id="{5B9AB28A-925D-47D0-8F05-8C5E20E37EDD}"/>
+              </a:ext>
+            </a:extLst>
+          </p:cNvPr>
+          <p:cNvPicPr>
+            <a:picLocks noChangeAspect="1" noChangeArrowheads="1"/>
+          </p:cNvPicPr>
+          <p:nvPr/>
+        </p:nvPicPr>
+        <p:blipFill>
+          <a:blip r:embed="rId3">
+            <a:extLst>
+              <a:ext uri="{28A0092B-C50C-407E-A947-70E740481C1C}">
+                <a14:useLocalDpi xmlns:a14="http://schemas.microsoft.com/office/drawing/2010/main" val="0"/>
+              </a:ext>
+            </a:extLst>
+          </a:blip>
+          <a:srcRect/>
+          <a:stretch>
+            <a:fillRect/>
+          </a:stretch>
+        </p:blipFill>
+        <p:spPr bwMode="auto">
+          <a:xfrm>
+            <a:off x="4011164" y="1752600"/>
+            <a:ext cx="7620000" cy="3143250"/>
+          </a:xfrm>
+          <a:prstGeom prst="rect">
+            <a:avLst/>
+          </a:prstGeom>
+          <a:noFill/>
+          <a:extLst>
+            <a:ext uri="{909E8E84-426E-40DD-AFC4-6F175D3DCCD1}">
+              <a14:hiddenFill xmlns:a14="http://schemas.microsoft.com/office/drawing/2010/main">
+                <a:solidFill>
+                  <a:srgbClr val="FFFFFF"/>
+                </a:solidFill>
+              </a14:hiddenFill>
+            </a:ext>
+          </a:extLst>
+        </p:spPr>
+      </p:pic>
+    </p:spTree>
+    <p:extLst>
+      <p:ext uri="{BB962C8B-B14F-4D97-AF65-F5344CB8AC3E}">
+        <p14:creationId xmlns:p14="http://schemas.microsoft.com/office/powerpoint/2010/main" val="1139907238"/>
+      </p:ext>
+    </p:extLst>
+  </p:cSld>
+  <p:clrMapOvr>
+    <a:masterClrMapping/>
+  </p:clrMapOvr>
+  <mc:AlternateContent xmlns:mc="http://schemas.openxmlformats.org/markup-compatibility/2006" xmlns:p14="http://schemas.microsoft.com/office/powerpoint/2010/main">
+    <mc:Choice Requires="p14">
+      <p:transition spd="med" p14:dur="700">
+        <p:fade/>
+      </p:transition>
+    </mc:Choice>
+    <mc:Fallback xmlns="">
+      <p:transition spd="med">
+        <p:fade/>
+      </p:transition>
+    </mc:Fallback>
+  </mc:AlternateContent>
+</p:sld>
+</file>
+
+<file path=ppt/slides/slide6.xml><?xml version="1.0" encoding="utf-8"?>
+<p:sld xmlns:a="http://schemas.openxmlformats.org/drawingml/2006/main" xmlns:r="http://schemas.openxmlformats.org/officeDocument/2006/relationships" xmlns:p="http://schemas.openxmlformats.org/presentationml/2006/main">
+  <p:cSld>
+    <p:spTree>
+      <p:nvGrpSpPr>
+        <p:cNvPr id="1" name=""/>
+        <p:cNvGrpSpPr/>
+        <p:nvPr/>
+      </p:nvGrpSpPr>
+      <p:grpSpPr>
+        <a:xfrm>
+          <a:off x="0" y="0"/>
+          <a:ext cx="0" cy="0"/>
+          <a:chOff x="0" y="0"/>
+          <a:chExt cx="0" cy="0"/>
+        </a:xfrm>
+      </p:grpSpPr>
+      <p:sp>
+        <p:nvSpPr>
+          <p:cNvPr id="2" name="Título 1"/>
+          <p:cNvSpPr>
+            <a:spLocks noGrp="1"/>
+          </p:cNvSpPr>
+          <p:nvPr>
+            <p:ph type="title"/>
+          </p:nvPr>
+        </p:nvSpPr>
+        <p:spPr/>
+        <p:txBody>
+          <a:bodyPr rtlCol="0"/>
+          <a:lstStyle/>
+          <a:p>
+            <a:pPr rtl="0"/>
+            <a:r>
+              <a:rPr lang="es-ES" dirty="0"/>
               <a:t>Título y diseño de contenido con gráfico</a:t>
             </a:r>
           </a:p>
@@ -14109,7 +16376,7 @@
             <a:pPr rtl="0"/>
             <a:fld id="{7DC1BBB0-96F0-4077-A278-0F3FB5C104D3}" type="slidenum">
               <a:rPr lang="es-ES" noProof="0" smtClean="0"/>
-              <a:t>5</a:t>
+              <a:t>6</a:t>
             </a:fld>
             <a:endParaRPr lang="es-ES" noProof="0" dirty="0"/>
           </a:p>
@@ -14140,7 +16407,7 @@
 </p:sld>
 </file>
 
-<file path=ppt/slides/slide6.xml><?xml version="1.0" encoding="utf-8"?>
+<file path=ppt/slides/slide7.xml><?xml version="1.0" encoding="utf-8"?>
 <p:sld xmlns:a="http://schemas.openxmlformats.org/drawingml/2006/main" xmlns:r="http://schemas.openxmlformats.org/officeDocument/2006/relationships" xmlns:p="http://schemas.openxmlformats.org/presentationml/2006/main">
   <p:cSld>
     <p:spTree>
@@ -14524,7 +16791,7 @@
             <a:pPr rtl="0"/>
             <a:fld id="{7DC1BBB0-96F0-4077-A278-0F3FB5C104D3}" type="slidenum">
               <a:rPr lang="es-ES" noProof="0" smtClean="0"/>
-              <a:t>6</a:t>
+              <a:t>7</a:t>
             </a:fld>
             <a:endParaRPr lang="es-ES" noProof="0" dirty="0"/>
           </a:p>
@@ -14534,198 +16801,6 @@
     <p:extLst>
       <p:ext uri="{BB962C8B-B14F-4D97-AF65-F5344CB8AC3E}">
         <p14:creationId xmlns:p14="http://schemas.microsoft.com/office/powerpoint/2010/main" val="2593339164"/>
-      </p:ext>
-    </p:extLst>
-  </p:cSld>
-  <p:clrMapOvr>
-    <a:masterClrMapping/>
-  </p:clrMapOvr>
-  <mc:AlternateContent xmlns:mc="http://schemas.openxmlformats.org/markup-compatibility/2006" xmlns:p14="http://schemas.microsoft.com/office/powerpoint/2010/main">
-    <mc:Choice Requires="p14">
-      <p:transition spd="med" p14:dur="700">
-        <p:fade/>
-      </p:transition>
-    </mc:Choice>
-    <mc:Fallback xmlns="">
-      <p:transition spd="med">
-        <p:fade/>
-      </p:transition>
-    </mc:Fallback>
-  </mc:AlternateContent>
-</p:sld>
-</file>
-
-<file path=ppt/slides/slide7.xml><?xml version="1.0" encoding="utf-8"?>
-<p:sld xmlns:a="http://schemas.openxmlformats.org/drawingml/2006/main" xmlns:r="http://schemas.openxmlformats.org/officeDocument/2006/relationships" xmlns:p="http://schemas.openxmlformats.org/presentationml/2006/main">
-  <p:cSld>
-    <p:spTree>
-      <p:nvGrpSpPr>
-        <p:cNvPr id="1" name=""/>
-        <p:cNvGrpSpPr/>
-        <p:nvPr/>
-      </p:nvGrpSpPr>
-      <p:grpSpPr>
-        <a:xfrm>
-          <a:off x="0" y="0"/>
-          <a:ext cx="0" cy="0"/>
-          <a:chOff x="0" y="0"/>
-          <a:chExt cx="0" cy="0"/>
-        </a:xfrm>
-      </p:grpSpPr>
-      <p:sp>
-        <p:nvSpPr>
-          <p:cNvPr id="2" name="Título 1"/>
-          <p:cNvSpPr>
-            <a:spLocks noGrp="1"/>
-          </p:cNvSpPr>
-          <p:nvPr>
-            <p:ph type="title"/>
-          </p:nvPr>
-        </p:nvSpPr>
-        <p:spPr/>
-        <p:txBody>
-          <a:bodyPr rtlCol="0"/>
-          <a:lstStyle/>
-          <a:p>
-            <a:pPr rtl="0"/>
-            <a:r>
-              <a:rPr lang="es-ES" dirty="0"/>
-              <a:t>Diseño de dos objetos con SmartArt</a:t>
-            </a:r>
-          </a:p>
-        </p:txBody>
-      </p:sp>
-      <p:graphicFrame>
-        <p:nvGraphicFramePr>
-          <p:cNvPr id="6" name="Marcador de posición de contenido 5" descr="Diagrama de lista vertical con botón de contenido adicional en el que se muestran tres grupos organizados uno debajo del otro con viñetas que indican las tareas de cada grupo."/>
-          <p:cNvGraphicFramePr>
-            <a:graphicFrameLocks noGrp="1"/>
-          </p:cNvGraphicFramePr>
-          <p:nvPr>
-            <p:ph sz="half" idx="1"/>
-            <p:extLst>
-              <p:ext uri="{D42A27DB-BD31-4B8C-83A1-F6EECF244321}">
-                <p14:modId xmlns:p14="http://schemas.microsoft.com/office/powerpoint/2010/main" val="3959688702"/>
-              </p:ext>
-            </p:extLst>
-          </p:nvPr>
-        </p:nvGraphicFramePr>
-        <p:xfrm>
-          <a:off x="1593850" y="1600200"/>
-          <a:ext cx="4814888" cy="4572000"/>
-        </p:xfrm>
-        <a:graphic>
-          <a:graphicData uri="http://schemas.openxmlformats.org/drawingml/2006/diagram">
-            <dgm:relIds xmlns:dgm="http://schemas.openxmlformats.org/drawingml/2006/diagram" xmlns:r="http://schemas.openxmlformats.org/officeDocument/2006/relationships" r:dm="rId3" r:lo="rId4" r:qs="rId5" r:cs="rId6"/>
-          </a:graphicData>
-        </a:graphic>
-      </p:graphicFrame>
-      <p:sp>
-        <p:nvSpPr>
-          <p:cNvPr id="7" name="Marcador de posición de contenido 6"/>
-          <p:cNvSpPr>
-            <a:spLocks noGrp="1"/>
-          </p:cNvSpPr>
-          <p:nvPr>
-            <p:ph sz="half" idx="2"/>
-          </p:nvPr>
-        </p:nvSpPr>
-        <p:spPr/>
-        <p:txBody>
-          <a:bodyPr rtlCol="0"/>
-          <a:lstStyle/>
-          <a:p>
-            <a:pPr rtl="0"/>
-            <a:r>
-              <a:rPr lang="es-ES" dirty="0"/>
-              <a:t>Primera viñeta aquí</a:t>
-            </a:r>
-          </a:p>
-          <a:p>
-            <a:pPr rtl="0"/>
-            <a:r>
-              <a:rPr lang="es-ES" dirty="0"/>
-              <a:t>Segunda viñeta aquí</a:t>
-            </a:r>
-          </a:p>
-          <a:p>
-            <a:pPr rtl="0"/>
-            <a:r>
-              <a:rPr lang="es-ES" dirty="0"/>
-              <a:t>Tercera viñeta aquí</a:t>
-            </a:r>
-          </a:p>
-        </p:txBody>
-      </p:sp>
-      <p:sp>
-        <p:nvSpPr>
-          <p:cNvPr id="3" name="Marcador de pie de página 2">
-            <a:extLst>
-              <a:ext uri="{FF2B5EF4-FFF2-40B4-BE49-F238E27FC236}">
-                <a16:creationId xmlns:a16="http://schemas.microsoft.com/office/drawing/2014/main" id="{589E451B-1A91-445D-BF6B-781565BF6D4A}"/>
-              </a:ext>
-            </a:extLst>
-          </p:cNvPr>
-          <p:cNvSpPr>
-            <a:spLocks noGrp="1"/>
-          </p:cNvSpPr>
-          <p:nvPr>
-            <p:ph type="ftr" sz="quarter" idx="4294967295"/>
-          </p:nvPr>
-        </p:nvSpPr>
-        <p:spPr>
-          <a:xfrm>
-            <a:off x="6595933" y="6356351"/>
-            <a:ext cx="3974065" cy="365125"/>
-          </a:xfrm>
-        </p:spPr>
-        <p:txBody>
-          <a:bodyPr/>
-          <a:lstStyle/>
-          <a:p>
-            <a:pPr rtl="0"/>
-            <a:r>
-              <a:rPr lang="es-ES" noProof="0"/>
-              <a:t>Agregar un pie de página</a:t>
-            </a:r>
-            <a:endParaRPr lang="es-ES" noProof="0" dirty="0"/>
-          </a:p>
-        </p:txBody>
-      </p:sp>
-      <p:sp>
-        <p:nvSpPr>
-          <p:cNvPr id="4" name="Marcador de número de diapositiva 3">
-            <a:extLst>
-              <a:ext uri="{FF2B5EF4-FFF2-40B4-BE49-F238E27FC236}">
-                <a16:creationId xmlns:a16="http://schemas.microsoft.com/office/drawing/2014/main" id="{4590DC53-CB48-4CAC-B507-F6D5107FBF12}"/>
-              </a:ext>
-            </a:extLst>
-          </p:cNvPr>
-          <p:cNvSpPr>
-            <a:spLocks noGrp="1"/>
-          </p:cNvSpPr>
-          <p:nvPr>
-            <p:ph type="sldNum" sz="quarter" idx="12"/>
-          </p:nvPr>
-        </p:nvSpPr>
-        <p:spPr/>
-        <p:txBody>
-          <a:bodyPr/>
-          <a:lstStyle/>
-          <a:p>
-            <a:pPr rtl="0"/>
-            <a:fld id="{7DC1BBB0-96F0-4077-A278-0F3FB5C104D3}" type="slidenum">
-              <a:rPr lang="es-ES" noProof="0" smtClean="0"/>
-              <a:t>7</a:t>
-            </a:fld>
-            <a:endParaRPr lang="es-ES" noProof="0" dirty="0"/>
-          </a:p>
-        </p:txBody>
-      </p:sp>
-    </p:spTree>
-    <p:extLst>
-      <p:ext uri="{BB962C8B-B14F-4D97-AF65-F5344CB8AC3E}">
-        <p14:creationId xmlns:p14="http://schemas.microsoft.com/office/powerpoint/2010/main" val="513726968"/>
       </p:ext>
     </p:extLst>
   </p:cSld>
@@ -14782,19 +16857,44 @@
             <a:pPr rtl="0"/>
             <a:r>
               <a:rPr lang="es-ES" dirty="0"/>
-              <a:t>Agregar un título de diapositiva (1)</a:t>
+              <a:t>Diseño de dos objetos con SmartArt</a:t>
             </a:r>
           </a:p>
         </p:txBody>
       </p:sp>
-      <p:sp>
-        <p:nvSpPr>
-          <p:cNvPr id="5" name="Marcador de posición de texto 4"/>
+      <p:graphicFrame>
+        <p:nvGraphicFramePr>
+          <p:cNvPr id="6" name="Marcador de posición de contenido 5" descr="Diagrama de lista vertical con botón de contenido adicional en el que se muestran tres grupos organizados uno debajo del otro con viñetas que indican las tareas de cada grupo."/>
+          <p:cNvGraphicFramePr>
+            <a:graphicFrameLocks noGrp="1"/>
+          </p:cNvGraphicFramePr>
+          <p:nvPr>
+            <p:ph sz="half" idx="1"/>
+            <p:extLst>
+              <p:ext uri="{D42A27DB-BD31-4B8C-83A1-F6EECF244321}">
+                <p14:modId xmlns:p14="http://schemas.microsoft.com/office/powerpoint/2010/main" val="3959688702"/>
+              </p:ext>
+            </p:extLst>
+          </p:nvPr>
+        </p:nvGraphicFramePr>
+        <p:xfrm>
+          <a:off x="1593850" y="1600200"/>
+          <a:ext cx="4814888" cy="4572000"/>
+        </p:xfrm>
+        <a:graphic>
+          <a:graphicData uri="http://schemas.openxmlformats.org/drawingml/2006/diagram">
+            <dgm:relIds xmlns:dgm="http://schemas.openxmlformats.org/drawingml/2006/diagram" xmlns:r="http://schemas.openxmlformats.org/officeDocument/2006/relationships" r:dm="rId3" r:lo="rId4" r:qs="rId5" r:cs="rId6"/>
+          </a:graphicData>
+        </a:graphic>
+      </p:graphicFrame>
+      <p:sp>
+        <p:nvSpPr>
+          <p:cNvPr id="7" name="Marcador de posición de contenido 6"/>
           <p:cNvSpPr>
             <a:spLocks noGrp="1"/>
           </p:cNvSpPr>
           <p:nvPr>
-            <p:ph type="body" idx="1"/>
+            <p:ph sz="half" idx="2"/>
           </p:nvPr>
         </p:nvSpPr>
         <p:spPr/>
@@ -14803,7 +16903,24 @@
           <a:lstStyle/>
           <a:p>
             <a:pPr rtl="0"/>
-            <a:endParaRPr lang="es-ES" dirty="0"/>
+            <a:r>
+              <a:rPr lang="es-ES" dirty="0"/>
+              <a:t>Primera viñeta aquí</a:t>
+            </a:r>
+          </a:p>
+          <a:p>
+            <a:pPr rtl="0"/>
+            <a:r>
+              <a:rPr lang="es-ES" dirty="0"/>
+              <a:t>Segunda viñeta aquí</a:t>
+            </a:r>
+          </a:p>
+          <a:p>
+            <a:pPr rtl="0"/>
+            <a:r>
+              <a:rPr lang="es-ES" dirty="0"/>
+              <a:t>Tercera viñeta aquí</a:t>
+            </a:r>
           </a:p>
         </p:txBody>
       </p:sp>
@@ -14812,7 +16929,7 @@
           <p:cNvPr id="3" name="Marcador de pie de página 2">
             <a:extLst>
               <a:ext uri="{FF2B5EF4-FFF2-40B4-BE49-F238E27FC236}">
-                <a16:creationId xmlns:a16="http://schemas.microsoft.com/office/drawing/2014/main" id="{51A48A5E-C144-458C-902D-D0C3F769511E}"/>
+                <a16:creationId xmlns:a16="http://schemas.microsoft.com/office/drawing/2014/main" id="{589E451B-1A91-445D-BF6B-781565BF6D4A}"/>
               </a:ext>
             </a:extLst>
           </p:cNvPr>
@@ -14825,7 +16942,7 @@
         </p:nvSpPr>
         <p:spPr>
           <a:xfrm>
-            <a:off x="6595933" y="6378799"/>
+            <a:off x="6595933" y="6356351"/>
             <a:ext cx="3974065" cy="365125"/>
           </a:xfrm>
         </p:spPr>
@@ -14847,7 +16964,7 @@
           <p:cNvPr id="4" name="Marcador de número de diapositiva 3">
             <a:extLst>
               <a:ext uri="{FF2B5EF4-FFF2-40B4-BE49-F238E27FC236}">
-                <a16:creationId xmlns:a16="http://schemas.microsoft.com/office/drawing/2014/main" id="{B883489B-C3C3-4CA7-ACA5-8594BFAFF488}"/>
+                <a16:creationId xmlns:a16="http://schemas.microsoft.com/office/drawing/2014/main" id="{4590DC53-CB48-4CAC-B507-F6D5107FBF12}"/>
               </a:ext>
             </a:extLst>
           </p:cNvPr>
@@ -14855,15 +16972,10 @@
             <a:spLocks noGrp="1"/>
           </p:cNvSpPr>
           <p:nvPr>
-            <p:ph type="sldNum" sz="quarter" idx="4294967295"/>
+            <p:ph type="sldNum" sz="quarter" idx="12"/>
           </p:nvPr>
         </p:nvSpPr>
-        <p:spPr>
-          <a:xfrm>
-            <a:off x="10666571" y="6378799"/>
-            <a:ext cx="609441" cy="365125"/>
-          </a:xfrm>
-        </p:spPr>
+        <p:spPr/>
         <p:txBody>
           <a:bodyPr/>
           <a:lstStyle/>
@@ -14871,7 +16983,6 @@
             <a:pPr rtl="0"/>
             <a:fld id="{7DC1BBB0-96F0-4077-A278-0F3FB5C104D3}" type="slidenum">
               <a:rPr lang="es-ES" noProof="0" smtClean="0"/>
-              <a:pPr rtl="0"/>
               <a:t>8</a:t>
             </a:fld>
             <a:endParaRPr lang="es-ES" noProof="0" dirty="0"/>
@@ -14881,7 +16992,7 @@
     </p:spTree>
     <p:extLst>
       <p:ext uri="{BB962C8B-B14F-4D97-AF65-F5344CB8AC3E}">
-        <p14:creationId xmlns:p14="http://schemas.microsoft.com/office/powerpoint/2010/main" val="352090314"/>
+        <p14:creationId xmlns:p14="http://schemas.microsoft.com/office/powerpoint/2010/main" val="513726968"/>
       </p:ext>
     </p:extLst>
   </p:cSld>
@@ -14938,14 +17049,14 @@
             <a:pPr rtl="0"/>
             <a:r>
               <a:rPr lang="es-ES" dirty="0"/>
-              <a:t>Agregar un título de diapositiva (2)</a:t>
+              <a:t>Agregar un título de diapositiva (1)</a:t>
             </a:r>
           </a:p>
         </p:txBody>
       </p:sp>
       <p:sp>
         <p:nvSpPr>
-          <p:cNvPr id="4" name="Marcador de posición de texto 3"/>
+          <p:cNvPr id="5" name="Marcador de posición de texto 4"/>
           <p:cNvSpPr>
             <a:spLocks noGrp="1"/>
           </p:cNvSpPr>
@@ -14965,70 +17076,10 @@
       </p:sp>
       <p:sp>
         <p:nvSpPr>
-          <p:cNvPr id="5" name="Marcador de posición de contenido 4"/>
-          <p:cNvSpPr>
-            <a:spLocks noGrp="1"/>
-          </p:cNvSpPr>
-          <p:nvPr>
-            <p:ph sz="half" idx="2"/>
-          </p:nvPr>
-        </p:nvSpPr>
-        <p:spPr/>
-        <p:txBody>
-          <a:bodyPr rtlCol="0"/>
-          <a:lstStyle/>
-          <a:p>
-            <a:pPr rtl="0"/>
-            <a:endParaRPr lang="es-ES" dirty="0"/>
-          </a:p>
-        </p:txBody>
-      </p:sp>
-      <p:sp>
-        <p:nvSpPr>
-          <p:cNvPr id="6" name="Marcador de posición de texto 5"/>
-          <p:cNvSpPr>
-            <a:spLocks noGrp="1"/>
-          </p:cNvSpPr>
-          <p:nvPr>
-            <p:ph type="body" sz="quarter" idx="3"/>
-          </p:nvPr>
-        </p:nvSpPr>
-        <p:spPr/>
-        <p:txBody>
-          <a:bodyPr rtlCol="0"/>
-          <a:lstStyle/>
-          <a:p>
-            <a:pPr rtl="0"/>
-            <a:endParaRPr lang="es-ES" dirty="0"/>
-          </a:p>
-        </p:txBody>
-      </p:sp>
-      <p:sp>
-        <p:nvSpPr>
-          <p:cNvPr id="11" name="Marcador de posición de contenido 10"/>
-          <p:cNvSpPr>
-            <a:spLocks noGrp="1"/>
-          </p:cNvSpPr>
-          <p:nvPr>
-            <p:ph sz="quarter" idx="4"/>
-          </p:nvPr>
-        </p:nvSpPr>
-        <p:spPr/>
-        <p:txBody>
-          <a:bodyPr rtlCol="0"/>
-          <a:lstStyle/>
-          <a:p>
-            <a:pPr rtl="0"/>
-            <a:endParaRPr lang="es-ES" dirty="0"/>
-          </a:p>
-        </p:txBody>
-      </p:sp>
-      <p:sp>
-        <p:nvSpPr>
           <p:cNvPr id="3" name="Marcador de pie de página 2">
             <a:extLst>
               <a:ext uri="{FF2B5EF4-FFF2-40B4-BE49-F238E27FC236}">
-                <a16:creationId xmlns:a16="http://schemas.microsoft.com/office/drawing/2014/main" id="{FB76CB50-1503-4000-8D3D-47FE31E61BC6}"/>
+                <a16:creationId xmlns:a16="http://schemas.microsoft.com/office/drawing/2014/main" id="{51A48A5E-C144-458C-902D-D0C3F769511E}"/>
               </a:ext>
             </a:extLst>
           </p:cNvPr>
@@ -15036,10 +17087,15 @@
             <a:spLocks noGrp="1"/>
           </p:cNvSpPr>
           <p:nvPr>
-            <p:ph type="ftr" sz="quarter" idx="11"/>
+            <p:ph type="ftr" sz="quarter" idx="4294967295"/>
           </p:nvPr>
         </p:nvSpPr>
-        <p:spPr/>
+        <p:spPr>
+          <a:xfrm>
+            <a:off x="6595933" y="6378799"/>
+            <a:ext cx="3974065" cy="365125"/>
+          </a:xfrm>
+        </p:spPr>
         <p:txBody>
           <a:bodyPr/>
           <a:lstStyle/>
@@ -15055,10 +17111,10 @@
       </p:sp>
       <p:sp>
         <p:nvSpPr>
-          <p:cNvPr id="7" name="Marcador de número de diapositiva 6">
+          <p:cNvPr id="4" name="Marcador de número de diapositiva 3">
             <a:extLst>
               <a:ext uri="{FF2B5EF4-FFF2-40B4-BE49-F238E27FC236}">
-                <a16:creationId xmlns:a16="http://schemas.microsoft.com/office/drawing/2014/main" id="{41DA4AFA-E518-472B-A834-5D4295BA6605}"/>
+                <a16:creationId xmlns:a16="http://schemas.microsoft.com/office/drawing/2014/main" id="{B883489B-C3C3-4CA7-ACA5-8594BFAFF488}"/>
               </a:ext>
             </a:extLst>
           </p:cNvPr>
@@ -15066,10 +17122,15 @@
             <a:spLocks noGrp="1"/>
           </p:cNvSpPr>
           <p:nvPr>
-            <p:ph type="sldNum" sz="quarter" idx="12"/>
+            <p:ph type="sldNum" sz="quarter" idx="4294967295"/>
           </p:nvPr>
         </p:nvSpPr>
-        <p:spPr/>
+        <p:spPr>
+          <a:xfrm>
+            <a:off x="10666571" y="6378799"/>
+            <a:ext cx="609441" cy="365125"/>
+          </a:xfrm>
+        </p:spPr>
         <p:txBody>
           <a:bodyPr/>
           <a:lstStyle/>
@@ -15077,6 +17138,7 @@
             <a:pPr rtl="0"/>
             <a:fld id="{7DC1BBB0-96F0-4077-A278-0F3FB5C104D3}" type="slidenum">
               <a:rPr lang="es-ES" noProof="0" smtClean="0"/>
+              <a:pPr rtl="0"/>
               <a:t>9</a:t>
             </a:fld>
             <a:endParaRPr lang="es-ES" noProof="0" dirty="0"/>
@@ -15086,7 +17148,7 @@
     </p:spTree>
     <p:extLst>
       <p:ext uri="{BB962C8B-B14F-4D97-AF65-F5344CB8AC3E}">
-        <p14:creationId xmlns:p14="http://schemas.microsoft.com/office/powerpoint/2010/main" val="1061194279"/>
+        <p14:creationId xmlns:p14="http://schemas.microsoft.com/office/powerpoint/2010/main" val="352090314"/>
       </p:ext>
     </p:extLst>
   </p:cSld>

--- a/Programacion/GIT/GIT - Control Versiones.pptx
+++ b/Programacion/GIT/GIT - Control Versiones.pptx
@@ -5,26 +5,27 @@
     <p:sldMasterId id="2147483648" r:id="rId1"/>
   </p:sldMasterIdLst>
   <p:notesMasterIdLst>
-    <p:notesMasterId r:id="rId16"/>
+    <p:notesMasterId r:id="rId17"/>
   </p:notesMasterIdLst>
   <p:handoutMasterIdLst>
-    <p:handoutMasterId r:id="rId17"/>
+    <p:handoutMasterId r:id="rId18"/>
   </p:handoutMasterIdLst>
   <p:sldIdLst>
     <p:sldId id="256" r:id="rId2"/>
     <p:sldId id="273" r:id="rId3"/>
     <p:sldId id="267" r:id="rId4"/>
     <p:sldId id="275" r:id="rId5"/>
-    <p:sldId id="274" r:id="rId6"/>
-    <p:sldId id="268" r:id="rId7"/>
-    <p:sldId id="269" r:id="rId8"/>
-    <p:sldId id="271" r:id="rId9"/>
-    <p:sldId id="258" r:id="rId10"/>
-    <p:sldId id="260" r:id="rId11"/>
-    <p:sldId id="261" r:id="rId12"/>
-    <p:sldId id="262" r:id="rId13"/>
-    <p:sldId id="272" r:id="rId14"/>
-    <p:sldId id="264" r:id="rId15"/>
+    <p:sldId id="276" r:id="rId6"/>
+    <p:sldId id="274" r:id="rId7"/>
+    <p:sldId id="268" r:id="rId8"/>
+    <p:sldId id="269" r:id="rId9"/>
+    <p:sldId id="271" r:id="rId10"/>
+    <p:sldId id="258" r:id="rId11"/>
+    <p:sldId id="260" r:id="rId12"/>
+    <p:sldId id="261" r:id="rId13"/>
+    <p:sldId id="262" r:id="rId14"/>
+    <p:sldId id="272" r:id="rId15"/>
+    <p:sldId id="264" r:id="rId16"/>
   </p:sldIdLst>
   <p:sldSz cx="12188825" cy="6858000"/>
   <p:notesSz cx="6858000" cy="9144000"/>
@@ -4387,7 +4388,7 @@
             <a:pPr rtl="0"/>
             <a:fld id="{69BBBD98-8689-4A62-BBFB-92BF328A7966}" type="datetime1">
               <a:rPr lang="es-ES" smtClean="0"/>
-              <a:t>22/12/2022</a:t>
+              <a:t>25/12/2022</a:t>
             </a:fld>
             <a:endParaRPr lang="es-ES" dirty="0"/>
           </a:p>
@@ -4565,7 +4566,7 @@
             <a:pPr rtl="0"/>
             <a:fld id="{8E41AB9B-16BF-4ECF-B92C-3E61E5BECA90}" type="datetime1">
               <a:rPr lang="es-ES" noProof="0" smtClean="0"/>
-              <a:t>22/12/2022</a:t>
+              <a:t>25/12/2022</a:t>
             </a:fld>
             <a:endParaRPr lang="es-ES" noProof="0" dirty="0"/>
           </a:p>
@@ -5007,7 +5008,7 @@
     </p:spTree>
     <p:extLst>
       <p:ext uri="{BB962C8B-B14F-4D97-AF65-F5344CB8AC3E}">
-        <p14:creationId xmlns:p14="http://schemas.microsoft.com/office/powerpoint/2010/main" val="569135123"/>
+        <p14:creationId xmlns:p14="http://schemas.microsoft.com/office/powerpoint/2010/main" val="51468493"/>
       </p:ext>
     </p:extLst>
   </p:cSld>
@@ -5093,7 +5094,7 @@
     </p:spTree>
     <p:extLst>
       <p:ext uri="{BB962C8B-B14F-4D97-AF65-F5344CB8AC3E}">
-        <p14:creationId xmlns:p14="http://schemas.microsoft.com/office/powerpoint/2010/main" val="1841258042"/>
+        <p14:creationId xmlns:p14="http://schemas.microsoft.com/office/powerpoint/2010/main" val="569135123"/>
       </p:ext>
     </p:extLst>
   </p:cSld>
@@ -5179,7 +5180,7 @@
     </p:spTree>
     <p:extLst>
       <p:ext uri="{BB962C8B-B14F-4D97-AF65-F5344CB8AC3E}">
-        <p14:creationId xmlns:p14="http://schemas.microsoft.com/office/powerpoint/2010/main" val="1399428138"/>
+        <p14:creationId xmlns:p14="http://schemas.microsoft.com/office/powerpoint/2010/main" val="1841258042"/>
       </p:ext>
     </p:extLst>
   </p:cSld>
@@ -5265,7 +5266,7 @@
     </p:spTree>
     <p:extLst>
       <p:ext uri="{BB962C8B-B14F-4D97-AF65-F5344CB8AC3E}">
-        <p14:creationId xmlns:p14="http://schemas.microsoft.com/office/powerpoint/2010/main" val="368498654"/>
+        <p14:creationId xmlns:p14="http://schemas.microsoft.com/office/powerpoint/2010/main" val="1399428138"/>
       </p:ext>
     </p:extLst>
   </p:cSld>
@@ -5343,6 +5344,92 @@
               <a:rPr lang="es-ES" smtClean="0"/>
               <a:pPr rtl="0"/>
               <a:t>14</a:t>
+            </a:fld>
+            <a:endParaRPr lang="es-ES" dirty="0"/>
+          </a:p>
+        </p:txBody>
+      </p:sp>
+    </p:spTree>
+    <p:extLst>
+      <p:ext uri="{BB962C8B-B14F-4D97-AF65-F5344CB8AC3E}">
+        <p14:creationId xmlns:p14="http://schemas.microsoft.com/office/powerpoint/2010/main" val="368498654"/>
+      </p:ext>
+    </p:extLst>
+  </p:cSld>
+  <p:clrMapOvr>
+    <a:masterClrMapping/>
+  </p:clrMapOvr>
+</p:notes>
+</file>
+
+<file path=ppt/notesSlides/notesSlide15.xml><?xml version="1.0" encoding="utf-8"?>
+<p:notes xmlns:a="http://schemas.openxmlformats.org/drawingml/2006/main" xmlns:r="http://schemas.openxmlformats.org/officeDocument/2006/relationships" xmlns:p="http://schemas.openxmlformats.org/presentationml/2006/main">
+  <p:cSld>
+    <p:spTree>
+      <p:nvGrpSpPr>
+        <p:cNvPr id="1" name=""/>
+        <p:cNvGrpSpPr/>
+        <p:nvPr/>
+      </p:nvGrpSpPr>
+      <p:grpSpPr>
+        <a:xfrm>
+          <a:off x="0" y="0"/>
+          <a:ext cx="0" cy="0"/>
+          <a:chOff x="0" y="0"/>
+          <a:chExt cx="0" cy="0"/>
+        </a:xfrm>
+      </p:grpSpPr>
+      <p:sp>
+        <p:nvSpPr>
+          <p:cNvPr id="2" name="Marcador de imagen de diapositiva 1"/>
+          <p:cNvSpPr>
+            <a:spLocks noGrp="1" noRot="1" noChangeAspect="1"/>
+          </p:cNvSpPr>
+          <p:nvPr>
+            <p:ph type="sldImg"/>
+          </p:nvPr>
+        </p:nvSpPr>
+        <p:spPr/>
+      </p:sp>
+      <p:sp>
+        <p:nvSpPr>
+          <p:cNvPr id="3" name="Marcador de notas 2"/>
+          <p:cNvSpPr>
+            <a:spLocks noGrp="1"/>
+          </p:cNvSpPr>
+          <p:nvPr>
+            <p:ph type="body" idx="1"/>
+          </p:nvPr>
+        </p:nvSpPr>
+        <p:spPr/>
+        <p:txBody>
+          <a:bodyPr/>
+          <a:lstStyle/>
+          <a:p>
+            <a:endParaRPr lang="es-ES" dirty="0"/>
+          </a:p>
+        </p:txBody>
+      </p:sp>
+      <p:sp>
+        <p:nvSpPr>
+          <p:cNvPr id="4" name="Marcador de número de diapositiva 3"/>
+          <p:cNvSpPr>
+            <a:spLocks noGrp="1"/>
+          </p:cNvSpPr>
+          <p:nvPr>
+            <p:ph type="sldNum" sz="quarter" idx="10"/>
+          </p:nvPr>
+        </p:nvSpPr>
+        <p:spPr/>
+        <p:txBody>
+          <a:bodyPr/>
+          <a:lstStyle/>
+          <a:p>
+            <a:pPr rtl="0"/>
+            <a:fld id="{841221E5-7225-48EB-A4EE-420E7BFCF705}" type="slidenum">
+              <a:rPr lang="es-ES" smtClean="0"/>
+              <a:pPr rtl="0"/>
+              <a:t>15</a:t>
             </a:fld>
             <a:endParaRPr lang="es-ES" dirty="0"/>
           </a:p>
@@ -5695,7 +5782,7 @@
     </p:spTree>
     <p:extLst>
       <p:ext uri="{BB962C8B-B14F-4D97-AF65-F5344CB8AC3E}">
-        <p14:creationId xmlns:p14="http://schemas.microsoft.com/office/powerpoint/2010/main" val="1952920916"/>
+        <p14:creationId xmlns:p14="http://schemas.microsoft.com/office/powerpoint/2010/main" val="1408898778"/>
       </p:ext>
     </p:extLst>
   </p:cSld>
@@ -5781,7 +5868,7 @@
     </p:spTree>
     <p:extLst>
       <p:ext uri="{BB962C8B-B14F-4D97-AF65-F5344CB8AC3E}">
-        <p14:creationId xmlns:p14="http://schemas.microsoft.com/office/powerpoint/2010/main" val="472929191"/>
+        <p14:creationId xmlns:p14="http://schemas.microsoft.com/office/powerpoint/2010/main" val="1952920916"/>
       </p:ext>
     </p:extLst>
   </p:cSld>
@@ -5867,7 +5954,7 @@
     </p:spTree>
     <p:extLst>
       <p:ext uri="{BB962C8B-B14F-4D97-AF65-F5344CB8AC3E}">
-        <p14:creationId xmlns:p14="http://schemas.microsoft.com/office/powerpoint/2010/main" val="1654880986"/>
+        <p14:creationId xmlns:p14="http://schemas.microsoft.com/office/powerpoint/2010/main" val="472929191"/>
       </p:ext>
     </p:extLst>
   </p:cSld>
@@ -5953,7 +6040,7 @@
     </p:spTree>
     <p:extLst>
       <p:ext uri="{BB962C8B-B14F-4D97-AF65-F5344CB8AC3E}">
-        <p14:creationId xmlns:p14="http://schemas.microsoft.com/office/powerpoint/2010/main" val="57769914"/>
+        <p14:creationId xmlns:p14="http://schemas.microsoft.com/office/powerpoint/2010/main" val="1654880986"/>
       </p:ext>
     </p:extLst>
   </p:cSld>
@@ -6039,7 +6126,7 @@
     </p:spTree>
     <p:extLst>
       <p:ext uri="{BB962C8B-B14F-4D97-AF65-F5344CB8AC3E}">
-        <p14:creationId xmlns:p14="http://schemas.microsoft.com/office/powerpoint/2010/main" val="51468493"/>
+        <p14:creationId xmlns:p14="http://schemas.microsoft.com/office/powerpoint/2010/main" val="57769914"/>
       </p:ext>
     </p:extLst>
   </p:cSld>
@@ -6770,7 +6857,6 @@
               <a:schemeClr val="bg1"/>
             </a:solidFill>
           </a:ln>
-          <a:extLst/>
         </p:spPr>
         <p:txBody>
           <a:bodyPr vert="horz" wrap="square" lIns="121899" tIns="60949" rIns="121899" bIns="60949" numCol="1" rtlCol="0" anchor="t" anchorCtr="0" compatLnSpc="1">
@@ -6969,7 +7055,7 @@
             <a:pPr rtl="0"/>
             <a:fld id="{D227DDB9-0E5E-4C56-81E2-42C38C100EB8}" type="datetime1">
               <a:rPr lang="es-ES" noProof="0" smtClean="0"/>
-              <a:t>22/12/2022</a:t>
+              <a:t>25/12/2022</a:t>
             </a:fld>
             <a:endParaRPr lang="es-ES" noProof="0" dirty="0"/>
           </a:p>
@@ -7196,7 +7282,7 @@
             <a:pPr rtl="0"/>
             <a:fld id="{854D34C8-6636-436D-90B3-E45C17BC29D1}" type="datetime1">
               <a:rPr lang="es-ES" noProof="0" smtClean="0"/>
-              <a:t>22/12/2022</a:t>
+              <a:t>25/12/2022</a:t>
             </a:fld>
             <a:endParaRPr lang="es-ES" noProof="0" dirty="0"/>
           </a:p>
@@ -7865,7 +7951,6 @@
           <a:ln>
             <a:noFill/>
           </a:ln>
-          <a:extLst/>
         </p:spPr>
         <p:txBody>
           <a:bodyPr vert="horz" wrap="square" lIns="91440" tIns="45720" rIns="91440" bIns="45720" numCol="1" rtlCol="0" anchor="t" anchorCtr="0" compatLnSpc="1">
@@ -8019,7 +8104,7 @@
             <a:pPr rtl="0"/>
             <a:fld id="{5B1A7055-A05B-47D6-9397-3E4A1BE71239}" type="datetime1">
               <a:rPr lang="es-ES" noProof="0" smtClean="0"/>
-              <a:t>22/12/2022</a:t>
+              <a:t>25/12/2022</a:t>
             </a:fld>
             <a:endParaRPr lang="es-ES" noProof="0" dirty="0"/>
           </a:p>
@@ -8224,7 +8309,7 @@
             <a:pPr rtl="0"/>
             <a:fld id="{397066DD-333B-4949-A479-115F2B9E08E7}" type="datetime1">
               <a:rPr lang="es-ES" noProof="0" smtClean="0"/>
-              <a:t>22/12/2022</a:t>
+              <a:t>25/12/2022</a:t>
             </a:fld>
             <a:endParaRPr lang="es-ES" noProof="0" dirty="0"/>
           </a:p>
@@ -9802,7 +9887,7 @@
             <a:pPr rtl="0"/>
             <a:fld id="{2C913CB4-D4A9-4FBE-913D-B9E890ABEF3F}" type="datetime1">
               <a:rPr lang="es-ES" noProof="0" smtClean="0"/>
-              <a:t>22/12/2022</a:t>
+              <a:t>25/12/2022</a:t>
             </a:fld>
             <a:endParaRPr lang="es-ES" noProof="0" dirty="0"/>
           </a:p>
@@ -9939,7 +10024,7 @@
             <a:pPr rtl="0"/>
             <a:fld id="{543DE88F-8DA3-44F9-868D-559DD495EADB}" type="datetime1">
               <a:rPr lang="es-ES" noProof="0" smtClean="0"/>
-              <a:t>22/12/2022</a:t>
+              <a:t>25/12/2022</a:t>
             </a:fld>
             <a:endParaRPr lang="es-ES" noProof="0" dirty="0"/>
           </a:p>
@@ -10280,7 +10365,7 @@
             <a:pPr rtl="0"/>
             <a:fld id="{C7A9AAEF-0AD3-419E-B51F-A77C6A89DFB2}" type="datetime1">
               <a:rPr lang="es-ES" noProof="0" smtClean="0"/>
-              <a:t>22/12/2022</a:t>
+              <a:t>25/12/2022</a:t>
             </a:fld>
             <a:endParaRPr lang="es-ES" noProof="0" dirty="0"/>
           </a:p>
@@ -10779,7 +10864,7 @@
             <a:pPr rtl="0"/>
             <a:fld id="{C31318DA-4832-4504-A64F-05EF187BF5DA}" type="datetime1">
               <a:rPr lang="es-ES" noProof="0" smtClean="0"/>
-              <a:t>22/12/2022</a:t>
+              <a:t>25/12/2022</a:t>
             </a:fld>
             <a:endParaRPr lang="es-ES" noProof="0" dirty="0"/>
           </a:p>
@@ -11235,7 +11320,7 @@
             <a:pPr rtl="0"/>
             <a:fld id="{A361280F-B7E7-4174-BE87-9E37B5A43C49}" type="datetime1">
               <a:rPr lang="es-ES" noProof="0" smtClean="0"/>
-              <a:t>22/12/2022</a:t>
+              <a:t>25/12/2022</a:t>
             </a:fld>
             <a:endParaRPr lang="es-ES" noProof="0" dirty="0"/>
           </a:p>
@@ -11961,7 +12046,6 @@
           <a:ln>
             <a:noFill/>
           </a:ln>
-          <a:extLst/>
         </p:spPr>
         <p:txBody>
           <a:bodyPr vert="horz" wrap="square" lIns="91440" tIns="45720" rIns="91440" bIns="45720" numCol="1" rtlCol="0" anchor="t" anchorCtr="0" compatLnSpc="1">
@@ -12139,7 +12223,7 @@
             <a:pPr rtl="0"/>
             <a:fld id="{3FB7BB0F-7041-4735-B07A-25DB00AC6E71}" type="datetime1">
               <a:rPr lang="es-ES" noProof="0" smtClean="0"/>
-              <a:t>22/12/2022</a:t>
+              <a:t>25/12/2022</a:t>
             </a:fld>
             <a:endParaRPr lang="es-ES" noProof="0" dirty="0"/>
           </a:p>
@@ -12541,7 +12625,7 @@
       </a:lvl9pPr>
     </p:otherStyle>
   </p:txStyles>
-  <p:extLst mod="1">
+  <p:extLst>
     <p:ext uri="{27BBF7A9-308A-43DC-89C8-2F10F3537804}">
       <p15:sldGuideLst xmlns:p15="http://schemas.microsoft.com/office/powerpoint/2012/main">
         <p15:guide id="1" orient="horz" pos="2160" userDrawn="1">
@@ -12707,14 +12791,14 @@
             <a:pPr rtl="0"/>
             <a:r>
               <a:rPr lang="es-ES" dirty="0"/>
-              <a:t>Agregar un título de diapositiva (2)</a:t>
+              <a:t>Agregar un título de diapositiva (1)</a:t>
             </a:r>
           </a:p>
         </p:txBody>
       </p:sp>
       <p:sp>
         <p:nvSpPr>
-          <p:cNvPr id="4" name="Marcador de posición de texto 3"/>
+          <p:cNvPr id="5" name="Marcador de posición de texto 4"/>
           <p:cNvSpPr>
             <a:spLocks noGrp="1"/>
           </p:cNvSpPr>
@@ -12734,70 +12818,10 @@
       </p:sp>
       <p:sp>
         <p:nvSpPr>
-          <p:cNvPr id="5" name="Marcador de posición de contenido 4"/>
-          <p:cNvSpPr>
-            <a:spLocks noGrp="1"/>
-          </p:cNvSpPr>
-          <p:nvPr>
-            <p:ph sz="half" idx="2"/>
-          </p:nvPr>
-        </p:nvSpPr>
-        <p:spPr/>
-        <p:txBody>
-          <a:bodyPr rtlCol="0"/>
-          <a:lstStyle/>
-          <a:p>
-            <a:pPr rtl="0"/>
-            <a:endParaRPr lang="es-ES" dirty="0"/>
-          </a:p>
-        </p:txBody>
-      </p:sp>
-      <p:sp>
-        <p:nvSpPr>
-          <p:cNvPr id="6" name="Marcador de posición de texto 5"/>
-          <p:cNvSpPr>
-            <a:spLocks noGrp="1"/>
-          </p:cNvSpPr>
-          <p:nvPr>
-            <p:ph type="body" sz="quarter" idx="3"/>
-          </p:nvPr>
-        </p:nvSpPr>
-        <p:spPr/>
-        <p:txBody>
-          <a:bodyPr rtlCol="0"/>
-          <a:lstStyle/>
-          <a:p>
-            <a:pPr rtl="0"/>
-            <a:endParaRPr lang="es-ES" dirty="0"/>
-          </a:p>
-        </p:txBody>
-      </p:sp>
-      <p:sp>
-        <p:nvSpPr>
-          <p:cNvPr id="11" name="Marcador de posición de contenido 10"/>
-          <p:cNvSpPr>
-            <a:spLocks noGrp="1"/>
-          </p:cNvSpPr>
-          <p:nvPr>
-            <p:ph sz="quarter" idx="4"/>
-          </p:nvPr>
-        </p:nvSpPr>
-        <p:spPr/>
-        <p:txBody>
-          <a:bodyPr rtlCol="0"/>
-          <a:lstStyle/>
-          <a:p>
-            <a:pPr rtl="0"/>
-            <a:endParaRPr lang="es-ES" dirty="0"/>
-          </a:p>
-        </p:txBody>
-      </p:sp>
-      <p:sp>
-        <p:nvSpPr>
           <p:cNvPr id="3" name="Marcador de pie de página 2">
             <a:extLst>
               <a:ext uri="{FF2B5EF4-FFF2-40B4-BE49-F238E27FC236}">
-                <a16:creationId xmlns:a16="http://schemas.microsoft.com/office/drawing/2014/main" id="{FB76CB50-1503-4000-8D3D-47FE31E61BC6}"/>
+                <a16:creationId xmlns:a16="http://schemas.microsoft.com/office/drawing/2014/main" id="{51A48A5E-C144-458C-902D-D0C3F769511E}"/>
               </a:ext>
             </a:extLst>
           </p:cNvPr>
@@ -12805,10 +12829,15 @@
             <a:spLocks noGrp="1"/>
           </p:cNvSpPr>
           <p:nvPr>
-            <p:ph type="ftr" sz="quarter" idx="11"/>
+            <p:ph type="ftr" sz="quarter" idx="4294967295"/>
           </p:nvPr>
         </p:nvSpPr>
-        <p:spPr/>
+        <p:spPr>
+          <a:xfrm>
+            <a:off x="6595933" y="6378799"/>
+            <a:ext cx="3974065" cy="365125"/>
+          </a:xfrm>
+        </p:spPr>
         <p:txBody>
           <a:bodyPr/>
           <a:lstStyle/>
@@ -12824,10 +12853,10 @@
       </p:sp>
       <p:sp>
         <p:nvSpPr>
-          <p:cNvPr id="7" name="Marcador de número de diapositiva 6">
+          <p:cNvPr id="4" name="Marcador de número de diapositiva 3">
             <a:extLst>
               <a:ext uri="{FF2B5EF4-FFF2-40B4-BE49-F238E27FC236}">
-                <a16:creationId xmlns:a16="http://schemas.microsoft.com/office/drawing/2014/main" id="{41DA4AFA-E518-472B-A834-5D4295BA6605}"/>
+                <a16:creationId xmlns:a16="http://schemas.microsoft.com/office/drawing/2014/main" id="{B883489B-C3C3-4CA7-ACA5-8594BFAFF488}"/>
               </a:ext>
             </a:extLst>
           </p:cNvPr>
@@ -12835,10 +12864,15 @@
             <a:spLocks noGrp="1"/>
           </p:cNvSpPr>
           <p:nvPr>
-            <p:ph type="sldNum" sz="quarter" idx="12"/>
+            <p:ph type="sldNum" sz="quarter" idx="4294967295"/>
           </p:nvPr>
         </p:nvSpPr>
-        <p:spPr/>
+        <p:spPr>
+          <a:xfrm>
+            <a:off x="10666571" y="6378799"/>
+            <a:ext cx="609441" cy="365125"/>
+          </a:xfrm>
+        </p:spPr>
         <p:txBody>
           <a:bodyPr/>
           <a:lstStyle/>
@@ -12846,6 +12880,7 @@
             <a:pPr rtl="0"/>
             <a:fld id="{7DC1BBB0-96F0-4077-A278-0F3FB5C104D3}" type="slidenum">
               <a:rPr lang="es-ES" noProof="0" smtClean="0"/>
+              <a:pPr rtl="0"/>
               <a:t>10</a:t>
             </a:fld>
             <a:endParaRPr lang="es-ES" noProof="0" dirty="0"/>
@@ -12855,7 +12890,7 @@
     </p:spTree>
     <p:extLst>
       <p:ext uri="{BB962C8B-B14F-4D97-AF65-F5344CB8AC3E}">
-        <p14:creationId xmlns:p14="http://schemas.microsoft.com/office/powerpoint/2010/main" val="1061194279"/>
+        <p14:creationId xmlns:p14="http://schemas.microsoft.com/office/powerpoint/2010/main" val="352090314"/>
       </p:ext>
     </p:extLst>
   </p:cSld>
@@ -12912,8 +12947,88 @@
             <a:pPr rtl="0"/>
             <a:r>
               <a:rPr lang="es-ES" dirty="0"/>
-              <a:t>Agregar un título de diapositiva (3)</a:t>
+              <a:t>Agregar un título de diapositiva (2)</a:t>
             </a:r>
+          </a:p>
+        </p:txBody>
+      </p:sp>
+      <p:sp>
+        <p:nvSpPr>
+          <p:cNvPr id="4" name="Marcador de posición de texto 3"/>
+          <p:cNvSpPr>
+            <a:spLocks noGrp="1"/>
+          </p:cNvSpPr>
+          <p:nvPr>
+            <p:ph type="body" idx="1"/>
+          </p:nvPr>
+        </p:nvSpPr>
+        <p:spPr/>
+        <p:txBody>
+          <a:bodyPr rtlCol="0"/>
+          <a:lstStyle/>
+          <a:p>
+            <a:pPr rtl="0"/>
+            <a:endParaRPr lang="es-ES" dirty="0"/>
+          </a:p>
+        </p:txBody>
+      </p:sp>
+      <p:sp>
+        <p:nvSpPr>
+          <p:cNvPr id="5" name="Marcador de posición de contenido 4"/>
+          <p:cNvSpPr>
+            <a:spLocks noGrp="1"/>
+          </p:cNvSpPr>
+          <p:nvPr>
+            <p:ph sz="half" idx="2"/>
+          </p:nvPr>
+        </p:nvSpPr>
+        <p:spPr/>
+        <p:txBody>
+          <a:bodyPr rtlCol="0"/>
+          <a:lstStyle/>
+          <a:p>
+            <a:pPr rtl="0"/>
+            <a:endParaRPr lang="es-ES" dirty="0"/>
+          </a:p>
+        </p:txBody>
+      </p:sp>
+      <p:sp>
+        <p:nvSpPr>
+          <p:cNvPr id="6" name="Marcador de posición de texto 5"/>
+          <p:cNvSpPr>
+            <a:spLocks noGrp="1"/>
+          </p:cNvSpPr>
+          <p:nvPr>
+            <p:ph type="body" sz="quarter" idx="3"/>
+          </p:nvPr>
+        </p:nvSpPr>
+        <p:spPr/>
+        <p:txBody>
+          <a:bodyPr rtlCol="0"/>
+          <a:lstStyle/>
+          <a:p>
+            <a:pPr rtl="0"/>
+            <a:endParaRPr lang="es-ES" dirty="0"/>
+          </a:p>
+        </p:txBody>
+      </p:sp>
+      <p:sp>
+        <p:nvSpPr>
+          <p:cNvPr id="11" name="Marcador de posición de contenido 10"/>
+          <p:cNvSpPr>
+            <a:spLocks noGrp="1"/>
+          </p:cNvSpPr>
+          <p:nvPr>
+            <p:ph sz="quarter" idx="4"/>
+          </p:nvPr>
+        </p:nvSpPr>
+        <p:spPr/>
+        <p:txBody>
+          <a:bodyPr rtlCol="0"/>
+          <a:lstStyle/>
+          <a:p>
+            <a:pPr rtl="0"/>
+            <a:endParaRPr lang="es-ES" dirty="0"/>
           </a:p>
         </p:txBody>
       </p:sp>
@@ -12922,7 +13037,7 @@
           <p:cNvPr id="3" name="Marcador de pie de página 2">
             <a:extLst>
               <a:ext uri="{FF2B5EF4-FFF2-40B4-BE49-F238E27FC236}">
-                <a16:creationId xmlns:a16="http://schemas.microsoft.com/office/drawing/2014/main" id="{605CF5B0-E3D8-4A73-B6A0-F474B11593A7}"/>
+                <a16:creationId xmlns:a16="http://schemas.microsoft.com/office/drawing/2014/main" id="{FB76CB50-1503-4000-8D3D-47FE31E61BC6}"/>
               </a:ext>
             </a:extLst>
           </p:cNvPr>
@@ -12949,10 +13064,10 @@
       </p:sp>
       <p:sp>
         <p:nvSpPr>
-          <p:cNvPr id="4" name="Marcador de número de diapositiva 3">
+          <p:cNvPr id="7" name="Marcador de número de diapositiva 6">
             <a:extLst>
               <a:ext uri="{FF2B5EF4-FFF2-40B4-BE49-F238E27FC236}">
-                <a16:creationId xmlns:a16="http://schemas.microsoft.com/office/drawing/2014/main" id="{B6383853-2D00-4E16-8AE5-C1B6B8DC5FE3}"/>
+                <a16:creationId xmlns:a16="http://schemas.microsoft.com/office/drawing/2014/main" id="{41DA4AFA-E518-472B-A834-5D4295BA6605}"/>
               </a:ext>
             </a:extLst>
           </p:cNvPr>
@@ -12980,7 +13095,7 @@
     </p:spTree>
     <p:extLst>
       <p:ext uri="{BB962C8B-B14F-4D97-AF65-F5344CB8AC3E}">
-        <p14:creationId xmlns:p14="http://schemas.microsoft.com/office/powerpoint/2010/main" val="3401786857"/>
+        <p14:creationId xmlns:p14="http://schemas.microsoft.com/office/powerpoint/2010/main" val="1061194279"/>
       </p:ext>
     </p:extLst>
   </p:cSld>
@@ -13021,10 +13136,33 @@
       </p:grpSpPr>
       <p:sp>
         <p:nvSpPr>
-          <p:cNvPr id="2" name="Marcador de pie de página 1">
+          <p:cNvPr id="2" name="Título 1"/>
+          <p:cNvSpPr>
+            <a:spLocks noGrp="1"/>
+          </p:cNvSpPr>
+          <p:nvPr>
+            <p:ph type="title"/>
+          </p:nvPr>
+        </p:nvSpPr>
+        <p:spPr/>
+        <p:txBody>
+          <a:bodyPr rtlCol="0"/>
+          <a:lstStyle/>
+          <a:p>
+            <a:pPr rtl="0"/>
+            <a:r>
+              <a:rPr lang="es-ES" dirty="0"/>
+              <a:t>Agregar un título de diapositiva (3)</a:t>
+            </a:r>
+          </a:p>
+        </p:txBody>
+      </p:sp>
+      <p:sp>
+        <p:nvSpPr>
+          <p:cNvPr id="3" name="Marcador de pie de página 2">
             <a:extLst>
               <a:ext uri="{FF2B5EF4-FFF2-40B4-BE49-F238E27FC236}">
-                <a16:creationId xmlns:a16="http://schemas.microsoft.com/office/drawing/2014/main" id="{7F42C0CF-13C4-4154-B2AB-C267BFC017E5}"/>
+                <a16:creationId xmlns:a16="http://schemas.microsoft.com/office/drawing/2014/main" id="{605CF5B0-E3D8-4A73-B6A0-F474B11593A7}"/>
               </a:ext>
             </a:extLst>
           </p:cNvPr>
@@ -13051,10 +13189,10 @@
       </p:sp>
       <p:sp>
         <p:nvSpPr>
-          <p:cNvPr id="3" name="Marcador de número de diapositiva 2">
+          <p:cNvPr id="4" name="Marcador de número de diapositiva 3">
             <a:extLst>
               <a:ext uri="{FF2B5EF4-FFF2-40B4-BE49-F238E27FC236}">
-                <a16:creationId xmlns:a16="http://schemas.microsoft.com/office/drawing/2014/main" id="{E1491466-AF14-4928-BFC8-9433024D6A7E}"/>
+                <a16:creationId xmlns:a16="http://schemas.microsoft.com/office/drawing/2014/main" id="{B6383853-2D00-4E16-8AE5-C1B6B8DC5FE3}"/>
               </a:ext>
             </a:extLst>
           </p:cNvPr>
@@ -13073,7 +13211,6 @@
             <a:pPr rtl="0"/>
             <a:fld id="{7DC1BBB0-96F0-4077-A278-0F3FB5C104D3}" type="slidenum">
               <a:rPr lang="es-ES" noProof="0" smtClean="0"/>
-              <a:pPr rtl="0"/>
               <a:t>12</a:t>
             </a:fld>
             <a:endParaRPr lang="es-ES" noProof="0" dirty="0"/>
@@ -13083,7 +13220,7 @@
     </p:spTree>
     <p:extLst>
       <p:ext uri="{BB962C8B-B14F-4D97-AF65-F5344CB8AC3E}">
-        <p14:creationId xmlns:p14="http://schemas.microsoft.com/office/powerpoint/2010/main" val="4022862849"/>
+        <p14:creationId xmlns:p14="http://schemas.microsoft.com/office/powerpoint/2010/main" val="3401786857"/>
       </p:ext>
     </p:extLst>
   </p:cSld>
@@ -13124,73 +13261,10 @@
       </p:grpSpPr>
       <p:sp>
         <p:nvSpPr>
-          <p:cNvPr id="2" name="Título 1"/>
-          <p:cNvSpPr>
-            <a:spLocks noGrp="1"/>
-          </p:cNvSpPr>
-          <p:nvPr>
-            <p:ph type="title"/>
-          </p:nvPr>
-        </p:nvSpPr>
-        <p:spPr/>
-        <p:txBody>
-          <a:bodyPr rtlCol="0"/>
-          <a:lstStyle/>
-          <a:p>
-            <a:pPr rtl="0"/>
-            <a:r>
-              <a:rPr lang="es-ES" dirty="0"/>
-              <a:t>Agregar un título de diapositiva (4)</a:t>
-            </a:r>
-          </a:p>
-        </p:txBody>
-      </p:sp>
-      <p:sp>
-        <p:nvSpPr>
-          <p:cNvPr id="4" name="Marcador de posición de contenido 3"/>
-          <p:cNvSpPr>
-            <a:spLocks noGrp="1"/>
-          </p:cNvSpPr>
-          <p:nvPr>
-            <p:ph idx="1"/>
-          </p:nvPr>
-        </p:nvSpPr>
-        <p:spPr/>
-        <p:txBody>
-          <a:bodyPr rtlCol="0"/>
-          <a:lstStyle/>
-          <a:p>
-            <a:pPr rtl="0"/>
-            <a:endParaRPr lang="es-ES" dirty="0"/>
-          </a:p>
-        </p:txBody>
-      </p:sp>
-      <p:sp>
-        <p:nvSpPr>
-          <p:cNvPr id="7" name="Marcador de posición de texto 6"/>
-          <p:cNvSpPr>
-            <a:spLocks noGrp="1"/>
-          </p:cNvSpPr>
-          <p:nvPr>
-            <p:ph type="body" sz="half" idx="2"/>
-          </p:nvPr>
-        </p:nvSpPr>
-        <p:spPr/>
-        <p:txBody>
-          <a:bodyPr rtlCol="0"/>
-          <a:lstStyle/>
-          <a:p>
-            <a:pPr rtl="0"/>
-            <a:endParaRPr lang="es-ES" dirty="0"/>
-          </a:p>
-        </p:txBody>
-      </p:sp>
-      <p:sp>
-        <p:nvSpPr>
-          <p:cNvPr id="3" name="Marcador de pie de página 2">
+          <p:cNvPr id="2" name="Marcador de pie de página 1">
             <a:extLst>
               <a:ext uri="{FF2B5EF4-FFF2-40B4-BE49-F238E27FC236}">
-                <a16:creationId xmlns:a16="http://schemas.microsoft.com/office/drawing/2014/main" id="{1B0A2556-12B2-42D6-BCC3-F811588323DF}"/>
+                <a16:creationId xmlns:a16="http://schemas.microsoft.com/office/drawing/2014/main" id="{7F42C0CF-13C4-4154-B2AB-C267BFC017E5}"/>
               </a:ext>
             </a:extLst>
           </p:cNvPr>
@@ -13217,10 +13291,10 @@
       </p:sp>
       <p:sp>
         <p:nvSpPr>
-          <p:cNvPr id="5" name="Marcador de número de diapositiva 4">
+          <p:cNvPr id="3" name="Marcador de número de diapositiva 2">
             <a:extLst>
               <a:ext uri="{FF2B5EF4-FFF2-40B4-BE49-F238E27FC236}">
-                <a16:creationId xmlns:a16="http://schemas.microsoft.com/office/drawing/2014/main" id="{F845EE72-4EF2-4A51-80A2-B71984092F2F}"/>
+                <a16:creationId xmlns:a16="http://schemas.microsoft.com/office/drawing/2014/main" id="{E1491466-AF14-4928-BFC8-9433024D6A7E}"/>
               </a:ext>
             </a:extLst>
           </p:cNvPr>
@@ -13239,6 +13313,7 @@
             <a:pPr rtl="0"/>
             <a:fld id="{7DC1BBB0-96F0-4077-A278-0F3FB5C104D3}" type="slidenum">
               <a:rPr lang="es-ES" noProof="0" smtClean="0"/>
+              <a:pPr rtl="0"/>
               <a:t>13</a:t>
             </a:fld>
             <a:endParaRPr lang="es-ES" noProof="0" dirty="0"/>
@@ -13248,7 +13323,7 @@
     </p:spTree>
     <p:extLst>
       <p:ext uri="{BB962C8B-B14F-4D97-AF65-F5344CB8AC3E}">
-        <p14:creationId xmlns:p14="http://schemas.microsoft.com/office/powerpoint/2010/main" val="3614150638"/>
+        <p14:creationId xmlns:p14="http://schemas.microsoft.com/office/powerpoint/2010/main" val="4022862849"/>
       </p:ext>
     </p:extLst>
   </p:cSld>
@@ -13305,6 +13380,171 @@
             <a:pPr rtl="0"/>
             <a:r>
               <a:rPr lang="es-ES" dirty="0"/>
+              <a:t>Agregar un título de diapositiva (4)</a:t>
+            </a:r>
+          </a:p>
+        </p:txBody>
+      </p:sp>
+      <p:sp>
+        <p:nvSpPr>
+          <p:cNvPr id="4" name="Marcador de posición de contenido 3"/>
+          <p:cNvSpPr>
+            <a:spLocks noGrp="1"/>
+          </p:cNvSpPr>
+          <p:nvPr>
+            <p:ph idx="1"/>
+          </p:nvPr>
+        </p:nvSpPr>
+        <p:spPr/>
+        <p:txBody>
+          <a:bodyPr rtlCol="0"/>
+          <a:lstStyle/>
+          <a:p>
+            <a:pPr rtl="0"/>
+            <a:endParaRPr lang="es-ES" dirty="0"/>
+          </a:p>
+        </p:txBody>
+      </p:sp>
+      <p:sp>
+        <p:nvSpPr>
+          <p:cNvPr id="7" name="Marcador de posición de texto 6"/>
+          <p:cNvSpPr>
+            <a:spLocks noGrp="1"/>
+          </p:cNvSpPr>
+          <p:nvPr>
+            <p:ph type="body" sz="half" idx="2"/>
+          </p:nvPr>
+        </p:nvSpPr>
+        <p:spPr/>
+        <p:txBody>
+          <a:bodyPr rtlCol="0"/>
+          <a:lstStyle/>
+          <a:p>
+            <a:pPr rtl="0"/>
+            <a:endParaRPr lang="es-ES" dirty="0"/>
+          </a:p>
+        </p:txBody>
+      </p:sp>
+      <p:sp>
+        <p:nvSpPr>
+          <p:cNvPr id="3" name="Marcador de pie de página 2">
+            <a:extLst>
+              <a:ext uri="{FF2B5EF4-FFF2-40B4-BE49-F238E27FC236}">
+                <a16:creationId xmlns:a16="http://schemas.microsoft.com/office/drawing/2014/main" id="{1B0A2556-12B2-42D6-BCC3-F811588323DF}"/>
+              </a:ext>
+            </a:extLst>
+          </p:cNvPr>
+          <p:cNvSpPr>
+            <a:spLocks noGrp="1"/>
+          </p:cNvSpPr>
+          <p:nvPr>
+            <p:ph type="ftr" sz="quarter" idx="11"/>
+          </p:nvPr>
+        </p:nvSpPr>
+        <p:spPr/>
+        <p:txBody>
+          <a:bodyPr/>
+          <a:lstStyle/>
+          <a:p>
+            <a:pPr rtl="0"/>
+            <a:r>
+              <a:rPr lang="es-ES" noProof="0"/>
+              <a:t>Agregar un pie de página</a:t>
+            </a:r>
+            <a:endParaRPr lang="es-ES" noProof="0" dirty="0"/>
+          </a:p>
+        </p:txBody>
+      </p:sp>
+      <p:sp>
+        <p:nvSpPr>
+          <p:cNvPr id="5" name="Marcador de número de diapositiva 4">
+            <a:extLst>
+              <a:ext uri="{FF2B5EF4-FFF2-40B4-BE49-F238E27FC236}">
+                <a16:creationId xmlns:a16="http://schemas.microsoft.com/office/drawing/2014/main" id="{F845EE72-4EF2-4A51-80A2-B71984092F2F}"/>
+              </a:ext>
+            </a:extLst>
+          </p:cNvPr>
+          <p:cNvSpPr>
+            <a:spLocks noGrp="1"/>
+          </p:cNvSpPr>
+          <p:nvPr>
+            <p:ph type="sldNum" sz="quarter" idx="12"/>
+          </p:nvPr>
+        </p:nvSpPr>
+        <p:spPr/>
+        <p:txBody>
+          <a:bodyPr/>
+          <a:lstStyle/>
+          <a:p>
+            <a:pPr rtl="0"/>
+            <a:fld id="{7DC1BBB0-96F0-4077-A278-0F3FB5C104D3}" type="slidenum">
+              <a:rPr lang="es-ES" noProof="0" smtClean="0"/>
+              <a:t>14</a:t>
+            </a:fld>
+            <a:endParaRPr lang="es-ES" noProof="0" dirty="0"/>
+          </a:p>
+        </p:txBody>
+      </p:sp>
+    </p:spTree>
+    <p:extLst>
+      <p:ext uri="{BB962C8B-B14F-4D97-AF65-F5344CB8AC3E}">
+        <p14:creationId xmlns:p14="http://schemas.microsoft.com/office/powerpoint/2010/main" val="3614150638"/>
+      </p:ext>
+    </p:extLst>
+  </p:cSld>
+  <p:clrMapOvr>
+    <a:masterClrMapping/>
+  </p:clrMapOvr>
+  <mc:AlternateContent xmlns:mc="http://schemas.openxmlformats.org/markup-compatibility/2006" xmlns:p14="http://schemas.microsoft.com/office/powerpoint/2010/main">
+    <mc:Choice Requires="p14">
+      <p:transition spd="med" p14:dur="700">
+        <p:fade/>
+      </p:transition>
+    </mc:Choice>
+    <mc:Fallback xmlns="">
+      <p:transition spd="med">
+        <p:fade/>
+      </p:transition>
+    </mc:Fallback>
+  </mc:AlternateContent>
+</p:sld>
+</file>
+
+<file path=ppt/slides/slide15.xml><?xml version="1.0" encoding="utf-8"?>
+<p:sld xmlns:a="http://schemas.openxmlformats.org/drawingml/2006/main" xmlns:r="http://schemas.openxmlformats.org/officeDocument/2006/relationships" xmlns:p="http://schemas.openxmlformats.org/presentationml/2006/main">
+  <p:cSld>
+    <p:spTree>
+      <p:nvGrpSpPr>
+        <p:cNvPr id="1" name=""/>
+        <p:cNvGrpSpPr/>
+        <p:nvPr/>
+      </p:nvGrpSpPr>
+      <p:grpSpPr>
+        <a:xfrm>
+          <a:off x="0" y="0"/>
+          <a:ext cx="0" cy="0"/>
+          <a:chOff x="0" y="0"/>
+          <a:chExt cx="0" cy="0"/>
+        </a:xfrm>
+      </p:grpSpPr>
+      <p:sp>
+        <p:nvSpPr>
+          <p:cNvPr id="2" name="Título 1"/>
+          <p:cNvSpPr>
+            <a:spLocks noGrp="1"/>
+          </p:cNvSpPr>
+          <p:nvPr>
+            <p:ph type="title"/>
+          </p:nvPr>
+        </p:nvSpPr>
+        <p:spPr/>
+        <p:txBody>
+          <a:bodyPr rtlCol="0"/>
+          <a:lstStyle/>
+          <a:p>
+            <a:pPr rtl="0"/>
+            <a:r>
+              <a:rPr lang="es-ES" dirty="0"/>
               <a:t>Agregar un título de diapositiva (5)</a:t>
             </a:r>
           </a:p>
@@ -13397,7 +13637,7 @@
             <a:fld id="{7DC1BBB0-96F0-4077-A278-0F3FB5C104D3}" type="slidenum">
               <a:rPr lang="es-ES" noProof="0" smtClean="0"/>
               <a:pPr rtl="0"/>
-              <a:t>14</a:t>
+              <a:t>15</a:t>
             </a:fld>
             <a:endParaRPr lang="es-ES" noProof="0" dirty="0"/>
           </a:p>
@@ -14115,42 +14355,6 @@
         <p:spPr>
           <a:xfrm>
             <a:off x="10774932" y="2205224"/>
-            <a:ext cx="0" cy="3240000"/>
-          </a:xfrm>
-          <a:prstGeom prst="line">
-            <a:avLst/>
-          </a:prstGeom>
-        </p:spPr>
-        <p:style>
-          <a:lnRef idx="1">
-            <a:schemeClr val="dk1"/>
-          </a:lnRef>
-          <a:fillRef idx="0">
-            <a:schemeClr val="dk1"/>
-          </a:fillRef>
-          <a:effectRef idx="0">
-            <a:schemeClr val="dk1"/>
-          </a:effectRef>
-          <a:fontRef idx="minor">
-            <a:schemeClr val="tx1"/>
-          </a:fontRef>
-        </p:style>
-      </p:cxnSp>
-      <p:cxnSp>
-        <p:nvCxnSpPr>
-          <p:cNvPr id="51" name="Conector recto 50">
-            <a:extLst>
-              <a:ext uri="{FF2B5EF4-FFF2-40B4-BE49-F238E27FC236}">
-                <a16:creationId xmlns:a16="http://schemas.microsoft.com/office/drawing/2014/main" id="{A7FD9FF3-1324-4118-AB86-30A6ED9FBB94}"/>
-              </a:ext>
-            </a:extLst>
-          </p:cNvPr>
-          <p:cNvCxnSpPr/>
-          <p:nvPr/>
-        </p:nvCxnSpPr>
-        <p:spPr>
-          <a:xfrm>
-            <a:off x="1701924" y="2205224"/>
             <a:ext cx="0" cy="3240000"/>
           </a:xfrm>
           <a:prstGeom prst="line">
@@ -14753,7 +14957,7 @@
         <p:spPr>
           <a:xfrm>
             <a:off x="4298701" y="5005636"/>
-            <a:ext cx="1340432" cy="338554"/>
+            <a:ext cx="1340432" cy="584775"/>
           </a:xfrm>
           <a:prstGeom prst="rect">
             <a:avLst/>
@@ -14786,6 +14990,66 @@
               <a:t>MODIFICADO</a:t>
             </a:r>
           </a:p>
+          <a:p>
+            <a:pPr algn="ctr"/>
+            <a:r>
+              <a:rPr lang="es-PE" sz="1600" b="1" dirty="0">
+                <a:solidFill>
+                  <a:schemeClr val="accent5">
+                    <a:lumMod val="75000"/>
+                  </a:schemeClr>
+                </a:solidFill>
+                <a:effectLst>
+                  <a:outerShdw blurRad="38100" dist="38100" dir="2700000" algn="tl">
+                    <a:srgbClr val="000000">
+                      <a:alpha val="43137"/>
+                    </a:srgbClr>
+                  </a:outerShdw>
+                </a:effectLst>
+                <a:latin typeface="Calibri" panose="020F0502020204030204" pitchFamily="34" charset="0"/>
+                <a:cs typeface="Calibri" panose="020F0502020204030204" pitchFamily="34" charset="0"/>
+              </a:rPr>
+              <a:t>(</a:t>
+            </a:r>
+            <a:r>
+              <a:rPr lang="es-PE" sz="1600" b="1" dirty="0" err="1">
+                <a:solidFill>
+                  <a:schemeClr val="accent5">
+                    <a:lumMod val="75000"/>
+                  </a:schemeClr>
+                </a:solidFill>
+                <a:effectLst>
+                  <a:outerShdw blurRad="38100" dist="38100" dir="2700000" algn="tl">
+                    <a:srgbClr val="000000">
+                      <a:alpha val="43137"/>
+                    </a:srgbClr>
+                  </a:outerShdw>
+                </a:effectLst>
+                <a:latin typeface="Calibri" panose="020F0502020204030204" pitchFamily="34" charset="0"/>
+                <a:cs typeface="Calibri" panose="020F0502020204030204" pitchFamily="34" charset="0"/>
+              </a:rPr>
+              <a:t>Modified</a:t>
+            </a:r>
+            <a:r>
+              <a:rPr lang="es-PE" sz="1600" b="1" dirty="0">
+                <a:solidFill>
+                  <a:schemeClr val="accent5">
+                    <a:lumMod val="75000"/>
+                  </a:schemeClr>
+                </a:solidFill>
+                <a:effectLst>
+                  <a:outerShdw blurRad="38100" dist="38100" dir="2700000" algn="tl">
+                    <a:srgbClr val="000000">
+                      <a:alpha val="43137"/>
+                    </a:srgbClr>
+                  </a:outerShdw>
+                </a:effectLst>
+                <a:latin typeface="Calibri" panose="020F0502020204030204" pitchFamily="34" charset="0"/>
+                <a:cs typeface="Calibri" panose="020F0502020204030204" pitchFamily="34" charset="0"/>
+              </a:rPr>
+              <a:t>)</a:t>
+            </a:r>
+          </a:p>
         </p:txBody>
       </p:sp>
       <p:sp>
@@ -14803,7 +15067,7 @@
         <p:spPr>
           <a:xfrm>
             <a:off x="6542647" y="5005636"/>
-            <a:ext cx="1684757" cy="338554"/>
+            <a:ext cx="1684757" cy="584775"/>
           </a:xfrm>
           <a:prstGeom prst="rect">
             <a:avLst/>
@@ -14836,6 +15100,66 @@
               <a:t>EN PREPARACIÓN</a:t>
             </a:r>
           </a:p>
+          <a:p>
+            <a:pPr algn="ctr"/>
+            <a:r>
+              <a:rPr lang="es-PE" sz="1600" b="1" dirty="0">
+                <a:solidFill>
+                  <a:schemeClr val="accent5">
+                    <a:lumMod val="75000"/>
+                  </a:schemeClr>
+                </a:solidFill>
+                <a:effectLst>
+                  <a:outerShdw blurRad="38100" dist="38100" dir="2700000" algn="tl">
+                    <a:srgbClr val="000000">
+                      <a:alpha val="43137"/>
+                    </a:srgbClr>
+                  </a:outerShdw>
+                </a:effectLst>
+                <a:latin typeface="Calibri" panose="020F0502020204030204" pitchFamily="34" charset="0"/>
+                <a:cs typeface="Calibri" panose="020F0502020204030204" pitchFamily="34" charset="0"/>
+              </a:rPr>
+              <a:t>(</a:t>
+            </a:r>
+            <a:r>
+              <a:rPr lang="es-PE" sz="1600" b="1" dirty="0" err="1">
+                <a:solidFill>
+                  <a:schemeClr val="accent5">
+                    <a:lumMod val="75000"/>
+                  </a:schemeClr>
+                </a:solidFill>
+                <a:effectLst>
+                  <a:outerShdw blurRad="38100" dist="38100" dir="2700000" algn="tl">
+                    <a:srgbClr val="000000">
+                      <a:alpha val="43137"/>
+                    </a:srgbClr>
+                  </a:outerShdw>
+                </a:effectLst>
+                <a:latin typeface="Calibri" panose="020F0502020204030204" pitchFamily="34" charset="0"/>
+                <a:cs typeface="Calibri" panose="020F0502020204030204" pitchFamily="34" charset="0"/>
+              </a:rPr>
+              <a:t>Staged</a:t>
+            </a:r>
+            <a:r>
+              <a:rPr lang="es-PE" sz="1600" b="1" dirty="0">
+                <a:solidFill>
+                  <a:schemeClr val="accent5">
+                    <a:lumMod val="75000"/>
+                  </a:schemeClr>
+                </a:solidFill>
+                <a:effectLst>
+                  <a:outerShdw blurRad="38100" dist="38100" dir="2700000" algn="tl">
+                    <a:srgbClr val="000000">
+                      <a:alpha val="43137"/>
+                    </a:srgbClr>
+                  </a:outerShdw>
+                </a:effectLst>
+                <a:latin typeface="Calibri" panose="020F0502020204030204" pitchFamily="34" charset="0"/>
+                <a:cs typeface="Calibri" panose="020F0502020204030204" pitchFamily="34" charset="0"/>
+              </a:rPr>
+              <a:t>)</a:t>
+            </a:r>
+          </a:p>
         </p:txBody>
       </p:sp>
       <p:sp>
@@ -14853,7 +15177,7 @@
         <p:spPr>
           <a:xfrm>
             <a:off x="8842596" y="4991749"/>
-            <a:ext cx="1404680" cy="338554"/>
+            <a:ext cx="1404680" cy="584775"/>
           </a:xfrm>
           <a:prstGeom prst="rect">
             <a:avLst/>
@@ -14884,6 +15208,66 @@
                 <a:cs typeface="Calibri" panose="020F0502020204030204" pitchFamily="34" charset="0"/>
               </a:rPr>
               <a:t>CONFIRMADO</a:t>
+            </a:r>
+          </a:p>
+          <a:p>
+            <a:pPr algn="ctr"/>
+            <a:r>
+              <a:rPr lang="es-PE" sz="1600" b="1" dirty="0">
+                <a:solidFill>
+                  <a:schemeClr val="accent5">
+                    <a:lumMod val="75000"/>
+                  </a:schemeClr>
+                </a:solidFill>
+                <a:effectLst>
+                  <a:outerShdw blurRad="38100" dist="38100" dir="2700000" algn="tl">
+                    <a:srgbClr val="000000">
+                      <a:alpha val="43137"/>
+                    </a:srgbClr>
+                  </a:outerShdw>
+                </a:effectLst>
+                <a:latin typeface="Calibri" panose="020F0502020204030204" pitchFamily="34" charset="0"/>
+                <a:cs typeface="Calibri" panose="020F0502020204030204" pitchFamily="34" charset="0"/>
+              </a:rPr>
+              <a:t>(</a:t>
+            </a:r>
+            <a:r>
+              <a:rPr lang="es-PE" sz="1600" b="1" dirty="0" err="1">
+                <a:solidFill>
+                  <a:schemeClr val="accent5">
+                    <a:lumMod val="75000"/>
+                  </a:schemeClr>
+                </a:solidFill>
+                <a:effectLst>
+                  <a:outerShdw blurRad="38100" dist="38100" dir="2700000" algn="tl">
+                    <a:srgbClr val="000000">
+                      <a:alpha val="43137"/>
+                    </a:srgbClr>
+                  </a:outerShdw>
+                </a:effectLst>
+                <a:latin typeface="Calibri" panose="020F0502020204030204" pitchFamily="34" charset="0"/>
+                <a:cs typeface="Calibri" panose="020F0502020204030204" pitchFamily="34" charset="0"/>
+              </a:rPr>
+              <a:t>Commited</a:t>
+            </a:r>
+            <a:r>
+              <a:rPr lang="es-PE" sz="1600" b="1" dirty="0">
+                <a:solidFill>
+                  <a:schemeClr val="accent5">
+                    <a:lumMod val="75000"/>
+                  </a:schemeClr>
+                </a:solidFill>
+                <a:effectLst>
+                  <a:outerShdw blurRad="38100" dist="38100" dir="2700000" algn="tl">
+                    <a:srgbClr val="000000">
+                      <a:alpha val="43137"/>
+                    </a:srgbClr>
+                  </a:outerShdw>
+                </a:effectLst>
+                <a:latin typeface="Calibri" panose="020F0502020204030204" pitchFamily="34" charset="0"/>
+                <a:cs typeface="Calibri" panose="020F0502020204030204" pitchFamily="34" charset="0"/>
+              </a:rPr>
+              <a:t>)</a:t>
             </a:r>
           </a:p>
         </p:txBody>
@@ -15113,6 +15497,130 @@
               <a:rPr lang="es-ES" sz="1050" dirty="0"/>
               <a:t>, Brinda espacio para preparar los cambios que se reflejarán en la próxima confirmación, con las modificaciones que se requieran antes de realizar la confirmación</a:t>
             </a:r>
+          </a:p>
+        </p:txBody>
+      </p:sp>
+      <p:sp>
+        <p:nvSpPr>
+          <p:cNvPr id="4" name="CuadroTexto 3">
+            <a:extLst>
+              <a:ext uri="{FF2B5EF4-FFF2-40B4-BE49-F238E27FC236}">
+                <a16:creationId xmlns:a16="http://schemas.microsoft.com/office/drawing/2014/main" id="{94892F08-362B-C4EA-C506-45021F760D2B}"/>
+              </a:ext>
+            </a:extLst>
+          </p:cNvPr>
+          <p:cNvSpPr txBox="1"/>
+          <p:nvPr/>
+        </p:nvSpPr>
+        <p:spPr>
+          <a:xfrm rot="16200000">
+            <a:off x="-1149062" y="3430159"/>
+            <a:ext cx="4064382" cy="461665"/>
+          </a:xfrm>
+          <a:prstGeom prst="rect">
+            <a:avLst/>
+          </a:prstGeom>
+          <a:noFill/>
+        </p:spPr>
+        <p:txBody>
+          <a:bodyPr wrap="none" rtlCol="0">
+            <a:spAutoFit/>
+          </a:bodyPr>
+          <a:lstStyle/>
+          <a:p>
+            <a:r>
+              <a:rPr lang="es-MX" sz="2400" b="1" dirty="0">
+                <a:solidFill>
+                  <a:schemeClr val="bg1"/>
+                </a:solidFill>
+                <a:effectLst>
+                  <a:outerShdw blurRad="38100" dist="38100" dir="2700000" algn="tl">
+                    <a:srgbClr val="000000">
+                      <a:alpha val="43137"/>
+                    </a:srgbClr>
+                  </a:outerShdw>
+                </a:effectLst>
+                <a:latin typeface="Calibri" panose="020F0502020204030204" pitchFamily="34" charset="0"/>
+                <a:cs typeface="Calibri" panose="020F0502020204030204" pitchFamily="34" charset="0"/>
+              </a:rPr>
+              <a:t>AMBIENTES Y ESTADOS EN GIT</a:t>
+            </a:r>
+            <a:endParaRPr lang="es-PE" sz="2400" b="1" dirty="0">
+              <a:solidFill>
+                <a:schemeClr val="bg1"/>
+              </a:solidFill>
+              <a:effectLst>
+                <a:outerShdw blurRad="38100" dist="38100" dir="2700000" algn="tl">
+                  <a:srgbClr val="000000">
+                    <a:alpha val="43137"/>
+                  </a:srgbClr>
+                </a:outerShdw>
+              </a:effectLst>
+              <a:latin typeface="Calibri" panose="020F0502020204030204" pitchFamily="34" charset="0"/>
+              <a:cs typeface="Calibri" panose="020F0502020204030204" pitchFamily="34" charset="0"/>
+            </a:endParaRPr>
+          </a:p>
+        </p:txBody>
+      </p:sp>
+      <p:sp>
+        <p:nvSpPr>
+          <p:cNvPr id="5" name="CuadroTexto 4">
+            <a:extLst>
+              <a:ext uri="{FF2B5EF4-FFF2-40B4-BE49-F238E27FC236}">
+                <a16:creationId xmlns:a16="http://schemas.microsoft.com/office/drawing/2014/main" id="{6CC366F2-10C0-E639-996E-03FB6C9F4A55}"/>
+              </a:ext>
+            </a:extLst>
+          </p:cNvPr>
+          <p:cNvSpPr txBox="1"/>
+          <p:nvPr/>
+        </p:nvSpPr>
+        <p:spPr>
+          <a:xfrm rot="16200000">
+            <a:off x="-1121033" y="3400442"/>
+            <a:ext cx="2899512" cy="461665"/>
+          </a:xfrm>
+          <a:prstGeom prst="rect">
+            <a:avLst/>
+          </a:prstGeom>
+          <a:noFill/>
+        </p:spPr>
+        <p:txBody>
+          <a:bodyPr wrap="none" rtlCol="0">
+            <a:spAutoFit/>
+          </a:bodyPr>
+          <a:lstStyle/>
+          <a:p>
+            <a:r>
+              <a:rPr lang="es-MX" sz="2400" b="1" dirty="0">
+                <a:solidFill>
+                  <a:schemeClr val="bg1"/>
+                </a:solidFill>
+                <a:effectLst>
+                  <a:outerShdw blurRad="38100" dist="38100" dir="2700000" algn="tl">
+                    <a:srgbClr val="000000">
+                      <a:alpha val="43137"/>
+                    </a:srgbClr>
+                  </a:outerShdw>
+                </a:effectLst>
+                <a:latin typeface="Calibri" panose="020F0502020204030204" pitchFamily="34" charset="0"/>
+                <a:cs typeface="Calibri" panose="020F0502020204030204" pitchFamily="34" charset="0"/>
+              </a:rPr>
+              <a:t>CONCEPTOS BÁSICOS</a:t>
+            </a:r>
+            <a:endParaRPr lang="es-PE" sz="2400" b="1" dirty="0">
+              <a:solidFill>
+                <a:schemeClr val="bg1"/>
+              </a:solidFill>
+              <a:effectLst>
+                <a:outerShdw blurRad="38100" dist="38100" dir="2700000" algn="tl">
+                  <a:srgbClr val="000000">
+                    <a:alpha val="43137"/>
+                  </a:srgbClr>
+                </a:outerShdw>
+              </a:effectLst>
+              <a:latin typeface="Calibri" panose="020F0502020204030204" pitchFamily="34" charset="0"/>
+              <a:cs typeface="Calibri" panose="020F0502020204030204" pitchFamily="34" charset="0"/>
+            </a:endParaRPr>
           </a:p>
         </p:txBody>
       </p:sp>
@@ -15238,96 +15746,6 @@
           </a:extLst>
         </p:spPr>
       </p:pic>
-      <p:cxnSp>
-        <p:nvCxnSpPr>
-          <p:cNvPr id="10" name="Conector recto de flecha 9">
-            <a:extLst>
-              <a:ext uri="{FF2B5EF4-FFF2-40B4-BE49-F238E27FC236}">
-                <a16:creationId xmlns:a16="http://schemas.microsoft.com/office/drawing/2014/main" id="{17FEE7F4-D4F7-43C6-8241-BE0F74F429EA}"/>
-              </a:ext>
-            </a:extLst>
-          </p:cNvPr>
-          <p:cNvCxnSpPr>
-            <a:cxnSpLocks/>
-          </p:cNvCxnSpPr>
-          <p:nvPr/>
-        </p:nvCxnSpPr>
-        <p:spPr>
-          <a:xfrm flipH="1">
-            <a:off x="2709981" y="1781828"/>
-            <a:ext cx="6149" cy="913523"/>
-          </a:xfrm>
-          <a:prstGeom prst="straightConnector1">
-            <a:avLst/>
-          </a:prstGeom>
-          <a:ln>
-            <a:solidFill>
-              <a:srgbClr val="C00000"/>
-            </a:solidFill>
-            <a:prstDash val="dash"/>
-            <a:tailEnd type="triangle"/>
-          </a:ln>
-        </p:spPr>
-        <p:style>
-          <a:lnRef idx="1">
-            <a:schemeClr val="accent1"/>
-          </a:lnRef>
-          <a:fillRef idx="0">
-            <a:schemeClr val="accent1"/>
-          </a:fillRef>
-          <a:effectRef idx="0">
-            <a:schemeClr val="accent1"/>
-          </a:effectRef>
-          <a:fontRef idx="minor">
-            <a:schemeClr val="tx1"/>
-          </a:fontRef>
-        </p:style>
-      </p:cxnSp>
-      <p:cxnSp>
-        <p:nvCxnSpPr>
-          <p:cNvPr id="22" name="Conector recto de flecha 21">
-            <a:extLst>
-              <a:ext uri="{FF2B5EF4-FFF2-40B4-BE49-F238E27FC236}">
-                <a16:creationId xmlns:a16="http://schemas.microsoft.com/office/drawing/2014/main" id="{2AC136BE-53A9-45F8-B467-F0DC37E2B809}"/>
-              </a:ext>
-            </a:extLst>
-          </p:cNvPr>
-          <p:cNvCxnSpPr>
-            <a:cxnSpLocks/>
-          </p:cNvCxnSpPr>
-          <p:nvPr/>
-        </p:nvCxnSpPr>
-        <p:spPr>
-          <a:xfrm flipH="1">
-            <a:off x="4859231" y="2428159"/>
-            <a:ext cx="4632" cy="267192"/>
-          </a:xfrm>
-          <a:prstGeom prst="straightConnector1">
-            <a:avLst/>
-          </a:prstGeom>
-          <a:ln>
-            <a:solidFill>
-              <a:srgbClr val="C00000"/>
-            </a:solidFill>
-            <a:prstDash val="dash"/>
-            <a:tailEnd type="triangle"/>
-          </a:ln>
-        </p:spPr>
-        <p:style>
-          <a:lnRef idx="1">
-            <a:schemeClr val="accent1"/>
-          </a:lnRef>
-          <a:fillRef idx="0">
-            <a:schemeClr val="accent1"/>
-          </a:fillRef>
-          <a:effectRef idx="0">
-            <a:schemeClr val="accent1"/>
-          </a:effectRef>
-          <a:fontRef idx="minor">
-            <a:schemeClr val="tx1"/>
-          </a:fontRef>
-        </p:style>
-      </p:cxnSp>
       <p:sp>
         <p:nvSpPr>
           <p:cNvPr id="25" name="Rectángulo 24">
@@ -15342,8 +15760,8 @@
         </p:nvSpPr>
         <p:spPr>
           <a:xfrm>
-            <a:off x="8254652" y="879577"/>
-            <a:ext cx="1800200" cy="1061829"/>
+            <a:off x="8146277" y="869039"/>
+            <a:ext cx="1998965" cy="1061829"/>
           </a:xfrm>
           <a:prstGeom prst="rect">
             <a:avLst/>
@@ -15396,13 +15814,14 @@
           </p:cNvPr>
           <p:cNvCxnSpPr>
             <a:cxnSpLocks/>
+            <a:stCxn id="19" idx="2"/>
           </p:cNvCxnSpPr>
           <p:nvPr/>
         </p:nvCxnSpPr>
         <p:spPr>
           <a:xfrm>
-            <a:off x="7011596" y="2102989"/>
-            <a:ext cx="0" cy="592362"/>
+            <a:off x="7011595" y="852790"/>
+            <a:ext cx="1" cy="1842561"/>
           </a:xfrm>
           <a:prstGeom prst="straightConnector1">
             <a:avLst/>
@@ -15446,9 +15865,9 @@
           <p:nvPr/>
         </p:nvCxnSpPr>
         <p:spPr>
-          <a:xfrm>
-            <a:off x="9154752" y="1941406"/>
-            <a:ext cx="4578" cy="753945"/>
+          <a:xfrm flipH="1">
+            <a:off x="9141750" y="1930868"/>
+            <a:ext cx="4010" cy="753945"/>
           </a:xfrm>
           <a:prstGeom prst="straightConnector1">
             <a:avLst/>
@@ -15532,7 +15951,7 @@
         <p:spPr>
           <a:xfrm>
             <a:off x="1561223" y="336473"/>
-            <a:ext cx="2304527" cy="523220"/>
+            <a:ext cx="2304527" cy="738664"/>
           </a:xfrm>
           <a:prstGeom prst="rect">
             <a:avLst/>
@@ -15561,7 +15980,7 @@
                   </a:outerShdw>
                 </a:effectLst>
               </a:rPr>
-              <a:t>Archivos en estado modificado y confirmado</a:t>
+              <a:t>Archivos en estado modificado y/o confirmado</a:t>
             </a:r>
           </a:p>
         </p:txBody>
@@ -15719,7 +16138,7 @@
         <p:spPr>
           <a:xfrm>
             <a:off x="7964739" y="336473"/>
-            <a:ext cx="2304527" cy="523220"/>
+            <a:ext cx="2304527" cy="307777"/>
           </a:xfrm>
           <a:prstGeom prst="rect">
             <a:avLst/>
@@ -15748,27 +16167,7 @@
                   </a:outerShdw>
                 </a:effectLst>
               </a:rPr>
-              <a:t>Archivos en estado </a:t>
-            </a:r>
-          </a:p>
-          <a:p>
-            <a:pPr algn="ctr"/>
-            <a:r>
-              <a:rPr lang="es-PE" sz="1400" b="1" dirty="0">
-                <a:solidFill>
-                  <a:schemeClr val="accent5">
-                    <a:lumMod val="75000"/>
-                  </a:schemeClr>
-                </a:solidFill>
-                <a:effectLst>
-                  <a:outerShdw blurRad="38100" dist="38100" dir="2700000" algn="tl">
-                    <a:srgbClr val="000000">
-                      <a:alpha val="43137"/>
-                    </a:srgbClr>
-                  </a:outerShdw>
-                </a:effectLst>
-              </a:rPr>
-              <a:t>Compartidos</a:t>
+              <a:t>Archivos en la Nube</a:t>
             </a:r>
           </a:p>
         </p:txBody>
@@ -16040,6 +16439,222 @@
           </a:fontRef>
         </p:style>
       </p:cxnSp>
+      <p:sp>
+        <p:nvSpPr>
+          <p:cNvPr id="2" name="CuadroTexto 1">
+            <a:extLst>
+              <a:ext uri="{FF2B5EF4-FFF2-40B4-BE49-F238E27FC236}">
+                <a16:creationId xmlns:a16="http://schemas.microsoft.com/office/drawing/2014/main" id="{385B9208-6506-683A-1092-ECA25746D5E8}"/>
+              </a:ext>
+            </a:extLst>
+          </p:cNvPr>
+          <p:cNvSpPr txBox="1"/>
+          <p:nvPr/>
+        </p:nvSpPr>
+        <p:spPr>
+          <a:xfrm rot="16200000">
+            <a:off x="-1121033" y="3400442"/>
+            <a:ext cx="2899512" cy="461665"/>
+          </a:xfrm>
+          <a:prstGeom prst="rect">
+            <a:avLst/>
+          </a:prstGeom>
+          <a:noFill/>
+        </p:spPr>
+        <p:txBody>
+          <a:bodyPr wrap="none" rtlCol="0">
+            <a:spAutoFit/>
+          </a:bodyPr>
+          <a:lstStyle/>
+          <a:p>
+            <a:r>
+              <a:rPr lang="es-MX" sz="2400" b="1" dirty="0">
+                <a:solidFill>
+                  <a:schemeClr val="bg1"/>
+                </a:solidFill>
+                <a:effectLst>
+                  <a:outerShdw blurRad="38100" dist="38100" dir="2700000" algn="tl">
+                    <a:srgbClr val="000000">
+                      <a:alpha val="43137"/>
+                    </a:srgbClr>
+                  </a:outerShdw>
+                </a:effectLst>
+                <a:latin typeface="Calibri" panose="020F0502020204030204" pitchFamily="34" charset="0"/>
+                <a:cs typeface="Calibri" panose="020F0502020204030204" pitchFamily="34" charset="0"/>
+              </a:rPr>
+              <a:t>CONCEPTOS BÁSICOS</a:t>
+            </a:r>
+            <a:endParaRPr lang="es-PE" sz="2400" b="1" dirty="0">
+              <a:solidFill>
+                <a:schemeClr val="bg1"/>
+              </a:solidFill>
+              <a:effectLst>
+                <a:outerShdw blurRad="38100" dist="38100" dir="2700000" algn="tl">
+                  <a:srgbClr val="000000">
+                    <a:alpha val="43137"/>
+                  </a:srgbClr>
+                </a:outerShdw>
+              </a:effectLst>
+              <a:latin typeface="Calibri" panose="020F0502020204030204" pitchFamily="34" charset="0"/>
+              <a:cs typeface="Calibri" panose="020F0502020204030204" pitchFamily="34" charset="0"/>
+            </a:endParaRPr>
+          </a:p>
+        </p:txBody>
+      </p:sp>
+      <p:sp>
+        <p:nvSpPr>
+          <p:cNvPr id="5" name="CuadroTexto 4">
+            <a:extLst>
+              <a:ext uri="{FF2B5EF4-FFF2-40B4-BE49-F238E27FC236}">
+                <a16:creationId xmlns:a16="http://schemas.microsoft.com/office/drawing/2014/main" id="{D9987EA6-DE13-79C2-4CDF-73C346DC30B0}"/>
+              </a:ext>
+            </a:extLst>
+          </p:cNvPr>
+          <p:cNvSpPr txBox="1"/>
+          <p:nvPr/>
+        </p:nvSpPr>
+        <p:spPr>
+          <a:xfrm rot="16200000">
+            <a:off x="-1040886" y="3430159"/>
+            <a:ext cx="3848041" cy="461665"/>
+          </a:xfrm>
+          <a:prstGeom prst="rect">
+            <a:avLst/>
+          </a:prstGeom>
+          <a:noFill/>
+        </p:spPr>
+        <p:txBody>
+          <a:bodyPr wrap="none" rtlCol="0">
+            <a:spAutoFit/>
+          </a:bodyPr>
+          <a:lstStyle/>
+          <a:p>
+            <a:r>
+              <a:rPr lang="es-MX" sz="2400" b="1" dirty="0">
+                <a:solidFill>
+                  <a:schemeClr val="bg1"/>
+                </a:solidFill>
+                <a:effectLst>
+                  <a:outerShdw blurRad="38100" dist="38100" dir="2700000" algn="tl">
+                    <a:srgbClr val="000000">
+                      <a:alpha val="43137"/>
+                    </a:srgbClr>
+                  </a:outerShdw>
+                </a:effectLst>
+                <a:latin typeface="Calibri" panose="020F0502020204030204" pitchFamily="34" charset="0"/>
+                <a:cs typeface="Calibri" panose="020F0502020204030204" pitchFamily="34" charset="0"/>
+              </a:rPr>
+              <a:t>COMANDOS BÁSICOS EN GIT</a:t>
+            </a:r>
+            <a:endParaRPr lang="es-PE" sz="2400" b="1" dirty="0">
+              <a:solidFill>
+                <a:schemeClr val="bg1"/>
+              </a:solidFill>
+              <a:effectLst>
+                <a:outerShdw blurRad="38100" dist="38100" dir="2700000" algn="tl">
+                  <a:srgbClr val="000000">
+                    <a:alpha val="43137"/>
+                  </a:srgbClr>
+                </a:outerShdw>
+              </a:effectLst>
+              <a:latin typeface="Calibri" panose="020F0502020204030204" pitchFamily="34" charset="0"/>
+              <a:cs typeface="Calibri" panose="020F0502020204030204" pitchFamily="34" charset="0"/>
+            </a:endParaRPr>
+          </a:p>
+        </p:txBody>
+      </p:sp>
+      <p:cxnSp>
+        <p:nvCxnSpPr>
+          <p:cNvPr id="16" name="Conector recto de flecha 15">
+            <a:extLst>
+              <a:ext uri="{FF2B5EF4-FFF2-40B4-BE49-F238E27FC236}">
+                <a16:creationId xmlns:a16="http://schemas.microsoft.com/office/drawing/2014/main" id="{F6EA1C30-BA28-C9DC-2FCC-CCC8872466B0}"/>
+              </a:ext>
+            </a:extLst>
+          </p:cNvPr>
+          <p:cNvCxnSpPr>
+            <a:cxnSpLocks/>
+            <a:stCxn id="18" idx="2"/>
+          </p:cNvCxnSpPr>
+          <p:nvPr/>
+        </p:nvCxnSpPr>
+        <p:spPr>
+          <a:xfrm flipH="1">
+            <a:off x="4891842" y="854878"/>
+            <a:ext cx="14345" cy="1840473"/>
+          </a:xfrm>
+          <a:prstGeom prst="straightConnector1">
+            <a:avLst/>
+          </a:prstGeom>
+          <a:ln>
+            <a:solidFill>
+              <a:srgbClr val="C00000"/>
+            </a:solidFill>
+            <a:prstDash val="dash"/>
+            <a:tailEnd type="triangle"/>
+          </a:ln>
+        </p:spPr>
+        <p:style>
+          <a:lnRef idx="1">
+            <a:schemeClr val="accent1"/>
+          </a:lnRef>
+          <a:fillRef idx="0">
+            <a:schemeClr val="accent1"/>
+          </a:fillRef>
+          <a:effectRef idx="0">
+            <a:schemeClr val="accent1"/>
+          </a:effectRef>
+          <a:fontRef idx="minor">
+            <a:schemeClr val="tx1"/>
+          </a:fontRef>
+        </p:style>
+      </p:cxnSp>
+      <p:cxnSp>
+        <p:nvCxnSpPr>
+          <p:cNvPr id="29" name="Conector recto de flecha 28">
+            <a:extLst>
+              <a:ext uri="{FF2B5EF4-FFF2-40B4-BE49-F238E27FC236}">
+                <a16:creationId xmlns:a16="http://schemas.microsoft.com/office/drawing/2014/main" id="{C477E45A-7908-58C5-2EF9-0FFCDF92DAB0}"/>
+              </a:ext>
+            </a:extLst>
+          </p:cNvPr>
+          <p:cNvCxnSpPr>
+            <a:cxnSpLocks/>
+            <a:stCxn id="7" idx="2"/>
+          </p:cNvCxnSpPr>
+          <p:nvPr/>
+        </p:nvCxnSpPr>
+        <p:spPr>
+          <a:xfrm flipH="1">
+            <a:off x="2702899" y="1075137"/>
+            <a:ext cx="10588" cy="1548206"/>
+          </a:xfrm>
+          <a:prstGeom prst="straightConnector1">
+            <a:avLst/>
+          </a:prstGeom>
+          <a:ln>
+            <a:solidFill>
+              <a:srgbClr val="C00000"/>
+            </a:solidFill>
+            <a:prstDash val="dash"/>
+            <a:tailEnd type="triangle"/>
+          </a:ln>
+        </p:spPr>
+        <p:style>
+          <a:lnRef idx="1">
+            <a:schemeClr val="accent1"/>
+          </a:lnRef>
+          <a:fillRef idx="0">
+            <a:schemeClr val="accent1"/>
+          </a:fillRef>
+          <a:effectRef idx="0">
+            <a:schemeClr val="accent1"/>
+          </a:effectRef>
+          <a:fontRef idx="minor">
+            <a:schemeClr val="tx1"/>
+          </a:fontRef>
+        </p:style>
+      </p:cxnSp>
     </p:spTree>
     <p:extLst>
       <p:ext uri="{BB962C8B-B14F-4D97-AF65-F5344CB8AC3E}">
@@ -16084,6 +16699,1163 @@
       </p:grpSpPr>
       <p:sp>
         <p:nvSpPr>
+          <p:cNvPr id="3" name="Marcador de número de diapositiva 2">
+            <a:extLst>
+              <a:ext uri="{FF2B5EF4-FFF2-40B4-BE49-F238E27FC236}">
+                <a16:creationId xmlns:a16="http://schemas.microsoft.com/office/drawing/2014/main" id="{8D2D6617-46E2-4BB5-A527-766D31BC6FE3}"/>
+              </a:ext>
+            </a:extLst>
+          </p:cNvPr>
+          <p:cNvSpPr>
+            <a:spLocks noGrp="1"/>
+          </p:cNvSpPr>
+          <p:nvPr>
+            <p:ph type="sldNum" sz="quarter" idx="12"/>
+          </p:nvPr>
+        </p:nvSpPr>
+        <p:spPr>
+          <a:xfrm>
+            <a:off x="10766796" y="6448251"/>
+            <a:ext cx="609441" cy="365125"/>
+          </a:xfrm>
+        </p:spPr>
+        <p:txBody>
+          <a:bodyPr/>
+          <a:lstStyle/>
+          <a:p>
+            <a:pPr rtl="0"/>
+            <a:fld id="{7DC1BBB0-96F0-4077-A278-0F3FB5C104D3}" type="slidenum">
+              <a:rPr lang="es-ES" noProof="0" smtClean="0"/>
+              <a:t>5</a:t>
+            </a:fld>
+            <a:endParaRPr lang="es-ES" noProof="0" dirty="0"/>
+          </a:p>
+        </p:txBody>
+      </p:sp>
+      <p:sp>
+        <p:nvSpPr>
+          <p:cNvPr id="2" name="CuadroTexto 1">
+            <a:extLst>
+              <a:ext uri="{FF2B5EF4-FFF2-40B4-BE49-F238E27FC236}">
+                <a16:creationId xmlns:a16="http://schemas.microsoft.com/office/drawing/2014/main" id="{385B9208-6506-683A-1092-ECA25746D5E8}"/>
+              </a:ext>
+            </a:extLst>
+          </p:cNvPr>
+          <p:cNvSpPr txBox="1"/>
+          <p:nvPr/>
+        </p:nvSpPr>
+        <p:spPr>
+          <a:xfrm rot="16200000">
+            <a:off x="-1121033" y="3400442"/>
+            <a:ext cx="2899512" cy="461665"/>
+          </a:xfrm>
+          <a:prstGeom prst="rect">
+            <a:avLst/>
+          </a:prstGeom>
+          <a:noFill/>
+        </p:spPr>
+        <p:txBody>
+          <a:bodyPr wrap="none" rtlCol="0">
+            <a:spAutoFit/>
+          </a:bodyPr>
+          <a:lstStyle/>
+          <a:p>
+            <a:r>
+              <a:rPr lang="es-MX" sz="2400" b="1" dirty="0">
+                <a:solidFill>
+                  <a:schemeClr val="bg1"/>
+                </a:solidFill>
+                <a:effectLst>
+                  <a:outerShdw blurRad="38100" dist="38100" dir="2700000" algn="tl">
+                    <a:srgbClr val="000000">
+                      <a:alpha val="43137"/>
+                    </a:srgbClr>
+                  </a:outerShdw>
+                </a:effectLst>
+                <a:latin typeface="Calibri" panose="020F0502020204030204" pitchFamily="34" charset="0"/>
+                <a:cs typeface="Calibri" panose="020F0502020204030204" pitchFamily="34" charset="0"/>
+              </a:rPr>
+              <a:t>CONCEPTOS BÁSICOS</a:t>
+            </a:r>
+            <a:endParaRPr lang="es-PE" sz="2400" b="1" dirty="0">
+              <a:solidFill>
+                <a:schemeClr val="bg1"/>
+              </a:solidFill>
+              <a:effectLst>
+                <a:outerShdw blurRad="38100" dist="38100" dir="2700000" algn="tl">
+                  <a:srgbClr val="000000">
+                    <a:alpha val="43137"/>
+                  </a:srgbClr>
+                </a:outerShdw>
+              </a:effectLst>
+              <a:latin typeface="Calibri" panose="020F0502020204030204" pitchFamily="34" charset="0"/>
+              <a:cs typeface="Calibri" panose="020F0502020204030204" pitchFamily="34" charset="0"/>
+            </a:endParaRPr>
+          </a:p>
+        </p:txBody>
+      </p:sp>
+      <p:sp>
+        <p:nvSpPr>
+          <p:cNvPr id="5" name="CuadroTexto 4">
+            <a:extLst>
+              <a:ext uri="{FF2B5EF4-FFF2-40B4-BE49-F238E27FC236}">
+                <a16:creationId xmlns:a16="http://schemas.microsoft.com/office/drawing/2014/main" id="{D9987EA6-DE13-79C2-4CDF-73C346DC30B0}"/>
+              </a:ext>
+            </a:extLst>
+          </p:cNvPr>
+          <p:cNvSpPr txBox="1"/>
+          <p:nvPr/>
+        </p:nvSpPr>
+        <p:spPr>
+          <a:xfrm rot="16200000">
+            <a:off x="-1307621" y="3430159"/>
+            <a:ext cx="4381520" cy="461665"/>
+          </a:xfrm>
+          <a:prstGeom prst="rect">
+            <a:avLst/>
+          </a:prstGeom>
+          <a:noFill/>
+        </p:spPr>
+        <p:txBody>
+          <a:bodyPr wrap="none" rtlCol="0">
+            <a:spAutoFit/>
+          </a:bodyPr>
+          <a:lstStyle/>
+          <a:p>
+            <a:r>
+              <a:rPr lang="es-MX" sz="2400" b="1" dirty="0">
+                <a:solidFill>
+                  <a:schemeClr val="bg1"/>
+                </a:solidFill>
+                <a:effectLst>
+                  <a:outerShdw blurRad="38100" dist="38100" dir="2700000" algn="tl">
+                    <a:srgbClr val="000000">
+                      <a:alpha val="43137"/>
+                    </a:srgbClr>
+                  </a:outerShdw>
+                </a:effectLst>
+                <a:latin typeface="Calibri" panose="020F0502020204030204" pitchFamily="34" charset="0"/>
+                <a:cs typeface="Calibri" panose="020F0502020204030204" pitchFamily="34" charset="0"/>
+              </a:rPr>
+              <a:t>CONFIGURACIÓN GLOBAL DE GIT</a:t>
+            </a:r>
+            <a:endParaRPr lang="es-PE" sz="2400" b="1" dirty="0">
+              <a:solidFill>
+                <a:schemeClr val="bg1"/>
+              </a:solidFill>
+              <a:effectLst>
+                <a:outerShdw blurRad="38100" dist="38100" dir="2700000" algn="tl">
+                  <a:srgbClr val="000000">
+                    <a:alpha val="43137"/>
+                  </a:srgbClr>
+                </a:outerShdw>
+              </a:effectLst>
+              <a:latin typeface="Calibri" panose="020F0502020204030204" pitchFamily="34" charset="0"/>
+              <a:cs typeface="Calibri" panose="020F0502020204030204" pitchFamily="34" charset="0"/>
+            </a:endParaRPr>
+          </a:p>
+        </p:txBody>
+      </p:sp>
+      <p:sp>
+        <p:nvSpPr>
+          <p:cNvPr id="8" name="CuadroTexto 7">
+            <a:extLst>
+              <a:ext uri="{FF2B5EF4-FFF2-40B4-BE49-F238E27FC236}">
+                <a16:creationId xmlns:a16="http://schemas.microsoft.com/office/drawing/2014/main" id="{5E1119CC-F850-DEE7-7895-654B6A8380AA}"/>
+              </a:ext>
+            </a:extLst>
+          </p:cNvPr>
+          <p:cNvSpPr txBox="1"/>
+          <p:nvPr/>
+        </p:nvSpPr>
+        <p:spPr>
+          <a:xfrm>
+            <a:off x="1485900" y="836712"/>
+            <a:ext cx="8928992" cy="5909310"/>
+          </a:xfrm>
+          <a:prstGeom prst="rect">
+            <a:avLst/>
+          </a:prstGeom>
+          <a:noFill/>
+        </p:spPr>
+        <p:txBody>
+          <a:bodyPr wrap="square" rtlCol="0">
+            <a:spAutoFit/>
+          </a:bodyPr>
+          <a:lstStyle/>
+          <a:p>
+            <a:pPr algn="just"/>
+            <a:r>
+              <a:rPr lang="es-PE" b="1" dirty="0">
+                <a:solidFill>
+                  <a:schemeClr val="accent1">
+                    <a:lumMod val="75000"/>
+                  </a:schemeClr>
+                </a:solidFill>
+                <a:effectLst>
+                  <a:outerShdw blurRad="38100" dist="38100" dir="2700000" algn="tl">
+                    <a:srgbClr val="000000">
+                      <a:alpha val="43137"/>
+                    </a:srgbClr>
+                  </a:outerShdw>
+                </a:effectLst>
+                <a:latin typeface="Calibri" panose="020F0502020204030204" pitchFamily="34" charset="0"/>
+                <a:cs typeface="Calibri" panose="020F0502020204030204" pitchFamily="34" charset="0"/>
+                <a:sym typeface="Wingdings" panose="05000000000000000000" pitchFamily="2" charset="2"/>
+              </a:rPr>
+              <a:t>USUARIO DE GIT</a:t>
+            </a:r>
+            <a:endParaRPr lang="es-PE" dirty="0">
+              <a:solidFill>
+                <a:schemeClr val="tx2"/>
+              </a:solidFill>
+              <a:effectLst>
+                <a:outerShdw blurRad="38100" dist="38100" dir="2700000" algn="tl">
+                  <a:srgbClr val="000000">
+                    <a:alpha val="43137"/>
+                  </a:srgbClr>
+                </a:outerShdw>
+              </a:effectLst>
+              <a:latin typeface="Calibri" panose="020F0502020204030204" pitchFamily="34" charset="0"/>
+              <a:cs typeface="Calibri" panose="020F0502020204030204" pitchFamily="34" charset="0"/>
+            </a:endParaRPr>
+          </a:p>
+          <a:p>
+            <a:pPr marL="285750" indent="-285750" algn="just">
+              <a:buFont typeface="Arial" panose="020B0604020202020204" pitchFamily="34" charset="0"/>
+              <a:buChar char="•"/>
+            </a:pPr>
+            <a:r>
+              <a:rPr lang="es-PE" i="1" dirty="0">
+                <a:solidFill>
+                  <a:schemeClr val="tx2"/>
+                </a:solidFill>
+                <a:effectLst>
+                  <a:outerShdw blurRad="38100" dist="38100" dir="2700000" algn="tl">
+                    <a:srgbClr val="000000">
+                      <a:alpha val="43137"/>
+                    </a:srgbClr>
+                  </a:outerShdw>
+                </a:effectLst>
+                <a:latin typeface="Calibri" panose="020F0502020204030204" pitchFamily="34" charset="0"/>
+                <a:cs typeface="Calibri" panose="020F0502020204030204" pitchFamily="34" charset="0"/>
+              </a:rPr>
+              <a:t>git config --global user.name </a:t>
+            </a:r>
+            <a:r>
+              <a:rPr lang="es-PE" i="1" dirty="0">
+                <a:solidFill>
+                  <a:srgbClr val="7030A0"/>
+                </a:solidFill>
+                <a:effectLst>
+                  <a:outerShdw blurRad="38100" dist="38100" dir="2700000" algn="tl">
+                    <a:srgbClr val="000000">
+                      <a:alpha val="43137"/>
+                    </a:srgbClr>
+                  </a:outerShdw>
+                </a:effectLst>
+                <a:latin typeface="Calibri" panose="020F0502020204030204" pitchFamily="34" charset="0"/>
+                <a:cs typeface="Calibri" panose="020F0502020204030204" pitchFamily="34" charset="0"/>
+              </a:rPr>
+              <a:t>"John Doe”</a:t>
+            </a:r>
+          </a:p>
+          <a:p>
+            <a:pPr marL="285750" indent="-285750" algn="just">
+              <a:buFont typeface="Arial" panose="020B0604020202020204" pitchFamily="34" charset="0"/>
+              <a:buChar char="•"/>
+            </a:pPr>
+            <a:endParaRPr lang="es-PE" dirty="0">
+              <a:solidFill>
+                <a:schemeClr val="tx2"/>
+              </a:solidFill>
+              <a:latin typeface="Calibri" panose="020F0502020204030204" pitchFamily="34" charset="0"/>
+              <a:cs typeface="Calibri" panose="020F0502020204030204" pitchFamily="34" charset="0"/>
+            </a:endParaRPr>
+          </a:p>
+          <a:p>
+            <a:pPr algn="just"/>
+            <a:r>
+              <a:rPr lang="es-PE" b="1" dirty="0">
+                <a:solidFill>
+                  <a:schemeClr val="accent1">
+                    <a:lumMod val="75000"/>
+                  </a:schemeClr>
+                </a:solidFill>
+                <a:effectLst>
+                  <a:outerShdw blurRad="38100" dist="38100" dir="2700000" algn="tl">
+                    <a:srgbClr val="000000">
+                      <a:alpha val="43137"/>
+                    </a:srgbClr>
+                  </a:outerShdw>
+                </a:effectLst>
+                <a:latin typeface="Calibri" panose="020F0502020204030204" pitchFamily="34" charset="0"/>
+                <a:cs typeface="Calibri" panose="020F0502020204030204" pitchFamily="34" charset="0"/>
+                <a:sym typeface="Wingdings" panose="05000000000000000000" pitchFamily="2" charset="2"/>
+              </a:rPr>
+              <a:t>CORREO DE GIT</a:t>
+            </a:r>
+            <a:endParaRPr lang="es-PE" dirty="0">
+              <a:solidFill>
+                <a:schemeClr val="tx2"/>
+              </a:solidFill>
+              <a:effectLst>
+                <a:outerShdw blurRad="38100" dist="38100" dir="2700000" algn="tl">
+                  <a:srgbClr val="000000">
+                    <a:alpha val="43137"/>
+                  </a:srgbClr>
+                </a:outerShdw>
+              </a:effectLst>
+              <a:latin typeface="Calibri" panose="020F0502020204030204" pitchFamily="34" charset="0"/>
+              <a:cs typeface="Calibri" panose="020F0502020204030204" pitchFamily="34" charset="0"/>
+            </a:endParaRPr>
+          </a:p>
+          <a:p>
+            <a:pPr marL="285750" indent="-285750" algn="just">
+              <a:buFont typeface="Arial" panose="020B0604020202020204" pitchFamily="34" charset="0"/>
+              <a:buChar char="•"/>
+            </a:pPr>
+            <a:r>
+              <a:rPr lang="es-PE" i="1" dirty="0">
+                <a:solidFill>
+                  <a:schemeClr val="tx2"/>
+                </a:solidFill>
+                <a:effectLst>
+                  <a:outerShdw blurRad="38100" dist="38100" dir="2700000" algn="tl">
+                    <a:srgbClr val="000000">
+                      <a:alpha val="43137"/>
+                    </a:srgbClr>
+                  </a:outerShdw>
+                </a:effectLst>
+                <a:latin typeface="Calibri" panose="020F0502020204030204" pitchFamily="34" charset="0"/>
+                <a:cs typeface="Calibri" panose="020F0502020204030204" pitchFamily="34" charset="0"/>
+              </a:rPr>
+              <a:t>git config --global user.email </a:t>
+            </a:r>
+            <a:r>
+              <a:rPr lang="es-PE" i="1" dirty="0">
+                <a:solidFill>
+                  <a:srgbClr val="7030A0"/>
+                </a:solidFill>
+                <a:effectLst>
+                  <a:outerShdw blurRad="38100" dist="38100" dir="2700000" algn="tl">
+                    <a:srgbClr val="000000">
+                      <a:alpha val="43137"/>
+                    </a:srgbClr>
+                  </a:outerShdw>
+                </a:effectLst>
+                <a:latin typeface="Calibri" panose="020F0502020204030204" pitchFamily="34" charset="0"/>
+                <a:cs typeface="Calibri" panose="020F0502020204030204" pitchFamily="34" charset="0"/>
+                <a:hlinkClick r:id="rId3">
+                  <a:extLst>
+                    <a:ext uri="{A12FA001-AC4F-418D-AE19-62706E023703}">
+                      <ahyp:hlinkClr xmlns:ahyp="http://schemas.microsoft.com/office/drawing/2018/hyperlinkcolor" val="tx"/>
+                    </a:ext>
+                  </a:extLst>
+                </a:hlinkClick>
+              </a:rPr>
+              <a:t>johndoe@example.com</a:t>
+            </a:r>
+            <a:endParaRPr lang="es-PE" dirty="0">
+              <a:solidFill>
+                <a:schemeClr val="accent1">
+                  <a:lumMod val="75000"/>
+                </a:schemeClr>
+              </a:solidFill>
+              <a:latin typeface="Calibri" panose="020F0502020204030204" pitchFamily="34" charset="0"/>
+              <a:cs typeface="Calibri" panose="020F0502020204030204" pitchFamily="34" charset="0"/>
+              <a:sym typeface="Wingdings" panose="05000000000000000000" pitchFamily="2" charset="2"/>
+            </a:endParaRPr>
+          </a:p>
+          <a:p>
+            <a:pPr marL="285750" indent="-285750" algn="just">
+              <a:buFont typeface="Arial" panose="020B0604020202020204" pitchFamily="34" charset="0"/>
+              <a:buChar char="•"/>
+            </a:pPr>
+            <a:endParaRPr lang="es-PE" dirty="0">
+              <a:solidFill>
+                <a:schemeClr val="accent1">
+                  <a:lumMod val="75000"/>
+                </a:schemeClr>
+              </a:solidFill>
+              <a:latin typeface="Calibri" panose="020F0502020204030204" pitchFamily="34" charset="0"/>
+              <a:cs typeface="Calibri" panose="020F0502020204030204" pitchFamily="34" charset="0"/>
+              <a:sym typeface="Wingdings" panose="05000000000000000000" pitchFamily="2" charset="2"/>
+            </a:endParaRPr>
+          </a:p>
+          <a:p>
+            <a:pPr algn="just"/>
+            <a:r>
+              <a:rPr lang="es-PE" b="1" dirty="0">
+                <a:solidFill>
+                  <a:schemeClr val="accent1">
+                    <a:lumMod val="75000"/>
+                  </a:schemeClr>
+                </a:solidFill>
+                <a:effectLst>
+                  <a:outerShdw blurRad="38100" dist="38100" dir="2700000" algn="tl">
+                    <a:srgbClr val="000000">
+                      <a:alpha val="43137"/>
+                    </a:srgbClr>
+                  </a:outerShdw>
+                </a:effectLst>
+                <a:latin typeface="Calibri" panose="020F0502020204030204" pitchFamily="34" charset="0"/>
+                <a:cs typeface="Calibri" panose="020F0502020204030204" pitchFamily="34" charset="0"/>
+                <a:sym typeface="Wingdings" panose="05000000000000000000" pitchFamily="2" charset="2"/>
+              </a:rPr>
+              <a:t>EDITOR DE TEXTO</a:t>
+            </a:r>
+          </a:p>
+          <a:p>
+            <a:pPr marL="285750" indent="-285750" algn="just">
+              <a:buFont typeface="Arial" panose="020B0604020202020204" pitchFamily="34" charset="0"/>
+              <a:buChar char="•"/>
+            </a:pPr>
+            <a:r>
+              <a:rPr lang="es-PE" i="1" dirty="0">
+                <a:solidFill>
+                  <a:schemeClr val="tx2"/>
+                </a:solidFill>
+                <a:effectLst>
+                  <a:outerShdw blurRad="38100" dist="38100" dir="2700000" algn="tl">
+                    <a:srgbClr val="000000">
+                      <a:alpha val="43137"/>
+                    </a:srgbClr>
+                  </a:outerShdw>
+                </a:effectLst>
+                <a:latin typeface="Calibri" panose="020F0502020204030204" pitchFamily="34" charset="0"/>
+                <a:cs typeface="Calibri" panose="020F0502020204030204" pitchFamily="34" charset="0"/>
+                <a:sym typeface="Wingdings" panose="05000000000000000000" pitchFamily="2" charset="2"/>
+              </a:rPr>
+              <a:t>git config --global core.editor </a:t>
+            </a:r>
+            <a:r>
+              <a:rPr lang="es-PE" i="1" dirty="0">
+                <a:solidFill>
+                  <a:srgbClr val="7030A0"/>
+                </a:solidFill>
+                <a:effectLst>
+                  <a:outerShdw blurRad="38100" dist="38100" dir="2700000" algn="tl">
+                    <a:srgbClr val="000000">
+                      <a:alpha val="43137"/>
+                    </a:srgbClr>
+                  </a:outerShdw>
+                </a:effectLst>
+                <a:latin typeface="Calibri" panose="020F0502020204030204" pitchFamily="34" charset="0"/>
+                <a:cs typeface="Calibri" panose="020F0502020204030204" pitchFamily="34" charset="0"/>
+                <a:sym typeface="Wingdings" panose="05000000000000000000" pitchFamily="2" charset="2"/>
+              </a:rPr>
+              <a:t>emacs  </a:t>
+            </a:r>
+            <a:r>
+              <a:rPr lang="es-PE" i="1" dirty="0">
+                <a:solidFill>
+                  <a:schemeClr val="accent1">
+                    <a:lumMod val="75000"/>
+                  </a:schemeClr>
+                </a:solidFill>
+                <a:effectLst>
+                  <a:outerShdw blurRad="38100" dist="38100" dir="2700000" algn="tl">
+                    <a:srgbClr val="000000">
+                      <a:alpha val="43137"/>
+                    </a:srgbClr>
+                  </a:outerShdw>
+                </a:effectLst>
+                <a:latin typeface="Calibri" panose="020F0502020204030204" pitchFamily="34" charset="0"/>
+                <a:cs typeface="Calibri" panose="020F0502020204030204" pitchFamily="34" charset="0"/>
+                <a:sym typeface="Wingdings" panose="05000000000000000000" pitchFamily="2" charset="2"/>
+              </a:rPr>
+              <a:t>(Editor Emacs)</a:t>
+            </a:r>
+          </a:p>
+          <a:p>
+            <a:pPr marL="285750" indent="-285750" algn="just">
+              <a:buFont typeface="Arial" panose="020B0604020202020204" pitchFamily="34" charset="0"/>
+              <a:buChar char="•"/>
+            </a:pPr>
+            <a:r>
+              <a:rPr lang="es-PE" i="1" dirty="0">
+                <a:solidFill>
+                  <a:schemeClr val="tx2"/>
+                </a:solidFill>
+                <a:effectLst>
+                  <a:outerShdw blurRad="38100" dist="38100" dir="2700000" algn="tl">
+                    <a:srgbClr val="000000">
+                      <a:alpha val="43137"/>
+                    </a:srgbClr>
+                  </a:outerShdw>
+                </a:effectLst>
+                <a:latin typeface="Calibri" panose="020F0502020204030204" pitchFamily="34" charset="0"/>
+                <a:cs typeface="Calibri" panose="020F0502020204030204" pitchFamily="34" charset="0"/>
+                <a:sym typeface="Wingdings" panose="05000000000000000000" pitchFamily="2" charset="2"/>
+              </a:rPr>
+              <a:t>git config --global core.editor </a:t>
+            </a:r>
+            <a:r>
+              <a:rPr lang="es-PE" i="1" dirty="0">
+                <a:solidFill>
+                  <a:srgbClr val="7030A0"/>
+                </a:solidFill>
+                <a:effectLst>
+                  <a:outerShdw blurRad="38100" dist="38100" dir="2700000" algn="tl">
+                    <a:srgbClr val="000000">
+                      <a:alpha val="43137"/>
+                    </a:srgbClr>
+                  </a:outerShdw>
+                </a:effectLst>
+                <a:latin typeface="Calibri" panose="020F0502020204030204" pitchFamily="34" charset="0"/>
+                <a:cs typeface="Calibri" panose="020F0502020204030204" pitchFamily="34" charset="0"/>
+                <a:sym typeface="Wingdings" panose="05000000000000000000" pitchFamily="2" charset="2"/>
+              </a:rPr>
+              <a:t>"code --wait“ </a:t>
+            </a:r>
+            <a:r>
+              <a:rPr lang="es-PE" i="1" dirty="0">
+                <a:solidFill>
+                  <a:schemeClr val="accent1">
+                    <a:lumMod val="75000"/>
+                  </a:schemeClr>
+                </a:solidFill>
+                <a:effectLst>
+                  <a:outerShdw blurRad="38100" dist="38100" dir="2700000" algn="tl">
+                    <a:srgbClr val="000000">
+                      <a:alpha val="43137"/>
+                    </a:srgbClr>
+                  </a:outerShdw>
+                </a:effectLst>
+                <a:latin typeface="Calibri" panose="020F0502020204030204" pitchFamily="34" charset="0"/>
+                <a:cs typeface="Calibri" panose="020F0502020204030204" pitchFamily="34" charset="0"/>
+                <a:sym typeface="Wingdings" panose="05000000000000000000" pitchFamily="2" charset="2"/>
+              </a:rPr>
+              <a:t>(Editor Visual Studio Code)</a:t>
+            </a:r>
+          </a:p>
+          <a:p>
+            <a:pPr marL="285750" indent="-285750" algn="just">
+              <a:buFont typeface="Arial" panose="020B0604020202020204" pitchFamily="34" charset="0"/>
+              <a:buChar char="•"/>
+            </a:pPr>
+            <a:r>
+              <a:rPr lang="es-PE" i="1" dirty="0">
+                <a:solidFill>
+                  <a:schemeClr val="tx2"/>
+                </a:solidFill>
+                <a:effectLst>
+                  <a:outerShdw blurRad="38100" dist="38100" dir="2700000" algn="tl">
+                    <a:srgbClr val="000000">
+                      <a:alpha val="43137"/>
+                    </a:srgbClr>
+                  </a:outerShdw>
+                </a:effectLst>
+                <a:latin typeface="Calibri" panose="020F0502020204030204" pitchFamily="34" charset="0"/>
+                <a:cs typeface="Calibri" panose="020F0502020204030204" pitchFamily="34" charset="0"/>
+                <a:sym typeface="Wingdings" panose="05000000000000000000" pitchFamily="2" charset="2"/>
+              </a:rPr>
+              <a:t>git config --global core.editor </a:t>
+            </a:r>
+            <a:r>
+              <a:rPr lang="es-PE" i="1" dirty="0">
+                <a:solidFill>
+                  <a:srgbClr val="7030A0"/>
+                </a:solidFill>
+                <a:effectLst>
+                  <a:outerShdw blurRad="38100" dist="38100" dir="2700000" algn="tl">
+                    <a:srgbClr val="000000">
+                      <a:alpha val="43137"/>
+                    </a:srgbClr>
+                  </a:outerShdw>
+                </a:effectLst>
+                <a:latin typeface="Calibri" panose="020F0502020204030204" pitchFamily="34" charset="0"/>
+                <a:cs typeface="Calibri" panose="020F0502020204030204" pitchFamily="34" charset="0"/>
+                <a:sym typeface="Wingdings" panose="05000000000000000000" pitchFamily="2" charset="2"/>
+              </a:rPr>
+              <a:t>"'C:/</a:t>
+            </a:r>
+            <a:r>
+              <a:rPr lang="es-PE" i="1" dirty="0" err="1">
+                <a:solidFill>
+                  <a:srgbClr val="7030A0"/>
+                </a:solidFill>
+                <a:effectLst>
+                  <a:outerShdw blurRad="38100" dist="38100" dir="2700000" algn="tl">
+                    <a:srgbClr val="000000">
+                      <a:alpha val="43137"/>
+                    </a:srgbClr>
+                  </a:outerShdw>
+                </a:effectLst>
+                <a:latin typeface="Calibri" panose="020F0502020204030204" pitchFamily="34" charset="0"/>
+                <a:cs typeface="Calibri" panose="020F0502020204030204" pitchFamily="34" charset="0"/>
+                <a:sym typeface="Wingdings" panose="05000000000000000000" pitchFamily="2" charset="2"/>
+              </a:rPr>
+              <a:t>Program</a:t>
+            </a:r>
+            <a:r>
+              <a:rPr lang="es-PE" i="1" dirty="0">
+                <a:solidFill>
+                  <a:srgbClr val="7030A0"/>
+                </a:solidFill>
+                <a:effectLst>
+                  <a:outerShdw blurRad="38100" dist="38100" dir="2700000" algn="tl">
+                    <a:srgbClr val="000000">
+                      <a:alpha val="43137"/>
+                    </a:srgbClr>
+                  </a:outerShdw>
+                </a:effectLst>
+                <a:latin typeface="Calibri" panose="020F0502020204030204" pitchFamily="34" charset="0"/>
+                <a:cs typeface="Calibri" panose="020F0502020204030204" pitchFamily="34" charset="0"/>
+                <a:sym typeface="Wingdings" panose="05000000000000000000" pitchFamily="2" charset="2"/>
+              </a:rPr>
+              <a:t> Files (x86)/Notepad++/</a:t>
+            </a:r>
+            <a:r>
+              <a:rPr lang="es-PE" i="1" dirty="0" err="1">
+                <a:solidFill>
+                  <a:srgbClr val="7030A0"/>
+                </a:solidFill>
+                <a:effectLst>
+                  <a:outerShdw blurRad="38100" dist="38100" dir="2700000" algn="tl">
+                    <a:srgbClr val="000000">
+                      <a:alpha val="43137"/>
+                    </a:srgbClr>
+                  </a:outerShdw>
+                </a:effectLst>
+                <a:latin typeface="Calibri" panose="020F0502020204030204" pitchFamily="34" charset="0"/>
+                <a:cs typeface="Calibri" panose="020F0502020204030204" pitchFamily="34" charset="0"/>
+                <a:sym typeface="Wingdings" panose="05000000000000000000" pitchFamily="2" charset="2"/>
+              </a:rPr>
+              <a:t>notepad</a:t>
+            </a:r>
+            <a:r>
+              <a:rPr lang="es-PE" i="1" dirty="0">
+                <a:solidFill>
+                  <a:srgbClr val="7030A0"/>
+                </a:solidFill>
+                <a:effectLst>
+                  <a:outerShdw blurRad="38100" dist="38100" dir="2700000" algn="tl">
+                    <a:srgbClr val="000000">
+                      <a:alpha val="43137"/>
+                    </a:srgbClr>
+                  </a:outerShdw>
+                </a:effectLst>
+                <a:latin typeface="Calibri" panose="020F0502020204030204" pitchFamily="34" charset="0"/>
+                <a:cs typeface="Calibri" panose="020F0502020204030204" pitchFamily="34" charset="0"/>
+                <a:sym typeface="Wingdings" panose="05000000000000000000" pitchFamily="2" charset="2"/>
+              </a:rPr>
+              <a:t>++.exe' -</a:t>
+            </a:r>
+            <a:r>
+              <a:rPr lang="es-PE" i="1" dirty="0" err="1">
+                <a:solidFill>
+                  <a:srgbClr val="7030A0"/>
+                </a:solidFill>
+                <a:effectLst>
+                  <a:outerShdw blurRad="38100" dist="38100" dir="2700000" algn="tl">
+                    <a:srgbClr val="000000">
+                      <a:alpha val="43137"/>
+                    </a:srgbClr>
+                  </a:outerShdw>
+                </a:effectLst>
+                <a:latin typeface="Calibri" panose="020F0502020204030204" pitchFamily="34" charset="0"/>
+                <a:cs typeface="Calibri" panose="020F0502020204030204" pitchFamily="34" charset="0"/>
+                <a:sym typeface="Wingdings" panose="05000000000000000000" pitchFamily="2" charset="2"/>
+              </a:rPr>
+              <a:t>multiInst</a:t>
+            </a:r>
+            <a:r>
+              <a:rPr lang="es-PE" i="1" dirty="0">
+                <a:solidFill>
+                  <a:srgbClr val="7030A0"/>
+                </a:solidFill>
+                <a:effectLst>
+                  <a:outerShdw blurRad="38100" dist="38100" dir="2700000" algn="tl">
+                    <a:srgbClr val="000000">
+                      <a:alpha val="43137"/>
+                    </a:srgbClr>
+                  </a:outerShdw>
+                </a:effectLst>
+                <a:latin typeface="Calibri" panose="020F0502020204030204" pitchFamily="34" charset="0"/>
+                <a:cs typeface="Calibri" panose="020F0502020204030204" pitchFamily="34" charset="0"/>
+                <a:sym typeface="Wingdings" panose="05000000000000000000" pitchFamily="2" charset="2"/>
+              </a:rPr>
+              <a:t> -</a:t>
+            </a:r>
+            <a:r>
+              <a:rPr lang="es-PE" i="1" dirty="0" err="1">
+                <a:solidFill>
+                  <a:srgbClr val="7030A0"/>
+                </a:solidFill>
+                <a:effectLst>
+                  <a:outerShdw blurRad="38100" dist="38100" dir="2700000" algn="tl">
+                    <a:srgbClr val="000000">
+                      <a:alpha val="43137"/>
+                    </a:srgbClr>
+                  </a:outerShdw>
+                </a:effectLst>
+                <a:latin typeface="Calibri" panose="020F0502020204030204" pitchFamily="34" charset="0"/>
+                <a:cs typeface="Calibri" panose="020F0502020204030204" pitchFamily="34" charset="0"/>
+                <a:sym typeface="Wingdings" panose="05000000000000000000" pitchFamily="2" charset="2"/>
+              </a:rPr>
+              <a:t>notabbar</a:t>
+            </a:r>
+            <a:r>
+              <a:rPr lang="es-PE" i="1" dirty="0">
+                <a:solidFill>
+                  <a:srgbClr val="7030A0"/>
+                </a:solidFill>
+                <a:effectLst>
+                  <a:outerShdw blurRad="38100" dist="38100" dir="2700000" algn="tl">
+                    <a:srgbClr val="000000">
+                      <a:alpha val="43137"/>
+                    </a:srgbClr>
+                  </a:outerShdw>
+                </a:effectLst>
+                <a:latin typeface="Calibri" panose="020F0502020204030204" pitchFamily="34" charset="0"/>
+                <a:cs typeface="Calibri" panose="020F0502020204030204" pitchFamily="34" charset="0"/>
+                <a:sym typeface="Wingdings" panose="05000000000000000000" pitchFamily="2" charset="2"/>
+              </a:rPr>
+              <a:t> -</a:t>
+            </a:r>
+            <a:r>
+              <a:rPr lang="es-PE" i="1" dirty="0" err="1">
+                <a:solidFill>
+                  <a:srgbClr val="7030A0"/>
+                </a:solidFill>
+                <a:effectLst>
+                  <a:outerShdw blurRad="38100" dist="38100" dir="2700000" algn="tl">
+                    <a:srgbClr val="000000">
+                      <a:alpha val="43137"/>
+                    </a:srgbClr>
+                  </a:outerShdw>
+                </a:effectLst>
+                <a:latin typeface="Calibri" panose="020F0502020204030204" pitchFamily="34" charset="0"/>
+                <a:cs typeface="Calibri" panose="020F0502020204030204" pitchFamily="34" charset="0"/>
+                <a:sym typeface="Wingdings" panose="05000000000000000000" pitchFamily="2" charset="2"/>
+              </a:rPr>
+              <a:t>nosession</a:t>
+            </a:r>
+            <a:r>
+              <a:rPr lang="es-PE" i="1" dirty="0">
+                <a:solidFill>
+                  <a:srgbClr val="7030A0"/>
+                </a:solidFill>
+                <a:effectLst>
+                  <a:outerShdw blurRad="38100" dist="38100" dir="2700000" algn="tl">
+                    <a:srgbClr val="000000">
+                      <a:alpha val="43137"/>
+                    </a:srgbClr>
+                  </a:outerShdw>
+                </a:effectLst>
+                <a:latin typeface="Calibri" panose="020F0502020204030204" pitchFamily="34" charset="0"/>
+                <a:cs typeface="Calibri" panose="020F0502020204030204" pitchFamily="34" charset="0"/>
+                <a:sym typeface="Wingdings" panose="05000000000000000000" pitchFamily="2" charset="2"/>
+              </a:rPr>
+              <a:t> -</a:t>
+            </a:r>
+            <a:r>
+              <a:rPr lang="es-PE" i="1" dirty="0" err="1">
+                <a:solidFill>
+                  <a:srgbClr val="7030A0"/>
+                </a:solidFill>
+                <a:effectLst>
+                  <a:outerShdw blurRad="38100" dist="38100" dir="2700000" algn="tl">
+                    <a:srgbClr val="000000">
+                      <a:alpha val="43137"/>
+                    </a:srgbClr>
+                  </a:outerShdw>
+                </a:effectLst>
+                <a:latin typeface="Calibri" panose="020F0502020204030204" pitchFamily="34" charset="0"/>
+                <a:cs typeface="Calibri" panose="020F0502020204030204" pitchFamily="34" charset="0"/>
+                <a:sym typeface="Wingdings" panose="05000000000000000000" pitchFamily="2" charset="2"/>
+              </a:rPr>
+              <a:t>noPlugin</a:t>
+            </a:r>
+            <a:r>
+              <a:rPr lang="es-PE" i="1" dirty="0">
+                <a:solidFill>
+                  <a:srgbClr val="7030A0"/>
+                </a:solidFill>
+                <a:effectLst>
+                  <a:outerShdw blurRad="38100" dist="38100" dir="2700000" algn="tl">
+                    <a:srgbClr val="000000">
+                      <a:alpha val="43137"/>
+                    </a:srgbClr>
+                  </a:outerShdw>
+                </a:effectLst>
+                <a:latin typeface="Calibri" panose="020F0502020204030204" pitchFamily="34" charset="0"/>
+                <a:cs typeface="Calibri" panose="020F0502020204030204" pitchFamily="34" charset="0"/>
+                <a:sym typeface="Wingdings" panose="05000000000000000000" pitchFamily="2" charset="2"/>
+              </a:rPr>
+              <a:t>“ </a:t>
+            </a:r>
+            <a:r>
+              <a:rPr lang="es-PE" i="1" dirty="0">
+                <a:solidFill>
+                  <a:schemeClr val="accent1">
+                    <a:lumMod val="75000"/>
+                  </a:schemeClr>
+                </a:solidFill>
+                <a:effectLst>
+                  <a:outerShdw blurRad="38100" dist="38100" dir="2700000" algn="tl">
+                    <a:srgbClr val="000000">
+                      <a:alpha val="43137"/>
+                    </a:srgbClr>
+                  </a:outerShdw>
+                </a:effectLst>
+                <a:latin typeface="Calibri" panose="020F0502020204030204" pitchFamily="34" charset="0"/>
+                <a:cs typeface="Calibri" panose="020F0502020204030204" pitchFamily="34" charset="0"/>
+                <a:sym typeface="Wingdings" panose="05000000000000000000" pitchFamily="2" charset="2"/>
+              </a:rPr>
+              <a:t>(Editor Notepad++)</a:t>
+            </a:r>
+            <a:endParaRPr lang="es-PE" i="1" dirty="0">
+              <a:solidFill>
+                <a:srgbClr val="7030A0"/>
+              </a:solidFill>
+              <a:effectLst>
+                <a:outerShdw blurRad="38100" dist="38100" dir="2700000" algn="tl">
+                  <a:srgbClr val="000000">
+                    <a:alpha val="43137"/>
+                  </a:srgbClr>
+                </a:outerShdw>
+              </a:effectLst>
+              <a:latin typeface="Calibri" panose="020F0502020204030204" pitchFamily="34" charset="0"/>
+              <a:cs typeface="Calibri" panose="020F0502020204030204" pitchFamily="34" charset="0"/>
+              <a:sym typeface="Wingdings" panose="05000000000000000000" pitchFamily="2" charset="2"/>
+            </a:endParaRPr>
+          </a:p>
+          <a:p>
+            <a:pPr algn="just"/>
+            <a:endParaRPr lang="es-PE" dirty="0">
+              <a:solidFill>
+                <a:schemeClr val="tx2"/>
+              </a:solidFill>
+              <a:latin typeface="Calibri" panose="020F0502020204030204" pitchFamily="34" charset="0"/>
+              <a:cs typeface="Calibri" panose="020F0502020204030204" pitchFamily="34" charset="0"/>
+            </a:endParaRPr>
+          </a:p>
+          <a:p>
+            <a:pPr algn="just"/>
+            <a:r>
+              <a:rPr lang="es-PE" b="1" dirty="0">
+                <a:solidFill>
+                  <a:schemeClr val="accent1">
+                    <a:lumMod val="75000"/>
+                  </a:schemeClr>
+                </a:solidFill>
+                <a:effectLst>
+                  <a:outerShdw blurRad="38100" dist="38100" dir="2700000" algn="tl">
+                    <a:srgbClr val="000000">
+                      <a:alpha val="43137"/>
+                    </a:srgbClr>
+                  </a:outerShdw>
+                </a:effectLst>
+                <a:latin typeface="Calibri" panose="020F0502020204030204" pitchFamily="34" charset="0"/>
+                <a:cs typeface="Calibri" panose="020F0502020204030204" pitchFamily="34" charset="0"/>
+                <a:sym typeface="Wingdings" panose="05000000000000000000" pitchFamily="2" charset="2"/>
+              </a:rPr>
+              <a:t>VERIFICANDO LA CONFIGURACIÓN DEL GIT</a:t>
+            </a:r>
+            <a:endParaRPr lang="es-PE" dirty="0">
+              <a:solidFill>
+                <a:schemeClr val="tx2"/>
+              </a:solidFill>
+              <a:effectLst>
+                <a:outerShdw blurRad="38100" dist="38100" dir="2700000" algn="tl">
+                  <a:srgbClr val="000000">
+                    <a:alpha val="43137"/>
+                  </a:srgbClr>
+                </a:outerShdw>
+              </a:effectLst>
+              <a:latin typeface="Calibri" panose="020F0502020204030204" pitchFamily="34" charset="0"/>
+              <a:cs typeface="Calibri" panose="020F0502020204030204" pitchFamily="34" charset="0"/>
+            </a:endParaRPr>
+          </a:p>
+          <a:p>
+            <a:pPr marL="285750" indent="-285750" algn="just">
+              <a:buFont typeface="Arial" panose="020B0604020202020204" pitchFamily="34" charset="0"/>
+              <a:buChar char="•"/>
+            </a:pPr>
+            <a:r>
+              <a:rPr lang="es-PE" i="1" dirty="0">
+                <a:solidFill>
+                  <a:schemeClr val="tx2"/>
+                </a:solidFill>
+                <a:effectLst>
+                  <a:outerShdw blurRad="38100" dist="38100" dir="2700000" algn="tl">
+                    <a:srgbClr val="000000">
+                      <a:alpha val="43137"/>
+                    </a:srgbClr>
+                  </a:outerShdw>
+                </a:effectLst>
+                <a:latin typeface="Calibri" panose="020F0502020204030204" pitchFamily="34" charset="0"/>
+                <a:cs typeface="Calibri" panose="020F0502020204030204" pitchFamily="34" charset="0"/>
+              </a:rPr>
+              <a:t>git config –list</a:t>
+            </a:r>
+          </a:p>
+          <a:p>
+            <a:pPr marL="285750" indent="-285750" algn="just">
+              <a:buFont typeface="Arial" panose="020B0604020202020204" pitchFamily="34" charset="0"/>
+              <a:buChar char="•"/>
+            </a:pPr>
+            <a:endParaRPr lang="es-PE" i="1" dirty="0">
+              <a:solidFill>
+                <a:schemeClr val="tx2"/>
+              </a:solidFill>
+              <a:effectLst>
+                <a:outerShdw blurRad="38100" dist="38100" dir="2700000" algn="tl">
+                  <a:srgbClr val="000000">
+                    <a:alpha val="43137"/>
+                  </a:srgbClr>
+                </a:outerShdw>
+              </a:effectLst>
+              <a:latin typeface="Calibri" panose="020F0502020204030204" pitchFamily="34" charset="0"/>
+              <a:cs typeface="Calibri" panose="020F0502020204030204" pitchFamily="34" charset="0"/>
+              <a:sym typeface="Wingdings" panose="05000000000000000000" pitchFamily="2" charset="2"/>
+            </a:endParaRPr>
+          </a:p>
+          <a:p>
+            <a:pPr algn="just"/>
+            <a:r>
+              <a:rPr lang="es-PE" b="1" dirty="0">
+                <a:solidFill>
+                  <a:schemeClr val="accent1">
+                    <a:lumMod val="75000"/>
+                  </a:schemeClr>
+                </a:solidFill>
+                <a:effectLst>
+                  <a:outerShdw blurRad="38100" dist="38100" dir="2700000" algn="tl">
+                    <a:srgbClr val="000000">
+                      <a:alpha val="43137"/>
+                    </a:srgbClr>
+                  </a:outerShdw>
+                </a:effectLst>
+                <a:latin typeface="Calibri" panose="020F0502020204030204" pitchFamily="34" charset="0"/>
+                <a:cs typeface="Calibri" panose="020F0502020204030204" pitchFamily="34" charset="0"/>
+                <a:sym typeface="Wingdings" panose="05000000000000000000" pitchFamily="2" charset="2"/>
+              </a:rPr>
+              <a:t>VERIFICANDO LA CONFIGURACIÓN A NIVEL DE PROPIEDADES</a:t>
+            </a:r>
+            <a:endParaRPr lang="es-PE" dirty="0">
+              <a:solidFill>
+                <a:schemeClr val="tx2"/>
+              </a:solidFill>
+              <a:effectLst>
+                <a:outerShdw blurRad="38100" dist="38100" dir="2700000" algn="tl">
+                  <a:srgbClr val="000000">
+                    <a:alpha val="43137"/>
+                  </a:srgbClr>
+                </a:outerShdw>
+              </a:effectLst>
+              <a:latin typeface="Calibri" panose="020F0502020204030204" pitchFamily="34" charset="0"/>
+              <a:cs typeface="Calibri" panose="020F0502020204030204" pitchFamily="34" charset="0"/>
+            </a:endParaRPr>
+          </a:p>
+          <a:p>
+            <a:pPr marL="285750" indent="-285750" algn="just">
+              <a:buFont typeface="Arial" panose="020B0604020202020204" pitchFamily="34" charset="0"/>
+              <a:buChar char="•"/>
+            </a:pPr>
+            <a:r>
+              <a:rPr lang="es-PE" i="1" dirty="0">
+                <a:solidFill>
+                  <a:schemeClr val="tx2"/>
+                </a:solidFill>
+                <a:effectLst>
+                  <a:outerShdw blurRad="38100" dist="38100" dir="2700000" algn="tl">
+                    <a:srgbClr val="000000">
+                      <a:alpha val="43137"/>
+                    </a:srgbClr>
+                  </a:outerShdw>
+                </a:effectLst>
+                <a:latin typeface="Calibri" panose="020F0502020204030204" pitchFamily="34" charset="0"/>
+                <a:cs typeface="Calibri" panose="020F0502020204030204" pitchFamily="34" charset="0"/>
+              </a:rPr>
+              <a:t>git config </a:t>
+            </a:r>
+            <a:r>
+              <a:rPr lang="es-PE" i="1" dirty="0">
+                <a:solidFill>
+                  <a:srgbClr val="7030A0"/>
+                </a:solidFill>
+                <a:effectLst>
+                  <a:outerShdw blurRad="38100" dist="38100" dir="2700000" algn="tl">
+                    <a:srgbClr val="000000">
+                      <a:alpha val="43137"/>
+                    </a:srgbClr>
+                  </a:outerShdw>
+                </a:effectLst>
+                <a:latin typeface="Calibri" panose="020F0502020204030204" pitchFamily="34" charset="0"/>
+                <a:cs typeface="Calibri" panose="020F0502020204030204" pitchFamily="34" charset="0"/>
+              </a:rPr>
+              <a:t>&lt;</a:t>
+            </a:r>
+            <a:r>
+              <a:rPr lang="es-PE" i="1" dirty="0" err="1">
+                <a:solidFill>
+                  <a:srgbClr val="7030A0"/>
+                </a:solidFill>
+                <a:effectLst>
+                  <a:outerShdw blurRad="38100" dist="38100" dir="2700000" algn="tl">
+                    <a:srgbClr val="000000">
+                      <a:alpha val="43137"/>
+                    </a:srgbClr>
+                  </a:outerShdw>
+                </a:effectLst>
+                <a:latin typeface="Calibri" panose="020F0502020204030204" pitchFamily="34" charset="0"/>
+                <a:cs typeface="Calibri" panose="020F0502020204030204" pitchFamily="34" charset="0"/>
+              </a:rPr>
+              <a:t>key</a:t>
+            </a:r>
+            <a:r>
+              <a:rPr lang="es-PE" i="1" dirty="0">
+                <a:solidFill>
+                  <a:srgbClr val="7030A0"/>
+                </a:solidFill>
+                <a:effectLst>
+                  <a:outerShdw blurRad="38100" dist="38100" dir="2700000" algn="tl">
+                    <a:srgbClr val="000000">
+                      <a:alpha val="43137"/>
+                    </a:srgbClr>
+                  </a:outerShdw>
+                </a:effectLst>
+                <a:latin typeface="Calibri" panose="020F0502020204030204" pitchFamily="34" charset="0"/>
+                <a:cs typeface="Calibri" panose="020F0502020204030204" pitchFamily="34" charset="0"/>
+              </a:rPr>
+              <a:t>&gt; </a:t>
+            </a:r>
+          </a:p>
+          <a:p>
+            <a:pPr marL="742950" lvl="1" indent="-285750" algn="just">
+              <a:buFont typeface="Courier New" panose="02070309020205020404" pitchFamily="49" charset="0"/>
+              <a:buChar char="o"/>
+            </a:pPr>
+            <a:r>
+              <a:rPr lang="es-PE" i="1" dirty="0">
+                <a:solidFill>
+                  <a:schemeClr val="tx2"/>
+                </a:solidFill>
+                <a:effectLst>
+                  <a:outerShdw blurRad="38100" dist="38100" dir="2700000" algn="tl">
+                    <a:srgbClr val="000000">
+                      <a:alpha val="43137"/>
+                    </a:srgbClr>
+                  </a:outerShdw>
+                </a:effectLst>
+                <a:latin typeface="Calibri" panose="020F0502020204030204" pitchFamily="34" charset="0"/>
+                <a:cs typeface="Calibri" panose="020F0502020204030204" pitchFamily="34" charset="0"/>
+                <a:sym typeface="Wingdings" panose="05000000000000000000" pitchFamily="2" charset="2"/>
+              </a:rPr>
+              <a:t>git config user.name</a:t>
+            </a:r>
+          </a:p>
+          <a:p>
+            <a:pPr marL="742950" lvl="1" indent="-285750" algn="just">
+              <a:buFont typeface="Courier New" panose="02070309020205020404" pitchFamily="49" charset="0"/>
+              <a:buChar char="o"/>
+            </a:pPr>
+            <a:r>
+              <a:rPr lang="es-PE" i="1" dirty="0">
+                <a:solidFill>
+                  <a:schemeClr val="tx2"/>
+                </a:solidFill>
+                <a:effectLst>
+                  <a:outerShdw blurRad="38100" dist="38100" dir="2700000" algn="tl">
+                    <a:srgbClr val="000000">
+                      <a:alpha val="43137"/>
+                    </a:srgbClr>
+                  </a:outerShdw>
+                </a:effectLst>
+                <a:latin typeface="Calibri" panose="020F0502020204030204" pitchFamily="34" charset="0"/>
+                <a:cs typeface="Calibri" panose="020F0502020204030204" pitchFamily="34" charset="0"/>
+                <a:sym typeface="Wingdings" panose="05000000000000000000" pitchFamily="2" charset="2"/>
+              </a:rPr>
+              <a:t>git config user.email</a:t>
+            </a:r>
+          </a:p>
+          <a:p>
+            <a:pPr marL="742950" lvl="1" indent="-285750" algn="just">
+              <a:buFont typeface="Arial" panose="020B0604020202020204" pitchFamily="34" charset="0"/>
+              <a:buChar char="•"/>
+            </a:pPr>
+            <a:endParaRPr lang="es-PE" i="1" dirty="0">
+              <a:solidFill>
+                <a:schemeClr val="tx2"/>
+              </a:solidFill>
+              <a:effectLst>
+                <a:outerShdw blurRad="38100" dist="38100" dir="2700000" algn="tl">
+                  <a:srgbClr val="000000">
+                    <a:alpha val="43137"/>
+                  </a:srgbClr>
+                </a:outerShdw>
+              </a:effectLst>
+              <a:latin typeface="Calibri" panose="020F0502020204030204" pitchFamily="34" charset="0"/>
+              <a:cs typeface="Calibri" panose="020F0502020204030204" pitchFamily="34" charset="0"/>
+              <a:sym typeface="Wingdings" panose="05000000000000000000" pitchFamily="2" charset="2"/>
+            </a:endParaRPr>
+          </a:p>
+          <a:p>
+            <a:pPr marL="285750" indent="-285750" algn="just">
+              <a:buFont typeface="Arial" panose="020B0604020202020204" pitchFamily="34" charset="0"/>
+              <a:buChar char="•"/>
+            </a:pPr>
+            <a:endParaRPr lang="es-PE" dirty="0">
+              <a:solidFill>
+                <a:schemeClr val="accent1">
+                  <a:lumMod val="75000"/>
+                </a:schemeClr>
+              </a:solidFill>
+              <a:latin typeface="Calibri" panose="020F0502020204030204" pitchFamily="34" charset="0"/>
+              <a:cs typeface="Calibri" panose="020F0502020204030204" pitchFamily="34" charset="0"/>
+              <a:sym typeface="Wingdings" panose="05000000000000000000" pitchFamily="2" charset="2"/>
+            </a:endParaRPr>
+          </a:p>
+        </p:txBody>
+      </p:sp>
+    </p:spTree>
+    <p:extLst>
+      <p:ext uri="{BB962C8B-B14F-4D97-AF65-F5344CB8AC3E}">
+        <p14:creationId xmlns:p14="http://schemas.microsoft.com/office/powerpoint/2010/main" val="3783327520"/>
+      </p:ext>
+    </p:extLst>
+  </p:cSld>
+  <p:clrMapOvr>
+    <a:masterClrMapping/>
+  </p:clrMapOvr>
+  <mc:AlternateContent xmlns:mc="http://schemas.openxmlformats.org/markup-compatibility/2006" xmlns:p14="http://schemas.microsoft.com/office/powerpoint/2010/main">
+    <mc:Choice Requires="p14">
+      <p:transition spd="med" p14:dur="700">
+        <p:fade/>
+      </p:transition>
+    </mc:Choice>
+    <mc:Fallback xmlns="">
+      <p:transition spd="med">
+        <p:fade/>
+      </p:transition>
+    </mc:Fallback>
+  </mc:AlternateContent>
+</p:sld>
+</file>
+
+<file path=ppt/slides/slide6.xml><?xml version="1.0" encoding="utf-8"?>
+<p:sld xmlns:a="http://schemas.openxmlformats.org/drawingml/2006/main" xmlns:r="http://schemas.openxmlformats.org/officeDocument/2006/relationships" xmlns:p="http://schemas.openxmlformats.org/presentationml/2006/main">
+  <p:cSld>
+    <p:spTree>
+      <p:nvGrpSpPr>
+        <p:cNvPr id="1" name=""/>
+        <p:cNvGrpSpPr/>
+        <p:nvPr/>
+      </p:nvGrpSpPr>
+      <p:grpSpPr>
+        <a:xfrm>
+          <a:off x="0" y="0"/>
+          <a:ext cx="0" cy="0"/>
+          <a:chOff x="0" y="0"/>
+          <a:chExt cx="0" cy="0"/>
+        </a:xfrm>
+      </p:grpSpPr>
+      <p:sp>
+        <p:nvSpPr>
           <p:cNvPr id="2" name="Título 1"/>
           <p:cNvSpPr>
             <a:spLocks noGrp="1"/>
@@ -16179,7 +17951,7 @@
             <a:pPr rtl="0"/>
             <a:fld id="{7DC1BBB0-96F0-4077-A278-0F3FB5C104D3}" type="slidenum">
               <a:rPr lang="es-ES" noProof="0" smtClean="0"/>
-              <a:t>5</a:t>
+              <a:t>6</a:t>
             </a:fld>
             <a:endParaRPr lang="es-ES" noProof="0" dirty="0"/>
           </a:p>
@@ -16257,7 +18029,7 @@
 </p:sld>
 </file>
 
-<file path=ppt/slides/slide6.xml><?xml version="1.0" encoding="utf-8"?>
+<file path=ppt/slides/slide7.xml><?xml version="1.0" encoding="utf-8"?>
 <p:sld xmlns:a="http://schemas.openxmlformats.org/drawingml/2006/main" xmlns:r="http://schemas.openxmlformats.org/officeDocument/2006/relationships" xmlns:p="http://schemas.openxmlformats.org/presentationml/2006/main">
   <p:cSld>
     <p:spTree>
@@ -16376,7 +18148,7 @@
             <a:pPr rtl="0"/>
             <a:fld id="{7DC1BBB0-96F0-4077-A278-0F3FB5C104D3}" type="slidenum">
               <a:rPr lang="es-ES" noProof="0" smtClean="0"/>
-              <a:t>6</a:t>
+              <a:t>7</a:t>
             </a:fld>
             <a:endParaRPr lang="es-ES" noProof="0" dirty="0"/>
           </a:p>
@@ -16407,7 +18179,7 @@
 </p:sld>
 </file>
 
-<file path=ppt/slides/slide7.xml><?xml version="1.0" encoding="utf-8"?>
+<file path=ppt/slides/slide8.xml><?xml version="1.0" encoding="utf-8"?>
 <p:sld xmlns:a="http://schemas.openxmlformats.org/drawingml/2006/main" xmlns:r="http://schemas.openxmlformats.org/officeDocument/2006/relationships" xmlns:p="http://schemas.openxmlformats.org/presentationml/2006/main">
   <p:cSld>
     <p:spTree>
@@ -16791,7 +18563,7 @@
             <a:pPr rtl="0"/>
             <a:fld id="{7DC1BBB0-96F0-4077-A278-0F3FB5C104D3}" type="slidenum">
               <a:rPr lang="es-ES" noProof="0" smtClean="0"/>
-              <a:t>7</a:t>
+              <a:t>8</a:t>
             </a:fld>
             <a:endParaRPr lang="es-ES" noProof="0" dirty="0"/>
           </a:p>
@@ -16801,198 +18573,6 @@
     <p:extLst>
       <p:ext uri="{BB962C8B-B14F-4D97-AF65-F5344CB8AC3E}">
         <p14:creationId xmlns:p14="http://schemas.microsoft.com/office/powerpoint/2010/main" val="2593339164"/>
-      </p:ext>
-    </p:extLst>
-  </p:cSld>
-  <p:clrMapOvr>
-    <a:masterClrMapping/>
-  </p:clrMapOvr>
-  <mc:AlternateContent xmlns:mc="http://schemas.openxmlformats.org/markup-compatibility/2006" xmlns:p14="http://schemas.microsoft.com/office/powerpoint/2010/main">
-    <mc:Choice Requires="p14">
-      <p:transition spd="med" p14:dur="700">
-        <p:fade/>
-      </p:transition>
-    </mc:Choice>
-    <mc:Fallback xmlns="">
-      <p:transition spd="med">
-        <p:fade/>
-      </p:transition>
-    </mc:Fallback>
-  </mc:AlternateContent>
-</p:sld>
-</file>
-
-<file path=ppt/slides/slide8.xml><?xml version="1.0" encoding="utf-8"?>
-<p:sld xmlns:a="http://schemas.openxmlformats.org/drawingml/2006/main" xmlns:r="http://schemas.openxmlformats.org/officeDocument/2006/relationships" xmlns:p="http://schemas.openxmlformats.org/presentationml/2006/main">
-  <p:cSld>
-    <p:spTree>
-      <p:nvGrpSpPr>
-        <p:cNvPr id="1" name=""/>
-        <p:cNvGrpSpPr/>
-        <p:nvPr/>
-      </p:nvGrpSpPr>
-      <p:grpSpPr>
-        <a:xfrm>
-          <a:off x="0" y="0"/>
-          <a:ext cx="0" cy="0"/>
-          <a:chOff x="0" y="0"/>
-          <a:chExt cx="0" cy="0"/>
-        </a:xfrm>
-      </p:grpSpPr>
-      <p:sp>
-        <p:nvSpPr>
-          <p:cNvPr id="2" name="Título 1"/>
-          <p:cNvSpPr>
-            <a:spLocks noGrp="1"/>
-          </p:cNvSpPr>
-          <p:nvPr>
-            <p:ph type="title"/>
-          </p:nvPr>
-        </p:nvSpPr>
-        <p:spPr/>
-        <p:txBody>
-          <a:bodyPr rtlCol="0"/>
-          <a:lstStyle/>
-          <a:p>
-            <a:pPr rtl="0"/>
-            <a:r>
-              <a:rPr lang="es-ES" dirty="0"/>
-              <a:t>Diseño de dos objetos con SmartArt</a:t>
-            </a:r>
-          </a:p>
-        </p:txBody>
-      </p:sp>
-      <p:graphicFrame>
-        <p:nvGraphicFramePr>
-          <p:cNvPr id="6" name="Marcador de posición de contenido 5" descr="Diagrama de lista vertical con botón de contenido adicional en el que se muestran tres grupos organizados uno debajo del otro con viñetas que indican las tareas de cada grupo."/>
-          <p:cNvGraphicFramePr>
-            <a:graphicFrameLocks noGrp="1"/>
-          </p:cNvGraphicFramePr>
-          <p:nvPr>
-            <p:ph sz="half" idx="1"/>
-            <p:extLst>
-              <p:ext uri="{D42A27DB-BD31-4B8C-83A1-F6EECF244321}">
-                <p14:modId xmlns:p14="http://schemas.microsoft.com/office/powerpoint/2010/main" val="3959688702"/>
-              </p:ext>
-            </p:extLst>
-          </p:nvPr>
-        </p:nvGraphicFramePr>
-        <p:xfrm>
-          <a:off x="1593850" y="1600200"/>
-          <a:ext cx="4814888" cy="4572000"/>
-        </p:xfrm>
-        <a:graphic>
-          <a:graphicData uri="http://schemas.openxmlformats.org/drawingml/2006/diagram">
-            <dgm:relIds xmlns:dgm="http://schemas.openxmlformats.org/drawingml/2006/diagram" xmlns:r="http://schemas.openxmlformats.org/officeDocument/2006/relationships" r:dm="rId3" r:lo="rId4" r:qs="rId5" r:cs="rId6"/>
-          </a:graphicData>
-        </a:graphic>
-      </p:graphicFrame>
-      <p:sp>
-        <p:nvSpPr>
-          <p:cNvPr id="7" name="Marcador de posición de contenido 6"/>
-          <p:cNvSpPr>
-            <a:spLocks noGrp="1"/>
-          </p:cNvSpPr>
-          <p:nvPr>
-            <p:ph sz="half" idx="2"/>
-          </p:nvPr>
-        </p:nvSpPr>
-        <p:spPr/>
-        <p:txBody>
-          <a:bodyPr rtlCol="0"/>
-          <a:lstStyle/>
-          <a:p>
-            <a:pPr rtl="0"/>
-            <a:r>
-              <a:rPr lang="es-ES" dirty="0"/>
-              <a:t>Primera viñeta aquí</a:t>
-            </a:r>
-          </a:p>
-          <a:p>
-            <a:pPr rtl="0"/>
-            <a:r>
-              <a:rPr lang="es-ES" dirty="0"/>
-              <a:t>Segunda viñeta aquí</a:t>
-            </a:r>
-          </a:p>
-          <a:p>
-            <a:pPr rtl="0"/>
-            <a:r>
-              <a:rPr lang="es-ES" dirty="0"/>
-              <a:t>Tercera viñeta aquí</a:t>
-            </a:r>
-          </a:p>
-        </p:txBody>
-      </p:sp>
-      <p:sp>
-        <p:nvSpPr>
-          <p:cNvPr id="3" name="Marcador de pie de página 2">
-            <a:extLst>
-              <a:ext uri="{FF2B5EF4-FFF2-40B4-BE49-F238E27FC236}">
-                <a16:creationId xmlns:a16="http://schemas.microsoft.com/office/drawing/2014/main" id="{589E451B-1A91-445D-BF6B-781565BF6D4A}"/>
-              </a:ext>
-            </a:extLst>
-          </p:cNvPr>
-          <p:cNvSpPr>
-            <a:spLocks noGrp="1"/>
-          </p:cNvSpPr>
-          <p:nvPr>
-            <p:ph type="ftr" sz="quarter" idx="4294967295"/>
-          </p:nvPr>
-        </p:nvSpPr>
-        <p:spPr>
-          <a:xfrm>
-            <a:off x="6595933" y="6356351"/>
-            <a:ext cx="3974065" cy="365125"/>
-          </a:xfrm>
-        </p:spPr>
-        <p:txBody>
-          <a:bodyPr/>
-          <a:lstStyle/>
-          <a:p>
-            <a:pPr rtl="0"/>
-            <a:r>
-              <a:rPr lang="es-ES" noProof="0"/>
-              <a:t>Agregar un pie de página</a:t>
-            </a:r>
-            <a:endParaRPr lang="es-ES" noProof="0" dirty="0"/>
-          </a:p>
-        </p:txBody>
-      </p:sp>
-      <p:sp>
-        <p:nvSpPr>
-          <p:cNvPr id="4" name="Marcador de número de diapositiva 3">
-            <a:extLst>
-              <a:ext uri="{FF2B5EF4-FFF2-40B4-BE49-F238E27FC236}">
-                <a16:creationId xmlns:a16="http://schemas.microsoft.com/office/drawing/2014/main" id="{4590DC53-CB48-4CAC-B507-F6D5107FBF12}"/>
-              </a:ext>
-            </a:extLst>
-          </p:cNvPr>
-          <p:cNvSpPr>
-            <a:spLocks noGrp="1"/>
-          </p:cNvSpPr>
-          <p:nvPr>
-            <p:ph type="sldNum" sz="quarter" idx="12"/>
-          </p:nvPr>
-        </p:nvSpPr>
-        <p:spPr/>
-        <p:txBody>
-          <a:bodyPr/>
-          <a:lstStyle/>
-          <a:p>
-            <a:pPr rtl="0"/>
-            <a:fld id="{7DC1BBB0-96F0-4077-A278-0F3FB5C104D3}" type="slidenum">
-              <a:rPr lang="es-ES" noProof="0" smtClean="0"/>
-              <a:t>8</a:t>
-            </a:fld>
-            <a:endParaRPr lang="es-ES" noProof="0" dirty="0"/>
-          </a:p>
-        </p:txBody>
-      </p:sp>
-    </p:spTree>
-    <p:extLst>
-      <p:ext uri="{BB962C8B-B14F-4D97-AF65-F5344CB8AC3E}">
-        <p14:creationId xmlns:p14="http://schemas.microsoft.com/office/powerpoint/2010/main" val="513726968"/>
       </p:ext>
     </p:extLst>
   </p:cSld>
@@ -17049,19 +18629,44 @@
             <a:pPr rtl="0"/>
             <a:r>
               <a:rPr lang="es-ES" dirty="0"/>
-              <a:t>Agregar un título de diapositiva (1)</a:t>
+              <a:t>Diseño de dos objetos con SmartArt</a:t>
             </a:r>
           </a:p>
         </p:txBody>
       </p:sp>
-      <p:sp>
-        <p:nvSpPr>
-          <p:cNvPr id="5" name="Marcador de posición de texto 4"/>
+      <p:graphicFrame>
+        <p:nvGraphicFramePr>
+          <p:cNvPr id="6" name="Marcador de posición de contenido 5" descr="Diagrama de lista vertical con botón de contenido adicional en el que se muestran tres grupos organizados uno debajo del otro con viñetas que indican las tareas de cada grupo."/>
+          <p:cNvGraphicFramePr>
+            <a:graphicFrameLocks noGrp="1"/>
+          </p:cNvGraphicFramePr>
+          <p:nvPr>
+            <p:ph sz="half" idx="1"/>
+            <p:extLst>
+              <p:ext uri="{D42A27DB-BD31-4B8C-83A1-F6EECF244321}">
+                <p14:modId xmlns:p14="http://schemas.microsoft.com/office/powerpoint/2010/main" val="3959688702"/>
+              </p:ext>
+            </p:extLst>
+          </p:nvPr>
+        </p:nvGraphicFramePr>
+        <p:xfrm>
+          <a:off x="1593850" y="1600200"/>
+          <a:ext cx="4814888" cy="4572000"/>
+        </p:xfrm>
+        <a:graphic>
+          <a:graphicData uri="http://schemas.openxmlformats.org/drawingml/2006/diagram">
+            <dgm:relIds xmlns:dgm="http://schemas.openxmlformats.org/drawingml/2006/diagram" xmlns:r="http://schemas.openxmlformats.org/officeDocument/2006/relationships" r:dm="rId3" r:lo="rId4" r:qs="rId5" r:cs="rId6"/>
+          </a:graphicData>
+        </a:graphic>
+      </p:graphicFrame>
+      <p:sp>
+        <p:nvSpPr>
+          <p:cNvPr id="7" name="Marcador de posición de contenido 6"/>
           <p:cNvSpPr>
             <a:spLocks noGrp="1"/>
           </p:cNvSpPr>
           <p:nvPr>
-            <p:ph type="body" idx="1"/>
+            <p:ph sz="half" idx="2"/>
           </p:nvPr>
         </p:nvSpPr>
         <p:spPr/>
@@ -17070,7 +18675,24 @@
           <a:lstStyle/>
           <a:p>
             <a:pPr rtl="0"/>
-            <a:endParaRPr lang="es-ES" dirty="0"/>
+            <a:r>
+              <a:rPr lang="es-ES" dirty="0"/>
+              <a:t>Primera viñeta aquí</a:t>
+            </a:r>
+          </a:p>
+          <a:p>
+            <a:pPr rtl="0"/>
+            <a:r>
+              <a:rPr lang="es-ES" dirty="0"/>
+              <a:t>Segunda viñeta aquí</a:t>
+            </a:r>
+          </a:p>
+          <a:p>
+            <a:pPr rtl="0"/>
+            <a:r>
+              <a:rPr lang="es-ES" dirty="0"/>
+              <a:t>Tercera viñeta aquí</a:t>
+            </a:r>
           </a:p>
         </p:txBody>
       </p:sp>
@@ -17079,7 +18701,7 @@
           <p:cNvPr id="3" name="Marcador de pie de página 2">
             <a:extLst>
               <a:ext uri="{FF2B5EF4-FFF2-40B4-BE49-F238E27FC236}">
-                <a16:creationId xmlns:a16="http://schemas.microsoft.com/office/drawing/2014/main" id="{51A48A5E-C144-458C-902D-D0C3F769511E}"/>
+                <a16:creationId xmlns:a16="http://schemas.microsoft.com/office/drawing/2014/main" id="{589E451B-1A91-445D-BF6B-781565BF6D4A}"/>
               </a:ext>
             </a:extLst>
           </p:cNvPr>
@@ -17092,7 +18714,7 @@
         </p:nvSpPr>
         <p:spPr>
           <a:xfrm>
-            <a:off x="6595933" y="6378799"/>
+            <a:off x="6595933" y="6356351"/>
             <a:ext cx="3974065" cy="365125"/>
           </a:xfrm>
         </p:spPr>
@@ -17114,7 +18736,7 @@
           <p:cNvPr id="4" name="Marcador de número de diapositiva 3">
             <a:extLst>
               <a:ext uri="{FF2B5EF4-FFF2-40B4-BE49-F238E27FC236}">
-                <a16:creationId xmlns:a16="http://schemas.microsoft.com/office/drawing/2014/main" id="{B883489B-C3C3-4CA7-ACA5-8594BFAFF488}"/>
+                <a16:creationId xmlns:a16="http://schemas.microsoft.com/office/drawing/2014/main" id="{4590DC53-CB48-4CAC-B507-F6D5107FBF12}"/>
               </a:ext>
             </a:extLst>
           </p:cNvPr>
@@ -17122,15 +18744,10 @@
             <a:spLocks noGrp="1"/>
           </p:cNvSpPr>
           <p:nvPr>
-            <p:ph type="sldNum" sz="quarter" idx="4294967295"/>
+            <p:ph type="sldNum" sz="quarter" idx="12"/>
           </p:nvPr>
         </p:nvSpPr>
-        <p:spPr>
-          <a:xfrm>
-            <a:off x="10666571" y="6378799"/>
-            <a:ext cx="609441" cy="365125"/>
-          </a:xfrm>
-        </p:spPr>
+        <p:spPr/>
         <p:txBody>
           <a:bodyPr/>
           <a:lstStyle/>
@@ -17138,7 +18755,6 @@
             <a:pPr rtl="0"/>
             <a:fld id="{7DC1BBB0-96F0-4077-A278-0F3FB5C104D3}" type="slidenum">
               <a:rPr lang="es-ES" noProof="0" smtClean="0"/>
-              <a:pPr rtl="0"/>
               <a:t>9</a:t>
             </a:fld>
             <a:endParaRPr lang="es-ES" noProof="0" dirty="0"/>
@@ -17148,7 +18764,7 @@
     </p:spTree>
     <p:extLst>
       <p:ext uri="{BB962C8B-B14F-4D97-AF65-F5344CB8AC3E}">
-        <p14:creationId xmlns:p14="http://schemas.microsoft.com/office/powerpoint/2010/main" val="352090314"/>
+        <p14:creationId xmlns:p14="http://schemas.microsoft.com/office/powerpoint/2010/main" val="513726968"/>
       </p:ext>
     </p:extLst>
   </p:cSld>

--- a/Programacion/GIT/GIT - Control Versiones.pptx
+++ b/Programacion/GIT/GIT - Control Versiones.pptx
@@ -5,10 +5,10 @@
     <p:sldMasterId id="2147483648" r:id="rId1"/>
   </p:sldMasterIdLst>
   <p:notesMasterIdLst>
-    <p:notesMasterId r:id="rId17"/>
+    <p:notesMasterId r:id="rId21"/>
   </p:notesMasterIdLst>
   <p:handoutMasterIdLst>
-    <p:handoutMasterId r:id="rId18"/>
+    <p:handoutMasterId r:id="rId22"/>
   </p:handoutMasterIdLst>
   <p:sldIdLst>
     <p:sldId id="256" r:id="rId2"/>
@@ -16,16 +16,20 @@
     <p:sldId id="267" r:id="rId4"/>
     <p:sldId id="275" r:id="rId5"/>
     <p:sldId id="276" r:id="rId6"/>
-    <p:sldId id="274" r:id="rId7"/>
-    <p:sldId id="268" r:id="rId8"/>
-    <p:sldId id="269" r:id="rId9"/>
-    <p:sldId id="271" r:id="rId10"/>
-    <p:sldId id="258" r:id="rId11"/>
-    <p:sldId id="260" r:id="rId12"/>
-    <p:sldId id="261" r:id="rId13"/>
-    <p:sldId id="262" r:id="rId14"/>
-    <p:sldId id="272" r:id="rId15"/>
-    <p:sldId id="264" r:id="rId16"/>
+    <p:sldId id="277" r:id="rId7"/>
+    <p:sldId id="279" r:id="rId8"/>
+    <p:sldId id="280" r:id="rId9"/>
+    <p:sldId id="278" r:id="rId10"/>
+    <p:sldId id="274" r:id="rId11"/>
+    <p:sldId id="268" r:id="rId12"/>
+    <p:sldId id="269" r:id="rId13"/>
+    <p:sldId id="271" r:id="rId14"/>
+    <p:sldId id="258" r:id="rId15"/>
+    <p:sldId id="260" r:id="rId16"/>
+    <p:sldId id="261" r:id="rId17"/>
+    <p:sldId id="262" r:id="rId18"/>
+    <p:sldId id="272" r:id="rId19"/>
+    <p:sldId id="264" r:id="rId20"/>
   </p:sldIdLst>
   <p:sldSz cx="12188825" cy="6858000"/>
   <p:notesSz cx="6858000" cy="9144000"/>
@@ -4388,7 +4392,7 @@
             <a:pPr rtl="0"/>
             <a:fld id="{69BBBD98-8689-4A62-BBFB-92BF328A7966}" type="datetime1">
               <a:rPr lang="es-ES" smtClean="0"/>
-              <a:t>25/12/2022</a:t>
+              <a:t>27/12/2022</a:t>
             </a:fld>
             <a:endParaRPr lang="es-ES" dirty="0"/>
           </a:p>
@@ -4566,7 +4570,7 @@
             <a:pPr rtl="0"/>
             <a:fld id="{8E41AB9B-16BF-4ECF-B92C-3E61E5BECA90}" type="datetime1">
               <a:rPr lang="es-ES" noProof="0" smtClean="0"/>
-              <a:t>25/12/2022</a:t>
+              <a:t>27/12/2022</a:t>
             </a:fld>
             <a:endParaRPr lang="es-ES" noProof="0" dirty="0"/>
           </a:p>
@@ -5008,7 +5012,7 @@
     </p:spTree>
     <p:extLst>
       <p:ext uri="{BB962C8B-B14F-4D97-AF65-F5344CB8AC3E}">
-        <p14:creationId xmlns:p14="http://schemas.microsoft.com/office/powerpoint/2010/main" val="51468493"/>
+        <p14:creationId xmlns:p14="http://schemas.microsoft.com/office/powerpoint/2010/main" val="1952920916"/>
       </p:ext>
     </p:extLst>
   </p:cSld>
@@ -5094,7 +5098,7 @@
     </p:spTree>
     <p:extLst>
       <p:ext uri="{BB962C8B-B14F-4D97-AF65-F5344CB8AC3E}">
-        <p14:creationId xmlns:p14="http://schemas.microsoft.com/office/powerpoint/2010/main" val="569135123"/>
+        <p14:creationId xmlns:p14="http://schemas.microsoft.com/office/powerpoint/2010/main" val="472929191"/>
       </p:ext>
     </p:extLst>
   </p:cSld>
@@ -5180,7 +5184,7 @@
     </p:spTree>
     <p:extLst>
       <p:ext uri="{BB962C8B-B14F-4D97-AF65-F5344CB8AC3E}">
-        <p14:creationId xmlns:p14="http://schemas.microsoft.com/office/powerpoint/2010/main" val="1841258042"/>
+        <p14:creationId xmlns:p14="http://schemas.microsoft.com/office/powerpoint/2010/main" val="1654880986"/>
       </p:ext>
     </p:extLst>
   </p:cSld>
@@ -5266,7 +5270,7 @@
     </p:spTree>
     <p:extLst>
       <p:ext uri="{BB962C8B-B14F-4D97-AF65-F5344CB8AC3E}">
-        <p14:creationId xmlns:p14="http://schemas.microsoft.com/office/powerpoint/2010/main" val="1399428138"/>
+        <p14:creationId xmlns:p14="http://schemas.microsoft.com/office/powerpoint/2010/main" val="57769914"/>
       </p:ext>
     </p:extLst>
   </p:cSld>
@@ -5352,7 +5356,7 @@
     </p:spTree>
     <p:extLst>
       <p:ext uri="{BB962C8B-B14F-4D97-AF65-F5344CB8AC3E}">
-        <p14:creationId xmlns:p14="http://schemas.microsoft.com/office/powerpoint/2010/main" val="368498654"/>
+        <p14:creationId xmlns:p14="http://schemas.microsoft.com/office/powerpoint/2010/main" val="51468493"/>
       </p:ext>
     </p:extLst>
   </p:cSld>
@@ -5430,6 +5434,350 @@
               <a:rPr lang="es-ES" smtClean="0"/>
               <a:pPr rtl="0"/>
               <a:t>15</a:t>
+            </a:fld>
+            <a:endParaRPr lang="es-ES" dirty="0"/>
+          </a:p>
+        </p:txBody>
+      </p:sp>
+    </p:spTree>
+    <p:extLst>
+      <p:ext uri="{BB962C8B-B14F-4D97-AF65-F5344CB8AC3E}">
+        <p14:creationId xmlns:p14="http://schemas.microsoft.com/office/powerpoint/2010/main" val="569135123"/>
+      </p:ext>
+    </p:extLst>
+  </p:cSld>
+  <p:clrMapOvr>
+    <a:masterClrMapping/>
+  </p:clrMapOvr>
+</p:notes>
+</file>
+
+<file path=ppt/notesSlides/notesSlide16.xml><?xml version="1.0" encoding="utf-8"?>
+<p:notes xmlns:a="http://schemas.openxmlformats.org/drawingml/2006/main" xmlns:r="http://schemas.openxmlformats.org/officeDocument/2006/relationships" xmlns:p="http://schemas.openxmlformats.org/presentationml/2006/main">
+  <p:cSld>
+    <p:spTree>
+      <p:nvGrpSpPr>
+        <p:cNvPr id="1" name=""/>
+        <p:cNvGrpSpPr/>
+        <p:nvPr/>
+      </p:nvGrpSpPr>
+      <p:grpSpPr>
+        <a:xfrm>
+          <a:off x="0" y="0"/>
+          <a:ext cx="0" cy="0"/>
+          <a:chOff x="0" y="0"/>
+          <a:chExt cx="0" cy="0"/>
+        </a:xfrm>
+      </p:grpSpPr>
+      <p:sp>
+        <p:nvSpPr>
+          <p:cNvPr id="2" name="Marcador de imagen de diapositiva 1"/>
+          <p:cNvSpPr>
+            <a:spLocks noGrp="1" noRot="1" noChangeAspect="1"/>
+          </p:cNvSpPr>
+          <p:nvPr>
+            <p:ph type="sldImg"/>
+          </p:nvPr>
+        </p:nvSpPr>
+        <p:spPr/>
+      </p:sp>
+      <p:sp>
+        <p:nvSpPr>
+          <p:cNvPr id="3" name="Marcador de notas 2"/>
+          <p:cNvSpPr>
+            <a:spLocks noGrp="1"/>
+          </p:cNvSpPr>
+          <p:nvPr>
+            <p:ph type="body" idx="1"/>
+          </p:nvPr>
+        </p:nvSpPr>
+        <p:spPr/>
+        <p:txBody>
+          <a:bodyPr/>
+          <a:lstStyle/>
+          <a:p>
+            <a:endParaRPr lang="es-ES" dirty="0"/>
+          </a:p>
+        </p:txBody>
+      </p:sp>
+      <p:sp>
+        <p:nvSpPr>
+          <p:cNvPr id="4" name="Marcador de número de diapositiva 3"/>
+          <p:cNvSpPr>
+            <a:spLocks noGrp="1"/>
+          </p:cNvSpPr>
+          <p:nvPr>
+            <p:ph type="sldNum" sz="quarter" idx="10"/>
+          </p:nvPr>
+        </p:nvSpPr>
+        <p:spPr/>
+        <p:txBody>
+          <a:bodyPr/>
+          <a:lstStyle/>
+          <a:p>
+            <a:pPr rtl="0"/>
+            <a:fld id="{841221E5-7225-48EB-A4EE-420E7BFCF705}" type="slidenum">
+              <a:rPr lang="es-ES" smtClean="0"/>
+              <a:pPr rtl="0"/>
+              <a:t>16</a:t>
+            </a:fld>
+            <a:endParaRPr lang="es-ES" dirty="0"/>
+          </a:p>
+        </p:txBody>
+      </p:sp>
+    </p:spTree>
+    <p:extLst>
+      <p:ext uri="{BB962C8B-B14F-4D97-AF65-F5344CB8AC3E}">
+        <p14:creationId xmlns:p14="http://schemas.microsoft.com/office/powerpoint/2010/main" val="1841258042"/>
+      </p:ext>
+    </p:extLst>
+  </p:cSld>
+  <p:clrMapOvr>
+    <a:masterClrMapping/>
+  </p:clrMapOvr>
+</p:notes>
+</file>
+
+<file path=ppt/notesSlides/notesSlide17.xml><?xml version="1.0" encoding="utf-8"?>
+<p:notes xmlns:a="http://schemas.openxmlformats.org/drawingml/2006/main" xmlns:r="http://schemas.openxmlformats.org/officeDocument/2006/relationships" xmlns:p="http://schemas.openxmlformats.org/presentationml/2006/main">
+  <p:cSld>
+    <p:spTree>
+      <p:nvGrpSpPr>
+        <p:cNvPr id="1" name=""/>
+        <p:cNvGrpSpPr/>
+        <p:nvPr/>
+      </p:nvGrpSpPr>
+      <p:grpSpPr>
+        <a:xfrm>
+          <a:off x="0" y="0"/>
+          <a:ext cx="0" cy="0"/>
+          <a:chOff x="0" y="0"/>
+          <a:chExt cx="0" cy="0"/>
+        </a:xfrm>
+      </p:grpSpPr>
+      <p:sp>
+        <p:nvSpPr>
+          <p:cNvPr id="2" name="Marcador de imagen de diapositiva 1"/>
+          <p:cNvSpPr>
+            <a:spLocks noGrp="1" noRot="1" noChangeAspect="1"/>
+          </p:cNvSpPr>
+          <p:nvPr>
+            <p:ph type="sldImg"/>
+          </p:nvPr>
+        </p:nvSpPr>
+        <p:spPr/>
+      </p:sp>
+      <p:sp>
+        <p:nvSpPr>
+          <p:cNvPr id="3" name="Marcador de notas 2"/>
+          <p:cNvSpPr>
+            <a:spLocks noGrp="1"/>
+          </p:cNvSpPr>
+          <p:nvPr>
+            <p:ph type="body" idx="1"/>
+          </p:nvPr>
+        </p:nvSpPr>
+        <p:spPr/>
+        <p:txBody>
+          <a:bodyPr/>
+          <a:lstStyle/>
+          <a:p>
+            <a:endParaRPr lang="es-ES" dirty="0"/>
+          </a:p>
+        </p:txBody>
+      </p:sp>
+      <p:sp>
+        <p:nvSpPr>
+          <p:cNvPr id="4" name="Marcador de número de diapositiva 3"/>
+          <p:cNvSpPr>
+            <a:spLocks noGrp="1"/>
+          </p:cNvSpPr>
+          <p:nvPr>
+            <p:ph type="sldNum" sz="quarter" idx="10"/>
+          </p:nvPr>
+        </p:nvSpPr>
+        <p:spPr/>
+        <p:txBody>
+          <a:bodyPr/>
+          <a:lstStyle/>
+          <a:p>
+            <a:pPr rtl="0"/>
+            <a:fld id="{841221E5-7225-48EB-A4EE-420E7BFCF705}" type="slidenum">
+              <a:rPr lang="es-ES" smtClean="0"/>
+              <a:pPr rtl="0"/>
+              <a:t>17</a:t>
+            </a:fld>
+            <a:endParaRPr lang="es-ES" dirty="0"/>
+          </a:p>
+        </p:txBody>
+      </p:sp>
+    </p:spTree>
+    <p:extLst>
+      <p:ext uri="{BB962C8B-B14F-4D97-AF65-F5344CB8AC3E}">
+        <p14:creationId xmlns:p14="http://schemas.microsoft.com/office/powerpoint/2010/main" val="1399428138"/>
+      </p:ext>
+    </p:extLst>
+  </p:cSld>
+  <p:clrMapOvr>
+    <a:masterClrMapping/>
+  </p:clrMapOvr>
+</p:notes>
+</file>
+
+<file path=ppt/notesSlides/notesSlide18.xml><?xml version="1.0" encoding="utf-8"?>
+<p:notes xmlns:a="http://schemas.openxmlformats.org/drawingml/2006/main" xmlns:r="http://schemas.openxmlformats.org/officeDocument/2006/relationships" xmlns:p="http://schemas.openxmlformats.org/presentationml/2006/main">
+  <p:cSld>
+    <p:spTree>
+      <p:nvGrpSpPr>
+        <p:cNvPr id="1" name=""/>
+        <p:cNvGrpSpPr/>
+        <p:nvPr/>
+      </p:nvGrpSpPr>
+      <p:grpSpPr>
+        <a:xfrm>
+          <a:off x="0" y="0"/>
+          <a:ext cx="0" cy="0"/>
+          <a:chOff x="0" y="0"/>
+          <a:chExt cx="0" cy="0"/>
+        </a:xfrm>
+      </p:grpSpPr>
+      <p:sp>
+        <p:nvSpPr>
+          <p:cNvPr id="2" name="Marcador de imagen de diapositiva 1"/>
+          <p:cNvSpPr>
+            <a:spLocks noGrp="1" noRot="1" noChangeAspect="1"/>
+          </p:cNvSpPr>
+          <p:nvPr>
+            <p:ph type="sldImg"/>
+          </p:nvPr>
+        </p:nvSpPr>
+        <p:spPr/>
+      </p:sp>
+      <p:sp>
+        <p:nvSpPr>
+          <p:cNvPr id="3" name="Marcador de notas 2"/>
+          <p:cNvSpPr>
+            <a:spLocks noGrp="1"/>
+          </p:cNvSpPr>
+          <p:nvPr>
+            <p:ph type="body" idx="1"/>
+          </p:nvPr>
+        </p:nvSpPr>
+        <p:spPr/>
+        <p:txBody>
+          <a:bodyPr/>
+          <a:lstStyle/>
+          <a:p>
+            <a:endParaRPr lang="es-ES" dirty="0"/>
+          </a:p>
+        </p:txBody>
+      </p:sp>
+      <p:sp>
+        <p:nvSpPr>
+          <p:cNvPr id="4" name="Marcador de número de diapositiva 3"/>
+          <p:cNvSpPr>
+            <a:spLocks noGrp="1"/>
+          </p:cNvSpPr>
+          <p:nvPr>
+            <p:ph type="sldNum" sz="quarter" idx="10"/>
+          </p:nvPr>
+        </p:nvSpPr>
+        <p:spPr/>
+        <p:txBody>
+          <a:bodyPr/>
+          <a:lstStyle/>
+          <a:p>
+            <a:pPr rtl="0"/>
+            <a:fld id="{841221E5-7225-48EB-A4EE-420E7BFCF705}" type="slidenum">
+              <a:rPr lang="es-ES" smtClean="0"/>
+              <a:pPr rtl="0"/>
+              <a:t>18</a:t>
+            </a:fld>
+            <a:endParaRPr lang="es-ES" dirty="0"/>
+          </a:p>
+        </p:txBody>
+      </p:sp>
+    </p:spTree>
+    <p:extLst>
+      <p:ext uri="{BB962C8B-B14F-4D97-AF65-F5344CB8AC3E}">
+        <p14:creationId xmlns:p14="http://schemas.microsoft.com/office/powerpoint/2010/main" val="368498654"/>
+      </p:ext>
+    </p:extLst>
+  </p:cSld>
+  <p:clrMapOvr>
+    <a:masterClrMapping/>
+  </p:clrMapOvr>
+</p:notes>
+</file>
+
+<file path=ppt/notesSlides/notesSlide19.xml><?xml version="1.0" encoding="utf-8"?>
+<p:notes xmlns:a="http://schemas.openxmlformats.org/drawingml/2006/main" xmlns:r="http://schemas.openxmlformats.org/officeDocument/2006/relationships" xmlns:p="http://schemas.openxmlformats.org/presentationml/2006/main">
+  <p:cSld>
+    <p:spTree>
+      <p:nvGrpSpPr>
+        <p:cNvPr id="1" name=""/>
+        <p:cNvGrpSpPr/>
+        <p:nvPr/>
+      </p:nvGrpSpPr>
+      <p:grpSpPr>
+        <a:xfrm>
+          <a:off x="0" y="0"/>
+          <a:ext cx="0" cy="0"/>
+          <a:chOff x="0" y="0"/>
+          <a:chExt cx="0" cy="0"/>
+        </a:xfrm>
+      </p:grpSpPr>
+      <p:sp>
+        <p:nvSpPr>
+          <p:cNvPr id="2" name="Marcador de imagen de diapositiva 1"/>
+          <p:cNvSpPr>
+            <a:spLocks noGrp="1" noRot="1" noChangeAspect="1"/>
+          </p:cNvSpPr>
+          <p:nvPr>
+            <p:ph type="sldImg"/>
+          </p:nvPr>
+        </p:nvSpPr>
+        <p:spPr/>
+      </p:sp>
+      <p:sp>
+        <p:nvSpPr>
+          <p:cNvPr id="3" name="Marcador de notas 2"/>
+          <p:cNvSpPr>
+            <a:spLocks noGrp="1"/>
+          </p:cNvSpPr>
+          <p:nvPr>
+            <p:ph type="body" idx="1"/>
+          </p:nvPr>
+        </p:nvSpPr>
+        <p:spPr/>
+        <p:txBody>
+          <a:bodyPr/>
+          <a:lstStyle/>
+          <a:p>
+            <a:endParaRPr lang="es-ES" dirty="0"/>
+          </a:p>
+        </p:txBody>
+      </p:sp>
+      <p:sp>
+        <p:nvSpPr>
+          <p:cNvPr id="4" name="Marcador de número de diapositiva 3"/>
+          <p:cNvSpPr>
+            <a:spLocks noGrp="1"/>
+          </p:cNvSpPr>
+          <p:nvPr>
+            <p:ph type="sldNum" sz="quarter" idx="10"/>
+          </p:nvPr>
+        </p:nvSpPr>
+        <p:spPr/>
+        <p:txBody>
+          <a:bodyPr/>
+          <a:lstStyle/>
+          <a:p>
+            <a:pPr rtl="0"/>
+            <a:fld id="{841221E5-7225-48EB-A4EE-420E7BFCF705}" type="slidenum">
+              <a:rPr lang="es-ES" smtClean="0"/>
+              <a:pPr rtl="0"/>
+              <a:t>19</a:t>
             </a:fld>
             <a:endParaRPr lang="es-ES" dirty="0"/>
           </a:p>
@@ -5868,7 +6216,7 @@
     </p:spTree>
     <p:extLst>
       <p:ext uri="{BB962C8B-B14F-4D97-AF65-F5344CB8AC3E}">
-        <p14:creationId xmlns:p14="http://schemas.microsoft.com/office/powerpoint/2010/main" val="1952920916"/>
+        <p14:creationId xmlns:p14="http://schemas.microsoft.com/office/powerpoint/2010/main" val="2812851957"/>
       </p:ext>
     </p:extLst>
   </p:cSld>
@@ -5954,7 +6302,7 @@
     </p:spTree>
     <p:extLst>
       <p:ext uri="{BB962C8B-B14F-4D97-AF65-F5344CB8AC3E}">
-        <p14:creationId xmlns:p14="http://schemas.microsoft.com/office/powerpoint/2010/main" val="472929191"/>
+        <p14:creationId xmlns:p14="http://schemas.microsoft.com/office/powerpoint/2010/main" val="221602716"/>
       </p:ext>
     </p:extLst>
   </p:cSld>
@@ -6040,7 +6388,7 @@
     </p:spTree>
     <p:extLst>
       <p:ext uri="{BB962C8B-B14F-4D97-AF65-F5344CB8AC3E}">
-        <p14:creationId xmlns:p14="http://schemas.microsoft.com/office/powerpoint/2010/main" val="1654880986"/>
+        <p14:creationId xmlns:p14="http://schemas.microsoft.com/office/powerpoint/2010/main" val="1325867908"/>
       </p:ext>
     </p:extLst>
   </p:cSld>
@@ -6126,7 +6474,7 @@
     </p:spTree>
     <p:extLst>
       <p:ext uri="{BB962C8B-B14F-4D97-AF65-F5344CB8AC3E}">
-        <p14:creationId xmlns:p14="http://schemas.microsoft.com/office/powerpoint/2010/main" val="57769914"/>
+        <p14:creationId xmlns:p14="http://schemas.microsoft.com/office/powerpoint/2010/main" val="2455517257"/>
       </p:ext>
     </p:extLst>
   </p:cSld>
@@ -7055,7 +7403,7 @@
             <a:pPr rtl="0"/>
             <a:fld id="{D227DDB9-0E5E-4C56-81E2-42C38C100EB8}" type="datetime1">
               <a:rPr lang="es-ES" noProof="0" smtClean="0"/>
-              <a:t>25/12/2022</a:t>
+              <a:t>27/12/2022</a:t>
             </a:fld>
             <a:endParaRPr lang="es-ES" noProof="0" dirty="0"/>
           </a:p>
@@ -7282,7 +7630,7 @@
             <a:pPr rtl="0"/>
             <a:fld id="{854D34C8-6636-436D-90B3-E45C17BC29D1}" type="datetime1">
               <a:rPr lang="es-ES" noProof="0" smtClean="0"/>
-              <a:t>25/12/2022</a:t>
+              <a:t>27/12/2022</a:t>
             </a:fld>
             <a:endParaRPr lang="es-ES" noProof="0" dirty="0"/>
           </a:p>
@@ -8104,7 +8452,7 @@
             <a:pPr rtl="0"/>
             <a:fld id="{5B1A7055-A05B-47D6-9397-3E4A1BE71239}" type="datetime1">
               <a:rPr lang="es-ES" noProof="0" smtClean="0"/>
-              <a:t>25/12/2022</a:t>
+              <a:t>27/12/2022</a:t>
             </a:fld>
             <a:endParaRPr lang="es-ES" noProof="0" dirty="0"/>
           </a:p>
@@ -8309,7 +8657,7 @@
             <a:pPr rtl="0"/>
             <a:fld id="{397066DD-333B-4949-A479-115F2B9E08E7}" type="datetime1">
               <a:rPr lang="es-ES" noProof="0" smtClean="0"/>
-              <a:t>25/12/2022</a:t>
+              <a:t>27/12/2022</a:t>
             </a:fld>
             <a:endParaRPr lang="es-ES" noProof="0" dirty="0"/>
           </a:p>
@@ -9887,7 +10235,7 @@
             <a:pPr rtl="0"/>
             <a:fld id="{2C913CB4-D4A9-4FBE-913D-B9E890ABEF3F}" type="datetime1">
               <a:rPr lang="es-ES" noProof="0" smtClean="0"/>
-              <a:t>25/12/2022</a:t>
+              <a:t>27/12/2022</a:t>
             </a:fld>
             <a:endParaRPr lang="es-ES" noProof="0" dirty="0"/>
           </a:p>
@@ -10024,7 +10372,7 @@
             <a:pPr rtl="0"/>
             <a:fld id="{543DE88F-8DA3-44F9-868D-559DD495EADB}" type="datetime1">
               <a:rPr lang="es-ES" noProof="0" smtClean="0"/>
-              <a:t>25/12/2022</a:t>
+              <a:t>27/12/2022</a:t>
             </a:fld>
             <a:endParaRPr lang="es-ES" noProof="0" dirty="0"/>
           </a:p>
@@ -10365,7 +10713,7 @@
             <a:pPr rtl="0"/>
             <a:fld id="{C7A9AAEF-0AD3-419E-B51F-A77C6A89DFB2}" type="datetime1">
               <a:rPr lang="es-ES" noProof="0" smtClean="0"/>
-              <a:t>25/12/2022</a:t>
+              <a:t>27/12/2022</a:t>
             </a:fld>
             <a:endParaRPr lang="es-ES" noProof="0" dirty="0"/>
           </a:p>
@@ -10864,7 +11212,7 @@
             <a:pPr rtl="0"/>
             <a:fld id="{C31318DA-4832-4504-A64F-05EF187BF5DA}" type="datetime1">
               <a:rPr lang="es-ES" noProof="0" smtClean="0"/>
-              <a:t>25/12/2022</a:t>
+              <a:t>27/12/2022</a:t>
             </a:fld>
             <a:endParaRPr lang="es-ES" noProof="0" dirty="0"/>
           </a:p>
@@ -11320,7 +11668,7 @@
             <a:pPr rtl="0"/>
             <a:fld id="{A361280F-B7E7-4174-BE87-9E37B5A43C49}" type="datetime1">
               <a:rPr lang="es-ES" noProof="0" smtClean="0"/>
-              <a:t>25/12/2022</a:t>
+              <a:t>27/12/2022</a:t>
             </a:fld>
             <a:endParaRPr lang="es-ES" noProof="0" dirty="0"/>
           </a:p>
@@ -12223,7 +12571,7 @@
             <a:pPr rtl="0"/>
             <a:fld id="{3FB7BB0F-7041-4735-B07A-25DB00AC6E71}" type="datetime1">
               <a:rPr lang="es-ES" noProof="0" smtClean="0"/>
-              <a:t>25/12/2022</a:t>
+              <a:t>27/12/2022</a:t>
             </a:fld>
             <a:endParaRPr lang="es-ES" noProof="0" dirty="0"/>
           </a:p>
@@ -12791,19 +13139,19 @@
             <a:pPr rtl="0"/>
             <a:r>
               <a:rPr lang="es-ES" dirty="0"/>
-              <a:t>Agregar un título de diapositiva (1)</a:t>
-            </a:r>
-          </a:p>
-        </p:txBody>
-      </p:sp>
-      <p:sp>
-        <p:nvSpPr>
-          <p:cNvPr id="5" name="Marcador de posición de texto 4"/>
+              <a:t>Agregar un título de diapositiva (4)</a:t>
+            </a:r>
+          </a:p>
+        </p:txBody>
+      </p:sp>
+      <p:sp>
+        <p:nvSpPr>
+          <p:cNvPr id="7" name="Marcador de posición de texto 6"/>
           <p:cNvSpPr>
             <a:spLocks noGrp="1"/>
           </p:cNvSpPr>
           <p:nvPr>
-            <p:ph type="body" idx="1"/>
+            <p:ph type="body" sz="half" idx="2"/>
           </p:nvPr>
         </p:nvSpPr>
         <p:spPr/>
@@ -12821,7 +13169,7 @@
           <p:cNvPr id="3" name="Marcador de pie de página 2">
             <a:extLst>
               <a:ext uri="{FF2B5EF4-FFF2-40B4-BE49-F238E27FC236}">
-                <a16:creationId xmlns:a16="http://schemas.microsoft.com/office/drawing/2014/main" id="{51A48A5E-C144-458C-902D-D0C3F769511E}"/>
+                <a16:creationId xmlns:a16="http://schemas.microsoft.com/office/drawing/2014/main" id="{1B0A2556-12B2-42D6-BCC3-F811588323DF}"/>
               </a:ext>
             </a:extLst>
           </p:cNvPr>
@@ -12829,15 +13177,10 @@
             <a:spLocks noGrp="1"/>
           </p:cNvSpPr>
           <p:nvPr>
-            <p:ph type="ftr" sz="quarter" idx="4294967295"/>
+            <p:ph type="ftr" sz="quarter" idx="11"/>
           </p:nvPr>
         </p:nvSpPr>
-        <p:spPr>
-          <a:xfrm>
-            <a:off x="6595933" y="6378799"/>
-            <a:ext cx="3974065" cy="365125"/>
-          </a:xfrm>
-        </p:spPr>
+        <p:spPr/>
         <p:txBody>
           <a:bodyPr/>
           <a:lstStyle/>
@@ -12853,10 +13196,10 @@
       </p:sp>
       <p:sp>
         <p:nvSpPr>
-          <p:cNvPr id="4" name="Marcador de número de diapositiva 3">
+          <p:cNvPr id="5" name="Marcador de número de diapositiva 4">
             <a:extLst>
               <a:ext uri="{FF2B5EF4-FFF2-40B4-BE49-F238E27FC236}">
-                <a16:creationId xmlns:a16="http://schemas.microsoft.com/office/drawing/2014/main" id="{B883489B-C3C3-4CA7-ACA5-8594BFAFF488}"/>
+                <a16:creationId xmlns:a16="http://schemas.microsoft.com/office/drawing/2014/main" id="{F845EE72-4EF2-4A51-80A2-B71984092F2F}"/>
               </a:ext>
             </a:extLst>
           </p:cNvPr>
@@ -12864,15 +13207,10 @@
             <a:spLocks noGrp="1"/>
           </p:cNvSpPr>
           <p:nvPr>
-            <p:ph type="sldNum" sz="quarter" idx="4294967295"/>
+            <p:ph type="sldNum" sz="quarter" idx="12"/>
           </p:nvPr>
         </p:nvSpPr>
-        <p:spPr>
-          <a:xfrm>
-            <a:off x="10666571" y="6378799"/>
-            <a:ext cx="609441" cy="365125"/>
-          </a:xfrm>
-        </p:spPr>
+        <p:spPr/>
         <p:txBody>
           <a:bodyPr/>
           <a:lstStyle/>
@@ -12880,17 +13218,63 @@
             <a:pPr rtl="0"/>
             <a:fld id="{7DC1BBB0-96F0-4077-A278-0F3FB5C104D3}" type="slidenum">
               <a:rPr lang="es-ES" noProof="0" smtClean="0"/>
-              <a:pPr rtl="0"/>
               <a:t>10</a:t>
             </a:fld>
             <a:endParaRPr lang="es-ES" noProof="0" dirty="0"/>
           </a:p>
         </p:txBody>
       </p:sp>
+      <p:pic>
+        <p:nvPicPr>
+          <p:cNvPr id="2050" name="Picture 2" descr="El ciclo de vida del estado de tus archivos.">
+            <a:extLst>
+              <a:ext uri="{FF2B5EF4-FFF2-40B4-BE49-F238E27FC236}">
+                <a16:creationId xmlns:a16="http://schemas.microsoft.com/office/drawing/2014/main" id="{5B9AB28A-925D-47D0-8F05-8C5E20E37EDD}"/>
+              </a:ext>
+            </a:extLst>
+          </p:cNvPr>
+          <p:cNvPicPr>
+            <a:picLocks noChangeAspect="1" noChangeArrowheads="1"/>
+          </p:cNvPicPr>
+          <p:nvPr/>
+        </p:nvPicPr>
+        <p:blipFill>
+          <a:blip r:embed="rId3">
+            <a:extLst>
+              <a:ext uri="{28A0092B-C50C-407E-A947-70E740481C1C}">
+                <a14:useLocalDpi xmlns:a14="http://schemas.microsoft.com/office/drawing/2010/main" val="0"/>
+              </a:ext>
+            </a:extLst>
+          </a:blip>
+          <a:srcRect/>
+          <a:stretch>
+            <a:fillRect/>
+          </a:stretch>
+        </p:blipFill>
+        <p:spPr bwMode="auto">
+          <a:xfrm>
+            <a:off x="4011164" y="1752600"/>
+            <a:ext cx="7620000" cy="3143250"/>
+          </a:xfrm>
+          <a:prstGeom prst="rect">
+            <a:avLst/>
+          </a:prstGeom>
+          <a:noFill/>
+          <a:extLst>
+            <a:ext uri="{909E8E84-426E-40DD-AFC4-6F175D3DCCD1}">
+              <a14:hiddenFill xmlns:a14="http://schemas.microsoft.com/office/drawing/2010/main">
+                <a:solidFill>
+                  <a:srgbClr val="FFFFFF"/>
+                </a:solidFill>
+              </a14:hiddenFill>
+            </a:ext>
+          </a:extLst>
+        </p:spPr>
+      </p:pic>
     </p:spTree>
     <p:extLst>
       <p:ext uri="{BB962C8B-B14F-4D97-AF65-F5344CB8AC3E}">
-        <p14:creationId xmlns:p14="http://schemas.microsoft.com/office/powerpoint/2010/main" val="352090314"/>
+        <p14:creationId xmlns:p14="http://schemas.microsoft.com/office/powerpoint/2010/main" val="1139907238"/>
       </p:ext>
     </p:extLst>
   </p:cSld>
@@ -12947,97 +13331,42 @@
             <a:pPr rtl="0"/>
             <a:r>
               <a:rPr lang="es-ES" dirty="0"/>
-              <a:t>Agregar un título de diapositiva (2)</a:t>
-            </a:r>
-          </a:p>
-        </p:txBody>
-      </p:sp>
-      <p:sp>
-        <p:nvSpPr>
-          <p:cNvPr id="4" name="Marcador de posición de texto 3"/>
-          <p:cNvSpPr>
-            <a:spLocks noGrp="1"/>
-          </p:cNvSpPr>
+              <a:t>Título y diseño de contenido con gráfico</a:t>
+            </a:r>
+          </a:p>
+        </p:txBody>
+      </p:sp>
+      <p:graphicFrame>
+        <p:nvGraphicFramePr>
+          <p:cNvPr id="7" name="Marcador de posición de contenido 6" descr="Gráfico de barras apiladas que representa&#10;3 series y 4 categorías"/>
+          <p:cNvGraphicFramePr>
+            <a:graphicFrameLocks noGrp="1"/>
+          </p:cNvGraphicFramePr>
           <p:nvPr>
-            <p:ph type="body" idx="1"/>
+            <p:ph idx="1"/>
+            <p:extLst>
+              <p:ext uri="{D42A27DB-BD31-4B8C-83A1-F6EECF244321}">
+                <p14:modId xmlns:p14="http://schemas.microsoft.com/office/powerpoint/2010/main" val="2178940828"/>
+              </p:ext>
+            </p:extLst>
           </p:nvPr>
-        </p:nvSpPr>
-        <p:spPr/>
-        <p:txBody>
-          <a:bodyPr rtlCol="0"/>
-          <a:lstStyle/>
-          <a:p>
-            <a:pPr rtl="0"/>
-            <a:endParaRPr lang="es-ES" dirty="0"/>
-          </a:p>
-        </p:txBody>
-      </p:sp>
-      <p:sp>
-        <p:nvSpPr>
-          <p:cNvPr id="5" name="Marcador de posición de contenido 4"/>
-          <p:cNvSpPr>
-            <a:spLocks noGrp="1"/>
-          </p:cNvSpPr>
-          <p:nvPr>
-            <p:ph sz="half" idx="2"/>
-          </p:nvPr>
-        </p:nvSpPr>
-        <p:spPr/>
-        <p:txBody>
-          <a:bodyPr rtlCol="0"/>
-          <a:lstStyle/>
-          <a:p>
-            <a:pPr rtl="0"/>
-            <a:endParaRPr lang="es-ES" dirty="0"/>
-          </a:p>
-        </p:txBody>
-      </p:sp>
-      <p:sp>
-        <p:nvSpPr>
-          <p:cNvPr id="6" name="Marcador de posición de texto 5"/>
-          <p:cNvSpPr>
-            <a:spLocks noGrp="1"/>
-          </p:cNvSpPr>
-          <p:nvPr>
-            <p:ph type="body" sz="quarter" idx="3"/>
-          </p:nvPr>
-        </p:nvSpPr>
-        <p:spPr/>
-        <p:txBody>
-          <a:bodyPr rtlCol="0"/>
-          <a:lstStyle/>
-          <a:p>
-            <a:pPr rtl="0"/>
-            <a:endParaRPr lang="es-ES" dirty="0"/>
-          </a:p>
-        </p:txBody>
-      </p:sp>
-      <p:sp>
-        <p:nvSpPr>
-          <p:cNvPr id="11" name="Marcador de posición de contenido 10"/>
-          <p:cNvSpPr>
-            <a:spLocks noGrp="1"/>
-          </p:cNvSpPr>
-          <p:nvPr>
-            <p:ph sz="quarter" idx="4"/>
-          </p:nvPr>
-        </p:nvSpPr>
-        <p:spPr/>
-        <p:txBody>
-          <a:bodyPr rtlCol="0"/>
-          <a:lstStyle/>
-          <a:p>
-            <a:pPr rtl="0"/>
-            <a:endParaRPr lang="es-ES" dirty="0"/>
-          </a:p>
-        </p:txBody>
-      </p:sp>
+        </p:nvGraphicFramePr>
+        <p:xfrm>
+          <a:off x="1593850" y="1600200"/>
+          <a:ext cx="9782175" cy="4572000"/>
+        </p:xfrm>
+        <a:graphic>
+          <a:graphicData uri="http://schemas.openxmlformats.org/drawingml/2006/chart">
+            <c:chart xmlns:c="http://schemas.openxmlformats.org/drawingml/2006/chart" xmlns:r="http://schemas.openxmlformats.org/officeDocument/2006/relationships" r:id="rId3"/>
+          </a:graphicData>
+        </a:graphic>
+      </p:graphicFrame>
       <p:sp>
         <p:nvSpPr>
           <p:cNvPr id="3" name="Marcador de pie de página 2">
             <a:extLst>
               <a:ext uri="{FF2B5EF4-FFF2-40B4-BE49-F238E27FC236}">
-                <a16:creationId xmlns:a16="http://schemas.microsoft.com/office/drawing/2014/main" id="{FB76CB50-1503-4000-8D3D-47FE31E61BC6}"/>
+                <a16:creationId xmlns:a16="http://schemas.microsoft.com/office/drawing/2014/main" id="{08B31607-E221-42B6-BDAB-437DE3EEACD4}"/>
               </a:ext>
             </a:extLst>
           </p:cNvPr>
@@ -13064,10 +13393,10 @@
       </p:sp>
       <p:sp>
         <p:nvSpPr>
-          <p:cNvPr id="7" name="Marcador de número de diapositiva 6">
+          <p:cNvPr id="4" name="Marcador de número de diapositiva 3">
             <a:extLst>
               <a:ext uri="{FF2B5EF4-FFF2-40B4-BE49-F238E27FC236}">
-                <a16:creationId xmlns:a16="http://schemas.microsoft.com/office/drawing/2014/main" id="{41DA4AFA-E518-472B-A834-5D4295BA6605}"/>
+                <a16:creationId xmlns:a16="http://schemas.microsoft.com/office/drawing/2014/main" id="{9B86E837-B39D-4540-84EB-162460FF9732}"/>
               </a:ext>
             </a:extLst>
           </p:cNvPr>
@@ -13095,7 +13424,7 @@
     </p:spTree>
     <p:extLst>
       <p:ext uri="{BB962C8B-B14F-4D97-AF65-F5344CB8AC3E}">
-        <p14:creationId xmlns:p14="http://schemas.microsoft.com/office/powerpoint/2010/main" val="1061194279"/>
+        <p14:creationId xmlns:p14="http://schemas.microsoft.com/office/powerpoint/2010/main" val="571916843"/>
       </p:ext>
     </p:extLst>
   </p:cSld>
@@ -13152,7 +13481,292 @@
             <a:pPr rtl="0"/>
             <a:r>
               <a:rPr lang="es-ES" dirty="0"/>
-              <a:t>Agregar un título de diapositiva (3)</a:t>
+              <a:t>Diseño de dos objetos con tabla</a:t>
+            </a:r>
+          </a:p>
+        </p:txBody>
+      </p:sp>
+      <p:graphicFrame>
+        <p:nvGraphicFramePr>
+          <p:cNvPr id="11" name="Marcador de posición de contenido 10"/>
+          <p:cNvGraphicFramePr>
+            <a:graphicFrameLocks noGrp="1"/>
+          </p:cNvGraphicFramePr>
+          <p:nvPr>
+            <p:ph sz="half" idx="1"/>
+            <p:extLst>
+              <p:ext uri="{D42A27DB-BD31-4B8C-83A1-F6EECF244321}">
+                <p14:modId xmlns:p14="http://schemas.microsoft.com/office/powerpoint/2010/main" val="4096633267"/>
+              </p:ext>
+            </p:extLst>
+          </p:nvPr>
+        </p:nvGraphicFramePr>
+        <p:xfrm>
+          <a:off x="1593850" y="1600200"/>
+          <a:ext cx="4814889" cy="2209800"/>
+        </p:xfrm>
+        <a:graphic>
+          <a:graphicData uri="http://schemas.openxmlformats.org/drawingml/2006/table">
+            <a:tbl>
+              <a:tblPr firstRow="1" bandRow="1">
+                <a:tableStyleId>{073A0DAA-6AF3-43AB-8588-CEC1D06C72B9}</a:tableStyleId>
+              </a:tblPr>
+              <a:tblGrid>
+                <a:gridCol w="1604963">
+                  <a:extLst>
+                    <a:ext uri="{9D8B030D-6E8A-4147-A177-3AD203B41FA5}">
+                      <a16:colId xmlns:a16="http://schemas.microsoft.com/office/drawing/2014/main" val="20000"/>
+                    </a:ext>
+                  </a:extLst>
+                </a:gridCol>
+                <a:gridCol w="1604963">
+                  <a:extLst>
+                    <a:ext uri="{9D8B030D-6E8A-4147-A177-3AD203B41FA5}">
+                      <a16:colId xmlns:a16="http://schemas.microsoft.com/office/drawing/2014/main" val="20001"/>
+                    </a:ext>
+                  </a:extLst>
+                </a:gridCol>
+                <a:gridCol w="1604963">
+                  <a:extLst>
+                    <a:ext uri="{9D8B030D-6E8A-4147-A177-3AD203B41FA5}">
+                      <a16:colId xmlns:a16="http://schemas.microsoft.com/office/drawing/2014/main" val="20002"/>
+                    </a:ext>
+                  </a:extLst>
+                </a:gridCol>
+              </a:tblGrid>
+              <a:tr h="552450">
+                <a:tc>
+                  <a:txBody>
+                    <a:bodyPr/>
+                    <a:lstStyle/>
+                    <a:p>
+                      <a:pPr rtl="0"/>
+                      <a:r>
+                        <a:rPr lang="es-ES" noProof="0" dirty="0"/>
+                        <a:t>Clase</a:t>
+                      </a:r>
+                    </a:p>
+                  </a:txBody>
+                  <a:tcPr anchor="ctr"/>
+                </a:tc>
+                <a:tc>
+                  <a:txBody>
+                    <a:bodyPr/>
+                    <a:lstStyle/>
+                    <a:p>
+                      <a:pPr algn="ctr" rtl="0"/>
+                      <a:r>
+                        <a:rPr lang="es-ES" noProof="0" dirty="0"/>
+                        <a:t>Grupo A</a:t>
+                      </a:r>
+                    </a:p>
+                  </a:txBody>
+                  <a:tcPr anchor="ctr"/>
+                </a:tc>
+                <a:tc>
+                  <a:txBody>
+                    <a:bodyPr/>
+                    <a:lstStyle/>
+                    <a:p>
+                      <a:pPr algn="ctr" rtl="0"/>
+                      <a:r>
+                        <a:rPr lang="es-ES" noProof="0" dirty="0"/>
+                        <a:t>Grupo B</a:t>
+                      </a:r>
+                    </a:p>
+                  </a:txBody>
+                  <a:tcPr anchor="ctr"/>
+                </a:tc>
+                <a:extLst>
+                  <a:ext uri="{0D108BD9-81ED-4DB2-BD59-A6C34878D82A}">
+                    <a16:rowId xmlns:a16="http://schemas.microsoft.com/office/drawing/2014/main" val="10000"/>
+                  </a:ext>
+                </a:extLst>
+              </a:tr>
+              <a:tr h="552450">
+                <a:tc>
+                  <a:txBody>
+                    <a:bodyPr/>
+                    <a:lstStyle/>
+                    <a:p>
+                      <a:pPr rtl="0"/>
+                      <a:r>
+                        <a:rPr lang="es-ES" noProof="0" dirty="0"/>
+                        <a:t>Clase 1</a:t>
+                      </a:r>
+                    </a:p>
+                  </a:txBody>
+                  <a:tcPr anchor="ctr"/>
+                </a:tc>
+                <a:tc>
+                  <a:txBody>
+                    <a:bodyPr/>
+                    <a:lstStyle/>
+                    <a:p>
+                      <a:pPr algn="ctr" rtl="0"/>
+                      <a:r>
+                        <a:rPr lang="es-ES" noProof="0" dirty="0"/>
+                        <a:t>82</a:t>
+                      </a:r>
+                    </a:p>
+                  </a:txBody>
+                  <a:tcPr anchor="ctr"/>
+                </a:tc>
+                <a:tc>
+                  <a:txBody>
+                    <a:bodyPr/>
+                    <a:lstStyle/>
+                    <a:p>
+                      <a:pPr algn="ctr" rtl="0"/>
+                      <a:r>
+                        <a:rPr lang="es-ES" noProof="0" dirty="0"/>
+                        <a:t>95</a:t>
+                      </a:r>
+                    </a:p>
+                  </a:txBody>
+                  <a:tcPr anchor="ctr"/>
+                </a:tc>
+                <a:extLst>
+                  <a:ext uri="{0D108BD9-81ED-4DB2-BD59-A6C34878D82A}">
+                    <a16:rowId xmlns:a16="http://schemas.microsoft.com/office/drawing/2014/main" val="10001"/>
+                  </a:ext>
+                </a:extLst>
+              </a:tr>
+              <a:tr h="552450">
+                <a:tc>
+                  <a:txBody>
+                    <a:bodyPr/>
+                    <a:lstStyle/>
+                    <a:p>
+                      <a:pPr rtl="0"/>
+                      <a:r>
+                        <a:rPr lang="es-ES" noProof="0" dirty="0"/>
+                        <a:t>Clase 2</a:t>
+                      </a:r>
+                    </a:p>
+                  </a:txBody>
+                  <a:tcPr anchor="ctr"/>
+                </a:tc>
+                <a:tc>
+                  <a:txBody>
+                    <a:bodyPr/>
+                    <a:lstStyle/>
+                    <a:p>
+                      <a:pPr algn="ctr" rtl="0"/>
+                      <a:r>
+                        <a:rPr lang="es-ES" noProof="0" dirty="0"/>
+                        <a:t>76</a:t>
+                      </a:r>
+                    </a:p>
+                  </a:txBody>
+                  <a:tcPr anchor="ctr"/>
+                </a:tc>
+                <a:tc>
+                  <a:txBody>
+                    <a:bodyPr/>
+                    <a:lstStyle/>
+                    <a:p>
+                      <a:pPr algn="ctr" rtl="0"/>
+                      <a:r>
+                        <a:rPr lang="es-ES" noProof="0" dirty="0"/>
+                        <a:t>88</a:t>
+                      </a:r>
+                    </a:p>
+                  </a:txBody>
+                  <a:tcPr anchor="ctr"/>
+                </a:tc>
+                <a:extLst>
+                  <a:ext uri="{0D108BD9-81ED-4DB2-BD59-A6C34878D82A}">
+                    <a16:rowId xmlns:a16="http://schemas.microsoft.com/office/drawing/2014/main" val="10002"/>
+                  </a:ext>
+                </a:extLst>
+              </a:tr>
+              <a:tr h="552450">
+                <a:tc>
+                  <a:txBody>
+                    <a:bodyPr/>
+                    <a:lstStyle/>
+                    <a:p>
+                      <a:pPr rtl="0"/>
+                      <a:r>
+                        <a:rPr lang="es-ES" noProof="0" dirty="0"/>
+                        <a:t>Clase 3</a:t>
+                      </a:r>
+                    </a:p>
+                  </a:txBody>
+                  <a:tcPr anchor="ctr"/>
+                </a:tc>
+                <a:tc>
+                  <a:txBody>
+                    <a:bodyPr/>
+                    <a:lstStyle/>
+                    <a:p>
+                      <a:pPr algn="ctr" rtl="0"/>
+                      <a:r>
+                        <a:rPr lang="es-ES" noProof="0" dirty="0"/>
+                        <a:t>84</a:t>
+                      </a:r>
+                    </a:p>
+                  </a:txBody>
+                  <a:tcPr anchor="ctr"/>
+                </a:tc>
+                <a:tc>
+                  <a:txBody>
+                    <a:bodyPr/>
+                    <a:lstStyle/>
+                    <a:p>
+                      <a:pPr algn="ctr" rtl="0"/>
+                      <a:r>
+                        <a:rPr lang="es-ES" noProof="0" dirty="0"/>
+                        <a:t>90</a:t>
+                      </a:r>
+                    </a:p>
+                  </a:txBody>
+                  <a:tcPr anchor="ctr"/>
+                </a:tc>
+                <a:extLst>
+                  <a:ext uri="{0D108BD9-81ED-4DB2-BD59-A6C34878D82A}">
+                    <a16:rowId xmlns:a16="http://schemas.microsoft.com/office/drawing/2014/main" val="10003"/>
+                  </a:ext>
+                </a:extLst>
+              </a:tr>
+            </a:tbl>
+          </a:graphicData>
+        </a:graphic>
+      </p:graphicFrame>
+      <p:sp>
+        <p:nvSpPr>
+          <p:cNvPr id="7" name="Marcador de posición de contenido 6"/>
+          <p:cNvSpPr>
+            <a:spLocks noGrp="1"/>
+          </p:cNvSpPr>
+          <p:nvPr>
+            <p:ph sz="half" idx="2"/>
+          </p:nvPr>
+        </p:nvSpPr>
+        <p:spPr/>
+        <p:txBody>
+          <a:bodyPr rtlCol="0"/>
+          <a:lstStyle/>
+          <a:p>
+            <a:pPr rtl="0"/>
+            <a:r>
+              <a:rPr lang="es-ES" dirty="0"/>
+              <a:t>Primera viñeta aquí</a:t>
+            </a:r>
+          </a:p>
+          <a:p>
+            <a:pPr rtl="0"/>
+            <a:r>
+              <a:rPr lang="es-ES" dirty="0"/>
+              <a:t>Segunda viñeta aquí</a:t>
+            </a:r>
+          </a:p>
+          <a:p>
+            <a:pPr rtl="0"/>
+            <a:r>
+              <a:rPr lang="es-ES" dirty="0"/>
+              <a:t>Tercera viñeta aquí</a:t>
             </a:r>
           </a:p>
         </p:txBody>
@@ -13162,7 +13776,7 @@
           <p:cNvPr id="3" name="Marcador de pie de página 2">
             <a:extLst>
               <a:ext uri="{FF2B5EF4-FFF2-40B4-BE49-F238E27FC236}">
-                <a16:creationId xmlns:a16="http://schemas.microsoft.com/office/drawing/2014/main" id="{605CF5B0-E3D8-4A73-B6A0-F474B11593A7}"/>
+                <a16:creationId xmlns:a16="http://schemas.microsoft.com/office/drawing/2014/main" id="{8C9B2DFC-D020-4E44-857D-6BC7FC101879}"/>
               </a:ext>
             </a:extLst>
           </p:cNvPr>
@@ -13170,10 +13784,15 @@
             <a:spLocks noGrp="1"/>
           </p:cNvSpPr>
           <p:nvPr>
-            <p:ph type="ftr" sz="quarter" idx="11"/>
+            <p:ph type="ftr" sz="quarter" idx="4294967295"/>
           </p:nvPr>
         </p:nvSpPr>
-        <p:spPr/>
+        <p:spPr>
+          <a:xfrm>
+            <a:off x="6595933" y="6356351"/>
+            <a:ext cx="3974065" cy="365125"/>
+          </a:xfrm>
+        </p:spPr>
         <p:txBody>
           <a:bodyPr/>
           <a:lstStyle/>
@@ -13192,7 +13811,7 @@
           <p:cNvPr id="4" name="Marcador de número de diapositiva 3">
             <a:extLst>
               <a:ext uri="{FF2B5EF4-FFF2-40B4-BE49-F238E27FC236}">
-                <a16:creationId xmlns:a16="http://schemas.microsoft.com/office/drawing/2014/main" id="{B6383853-2D00-4E16-8AE5-C1B6B8DC5FE3}"/>
+                <a16:creationId xmlns:a16="http://schemas.microsoft.com/office/drawing/2014/main" id="{FCC561E1-9AB8-4CEA-BA7E-6E77A44BDA62}"/>
               </a:ext>
             </a:extLst>
           </p:cNvPr>
@@ -13220,7 +13839,7 @@
     </p:spTree>
     <p:extLst>
       <p:ext uri="{BB962C8B-B14F-4D97-AF65-F5344CB8AC3E}">
-        <p14:creationId xmlns:p14="http://schemas.microsoft.com/office/powerpoint/2010/main" val="3401786857"/>
+        <p14:creationId xmlns:p14="http://schemas.microsoft.com/office/powerpoint/2010/main" val="2593339164"/>
       </p:ext>
     </p:extLst>
   </p:cSld>
@@ -13261,10 +13880,95 @@
       </p:grpSpPr>
       <p:sp>
         <p:nvSpPr>
-          <p:cNvPr id="2" name="Marcador de pie de página 1">
+          <p:cNvPr id="2" name="Título 1"/>
+          <p:cNvSpPr>
+            <a:spLocks noGrp="1"/>
+          </p:cNvSpPr>
+          <p:nvPr>
+            <p:ph type="title"/>
+          </p:nvPr>
+        </p:nvSpPr>
+        <p:spPr/>
+        <p:txBody>
+          <a:bodyPr rtlCol="0"/>
+          <a:lstStyle/>
+          <a:p>
+            <a:pPr rtl="0"/>
+            <a:r>
+              <a:rPr lang="es-ES" dirty="0"/>
+              <a:t>Diseño de dos objetos con SmartArt</a:t>
+            </a:r>
+          </a:p>
+        </p:txBody>
+      </p:sp>
+      <p:graphicFrame>
+        <p:nvGraphicFramePr>
+          <p:cNvPr id="6" name="Marcador de posición de contenido 5" descr="Diagrama de lista vertical con botón de contenido adicional en el que se muestran tres grupos organizados uno debajo del otro con viñetas que indican las tareas de cada grupo."/>
+          <p:cNvGraphicFramePr>
+            <a:graphicFrameLocks noGrp="1"/>
+          </p:cNvGraphicFramePr>
+          <p:nvPr>
+            <p:ph sz="half" idx="1"/>
+            <p:extLst>
+              <p:ext uri="{D42A27DB-BD31-4B8C-83A1-F6EECF244321}">
+                <p14:modId xmlns:p14="http://schemas.microsoft.com/office/powerpoint/2010/main" val="3959688702"/>
+              </p:ext>
+            </p:extLst>
+          </p:nvPr>
+        </p:nvGraphicFramePr>
+        <p:xfrm>
+          <a:off x="1593850" y="1600200"/>
+          <a:ext cx="4814888" cy="4572000"/>
+        </p:xfrm>
+        <a:graphic>
+          <a:graphicData uri="http://schemas.openxmlformats.org/drawingml/2006/diagram">
+            <dgm:relIds xmlns:dgm="http://schemas.openxmlformats.org/drawingml/2006/diagram" xmlns:r="http://schemas.openxmlformats.org/officeDocument/2006/relationships" r:dm="rId3" r:lo="rId4" r:qs="rId5" r:cs="rId6"/>
+          </a:graphicData>
+        </a:graphic>
+      </p:graphicFrame>
+      <p:sp>
+        <p:nvSpPr>
+          <p:cNvPr id="7" name="Marcador de posición de contenido 6"/>
+          <p:cNvSpPr>
+            <a:spLocks noGrp="1"/>
+          </p:cNvSpPr>
+          <p:nvPr>
+            <p:ph sz="half" idx="2"/>
+          </p:nvPr>
+        </p:nvSpPr>
+        <p:spPr/>
+        <p:txBody>
+          <a:bodyPr rtlCol="0"/>
+          <a:lstStyle/>
+          <a:p>
+            <a:pPr rtl="0"/>
+            <a:r>
+              <a:rPr lang="es-ES" dirty="0"/>
+              <a:t>Primera viñeta aquí</a:t>
+            </a:r>
+          </a:p>
+          <a:p>
+            <a:pPr rtl="0"/>
+            <a:r>
+              <a:rPr lang="es-ES" dirty="0"/>
+              <a:t>Segunda viñeta aquí</a:t>
+            </a:r>
+          </a:p>
+          <a:p>
+            <a:pPr rtl="0"/>
+            <a:r>
+              <a:rPr lang="es-ES" dirty="0"/>
+              <a:t>Tercera viñeta aquí</a:t>
+            </a:r>
+          </a:p>
+        </p:txBody>
+      </p:sp>
+      <p:sp>
+        <p:nvSpPr>
+          <p:cNvPr id="3" name="Marcador de pie de página 2">
             <a:extLst>
               <a:ext uri="{FF2B5EF4-FFF2-40B4-BE49-F238E27FC236}">
-                <a16:creationId xmlns:a16="http://schemas.microsoft.com/office/drawing/2014/main" id="{7F42C0CF-13C4-4154-B2AB-C267BFC017E5}"/>
+                <a16:creationId xmlns:a16="http://schemas.microsoft.com/office/drawing/2014/main" id="{589E451B-1A91-445D-BF6B-781565BF6D4A}"/>
               </a:ext>
             </a:extLst>
           </p:cNvPr>
@@ -13272,10 +13976,15 @@
             <a:spLocks noGrp="1"/>
           </p:cNvSpPr>
           <p:nvPr>
-            <p:ph type="ftr" sz="quarter" idx="11"/>
+            <p:ph type="ftr" sz="quarter" idx="4294967295"/>
           </p:nvPr>
         </p:nvSpPr>
-        <p:spPr/>
+        <p:spPr>
+          <a:xfrm>
+            <a:off x="6595933" y="6356351"/>
+            <a:ext cx="3974065" cy="365125"/>
+          </a:xfrm>
+        </p:spPr>
         <p:txBody>
           <a:bodyPr/>
           <a:lstStyle/>
@@ -13291,10 +14000,10 @@
       </p:sp>
       <p:sp>
         <p:nvSpPr>
-          <p:cNvPr id="3" name="Marcador de número de diapositiva 2">
+          <p:cNvPr id="4" name="Marcador de número de diapositiva 3">
             <a:extLst>
               <a:ext uri="{FF2B5EF4-FFF2-40B4-BE49-F238E27FC236}">
-                <a16:creationId xmlns:a16="http://schemas.microsoft.com/office/drawing/2014/main" id="{E1491466-AF14-4928-BFC8-9433024D6A7E}"/>
+                <a16:creationId xmlns:a16="http://schemas.microsoft.com/office/drawing/2014/main" id="{4590DC53-CB48-4CAC-B507-F6D5107FBF12}"/>
               </a:ext>
             </a:extLst>
           </p:cNvPr>
@@ -13313,7 +14022,6 @@
             <a:pPr rtl="0"/>
             <a:fld id="{7DC1BBB0-96F0-4077-A278-0F3FB5C104D3}" type="slidenum">
               <a:rPr lang="es-ES" noProof="0" smtClean="0"/>
-              <a:pPr rtl="0"/>
               <a:t>13</a:t>
             </a:fld>
             <a:endParaRPr lang="es-ES" noProof="0" dirty="0"/>
@@ -13323,7 +14031,7 @@
     </p:spTree>
     <p:extLst>
       <p:ext uri="{BB962C8B-B14F-4D97-AF65-F5344CB8AC3E}">
-        <p14:creationId xmlns:p14="http://schemas.microsoft.com/office/powerpoint/2010/main" val="4022862849"/>
+        <p14:creationId xmlns:p14="http://schemas.microsoft.com/office/powerpoint/2010/main" val="513726968"/>
       </p:ext>
     </p:extLst>
   </p:cSld>
@@ -13380,39 +14088,19 @@
             <a:pPr rtl="0"/>
             <a:r>
               <a:rPr lang="es-ES" dirty="0"/>
-              <a:t>Agregar un título de diapositiva (4)</a:t>
-            </a:r>
-          </a:p>
-        </p:txBody>
-      </p:sp>
-      <p:sp>
-        <p:nvSpPr>
-          <p:cNvPr id="4" name="Marcador de posición de contenido 3"/>
+              <a:t>Agregar un título de diapositiva (1)</a:t>
+            </a:r>
+          </a:p>
+        </p:txBody>
+      </p:sp>
+      <p:sp>
+        <p:nvSpPr>
+          <p:cNvPr id="5" name="Marcador de posición de texto 4"/>
           <p:cNvSpPr>
             <a:spLocks noGrp="1"/>
           </p:cNvSpPr>
           <p:nvPr>
-            <p:ph idx="1"/>
-          </p:nvPr>
-        </p:nvSpPr>
-        <p:spPr/>
-        <p:txBody>
-          <a:bodyPr rtlCol="0"/>
-          <a:lstStyle/>
-          <a:p>
-            <a:pPr rtl="0"/>
-            <a:endParaRPr lang="es-ES" dirty="0"/>
-          </a:p>
-        </p:txBody>
-      </p:sp>
-      <p:sp>
-        <p:nvSpPr>
-          <p:cNvPr id="7" name="Marcador de posición de texto 6"/>
-          <p:cNvSpPr>
-            <a:spLocks noGrp="1"/>
-          </p:cNvSpPr>
-          <p:nvPr>
-            <p:ph type="body" sz="half" idx="2"/>
+            <p:ph type="body" idx="1"/>
           </p:nvPr>
         </p:nvSpPr>
         <p:spPr/>
@@ -13430,7 +14118,7 @@
           <p:cNvPr id="3" name="Marcador de pie de página 2">
             <a:extLst>
               <a:ext uri="{FF2B5EF4-FFF2-40B4-BE49-F238E27FC236}">
-                <a16:creationId xmlns:a16="http://schemas.microsoft.com/office/drawing/2014/main" id="{1B0A2556-12B2-42D6-BCC3-F811588323DF}"/>
+                <a16:creationId xmlns:a16="http://schemas.microsoft.com/office/drawing/2014/main" id="{51A48A5E-C144-458C-902D-D0C3F769511E}"/>
               </a:ext>
             </a:extLst>
           </p:cNvPr>
@@ -13438,10 +14126,15 @@
             <a:spLocks noGrp="1"/>
           </p:cNvSpPr>
           <p:nvPr>
-            <p:ph type="ftr" sz="quarter" idx="11"/>
+            <p:ph type="ftr" sz="quarter" idx="4294967295"/>
           </p:nvPr>
         </p:nvSpPr>
-        <p:spPr/>
+        <p:spPr>
+          <a:xfrm>
+            <a:off x="6595933" y="6378799"/>
+            <a:ext cx="3974065" cy="365125"/>
+          </a:xfrm>
+        </p:spPr>
         <p:txBody>
           <a:bodyPr/>
           <a:lstStyle/>
@@ -13457,10 +14150,10 @@
       </p:sp>
       <p:sp>
         <p:nvSpPr>
-          <p:cNvPr id="5" name="Marcador de número de diapositiva 4">
+          <p:cNvPr id="4" name="Marcador de número de diapositiva 3">
             <a:extLst>
               <a:ext uri="{FF2B5EF4-FFF2-40B4-BE49-F238E27FC236}">
-                <a16:creationId xmlns:a16="http://schemas.microsoft.com/office/drawing/2014/main" id="{F845EE72-4EF2-4A51-80A2-B71984092F2F}"/>
+                <a16:creationId xmlns:a16="http://schemas.microsoft.com/office/drawing/2014/main" id="{B883489B-C3C3-4CA7-ACA5-8594BFAFF488}"/>
               </a:ext>
             </a:extLst>
           </p:cNvPr>
@@ -13468,10 +14161,15 @@
             <a:spLocks noGrp="1"/>
           </p:cNvSpPr>
           <p:nvPr>
-            <p:ph type="sldNum" sz="quarter" idx="12"/>
+            <p:ph type="sldNum" sz="quarter" idx="4294967295"/>
           </p:nvPr>
         </p:nvSpPr>
-        <p:spPr/>
+        <p:spPr>
+          <a:xfrm>
+            <a:off x="10666571" y="6378799"/>
+            <a:ext cx="609441" cy="365125"/>
+          </a:xfrm>
+        </p:spPr>
         <p:txBody>
           <a:bodyPr/>
           <a:lstStyle/>
@@ -13479,6 +14177,7 @@
             <a:pPr rtl="0"/>
             <a:fld id="{7DC1BBB0-96F0-4077-A278-0F3FB5C104D3}" type="slidenum">
               <a:rPr lang="es-ES" noProof="0" smtClean="0"/>
+              <a:pPr rtl="0"/>
               <a:t>14</a:t>
             </a:fld>
             <a:endParaRPr lang="es-ES" noProof="0" dirty="0"/>
@@ -13488,7 +14187,7 @@
     </p:spTree>
     <p:extLst>
       <p:ext uri="{BB962C8B-B14F-4D97-AF65-F5344CB8AC3E}">
-        <p14:creationId xmlns:p14="http://schemas.microsoft.com/office/powerpoint/2010/main" val="3614150638"/>
+        <p14:creationId xmlns:p14="http://schemas.microsoft.com/office/powerpoint/2010/main" val="352090314"/>
       </p:ext>
     </p:extLst>
   </p:cSld>
@@ -13545,6 +14244,604 @@
             <a:pPr rtl="0"/>
             <a:r>
               <a:rPr lang="es-ES" dirty="0"/>
+              <a:t>Agregar un título de diapositiva (2)</a:t>
+            </a:r>
+          </a:p>
+        </p:txBody>
+      </p:sp>
+      <p:sp>
+        <p:nvSpPr>
+          <p:cNvPr id="4" name="Marcador de posición de texto 3"/>
+          <p:cNvSpPr>
+            <a:spLocks noGrp="1"/>
+          </p:cNvSpPr>
+          <p:nvPr>
+            <p:ph type="body" idx="1"/>
+          </p:nvPr>
+        </p:nvSpPr>
+        <p:spPr/>
+        <p:txBody>
+          <a:bodyPr rtlCol="0"/>
+          <a:lstStyle/>
+          <a:p>
+            <a:pPr rtl="0"/>
+            <a:endParaRPr lang="es-ES" dirty="0"/>
+          </a:p>
+        </p:txBody>
+      </p:sp>
+      <p:sp>
+        <p:nvSpPr>
+          <p:cNvPr id="5" name="Marcador de posición de contenido 4"/>
+          <p:cNvSpPr>
+            <a:spLocks noGrp="1"/>
+          </p:cNvSpPr>
+          <p:nvPr>
+            <p:ph sz="half" idx="2"/>
+          </p:nvPr>
+        </p:nvSpPr>
+        <p:spPr/>
+        <p:txBody>
+          <a:bodyPr rtlCol="0"/>
+          <a:lstStyle/>
+          <a:p>
+            <a:pPr rtl="0"/>
+            <a:endParaRPr lang="es-ES" dirty="0"/>
+          </a:p>
+        </p:txBody>
+      </p:sp>
+      <p:sp>
+        <p:nvSpPr>
+          <p:cNvPr id="6" name="Marcador de posición de texto 5"/>
+          <p:cNvSpPr>
+            <a:spLocks noGrp="1"/>
+          </p:cNvSpPr>
+          <p:nvPr>
+            <p:ph type="body" sz="quarter" idx="3"/>
+          </p:nvPr>
+        </p:nvSpPr>
+        <p:spPr/>
+        <p:txBody>
+          <a:bodyPr rtlCol="0"/>
+          <a:lstStyle/>
+          <a:p>
+            <a:pPr rtl="0"/>
+            <a:endParaRPr lang="es-ES" dirty="0"/>
+          </a:p>
+        </p:txBody>
+      </p:sp>
+      <p:sp>
+        <p:nvSpPr>
+          <p:cNvPr id="11" name="Marcador de posición de contenido 10"/>
+          <p:cNvSpPr>
+            <a:spLocks noGrp="1"/>
+          </p:cNvSpPr>
+          <p:nvPr>
+            <p:ph sz="quarter" idx="4"/>
+          </p:nvPr>
+        </p:nvSpPr>
+        <p:spPr/>
+        <p:txBody>
+          <a:bodyPr rtlCol="0"/>
+          <a:lstStyle/>
+          <a:p>
+            <a:pPr rtl="0"/>
+            <a:endParaRPr lang="es-ES" dirty="0"/>
+          </a:p>
+        </p:txBody>
+      </p:sp>
+      <p:sp>
+        <p:nvSpPr>
+          <p:cNvPr id="3" name="Marcador de pie de página 2">
+            <a:extLst>
+              <a:ext uri="{FF2B5EF4-FFF2-40B4-BE49-F238E27FC236}">
+                <a16:creationId xmlns:a16="http://schemas.microsoft.com/office/drawing/2014/main" id="{FB76CB50-1503-4000-8D3D-47FE31E61BC6}"/>
+              </a:ext>
+            </a:extLst>
+          </p:cNvPr>
+          <p:cNvSpPr>
+            <a:spLocks noGrp="1"/>
+          </p:cNvSpPr>
+          <p:nvPr>
+            <p:ph type="ftr" sz="quarter" idx="11"/>
+          </p:nvPr>
+        </p:nvSpPr>
+        <p:spPr/>
+        <p:txBody>
+          <a:bodyPr/>
+          <a:lstStyle/>
+          <a:p>
+            <a:pPr rtl="0"/>
+            <a:r>
+              <a:rPr lang="es-ES" noProof="0"/>
+              <a:t>Agregar un pie de página</a:t>
+            </a:r>
+            <a:endParaRPr lang="es-ES" noProof="0" dirty="0"/>
+          </a:p>
+        </p:txBody>
+      </p:sp>
+      <p:sp>
+        <p:nvSpPr>
+          <p:cNvPr id="7" name="Marcador de número de diapositiva 6">
+            <a:extLst>
+              <a:ext uri="{FF2B5EF4-FFF2-40B4-BE49-F238E27FC236}">
+                <a16:creationId xmlns:a16="http://schemas.microsoft.com/office/drawing/2014/main" id="{41DA4AFA-E518-472B-A834-5D4295BA6605}"/>
+              </a:ext>
+            </a:extLst>
+          </p:cNvPr>
+          <p:cNvSpPr>
+            <a:spLocks noGrp="1"/>
+          </p:cNvSpPr>
+          <p:nvPr>
+            <p:ph type="sldNum" sz="quarter" idx="12"/>
+          </p:nvPr>
+        </p:nvSpPr>
+        <p:spPr/>
+        <p:txBody>
+          <a:bodyPr/>
+          <a:lstStyle/>
+          <a:p>
+            <a:pPr rtl="0"/>
+            <a:fld id="{7DC1BBB0-96F0-4077-A278-0F3FB5C104D3}" type="slidenum">
+              <a:rPr lang="es-ES" noProof="0" smtClean="0"/>
+              <a:t>15</a:t>
+            </a:fld>
+            <a:endParaRPr lang="es-ES" noProof="0" dirty="0"/>
+          </a:p>
+        </p:txBody>
+      </p:sp>
+    </p:spTree>
+    <p:extLst>
+      <p:ext uri="{BB962C8B-B14F-4D97-AF65-F5344CB8AC3E}">
+        <p14:creationId xmlns:p14="http://schemas.microsoft.com/office/powerpoint/2010/main" val="1061194279"/>
+      </p:ext>
+    </p:extLst>
+  </p:cSld>
+  <p:clrMapOvr>
+    <a:masterClrMapping/>
+  </p:clrMapOvr>
+  <mc:AlternateContent xmlns:mc="http://schemas.openxmlformats.org/markup-compatibility/2006" xmlns:p14="http://schemas.microsoft.com/office/powerpoint/2010/main">
+    <mc:Choice Requires="p14">
+      <p:transition spd="med" p14:dur="700">
+        <p:fade/>
+      </p:transition>
+    </mc:Choice>
+    <mc:Fallback xmlns="">
+      <p:transition spd="med">
+        <p:fade/>
+      </p:transition>
+    </mc:Fallback>
+  </mc:AlternateContent>
+</p:sld>
+</file>
+
+<file path=ppt/slides/slide16.xml><?xml version="1.0" encoding="utf-8"?>
+<p:sld xmlns:a="http://schemas.openxmlformats.org/drawingml/2006/main" xmlns:r="http://schemas.openxmlformats.org/officeDocument/2006/relationships" xmlns:p="http://schemas.openxmlformats.org/presentationml/2006/main">
+  <p:cSld>
+    <p:spTree>
+      <p:nvGrpSpPr>
+        <p:cNvPr id="1" name=""/>
+        <p:cNvGrpSpPr/>
+        <p:nvPr/>
+      </p:nvGrpSpPr>
+      <p:grpSpPr>
+        <a:xfrm>
+          <a:off x="0" y="0"/>
+          <a:ext cx="0" cy="0"/>
+          <a:chOff x="0" y="0"/>
+          <a:chExt cx="0" cy="0"/>
+        </a:xfrm>
+      </p:grpSpPr>
+      <p:sp>
+        <p:nvSpPr>
+          <p:cNvPr id="2" name="Título 1"/>
+          <p:cNvSpPr>
+            <a:spLocks noGrp="1"/>
+          </p:cNvSpPr>
+          <p:nvPr>
+            <p:ph type="title"/>
+          </p:nvPr>
+        </p:nvSpPr>
+        <p:spPr/>
+        <p:txBody>
+          <a:bodyPr rtlCol="0"/>
+          <a:lstStyle/>
+          <a:p>
+            <a:pPr rtl="0"/>
+            <a:r>
+              <a:rPr lang="es-ES" dirty="0"/>
+              <a:t>Agregar un título de diapositiva (3)</a:t>
+            </a:r>
+          </a:p>
+        </p:txBody>
+      </p:sp>
+      <p:sp>
+        <p:nvSpPr>
+          <p:cNvPr id="3" name="Marcador de pie de página 2">
+            <a:extLst>
+              <a:ext uri="{FF2B5EF4-FFF2-40B4-BE49-F238E27FC236}">
+                <a16:creationId xmlns:a16="http://schemas.microsoft.com/office/drawing/2014/main" id="{605CF5B0-E3D8-4A73-B6A0-F474B11593A7}"/>
+              </a:ext>
+            </a:extLst>
+          </p:cNvPr>
+          <p:cNvSpPr>
+            <a:spLocks noGrp="1"/>
+          </p:cNvSpPr>
+          <p:nvPr>
+            <p:ph type="ftr" sz="quarter" idx="11"/>
+          </p:nvPr>
+        </p:nvSpPr>
+        <p:spPr/>
+        <p:txBody>
+          <a:bodyPr/>
+          <a:lstStyle/>
+          <a:p>
+            <a:pPr rtl="0"/>
+            <a:r>
+              <a:rPr lang="es-ES" noProof="0"/>
+              <a:t>Agregar un pie de página</a:t>
+            </a:r>
+            <a:endParaRPr lang="es-ES" noProof="0" dirty="0"/>
+          </a:p>
+        </p:txBody>
+      </p:sp>
+      <p:sp>
+        <p:nvSpPr>
+          <p:cNvPr id="4" name="Marcador de número de diapositiva 3">
+            <a:extLst>
+              <a:ext uri="{FF2B5EF4-FFF2-40B4-BE49-F238E27FC236}">
+                <a16:creationId xmlns:a16="http://schemas.microsoft.com/office/drawing/2014/main" id="{B6383853-2D00-4E16-8AE5-C1B6B8DC5FE3}"/>
+              </a:ext>
+            </a:extLst>
+          </p:cNvPr>
+          <p:cNvSpPr>
+            <a:spLocks noGrp="1"/>
+          </p:cNvSpPr>
+          <p:nvPr>
+            <p:ph type="sldNum" sz="quarter" idx="12"/>
+          </p:nvPr>
+        </p:nvSpPr>
+        <p:spPr/>
+        <p:txBody>
+          <a:bodyPr/>
+          <a:lstStyle/>
+          <a:p>
+            <a:pPr rtl="0"/>
+            <a:fld id="{7DC1BBB0-96F0-4077-A278-0F3FB5C104D3}" type="slidenum">
+              <a:rPr lang="es-ES" noProof="0" smtClean="0"/>
+              <a:t>16</a:t>
+            </a:fld>
+            <a:endParaRPr lang="es-ES" noProof="0" dirty="0"/>
+          </a:p>
+        </p:txBody>
+      </p:sp>
+    </p:spTree>
+    <p:extLst>
+      <p:ext uri="{BB962C8B-B14F-4D97-AF65-F5344CB8AC3E}">
+        <p14:creationId xmlns:p14="http://schemas.microsoft.com/office/powerpoint/2010/main" val="3401786857"/>
+      </p:ext>
+    </p:extLst>
+  </p:cSld>
+  <p:clrMapOvr>
+    <a:masterClrMapping/>
+  </p:clrMapOvr>
+  <mc:AlternateContent xmlns:mc="http://schemas.openxmlformats.org/markup-compatibility/2006" xmlns:p14="http://schemas.microsoft.com/office/powerpoint/2010/main">
+    <mc:Choice Requires="p14">
+      <p:transition spd="med" p14:dur="700">
+        <p:fade/>
+      </p:transition>
+    </mc:Choice>
+    <mc:Fallback xmlns="">
+      <p:transition spd="med">
+        <p:fade/>
+      </p:transition>
+    </mc:Fallback>
+  </mc:AlternateContent>
+</p:sld>
+</file>
+
+<file path=ppt/slides/slide17.xml><?xml version="1.0" encoding="utf-8"?>
+<p:sld xmlns:a="http://schemas.openxmlformats.org/drawingml/2006/main" xmlns:r="http://schemas.openxmlformats.org/officeDocument/2006/relationships" xmlns:p="http://schemas.openxmlformats.org/presentationml/2006/main">
+  <p:cSld>
+    <p:spTree>
+      <p:nvGrpSpPr>
+        <p:cNvPr id="1" name=""/>
+        <p:cNvGrpSpPr/>
+        <p:nvPr/>
+      </p:nvGrpSpPr>
+      <p:grpSpPr>
+        <a:xfrm>
+          <a:off x="0" y="0"/>
+          <a:ext cx="0" cy="0"/>
+          <a:chOff x="0" y="0"/>
+          <a:chExt cx="0" cy="0"/>
+        </a:xfrm>
+      </p:grpSpPr>
+      <p:sp>
+        <p:nvSpPr>
+          <p:cNvPr id="2" name="Marcador de pie de página 1">
+            <a:extLst>
+              <a:ext uri="{FF2B5EF4-FFF2-40B4-BE49-F238E27FC236}">
+                <a16:creationId xmlns:a16="http://schemas.microsoft.com/office/drawing/2014/main" id="{7F42C0CF-13C4-4154-B2AB-C267BFC017E5}"/>
+              </a:ext>
+            </a:extLst>
+          </p:cNvPr>
+          <p:cNvSpPr>
+            <a:spLocks noGrp="1"/>
+          </p:cNvSpPr>
+          <p:nvPr>
+            <p:ph type="ftr" sz="quarter" idx="11"/>
+          </p:nvPr>
+        </p:nvSpPr>
+        <p:spPr/>
+        <p:txBody>
+          <a:bodyPr/>
+          <a:lstStyle/>
+          <a:p>
+            <a:pPr rtl="0"/>
+            <a:r>
+              <a:rPr lang="es-ES" noProof="0"/>
+              <a:t>Agregar un pie de página</a:t>
+            </a:r>
+            <a:endParaRPr lang="es-ES" noProof="0" dirty="0"/>
+          </a:p>
+        </p:txBody>
+      </p:sp>
+      <p:sp>
+        <p:nvSpPr>
+          <p:cNvPr id="3" name="Marcador de número de diapositiva 2">
+            <a:extLst>
+              <a:ext uri="{FF2B5EF4-FFF2-40B4-BE49-F238E27FC236}">
+                <a16:creationId xmlns:a16="http://schemas.microsoft.com/office/drawing/2014/main" id="{E1491466-AF14-4928-BFC8-9433024D6A7E}"/>
+              </a:ext>
+            </a:extLst>
+          </p:cNvPr>
+          <p:cNvSpPr>
+            <a:spLocks noGrp="1"/>
+          </p:cNvSpPr>
+          <p:nvPr>
+            <p:ph type="sldNum" sz="quarter" idx="12"/>
+          </p:nvPr>
+        </p:nvSpPr>
+        <p:spPr/>
+        <p:txBody>
+          <a:bodyPr/>
+          <a:lstStyle/>
+          <a:p>
+            <a:pPr rtl="0"/>
+            <a:fld id="{7DC1BBB0-96F0-4077-A278-0F3FB5C104D3}" type="slidenum">
+              <a:rPr lang="es-ES" noProof="0" smtClean="0"/>
+              <a:pPr rtl="0"/>
+              <a:t>17</a:t>
+            </a:fld>
+            <a:endParaRPr lang="es-ES" noProof="0" dirty="0"/>
+          </a:p>
+        </p:txBody>
+      </p:sp>
+    </p:spTree>
+    <p:extLst>
+      <p:ext uri="{BB962C8B-B14F-4D97-AF65-F5344CB8AC3E}">
+        <p14:creationId xmlns:p14="http://schemas.microsoft.com/office/powerpoint/2010/main" val="4022862849"/>
+      </p:ext>
+    </p:extLst>
+  </p:cSld>
+  <p:clrMapOvr>
+    <a:masterClrMapping/>
+  </p:clrMapOvr>
+  <mc:AlternateContent xmlns:mc="http://schemas.openxmlformats.org/markup-compatibility/2006" xmlns:p14="http://schemas.microsoft.com/office/powerpoint/2010/main">
+    <mc:Choice Requires="p14">
+      <p:transition spd="med" p14:dur="700">
+        <p:fade/>
+      </p:transition>
+    </mc:Choice>
+    <mc:Fallback xmlns="">
+      <p:transition spd="med">
+        <p:fade/>
+      </p:transition>
+    </mc:Fallback>
+  </mc:AlternateContent>
+</p:sld>
+</file>
+
+<file path=ppt/slides/slide18.xml><?xml version="1.0" encoding="utf-8"?>
+<p:sld xmlns:a="http://schemas.openxmlformats.org/drawingml/2006/main" xmlns:r="http://schemas.openxmlformats.org/officeDocument/2006/relationships" xmlns:p="http://schemas.openxmlformats.org/presentationml/2006/main">
+  <p:cSld>
+    <p:spTree>
+      <p:nvGrpSpPr>
+        <p:cNvPr id="1" name=""/>
+        <p:cNvGrpSpPr/>
+        <p:nvPr/>
+      </p:nvGrpSpPr>
+      <p:grpSpPr>
+        <a:xfrm>
+          <a:off x="0" y="0"/>
+          <a:ext cx="0" cy="0"/>
+          <a:chOff x="0" y="0"/>
+          <a:chExt cx="0" cy="0"/>
+        </a:xfrm>
+      </p:grpSpPr>
+      <p:sp>
+        <p:nvSpPr>
+          <p:cNvPr id="2" name="Título 1"/>
+          <p:cNvSpPr>
+            <a:spLocks noGrp="1"/>
+          </p:cNvSpPr>
+          <p:nvPr>
+            <p:ph type="title"/>
+          </p:nvPr>
+        </p:nvSpPr>
+        <p:spPr/>
+        <p:txBody>
+          <a:bodyPr rtlCol="0"/>
+          <a:lstStyle/>
+          <a:p>
+            <a:pPr rtl="0"/>
+            <a:r>
+              <a:rPr lang="es-ES" dirty="0"/>
+              <a:t>Agregar un título de diapositiva (4)</a:t>
+            </a:r>
+          </a:p>
+        </p:txBody>
+      </p:sp>
+      <p:sp>
+        <p:nvSpPr>
+          <p:cNvPr id="4" name="Marcador de posición de contenido 3"/>
+          <p:cNvSpPr>
+            <a:spLocks noGrp="1"/>
+          </p:cNvSpPr>
+          <p:nvPr>
+            <p:ph idx="1"/>
+          </p:nvPr>
+        </p:nvSpPr>
+        <p:spPr/>
+        <p:txBody>
+          <a:bodyPr rtlCol="0"/>
+          <a:lstStyle/>
+          <a:p>
+            <a:pPr rtl="0"/>
+            <a:endParaRPr lang="es-ES" dirty="0"/>
+          </a:p>
+        </p:txBody>
+      </p:sp>
+      <p:sp>
+        <p:nvSpPr>
+          <p:cNvPr id="7" name="Marcador de posición de texto 6"/>
+          <p:cNvSpPr>
+            <a:spLocks noGrp="1"/>
+          </p:cNvSpPr>
+          <p:nvPr>
+            <p:ph type="body" sz="half" idx="2"/>
+          </p:nvPr>
+        </p:nvSpPr>
+        <p:spPr/>
+        <p:txBody>
+          <a:bodyPr rtlCol="0"/>
+          <a:lstStyle/>
+          <a:p>
+            <a:pPr rtl="0"/>
+            <a:endParaRPr lang="es-ES" dirty="0"/>
+          </a:p>
+        </p:txBody>
+      </p:sp>
+      <p:sp>
+        <p:nvSpPr>
+          <p:cNvPr id="3" name="Marcador de pie de página 2">
+            <a:extLst>
+              <a:ext uri="{FF2B5EF4-FFF2-40B4-BE49-F238E27FC236}">
+                <a16:creationId xmlns:a16="http://schemas.microsoft.com/office/drawing/2014/main" id="{1B0A2556-12B2-42D6-BCC3-F811588323DF}"/>
+              </a:ext>
+            </a:extLst>
+          </p:cNvPr>
+          <p:cNvSpPr>
+            <a:spLocks noGrp="1"/>
+          </p:cNvSpPr>
+          <p:nvPr>
+            <p:ph type="ftr" sz="quarter" idx="11"/>
+          </p:nvPr>
+        </p:nvSpPr>
+        <p:spPr/>
+        <p:txBody>
+          <a:bodyPr/>
+          <a:lstStyle/>
+          <a:p>
+            <a:pPr rtl="0"/>
+            <a:r>
+              <a:rPr lang="es-ES" noProof="0"/>
+              <a:t>Agregar un pie de página</a:t>
+            </a:r>
+            <a:endParaRPr lang="es-ES" noProof="0" dirty="0"/>
+          </a:p>
+        </p:txBody>
+      </p:sp>
+      <p:sp>
+        <p:nvSpPr>
+          <p:cNvPr id="5" name="Marcador de número de diapositiva 4">
+            <a:extLst>
+              <a:ext uri="{FF2B5EF4-FFF2-40B4-BE49-F238E27FC236}">
+                <a16:creationId xmlns:a16="http://schemas.microsoft.com/office/drawing/2014/main" id="{F845EE72-4EF2-4A51-80A2-B71984092F2F}"/>
+              </a:ext>
+            </a:extLst>
+          </p:cNvPr>
+          <p:cNvSpPr>
+            <a:spLocks noGrp="1"/>
+          </p:cNvSpPr>
+          <p:nvPr>
+            <p:ph type="sldNum" sz="quarter" idx="12"/>
+          </p:nvPr>
+        </p:nvSpPr>
+        <p:spPr/>
+        <p:txBody>
+          <a:bodyPr/>
+          <a:lstStyle/>
+          <a:p>
+            <a:pPr rtl="0"/>
+            <a:fld id="{7DC1BBB0-96F0-4077-A278-0F3FB5C104D3}" type="slidenum">
+              <a:rPr lang="es-ES" noProof="0" smtClean="0"/>
+              <a:t>18</a:t>
+            </a:fld>
+            <a:endParaRPr lang="es-ES" noProof="0" dirty="0"/>
+          </a:p>
+        </p:txBody>
+      </p:sp>
+    </p:spTree>
+    <p:extLst>
+      <p:ext uri="{BB962C8B-B14F-4D97-AF65-F5344CB8AC3E}">
+        <p14:creationId xmlns:p14="http://schemas.microsoft.com/office/powerpoint/2010/main" val="3614150638"/>
+      </p:ext>
+    </p:extLst>
+  </p:cSld>
+  <p:clrMapOvr>
+    <a:masterClrMapping/>
+  </p:clrMapOvr>
+  <mc:AlternateContent xmlns:mc="http://schemas.openxmlformats.org/markup-compatibility/2006" xmlns:p14="http://schemas.microsoft.com/office/powerpoint/2010/main">
+    <mc:Choice Requires="p14">
+      <p:transition spd="med" p14:dur="700">
+        <p:fade/>
+      </p:transition>
+    </mc:Choice>
+    <mc:Fallback xmlns="">
+      <p:transition spd="med">
+        <p:fade/>
+      </p:transition>
+    </mc:Fallback>
+  </mc:AlternateContent>
+</p:sld>
+</file>
+
+<file path=ppt/slides/slide19.xml><?xml version="1.0" encoding="utf-8"?>
+<p:sld xmlns:a="http://schemas.openxmlformats.org/drawingml/2006/main" xmlns:r="http://schemas.openxmlformats.org/officeDocument/2006/relationships" xmlns:p="http://schemas.openxmlformats.org/presentationml/2006/main">
+  <p:cSld>
+    <p:spTree>
+      <p:nvGrpSpPr>
+        <p:cNvPr id="1" name=""/>
+        <p:cNvGrpSpPr/>
+        <p:nvPr/>
+      </p:nvGrpSpPr>
+      <p:grpSpPr>
+        <a:xfrm>
+          <a:off x="0" y="0"/>
+          <a:ext cx="0" cy="0"/>
+          <a:chOff x="0" y="0"/>
+          <a:chExt cx="0" cy="0"/>
+        </a:xfrm>
+      </p:grpSpPr>
+      <p:sp>
+        <p:nvSpPr>
+          <p:cNvPr id="2" name="Título 1"/>
+          <p:cNvSpPr>
+            <a:spLocks noGrp="1"/>
+          </p:cNvSpPr>
+          <p:nvPr>
+            <p:ph type="title"/>
+          </p:nvPr>
+        </p:nvSpPr>
+        <p:spPr/>
+        <p:txBody>
+          <a:bodyPr rtlCol="0"/>
+          <a:lstStyle/>
+          <a:p>
+            <a:pPr rtl="0"/>
+            <a:r>
+              <a:rPr lang="es-ES" dirty="0"/>
               <a:t>Agregar un título de diapositiva (5)</a:t>
             </a:r>
           </a:p>
@@ -13637,7 +14934,7 @@
             <a:fld id="{7DC1BBB0-96F0-4077-A278-0F3FB5C104D3}" type="slidenum">
               <a:rPr lang="es-ES" noProof="0" smtClean="0"/>
               <a:pPr rtl="0"/>
-              <a:t>15</a:t>
+              <a:t>19</a:t>
             </a:fld>
             <a:endParaRPr lang="es-ES" noProof="0" dirty="0"/>
           </a:p>
@@ -15009,45 +16306,7 @@
                 <a:latin typeface="Calibri" panose="020F0502020204030204" pitchFamily="34" charset="0"/>
                 <a:cs typeface="Calibri" panose="020F0502020204030204" pitchFamily="34" charset="0"/>
               </a:rPr>
-              <a:t>(</a:t>
-            </a:r>
-            <a:r>
-              <a:rPr lang="es-PE" sz="1600" b="1" dirty="0" err="1">
-                <a:solidFill>
-                  <a:schemeClr val="accent5">
-                    <a:lumMod val="75000"/>
-                  </a:schemeClr>
-                </a:solidFill>
-                <a:effectLst>
-                  <a:outerShdw blurRad="38100" dist="38100" dir="2700000" algn="tl">
-                    <a:srgbClr val="000000">
-                      <a:alpha val="43137"/>
-                    </a:srgbClr>
-                  </a:outerShdw>
-                </a:effectLst>
-                <a:latin typeface="Calibri" panose="020F0502020204030204" pitchFamily="34" charset="0"/>
-                <a:cs typeface="Calibri" panose="020F0502020204030204" pitchFamily="34" charset="0"/>
-              </a:rPr>
-              <a:t>Modified</a:t>
-            </a:r>
-            <a:r>
-              <a:rPr lang="es-PE" sz="1600" b="1" dirty="0">
-                <a:solidFill>
-                  <a:schemeClr val="accent5">
-                    <a:lumMod val="75000"/>
-                  </a:schemeClr>
-                </a:solidFill>
-                <a:effectLst>
-                  <a:outerShdw blurRad="38100" dist="38100" dir="2700000" algn="tl">
-                    <a:srgbClr val="000000">
-                      <a:alpha val="43137"/>
-                    </a:srgbClr>
-                  </a:outerShdw>
-                </a:effectLst>
-                <a:latin typeface="Calibri" panose="020F0502020204030204" pitchFamily="34" charset="0"/>
-                <a:cs typeface="Calibri" panose="020F0502020204030204" pitchFamily="34" charset="0"/>
-              </a:rPr>
-              <a:t>)</a:t>
+              <a:t>(Modified)</a:t>
             </a:r>
           </a:p>
         </p:txBody>
@@ -15119,45 +16378,7 @@
                 <a:latin typeface="Calibri" panose="020F0502020204030204" pitchFamily="34" charset="0"/>
                 <a:cs typeface="Calibri" panose="020F0502020204030204" pitchFamily="34" charset="0"/>
               </a:rPr>
-              <a:t>(</a:t>
-            </a:r>
-            <a:r>
-              <a:rPr lang="es-PE" sz="1600" b="1" dirty="0" err="1">
-                <a:solidFill>
-                  <a:schemeClr val="accent5">
-                    <a:lumMod val="75000"/>
-                  </a:schemeClr>
-                </a:solidFill>
-                <a:effectLst>
-                  <a:outerShdw blurRad="38100" dist="38100" dir="2700000" algn="tl">
-                    <a:srgbClr val="000000">
-                      <a:alpha val="43137"/>
-                    </a:srgbClr>
-                  </a:outerShdw>
-                </a:effectLst>
-                <a:latin typeface="Calibri" panose="020F0502020204030204" pitchFamily="34" charset="0"/>
-                <a:cs typeface="Calibri" panose="020F0502020204030204" pitchFamily="34" charset="0"/>
-              </a:rPr>
-              <a:t>Staged</a:t>
-            </a:r>
-            <a:r>
-              <a:rPr lang="es-PE" sz="1600" b="1" dirty="0">
-                <a:solidFill>
-                  <a:schemeClr val="accent5">
-                    <a:lumMod val="75000"/>
-                  </a:schemeClr>
-                </a:solidFill>
-                <a:effectLst>
-                  <a:outerShdw blurRad="38100" dist="38100" dir="2700000" algn="tl">
-                    <a:srgbClr val="000000">
-                      <a:alpha val="43137"/>
-                    </a:srgbClr>
-                  </a:outerShdw>
-                </a:effectLst>
-                <a:latin typeface="Calibri" panose="020F0502020204030204" pitchFamily="34" charset="0"/>
-                <a:cs typeface="Calibri" panose="020F0502020204030204" pitchFamily="34" charset="0"/>
-              </a:rPr>
-              <a:t>)</a:t>
+              <a:t>(Staged)</a:t>
             </a:r>
           </a:p>
         </p:txBody>
@@ -16870,7 +18091,7 @@
         </p:nvSpPr>
         <p:spPr>
           <a:xfrm>
-            <a:off x="1485900" y="836712"/>
+            <a:off x="1341884" y="188640"/>
             <a:ext cx="8928992" cy="5909310"/>
           </a:xfrm>
           <a:prstGeom prst="rect">
@@ -17207,7 +18428,43 @@
                 <a:cs typeface="Calibri" panose="020F0502020204030204" pitchFamily="34" charset="0"/>
                 <a:sym typeface="Wingdings" panose="05000000000000000000" pitchFamily="2" charset="2"/>
               </a:rPr>
-              <a:t>"code --wait“ </a:t>
+              <a:t>"code --</a:t>
+            </a:r>
+            <a:r>
+              <a:rPr lang="es-PE" i="1" dirty="0" err="1">
+                <a:solidFill>
+                  <a:srgbClr val="7030A0"/>
+                </a:solidFill>
+                <a:effectLst>
+                  <a:outerShdw blurRad="38100" dist="38100" dir="2700000" algn="tl">
+                    <a:srgbClr val="000000">
+                      <a:alpha val="43137"/>
+                    </a:srgbClr>
+                  </a:outerShdw>
+                </a:effectLst>
+                <a:latin typeface="Calibri" panose="020F0502020204030204" pitchFamily="34" charset="0"/>
+                <a:cs typeface="Calibri" panose="020F0502020204030204" pitchFamily="34" charset="0"/>
+                <a:sym typeface="Wingdings" panose="05000000000000000000" pitchFamily="2" charset="2"/>
+              </a:rPr>
+              <a:t>wait</a:t>
+            </a:r>
+            <a:r>
+              <a:rPr lang="es-PE" i="1" dirty="0">
+                <a:solidFill>
+                  <a:srgbClr val="7030A0"/>
+                </a:solidFill>
+                <a:effectLst>
+                  <a:outerShdw blurRad="38100" dist="38100" dir="2700000" algn="tl">
+                    <a:srgbClr val="000000">
+                      <a:alpha val="43137"/>
+                    </a:srgbClr>
+                  </a:outerShdw>
+                </a:effectLst>
+                <a:latin typeface="Calibri" panose="020F0502020204030204" pitchFamily="34" charset="0"/>
+                <a:cs typeface="Calibri" panose="020F0502020204030204" pitchFamily="34" charset="0"/>
+                <a:sym typeface="Wingdings" panose="05000000000000000000" pitchFamily="2" charset="2"/>
+              </a:rPr>
+              <a:t>“ </a:t>
             </a:r>
             <a:r>
               <a:rPr lang="es-PE" i="1" dirty="0">
@@ -17251,7 +18508,43 @@
                 <a:cs typeface="Calibri" panose="020F0502020204030204" pitchFamily="34" charset="0"/>
                 <a:sym typeface="Wingdings" panose="05000000000000000000" pitchFamily="2" charset="2"/>
               </a:rPr>
-              <a:t>git config --global core.editor </a:t>
+              <a:t>git config --global </a:t>
+            </a:r>
+            <a:r>
+              <a:rPr lang="es-PE" i="1" dirty="0" err="1">
+                <a:solidFill>
+                  <a:schemeClr val="tx2"/>
+                </a:solidFill>
+                <a:effectLst>
+                  <a:outerShdw blurRad="38100" dist="38100" dir="2700000" algn="tl">
+                    <a:srgbClr val="000000">
+                      <a:alpha val="43137"/>
+                    </a:srgbClr>
+                  </a:outerShdw>
+                </a:effectLst>
+                <a:latin typeface="Calibri" panose="020F0502020204030204" pitchFamily="34" charset="0"/>
+                <a:cs typeface="Calibri" panose="020F0502020204030204" pitchFamily="34" charset="0"/>
+                <a:sym typeface="Wingdings" panose="05000000000000000000" pitchFamily="2" charset="2"/>
+              </a:rPr>
+              <a:t>core.editor</a:t>
+            </a:r>
+            <a:r>
+              <a:rPr lang="es-PE" i="1" dirty="0">
+                <a:solidFill>
+                  <a:schemeClr val="tx2"/>
+                </a:solidFill>
+                <a:effectLst>
+                  <a:outerShdw blurRad="38100" dist="38100" dir="2700000" algn="tl">
+                    <a:srgbClr val="000000">
+                      <a:alpha val="43137"/>
+                    </a:srgbClr>
+                  </a:outerShdw>
+                </a:effectLst>
+                <a:latin typeface="Calibri" panose="020F0502020204030204" pitchFamily="34" charset="0"/>
+                <a:cs typeface="Calibri" panose="020F0502020204030204" pitchFamily="34" charset="0"/>
+                <a:sym typeface="Wingdings" panose="05000000000000000000" pitchFamily="2" charset="2"/>
+              </a:rPr>
+              <a:t> </a:t>
             </a:r>
             <a:r>
               <a:rPr lang="es-PE" i="1" dirty="0">
@@ -17269,43 +18562,7 @@
                 <a:cs typeface="Calibri" panose="020F0502020204030204" pitchFamily="34" charset="0"/>
                 <a:sym typeface="Wingdings" panose="05000000000000000000" pitchFamily="2" charset="2"/>
               </a:rPr>
-              <a:t>"'C:/</a:t>
-            </a:r>
-            <a:r>
-              <a:rPr lang="es-PE" i="1" dirty="0" err="1">
-                <a:solidFill>
-                  <a:srgbClr val="7030A0"/>
-                </a:solidFill>
-                <a:effectLst>
-                  <a:outerShdw blurRad="38100" dist="38100" dir="2700000" algn="tl">
-                    <a:srgbClr val="000000">
-                      <a:alpha val="43137"/>
-                    </a:srgbClr>
-                  </a:outerShdw>
-                </a:effectLst>
-                <a:latin typeface="Calibri" panose="020F0502020204030204" pitchFamily="34" charset="0"/>
-                <a:cs typeface="Calibri" panose="020F0502020204030204" pitchFamily="34" charset="0"/>
-                <a:sym typeface="Wingdings" panose="05000000000000000000" pitchFamily="2" charset="2"/>
-              </a:rPr>
-              <a:t>Program</a:t>
-            </a:r>
-            <a:r>
-              <a:rPr lang="es-PE" i="1" dirty="0">
-                <a:solidFill>
-                  <a:srgbClr val="7030A0"/>
-                </a:solidFill>
-                <a:effectLst>
-                  <a:outerShdw blurRad="38100" dist="38100" dir="2700000" algn="tl">
-                    <a:srgbClr val="000000">
-                      <a:alpha val="43137"/>
-                    </a:srgbClr>
-                  </a:outerShdw>
-                </a:effectLst>
-                <a:latin typeface="Calibri" panose="020F0502020204030204" pitchFamily="34" charset="0"/>
-                <a:cs typeface="Calibri" panose="020F0502020204030204" pitchFamily="34" charset="0"/>
-                <a:sym typeface="Wingdings" panose="05000000000000000000" pitchFamily="2" charset="2"/>
-              </a:rPr>
-              <a:t> Files (x86)/Notepad++/</a:t>
+              <a:t>“’C:/[Ruta PC]/</a:t>
             </a:r>
             <a:r>
               <a:rPr lang="es-PE" i="1" dirty="0" err="1">
@@ -17856,83 +19113,10 @@
       </p:grpSpPr>
       <p:sp>
         <p:nvSpPr>
-          <p:cNvPr id="2" name="Título 1"/>
-          <p:cNvSpPr>
-            <a:spLocks noGrp="1"/>
-          </p:cNvSpPr>
-          <p:nvPr>
-            <p:ph type="title"/>
-          </p:nvPr>
-        </p:nvSpPr>
-        <p:spPr/>
-        <p:txBody>
-          <a:bodyPr rtlCol="0"/>
-          <a:lstStyle/>
-          <a:p>
-            <a:pPr rtl="0"/>
-            <a:r>
-              <a:rPr lang="es-ES" dirty="0"/>
-              <a:t>Agregar un título de diapositiva (4)</a:t>
-            </a:r>
-          </a:p>
-        </p:txBody>
-      </p:sp>
-      <p:sp>
-        <p:nvSpPr>
-          <p:cNvPr id="7" name="Marcador de posición de texto 6"/>
-          <p:cNvSpPr>
-            <a:spLocks noGrp="1"/>
-          </p:cNvSpPr>
-          <p:nvPr>
-            <p:ph type="body" sz="half" idx="2"/>
-          </p:nvPr>
-        </p:nvSpPr>
-        <p:spPr/>
-        <p:txBody>
-          <a:bodyPr rtlCol="0"/>
-          <a:lstStyle/>
-          <a:p>
-            <a:pPr rtl="0"/>
-            <a:endParaRPr lang="es-ES" dirty="0"/>
-          </a:p>
-        </p:txBody>
-      </p:sp>
-      <p:sp>
-        <p:nvSpPr>
-          <p:cNvPr id="3" name="Marcador de pie de página 2">
+          <p:cNvPr id="3" name="Marcador de número de diapositiva 2">
             <a:extLst>
               <a:ext uri="{FF2B5EF4-FFF2-40B4-BE49-F238E27FC236}">
-                <a16:creationId xmlns:a16="http://schemas.microsoft.com/office/drawing/2014/main" id="{1B0A2556-12B2-42D6-BCC3-F811588323DF}"/>
-              </a:ext>
-            </a:extLst>
-          </p:cNvPr>
-          <p:cNvSpPr>
-            <a:spLocks noGrp="1"/>
-          </p:cNvSpPr>
-          <p:nvPr>
-            <p:ph type="ftr" sz="quarter" idx="11"/>
-          </p:nvPr>
-        </p:nvSpPr>
-        <p:spPr/>
-        <p:txBody>
-          <a:bodyPr/>
-          <a:lstStyle/>
-          <a:p>
-            <a:pPr rtl="0"/>
-            <a:r>
-              <a:rPr lang="es-ES" noProof="0"/>
-              <a:t>Agregar un pie de página</a:t>
-            </a:r>
-            <a:endParaRPr lang="es-ES" noProof="0" dirty="0"/>
-          </a:p>
-        </p:txBody>
-      </p:sp>
-      <p:sp>
-        <p:nvSpPr>
-          <p:cNvPr id="5" name="Marcador de número de diapositiva 4">
-            <a:extLst>
-              <a:ext uri="{FF2B5EF4-FFF2-40B4-BE49-F238E27FC236}">
-                <a16:creationId xmlns:a16="http://schemas.microsoft.com/office/drawing/2014/main" id="{F845EE72-4EF2-4A51-80A2-B71984092F2F}"/>
+                <a16:creationId xmlns:a16="http://schemas.microsoft.com/office/drawing/2014/main" id="{8D2D6617-46E2-4BB5-A527-766D31BC6FE3}"/>
               </a:ext>
             </a:extLst>
           </p:cNvPr>
@@ -17943,7 +19127,12 @@
             <p:ph type="sldNum" sz="quarter" idx="12"/>
           </p:nvPr>
         </p:nvSpPr>
-        <p:spPr/>
+        <p:spPr>
+          <a:xfrm>
+            <a:off x="10766796" y="6448251"/>
+            <a:ext cx="609441" cy="365125"/>
+          </a:xfrm>
+        </p:spPr>
         <p:txBody>
           <a:bodyPr/>
           <a:lstStyle/>
@@ -17957,57 +19146,761 @@
           </a:p>
         </p:txBody>
       </p:sp>
-      <p:pic>
-        <p:nvPicPr>
-          <p:cNvPr id="2050" name="Picture 2" descr="El ciclo de vida del estado de tus archivos.">
+      <p:sp>
+        <p:nvSpPr>
+          <p:cNvPr id="2" name="CuadroTexto 1">
             <a:extLst>
               <a:ext uri="{FF2B5EF4-FFF2-40B4-BE49-F238E27FC236}">
-                <a16:creationId xmlns:a16="http://schemas.microsoft.com/office/drawing/2014/main" id="{5B9AB28A-925D-47D0-8F05-8C5E20E37EDD}"/>
+                <a16:creationId xmlns:a16="http://schemas.microsoft.com/office/drawing/2014/main" id="{385B9208-6506-683A-1092-ECA25746D5E8}"/>
               </a:ext>
             </a:extLst>
           </p:cNvPr>
-          <p:cNvPicPr>
-            <a:picLocks noChangeAspect="1" noChangeArrowheads="1"/>
-          </p:cNvPicPr>
+          <p:cNvSpPr txBox="1"/>
           <p:nvPr/>
-        </p:nvPicPr>
-        <p:blipFill>
-          <a:blip r:embed="rId3">
-            <a:extLst>
-              <a:ext uri="{28A0092B-C50C-407E-A947-70E740481C1C}">
-                <a14:useLocalDpi xmlns:a14="http://schemas.microsoft.com/office/drawing/2010/main" val="0"/>
-              </a:ext>
-            </a:extLst>
-          </a:blip>
-          <a:srcRect/>
-          <a:stretch>
-            <a:fillRect/>
-          </a:stretch>
-        </p:blipFill>
-        <p:spPr bwMode="auto">
-          <a:xfrm>
-            <a:off x="4011164" y="1752600"/>
-            <a:ext cx="7620000" cy="3143250"/>
+        </p:nvSpPr>
+        <p:spPr>
+          <a:xfrm rot="16200000">
+            <a:off x="-1251192" y="3400442"/>
+            <a:ext cx="3159839" cy="461665"/>
           </a:xfrm>
           <a:prstGeom prst="rect">
             <a:avLst/>
           </a:prstGeom>
           <a:noFill/>
-          <a:extLst>
-            <a:ext uri="{909E8E84-426E-40DD-AFC4-6F175D3DCCD1}">
-              <a14:hiddenFill xmlns:a14="http://schemas.microsoft.com/office/drawing/2010/main">
+        </p:spPr>
+        <p:txBody>
+          <a:bodyPr wrap="none" rtlCol="0">
+            <a:spAutoFit/>
+          </a:bodyPr>
+          <a:lstStyle/>
+          <a:p>
+            <a:r>
+              <a:rPr lang="es-MX" sz="2400" b="1" dirty="0">
                 <a:solidFill>
-                  <a:srgbClr val="FFFFFF"/>
+                  <a:schemeClr val="bg1"/>
                 </a:solidFill>
-              </a14:hiddenFill>
-            </a:ext>
-          </a:extLst>
+                <a:effectLst>
+                  <a:outerShdw blurRad="38100" dist="38100" dir="2700000" algn="tl">
+                    <a:srgbClr val="000000">
+                      <a:alpha val="43137"/>
+                    </a:srgbClr>
+                  </a:outerShdw>
+                </a:effectLst>
+                <a:latin typeface="Calibri" panose="020F0502020204030204" pitchFamily="34" charset="0"/>
+                <a:cs typeface="Calibri" panose="020F0502020204030204" pitchFamily="34" charset="0"/>
+              </a:rPr>
+              <a:t>OPERACIONES BÁSICAS</a:t>
+            </a:r>
+            <a:endParaRPr lang="es-PE" sz="2400" b="1" dirty="0">
+              <a:solidFill>
+                <a:schemeClr val="bg1"/>
+              </a:solidFill>
+              <a:effectLst>
+                <a:outerShdw blurRad="38100" dist="38100" dir="2700000" algn="tl">
+                  <a:srgbClr val="000000">
+                    <a:alpha val="43137"/>
+                  </a:srgbClr>
+                </a:outerShdw>
+              </a:effectLst>
+              <a:latin typeface="Calibri" panose="020F0502020204030204" pitchFamily="34" charset="0"/>
+              <a:cs typeface="Calibri" panose="020F0502020204030204" pitchFamily="34" charset="0"/>
+            </a:endParaRPr>
+          </a:p>
+        </p:txBody>
+      </p:sp>
+      <p:sp>
+        <p:nvSpPr>
+          <p:cNvPr id="5" name="CuadroTexto 4">
+            <a:extLst>
+              <a:ext uri="{FF2B5EF4-FFF2-40B4-BE49-F238E27FC236}">
+                <a16:creationId xmlns:a16="http://schemas.microsoft.com/office/drawing/2014/main" id="{D9987EA6-DE13-79C2-4CDF-73C346DC30B0}"/>
+              </a:ext>
+            </a:extLst>
+          </p:cNvPr>
+          <p:cNvSpPr txBox="1"/>
+          <p:nvPr/>
+        </p:nvSpPr>
+        <p:spPr>
+          <a:xfrm rot="16200000">
+            <a:off x="-1857176" y="3866829"/>
+            <a:ext cx="5520678" cy="461665"/>
+          </a:xfrm>
+          <a:prstGeom prst="rect">
+            <a:avLst/>
+          </a:prstGeom>
+          <a:noFill/>
+        </p:spPr>
+        <p:txBody>
+          <a:bodyPr wrap="none" rtlCol="0">
+            <a:spAutoFit/>
+          </a:bodyPr>
+          <a:lstStyle/>
+          <a:p>
+            <a:r>
+              <a:rPr lang="es-MX" sz="2400" b="1" dirty="0">
+                <a:solidFill>
+                  <a:schemeClr val="bg1"/>
+                </a:solidFill>
+                <a:effectLst>
+                  <a:outerShdw blurRad="38100" dist="38100" dir="2700000" algn="tl">
+                    <a:srgbClr val="000000">
+                      <a:alpha val="43137"/>
+                    </a:srgbClr>
+                  </a:outerShdw>
+                </a:effectLst>
+                <a:latin typeface="Calibri" panose="020F0502020204030204" pitchFamily="34" charset="0"/>
+                <a:cs typeface="Calibri" panose="020F0502020204030204" pitchFamily="34" charset="0"/>
+              </a:rPr>
+              <a:t>EMPEZAR A TRABAJAR CON REPOSITORIO</a:t>
+            </a:r>
+            <a:endParaRPr lang="es-PE" sz="2400" b="1" dirty="0">
+              <a:solidFill>
+                <a:schemeClr val="bg1"/>
+              </a:solidFill>
+              <a:effectLst>
+                <a:outerShdw blurRad="38100" dist="38100" dir="2700000" algn="tl">
+                  <a:srgbClr val="000000">
+                    <a:alpha val="43137"/>
+                  </a:srgbClr>
+                </a:outerShdw>
+              </a:effectLst>
+              <a:latin typeface="Calibri" panose="020F0502020204030204" pitchFamily="34" charset="0"/>
+              <a:cs typeface="Calibri" panose="020F0502020204030204" pitchFamily="34" charset="0"/>
+            </a:endParaRPr>
+          </a:p>
+        </p:txBody>
+      </p:sp>
+      <p:sp>
+        <p:nvSpPr>
+          <p:cNvPr id="4" name="CuadroTexto 3">
+            <a:extLst>
+              <a:ext uri="{FF2B5EF4-FFF2-40B4-BE49-F238E27FC236}">
+                <a16:creationId xmlns:a16="http://schemas.microsoft.com/office/drawing/2014/main" id="{4D3E84DA-F7A2-07F9-07FE-7FF35CA09D3B}"/>
+              </a:ext>
+            </a:extLst>
+          </p:cNvPr>
+          <p:cNvSpPr txBox="1"/>
+          <p:nvPr/>
+        </p:nvSpPr>
+        <p:spPr>
+          <a:xfrm>
+            <a:off x="5437132" y="170503"/>
+            <a:ext cx="1796197" cy="369332"/>
+          </a:xfrm>
+          <a:prstGeom prst="rect">
+            <a:avLst/>
+          </a:prstGeom>
+          <a:solidFill>
+            <a:schemeClr val="accent5">
+              <a:lumMod val="40000"/>
+              <a:lumOff val="60000"/>
+            </a:schemeClr>
+          </a:solidFill>
+          <a:ln>
+            <a:solidFill>
+              <a:schemeClr val="tx2"/>
+            </a:solidFill>
+          </a:ln>
+        </p:spPr>
+        <p:txBody>
+          <a:bodyPr wrap="none" rtlCol="0">
+            <a:spAutoFit/>
+          </a:bodyPr>
+          <a:lstStyle/>
+          <a:p>
+            <a:r>
+              <a:rPr lang="es-MX" dirty="0"/>
+              <a:t>Repositorio GIT</a:t>
+            </a:r>
+            <a:endParaRPr lang="es-PE" dirty="0"/>
+          </a:p>
+        </p:txBody>
+      </p:sp>
+      <p:cxnSp>
+        <p:nvCxnSpPr>
+          <p:cNvPr id="7" name="Conector recto de flecha 6">
+            <a:extLst>
+              <a:ext uri="{FF2B5EF4-FFF2-40B4-BE49-F238E27FC236}">
+                <a16:creationId xmlns:a16="http://schemas.microsoft.com/office/drawing/2014/main" id="{5F8DB0EE-752D-8B8D-F71F-966495484BB7}"/>
+              </a:ext>
+            </a:extLst>
+          </p:cNvPr>
+          <p:cNvCxnSpPr>
+            <a:cxnSpLocks/>
+            <a:stCxn id="4" idx="2"/>
+            <a:endCxn id="16" idx="0"/>
+          </p:cNvCxnSpPr>
+          <p:nvPr/>
+        </p:nvCxnSpPr>
+        <p:spPr>
+          <a:xfrm flipH="1">
+            <a:off x="3863792" y="539835"/>
+            <a:ext cx="2471439" cy="944949"/>
+          </a:xfrm>
+          <a:prstGeom prst="straightConnector1">
+            <a:avLst/>
+          </a:prstGeom>
+          <a:ln w="28575">
+            <a:tailEnd type="triangle"/>
+          </a:ln>
+        </p:spPr>
+        <p:style>
+          <a:lnRef idx="1">
+            <a:schemeClr val="accent1"/>
+          </a:lnRef>
+          <a:fillRef idx="0">
+            <a:schemeClr val="accent1"/>
+          </a:fillRef>
+          <a:effectRef idx="0">
+            <a:schemeClr val="accent1"/>
+          </a:effectRef>
+          <a:fontRef idx="minor">
+            <a:schemeClr val="tx1"/>
+          </a:fontRef>
+        </p:style>
+      </p:cxnSp>
+      <p:cxnSp>
+        <p:nvCxnSpPr>
+          <p:cNvPr id="9" name="Conector recto de flecha 8">
+            <a:extLst>
+              <a:ext uri="{FF2B5EF4-FFF2-40B4-BE49-F238E27FC236}">
+                <a16:creationId xmlns:a16="http://schemas.microsoft.com/office/drawing/2014/main" id="{CCBB7F1F-5B6C-D039-8B48-D1AB5DF59C43}"/>
+              </a:ext>
+            </a:extLst>
+          </p:cNvPr>
+          <p:cNvCxnSpPr>
+            <a:cxnSpLocks/>
+            <a:stCxn id="4" idx="2"/>
+            <a:endCxn id="18" idx="0"/>
+          </p:cNvCxnSpPr>
+          <p:nvPr/>
+        </p:nvCxnSpPr>
+        <p:spPr>
+          <a:xfrm>
+            <a:off x="6335231" y="539835"/>
+            <a:ext cx="2639501" cy="944949"/>
+          </a:xfrm>
+          <a:prstGeom prst="straightConnector1">
+            <a:avLst/>
+          </a:prstGeom>
+          <a:ln w="28575">
+            <a:tailEnd type="triangle"/>
+          </a:ln>
+        </p:spPr>
+        <p:style>
+          <a:lnRef idx="1">
+            <a:schemeClr val="accent1"/>
+          </a:lnRef>
+          <a:fillRef idx="0">
+            <a:schemeClr val="accent1"/>
+          </a:fillRef>
+          <a:effectRef idx="0">
+            <a:schemeClr val="accent1"/>
+          </a:effectRef>
+          <a:fontRef idx="minor">
+            <a:schemeClr val="tx1"/>
+          </a:fontRef>
+        </p:style>
+      </p:cxnSp>
+      <p:sp>
+        <p:nvSpPr>
+          <p:cNvPr id="16" name="CuadroTexto 15">
+            <a:extLst>
+              <a:ext uri="{FF2B5EF4-FFF2-40B4-BE49-F238E27FC236}">
+                <a16:creationId xmlns:a16="http://schemas.microsoft.com/office/drawing/2014/main" id="{6D5C2937-DC13-E387-FD1F-830CF1F28A86}"/>
+              </a:ext>
+            </a:extLst>
+          </p:cNvPr>
+          <p:cNvSpPr txBox="1"/>
+          <p:nvPr/>
+        </p:nvSpPr>
+        <p:spPr>
+          <a:xfrm>
+            <a:off x="1847568" y="1484784"/>
+            <a:ext cx="4032448" cy="1754326"/>
+          </a:xfrm>
+          <a:prstGeom prst="rect">
+            <a:avLst/>
+          </a:prstGeom>
+          <a:noFill/>
+        </p:spPr>
+        <p:txBody>
+          <a:bodyPr wrap="square" rtlCol="0">
+            <a:spAutoFit/>
+          </a:bodyPr>
+          <a:lstStyle/>
+          <a:p>
+            <a:pPr algn="just"/>
+            <a:r>
+              <a:rPr lang="es-PE" b="1" dirty="0">
+                <a:solidFill>
+                  <a:schemeClr val="accent1">
+                    <a:lumMod val="75000"/>
+                  </a:schemeClr>
+                </a:solidFill>
+                <a:effectLst>
+                  <a:outerShdw blurRad="38100" dist="38100" dir="2700000" algn="tl">
+                    <a:srgbClr val="000000">
+                      <a:alpha val="43137"/>
+                    </a:srgbClr>
+                  </a:outerShdw>
+                </a:effectLst>
+                <a:latin typeface="Calibri" panose="020F0502020204030204" pitchFamily="34" charset="0"/>
+                <a:cs typeface="Calibri" panose="020F0502020204030204" pitchFamily="34" charset="0"/>
+                <a:sym typeface="Wingdings" panose="05000000000000000000" pitchFamily="2" charset="2"/>
+              </a:rPr>
+              <a:t>INICIAR REPOSITORIO</a:t>
+            </a:r>
+            <a:endParaRPr lang="es-PE" dirty="0">
+              <a:solidFill>
+                <a:schemeClr val="tx2"/>
+              </a:solidFill>
+              <a:effectLst>
+                <a:outerShdw blurRad="38100" dist="38100" dir="2700000" algn="tl">
+                  <a:srgbClr val="000000">
+                    <a:alpha val="43137"/>
+                  </a:srgbClr>
+                </a:outerShdw>
+              </a:effectLst>
+              <a:latin typeface="Calibri" panose="020F0502020204030204" pitchFamily="34" charset="0"/>
+              <a:cs typeface="Calibri" panose="020F0502020204030204" pitchFamily="34" charset="0"/>
+            </a:endParaRPr>
+          </a:p>
+          <a:p>
+            <a:pPr marL="285750" indent="-285750" algn="just">
+              <a:buFont typeface="Arial" panose="020B0604020202020204" pitchFamily="34" charset="0"/>
+              <a:buChar char="•"/>
+            </a:pPr>
+            <a:r>
+              <a:rPr lang="es-PE" i="1" dirty="0">
+                <a:solidFill>
+                  <a:schemeClr val="tx2"/>
+                </a:solidFill>
+                <a:effectLst>
+                  <a:outerShdw blurRad="38100" dist="38100" dir="2700000" algn="tl">
+                    <a:srgbClr val="000000">
+                      <a:alpha val="43137"/>
+                    </a:srgbClr>
+                  </a:outerShdw>
+                </a:effectLst>
+                <a:latin typeface="Calibri" panose="020F0502020204030204" pitchFamily="34" charset="0"/>
+                <a:cs typeface="Calibri" panose="020F0502020204030204" pitchFamily="34" charset="0"/>
+              </a:rPr>
+              <a:t>Ubicarse en la estructura de carpetas que va a contener al repositorio de GIT y utilizar el comando siguiente:</a:t>
+            </a:r>
+          </a:p>
+          <a:p>
+            <a:pPr marL="285750" indent="-285750" algn="just">
+              <a:buFont typeface="Arial" panose="020B0604020202020204" pitchFamily="34" charset="0"/>
+              <a:buChar char="•"/>
+            </a:pPr>
+            <a:endParaRPr lang="es-PE" i="1" dirty="0">
+              <a:solidFill>
+                <a:schemeClr val="tx2"/>
+              </a:solidFill>
+              <a:effectLst>
+                <a:outerShdw blurRad="38100" dist="38100" dir="2700000" algn="tl">
+                  <a:srgbClr val="000000">
+                    <a:alpha val="43137"/>
+                  </a:srgbClr>
+                </a:outerShdw>
+              </a:effectLst>
+              <a:latin typeface="Calibri" panose="020F0502020204030204" pitchFamily="34" charset="0"/>
+              <a:cs typeface="Calibri" panose="020F0502020204030204" pitchFamily="34" charset="0"/>
+            </a:endParaRPr>
+          </a:p>
+          <a:p>
+            <a:pPr marL="285750" indent="-285750" algn="just">
+              <a:buFont typeface="Arial" panose="020B0604020202020204" pitchFamily="34" charset="0"/>
+              <a:buChar char="•"/>
+            </a:pPr>
+            <a:r>
+              <a:rPr lang="es-PE" i="1" dirty="0">
+                <a:solidFill>
+                  <a:schemeClr val="tx2"/>
+                </a:solidFill>
+                <a:effectLst>
+                  <a:outerShdw blurRad="38100" dist="38100" dir="2700000" algn="tl">
+                    <a:srgbClr val="000000">
+                      <a:alpha val="43137"/>
+                    </a:srgbClr>
+                  </a:outerShdw>
+                </a:effectLst>
+                <a:latin typeface="Calibri" panose="020F0502020204030204" pitchFamily="34" charset="0"/>
+                <a:cs typeface="Calibri" panose="020F0502020204030204" pitchFamily="34" charset="0"/>
+              </a:rPr>
+              <a:t>git init</a:t>
+            </a:r>
+            <a:endParaRPr lang="es-PE" i="1" dirty="0">
+              <a:solidFill>
+                <a:srgbClr val="7030A0"/>
+              </a:solidFill>
+              <a:effectLst>
+                <a:outerShdw blurRad="38100" dist="38100" dir="2700000" algn="tl">
+                  <a:srgbClr val="000000">
+                    <a:alpha val="43137"/>
+                  </a:srgbClr>
+                </a:outerShdw>
+              </a:effectLst>
+              <a:latin typeface="Calibri" panose="020F0502020204030204" pitchFamily="34" charset="0"/>
+              <a:cs typeface="Calibri" panose="020F0502020204030204" pitchFamily="34" charset="0"/>
+            </a:endParaRPr>
+          </a:p>
+        </p:txBody>
+      </p:sp>
+      <p:sp>
+        <p:nvSpPr>
+          <p:cNvPr id="18" name="CuadroTexto 17">
+            <a:extLst>
+              <a:ext uri="{FF2B5EF4-FFF2-40B4-BE49-F238E27FC236}">
+                <a16:creationId xmlns:a16="http://schemas.microsoft.com/office/drawing/2014/main" id="{BFACBA0F-EB6D-DA42-A5B0-D4030115F8C6}"/>
+              </a:ext>
+            </a:extLst>
+          </p:cNvPr>
+          <p:cNvSpPr txBox="1"/>
+          <p:nvPr/>
+        </p:nvSpPr>
+        <p:spPr>
+          <a:xfrm>
+            <a:off x="6958508" y="1484784"/>
+            <a:ext cx="4032448" cy="2031325"/>
+          </a:xfrm>
+          <a:prstGeom prst="rect">
+            <a:avLst/>
+          </a:prstGeom>
+          <a:noFill/>
+        </p:spPr>
+        <p:txBody>
+          <a:bodyPr wrap="square" rtlCol="0">
+            <a:spAutoFit/>
+          </a:bodyPr>
+          <a:lstStyle/>
+          <a:p>
+            <a:pPr algn="just"/>
+            <a:r>
+              <a:rPr lang="es-PE" b="1" dirty="0">
+                <a:solidFill>
+                  <a:schemeClr val="accent1">
+                    <a:lumMod val="75000"/>
+                  </a:schemeClr>
+                </a:solidFill>
+                <a:effectLst>
+                  <a:outerShdw blurRad="38100" dist="38100" dir="2700000" algn="tl">
+                    <a:srgbClr val="000000">
+                      <a:alpha val="43137"/>
+                    </a:srgbClr>
+                  </a:outerShdw>
+                </a:effectLst>
+                <a:latin typeface="Calibri" panose="020F0502020204030204" pitchFamily="34" charset="0"/>
+                <a:cs typeface="Calibri" panose="020F0502020204030204" pitchFamily="34" charset="0"/>
+                <a:sym typeface="Wingdings" panose="05000000000000000000" pitchFamily="2" charset="2"/>
+              </a:rPr>
+              <a:t>CLONAR REPOSITORIO</a:t>
+            </a:r>
+          </a:p>
+          <a:p>
+            <a:pPr marL="285750" indent="-285750" algn="just">
+              <a:buFont typeface="Arial" panose="020B0604020202020204" pitchFamily="34" charset="0"/>
+              <a:buChar char="•"/>
+            </a:pPr>
+            <a:r>
+              <a:rPr lang="es-PE" i="1" dirty="0">
+                <a:solidFill>
+                  <a:schemeClr val="tx2"/>
+                </a:solidFill>
+                <a:effectLst>
+                  <a:outerShdw blurRad="38100" dist="38100" dir="2700000" algn="tl">
+                    <a:srgbClr val="000000">
+                      <a:alpha val="43137"/>
+                    </a:srgbClr>
+                  </a:outerShdw>
+                </a:effectLst>
+                <a:latin typeface="Calibri" panose="020F0502020204030204" pitchFamily="34" charset="0"/>
+                <a:cs typeface="Calibri" panose="020F0502020204030204" pitchFamily="34" charset="0"/>
+              </a:rPr>
+              <a:t>Ubicarse en la estructura de carpetas que va a contener al repositorio de GIT clonado y utilizar el comando siguiente:</a:t>
+            </a:r>
+          </a:p>
+          <a:p>
+            <a:pPr algn="just"/>
+            <a:endParaRPr lang="es-PE" dirty="0">
+              <a:solidFill>
+                <a:schemeClr val="tx2"/>
+              </a:solidFill>
+              <a:latin typeface="Calibri" panose="020F0502020204030204" pitchFamily="34" charset="0"/>
+              <a:cs typeface="Calibri" panose="020F0502020204030204" pitchFamily="34" charset="0"/>
+            </a:endParaRPr>
+          </a:p>
+          <a:p>
+            <a:pPr marL="285750" indent="-285750" algn="just">
+              <a:buFont typeface="Arial" panose="020B0604020202020204" pitchFamily="34" charset="0"/>
+              <a:buChar char="•"/>
+            </a:pPr>
+            <a:r>
+              <a:rPr lang="es-PE" i="1" dirty="0">
+                <a:solidFill>
+                  <a:schemeClr val="tx2"/>
+                </a:solidFill>
+                <a:effectLst>
+                  <a:outerShdw blurRad="38100" dist="38100" dir="2700000" algn="tl">
+                    <a:srgbClr val="000000">
+                      <a:alpha val="43137"/>
+                    </a:srgbClr>
+                  </a:outerShdw>
+                </a:effectLst>
+                <a:latin typeface="Calibri" panose="020F0502020204030204" pitchFamily="34" charset="0"/>
+                <a:cs typeface="Calibri" panose="020F0502020204030204" pitchFamily="34" charset="0"/>
+              </a:rPr>
+              <a:t>git clone </a:t>
+            </a:r>
+            <a:r>
+              <a:rPr lang="es-PE" i="1" dirty="0">
+                <a:solidFill>
+                  <a:srgbClr val="7030A0"/>
+                </a:solidFill>
+                <a:effectLst>
+                  <a:outerShdw blurRad="38100" dist="38100" dir="2700000" algn="tl">
+                    <a:srgbClr val="000000">
+                      <a:alpha val="43137"/>
+                    </a:srgbClr>
+                  </a:outerShdw>
+                </a:effectLst>
+                <a:latin typeface="Calibri" panose="020F0502020204030204" pitchFamily="34" charset="0"/>
+                <a:cs typeface="Calibri" panose="020F0502020204030204" pitchFamily="34" charset="0"/>
+              </a:rPr>
+              <a:t>&lt;URL del repositorio GIT&gt;</a:t>
+            </a:r>
+            <a:endParaRPr lang="es-PE" i="1" dirty="0">
+              <a:solidFill>
+                <a:srgbClr val="7030A0"/>
+              </a:solidFill>
+              <a:effectLst>
+                <a:outerShdw blurRad="38100" dist="38100" dir="2700000" algn="tl">
+                  <a:srgbClr val="000000">
+                    <a:alpha val="43137"/>
+                  </a:srgbClr>
+                </a:outerShdw>
+              </a:effectLst>
+              <a:latin typeface="Calibri" panose="020F0502020204030204" pitchFamily="34" charset="0"/>
+              <a:cs typeface="Calibri" panose="020F0502020204030204" pitchFamily="34" charset="0"/>
+              <a:sym typeface="Wingdings" panose="05000000000000000000" pitchFamily="2" charset="2"/>
+            </a:endParaRPr>
+          </a:p>
+        </p:txBody>
+      </p:sp>
+      <p:cxnSp>
+        <p:nvCxnSpPr>
+          <p:cNvPr id="21" name="Conector recto 20">
+            <a:extLst>
+              <a:ext uri="{FF2B5EF4-FFF2-40B4-BE49-F238E27FC236}">
+                <a16:creationId xmlns:a16="http://schemas.microsoft.com/office/drawing/2014/main" id="{9F375AC0-B747-A700-6888-1B34DA2A16C6}"/>
+              </a:ext>
+            </a:extLst>
+          </p:cNvPr>
+          <p:cNvCxnSpPr/>
+          <p:nvPr/>
+        </p:nvCxnSpPr>
+        <p:spPr>
+          <a:xfrm>
+            <a:off x="6454452" y="1484784"/>
+            <a:ext cx="0" cy="5373216"/>
+          </a:xfrm>
+          <a:prstGeom prst="line">
+            <a:avLst/>
+          </a:prstGeom>
+          <a:ln w="28575">
+            <a:prstDash val="sysDot"/>
+          </a:ln>
+        </p:spPr>
+        <p:style>
+          <a:lnRef idx="1">
+            <a:schemeClr val="accent1"/>
+          </a:lnRef>
+          <a:fillRef idx="0">
+            <a:schemeClr val="accent1"/>
+          </a:fillRef>
+          <a:effectRef idx="0">
+            <a:schemeClr val="accent1"/>
+          </a:effectRef>
+          <a:fontRef idx="minor">
+            <a:schemeClr val="tx1"/>
+          </a:fontRef>
+        </p:style>
+      </p:cxnSp>
+      <p:pic>
+        <p:nvPicPr>
+          <p:cNvPr id="24" name="Imagen 23">
+            <a:extLst>
+              <a:ext uri="{FF2B5EF4-FFF2-40B4-BE49-F238E27FC236}">
+                <a16:creationId xmlns:a16="http://schemas.microsoft.com/office/drawing/2014/main" id="{D33D0130-E4CF-DF3E-7C48-4FF60E7A496A}"/>
+              </a:ext>
+            </a:extLst>
+          </p:cNvPr>
+          <p:cNvPicPr>
+            <a:picLocks noChangeAspect="1"/>
+          </p:cNvPicPr>
+          <p:nvPr/>
+        </p:nvPicPr>
+        <p:blipFill>
+          <a:blip r:embed="rId3"/>
+          <a:stretch>
+            <a:fillRect/>
+          </a:stretch>
+        </p:blipFill>
+        <p:spPr>
+          <a:xfrm>
+            <a:off x="1437841" y="3429000"/>
+            <a:ext cx="4831987" cy="2633211"/>
+          </a:xfrm>
+          <a:prstGeom prst="rect">
+            <a:avLst/>
+          </a:prstGeom>
+          <a:ln>
+            <a:solidFill>
+              <a:schemeClr val="tx2"/>
+            </a:solidFill>
+          </a:ln>
         </p:spPr>
       </p:pic>
+      <p:pic>
+        <p:nvPicPr>
+          <p:cNvPr id="29" name="Imagen 28">
+            <a:extLst>
+              <a:ext uri="{FF2B5EF4-FFF2-40B4-BE49-F238E27FC236}">
+                <a16:creationId xmlns:a16="http://schemas.microsoft.com/office/drawing/2014/main" id="{093258C9-9861-ABD2-307B-4C4800C2C24B}"/>
+              </a:ext>
+            </a:extLst>
+          </p:cNvPr>
+          <p:cNvPicPr>
+            <a:picLocks noChangeAspect="1"/>
+          </p:cNvPicPr>
+          <p:nvPr/>
+        </p:nvPicPr>
+        <p:blipFill>
+          <a:blip r:embed="rId4"/>
+          <a:stretch>
+            <a:fillRect/>
+          </a:stretch>
+        </p:blipFill>
+        <p:spPr>
+          <a:xfrm>
+            <a:off x="6562964" y="3539698"/>
+            <a:ext cx="5267167" cy="2640825"/>
+          </a:xfrm>
+          <a:prstGeom prst="rect">
+            <a:avLst/>
+          </a:prstGeom>
+        </p:spPr>
+      </p:pic>
+      <p:sp>
+        <p:nvSpPr>
+          <p:cNvPr id="31" name="CuadroTexto 30">
+            <a:extLst>
+              <a:ext uri="{FF2B5EF4-FFF2-40B4-BE49-F238E27FC236}">
+                <a16:creationId xmlns:a16="http://schemas.microsoft.com/office/drawing/2014/main" id="{47086E72-2F76-46CE-5C0A-0F3E41A2B644}"/>
+              </a:ext>
+            </a:extLst>
+          </p:cNvPr>
+          <p:cNvSpPr txBox="1"/>
+          <p:nvPr/>
+        </p:nvSpPr>
+        <p:spPr>
+          <a:xfrm>
+            <a:off x="7193585" y="6265083"/>
+            <a:ext cx="3797365" cy="923330"/>
+          </a:xfrm>
+          <a:prstGeom prst="rect">
+            <a:avLst/>
+          </a:prstGeom>
+          <a:noFill/>
+        </p:spPr>
+        <p:txBody>
+          <a:bodyPr wrap="square">
+            <a:spAutoFit/>
+          </a:bodyPr>
+          <a:lstStyle/>
+          <a:p>
+            <a:pPr marL="285750" indent="-285750" algn="just">
+              <a:buFont typeface="Arial" panose="020B0604020202020204" pitchFamily="34" charset="0"/>
+              <a:buChar char="•"/>
+            </a:pPr>
+            <a:r>
+              <a:rPr lang="es-PE" i="1" dirty="0">
+                <a:solidFill>
+                  <a:schemeClr val="tx2"/>
+                </a:solidFill>
+                <a:effectLst>
+                  <a:outerShdw blurRad="38100" dist="38100" dir="2700000" algn="tl">
+                    <a:srgbClr val="000000">
+                      <a:alpha val="43137"/>
+                    </a:srgbClr>
+                  </a:outerShdw>
+                </a:effectLst>
+                <a:latin typeface="Calibri" panose="020F0502020204030204" pitchFamily="34" charset="0"/>
+                <a:cs typeface="Calibri" panose="020F0502020204030204" pitchFamily="34" charset="0"/>
+              </a:rPr>
+              <a:t>git clone </a:t>
+            </a:r>
+            <a:r>
+              <a:rPr lang="es-PE" i="1" dirty="0">
+                <a:solidFill>
+                  <a:srgbClr val="7030A0"/>
+                </a:solidFill>
+                <a:effectLst>
+                  <a:outerShdw blurRad="38100" dist="38100" dir="2700000" algn="tl">
+                    <a:srgbClr val="000000">
+                      <a:alpha val="43137"/>
+                    </a:srgbClr>
+                  </a:outerShdw>
+                </a:effectLst>
+                <a:latin typeface="Calibri" panose="020F0502020204030204" pitchFamily="34" charset="0"/>
+                <a:cs typeface="Calibri" panose="020F0502020204030204" pitchFamily="34" charset="0"/>
+              </a:rPr>
+              <a:t>&lt;URL del repositorio GIT&gt; &lt;Nombre Carpeta&gt;</a:t>
+            </a:r>
+            <a:endParaRPr lang="es-PE" i="1" dirty="0">
+              <a:solidFill>
+                <a:srgbClr val="7030A0"/>
+              </a:solidFill>
+              <a:effectLst>
+                <a:outerShdw blurRad="38100" dist="38100" dir="2700000" algn="tl">
+                  <a:srgbClr val="000000">
+                    <a:alpha val="43137"/>
+                  </a:srgbClr>
+                </a:outerShdw>
+              </a:effectLst>
+              <a:latin typeface="Calibri" panose="020F0502020204030204" pitchFamily="34" charset="0"/>
+              <a:cs typeface="Calibri" panose="020F0502020204030204" pitchFamily="34" charset="0"/>
+              <a:sym typeface="Wingdings" panose="05000000000000000000" pitchFamily="2" charset="2"/>
+            </a:endParaRPr>
+          </a:p>
+          <a:p>
+            <a:pPr marL="285750" indent="-285750" algn="just">
+              <a:buFont typeface="Arial" panose="020B0604020202020204" pitchFamily="34" charset="0"/>
+              <a:buChar char="•"/>
+            </a:pPr>
+            <a:endParaRPr lang="es-PE" i="1" dirty="0">
+              <a:solidFill>
+                <a:srgbClr val="7030A0"/>
+              </a:solidFill>
+              <a:effectLst>
+                <a:outerShdw blurRad="38100" dist="38100" dir="2700000" algn="tl">
+                  <a:srgbClr val="000000">
+                    <a:alpha val="43137"/>
+                  </a:srgbClr>
+                </a:outerShdw>
+              </a:effectLst>
+              <a:latin typeface="Calibri" panose="020F0502020204030204" pitchFamily="34" charset="0"/>
+              <a:cs typeface="Calibri" panose="020F0502020204030204" pitchFamily="34" charset="0"/>
+              <a:sym typeface="Wingdings" panose="05000000000000000000" pitchFamily="2" charset="2"/>
+            </a:endParaRPr>
+          </a:p>
+        </p:txBody>
+      </p:sp>
     </p:spTree>
     <p:extLst>
       <p:ext uri="{BB962C8B-B14F-4D97-AF65-F5344CB8AC3E}">
-        <p14:creationId xmlns:p14="http://schemas.microsoft.com/office/powerpoint/2010/main" val="1139907238"/>
+        <p14:creationId xmlns:p14="http://schemas.microsoft.com/office/powerpoint/2010/main" val="2686471151"/>
       </p:ext>
     </p:extLst>
   </p:cSld>
@@ -18048,88 +19941,10 @@
       </p:grpSpPr>
       <p:sp>
         <p:nvSpPr>
-          <p:cNvPr id="2" name="Título 1"/>
-          <p:cNvSpPr>
-            <a:spLocks noGrp="1"/>
-          </p:cNvSpPr>
-          <p:nvPr>
-            <p:ph type="title"/>
-          </p:nvPr>
-        </p:nvSpPr>
-        <p:spPr/>
-        <p:txBody>
-          <a:bodyPr rtlCol="0"/>
-          <a:lstStyle/>
-          <a:p>
-            <a:pPr rtl="0"/>
-            <a:r>
-              <a:rPr lang="es-ES" dirty="0"/>
-              <a:t>Título y diseño de contenido con gráfico</a:t>
-            </a:r>
-          </a:p>
-        </p:txBody>
-      </p:sp>
-      <p:graphicFrame>
-        <p:nvGraphicFramePr>
-          <p:cNvPr id="7" name="Marcador de posición de contenido 6" descr="Gráfico de barras apiladas que representa&#10;3 series y 4 categorías"/>
-          <p:cNvGraphicFramePr>
-            <a:graphicFrameLocks noGrp="1"/>
-          </p:cNvGraphicFramePr>
-          <p:nvPr>
-            <p:ph idx="1"/>
-            <p:extLst>
-              <p:ext uri="{D42A27DB-BD31-4B8C-83A1-F6EECF244321}">
-                <p14:modId xmlns:p14="http://schemas.microsoft.com/office/powerpoint/2010/main" val="2178940828"/>
-              </p:ext>
-            </p:extLst>
-          </p:nvPr>
-        </p:nvGraphicFramePr>
-        <p:xfrm>
-          <a:off x="1593850" y="1600200"/>
-          <a:ext cx="9782175" cy="4572000"/>
-        </p:xfrm>
-        <a:graphic>
-          <a:graphicData uri="http://schemas.openxmlformats.org/drawingml/2006/chart">
-            <c:chart xmlns:c="http://schemas.openxmlformats.org/drawingml/2006/chart" xmlns:r="http://schemas.openxmlformats.org/officeDocument/2006/relationships" r:id="rId3"/>
-          </a:graphicData>
-        </a:graphic>
-      </p:graphicFrame>
-      <p:sp>
-        <p:nvSpPr>
-          <p:cNvPr id="3" name="Marcador de pie de página 2">
+          <p:cNvPr id="3" name="Marcador de número de diapositiva 2">
             <a:extLst>
               <a:ext uri="{FF2B5EF4-FFF2-40B4-BE49-F238E27FC236}">
-                <a16:creationId xmlns:a16="http://schemas.microsoft.com/office/drawing/2014/main" id="{08B31607-E221-42B6-BDAB-437DE3EEACD4}"/>
-              </a:ext>
-            </a:extLst>
-          </p:cNvPr>
-          <p:cNvSpPr>
-            <a:spLocks noGrp="1"/>
-          </p:cNvSpPr>
-          <p:nvPr>
-            <p:ph type="ftr" sz="quarter" idx="11"/>
-          </p:nvPr>
-        </p:nvSpPr>
-        <p:spPr/>
-        <p:txBody>
-          <a:bodyPr/>
-          <a:lstStyle/>
-          <a:p>
-            <a:pPr rtl="0"/>
-            <a:r>
-              <a:rPr lang="es-ES" noProof="0"/>
-              <a:t>Agregar un pie de página</a:t>
-            </a:r>
-            <a:endParaRPr lang="es-ES" noProof="0" dirty="0"/>
-          </a:p>
-        </p:txBody>
-      </p:sp>
-      <p:sp>
-        <p:nvSpPr>
-          <p:cNvPr id="4" name="Marcador de número de diapositiva 3">
-            <a:extLst>
-              <a:ext uri="{FF2B5EF4-FFF2-40B4-BE49-F238E27FC236}">
-                <a16:creationId xmlns:a16="http://schemas.microsoft.com/office/drawing/2014/main" id="{9B86E837-B39D-4540-84EB-162460FF9732}"/>
+                <a16:creationId xmlns:a16="http://schemas.microsoft.com/office/drawing/2014/main" id="{8D2D6617-46E2-4BB5-A527-766D31BC6FE3}"/>
               </a:ext>
             </a:extLst>
           </p:cNvPr>
@@ -18140,7 +19955,12 @@
             <p:ph type="sldNum" sz="quarter" idx="12"/>
           </p:nvPr>
         </p:nvSpPr>
-        <p:spPr/>
+        <p:spPr>
+          <a:xfrm>
+            <a:off x="10766796" y="6448251"/>
+            <a:ext cx="609441" cy="365125"/>
+          </a:xfrm>
+        </p:spPr>
         <p:txBody>
           <a:bodyPr/>
           <a:lstStyle/>
@@ -18154,10 +19974,1506 @@
           </a:p>
         </p:txBody>
       </p:sp>
+      <p:sp>
+        <p:nvSpPr>
+          <p:cNvPr id="2" name="CuadroTexto 1">
+            <a:extLst>
+              <a:ext uri="{FF2B5EF4-FFF2-40B4-BE49-F238E27FC236}">
+                <a16:creationId xmlns:a16="http://schemas.microsoft.com/office/drawing/2014/main" id="{385B9208-6506-683A-1092-ECA25746D5E8}"/>
+              </a:ext>
+            </a:extLst>
+          </p:cNvPr>
+          <p:cNvSpPr txBox="1"/>
+          <p:nvPr/>
+        </p:nvSpPr>
+        <p:spPr>
+          <a:xfrm rot="16200000">
+            <a:off x="-1251192" y="3400442"/>
+            <a:ext cx="3159839" cy="461665"/>
+          </a:xfrm>
+          <a:prstGeom prst="rect">
+            <a:avLst/>
+          </a:prstGeom>
+          <a:noFill/>
+        </p:spPr>
+        <p:txBody>
+          <a:bodyPr wrap="none" rtlCol="0">
+            <a:spAutoFit/>
+          </a:bodyPr>
+          <a:lstStyle/>
+          <a:p>
+            <a:r>
+              <a:rPr lang="es-MX" sz="2400" b="1" dirty="0">
+                <a:solidFill>
+                  <a:schemeClr val="bg1"/>
+                </a:solidFill>
+                <a:effectLst>
+                  <a:outerShdw blurRad="38100" dist="38100" dir="2700000" algn="tl">
+                    <a:srgbClr val="000000">
+                      <a:alpha val="43137"/>
+                    </a:srgbClr>
+                  </a:outerShdw>
+                </a:effectLst>
+                <a:latin typeface="Calibri" panose="020F0502020204030204" pitchFamily="34" charset="0"/>
+                <a:cs typeface="Calibri" panose="020F0502020204030204" pitchFamily="34" charset="0"/>
+              </a:rPr>
+              <a:t>OPERACIONES BÁSICAS</a:t>
+            </a:r>
+            <a:endParaRPr lang="es-PE" sz="2400" b="1" dirty="0">
+              <a:solidFill>
+                <a:schemeClr val="bg1"/>
+              </a:solidFill>
+              <a:effectLst>
+                <a:outerShdw blurRad="38100" dist="38100" dir="2700000" algn="tl">
+                  <a:srgbClr val="000000">
+                    <a:alpha val="43137"/>
+                  </a:srgbClr>
+                </a:outerShdw>
+              </a:effectLst>
+              <a:latin typeface="Calibri" panose="020F0502020204030204" pitchFamily="34" charset="0"/>
+              <a:cs typeface="Calibri" panose="020F0502020204030204" pitchFamily="34" charset="0"/>
+            </a:endParaRPr>
+          </a:p>
+        </p:txBody>
+      </p:sp>
+      <p:sp>
+        <p:nvSpPr>
+          <p:cNvPr id="5" name="CuadroTexto 4">
+            <a:extLst>
+              <a:ext uri="{FF2B5EF4-FFF2-40B4-BE49-F238E27FC236}">
+                <a16:creationId xmlns:a16="http://schemas.microsoft.com/office/drawing/2014/main" id="{D9987EA6-DE13-79C2-4CDF-73C346DC30B0}"/>
+              </a:ext>
+            </a:extLst>
+          </p:cNvPr>
+          <p:cNvSpPr txBox="1"/>
+          <p:nvPr/>
+        </p:nvSpPr>
+        <p:spPr>
+          <a:xfrm rot="16200000">
+            <a:off x="-1747233" y="3716114"/>
+            <a:ext cx="5300810" cy="461665"/>
+          </a:xfrm>
+          <a:prstGeom prst="rect">
+            <a:avLst/>
+          </a:prstGeom>
+          <a:noFill/>
+        </p:spPr>
+        <p:txBody>
+          <a:bodyPr wrap="none" rtlCol="0">
+            <a:spAutoFit/>
+          </a:bodyPr>
+          <a:lstStyle/>
+          <a:p>
+            <a:r>
+              <a:rPr lang="es-MX" sz="2400" b="1" dirty="0">
+                <a:solidFill>
+                  <a:schemeClr val="bg1"/>
+                </a:solidFill>
+                <a:effectLst>
+                  <a:outerShdw blurRad="38100" dist="38100" dir="2700000" algn="tl">
+                    <a:srgbClr val="000000">
+                      <a:alpha val="43137"/>
+                    </a:srgbClr>
+                  </a:outerShdw>
+                </a:effectLst>
+                <a:latin typeface="Calibri" panose="020F0502020204030204" pitchFamily="34" charset="0"/>
+                <a:cs typeface="Calibri" panose="020F0502020204030204" pitchFamily="34" charset="0"/>
+              </a:rPr>
+              <a:t>CONOCER EL ESTATUS DEL REPOSITORIO</a:t>
+            </a:r>
+            <a:endParaRPr lang="es-PE" sz="2400" b="1" dirty="0">
+              <a:solidFill>
+                <a:schemeClr val="bg1"/>
+              </a:solidFill>
+              <a:effectLst>
+                <a:outerShdw blurRad="38100" dist="38100" dir="2700000" algn="tl">
+                  <a:srgbClr val="000000">
+                    <a:alpha val="43137"/>
+                  </a:srgbClr>
+                </a:outerShdw>
+              </a:effectLst>
+              <a:latin typeface="Calibri" panose="020F0502020204030204" pitchFamily="34" charset="0"/>
+              <a:cs typeface="Calibri" panose="020F0502020204030204" pitchFamily="34" charset="0"/>
+            </a:endParaRPr>
+          </a:p>
+        </p:txBody>
+      </p:sp>
+      <p:sp>
+        <p:nvSpPr>
+          <p:cNvPr id="6" name="CuadroTexto 5">
+            <a:extLst>
+              <a:ext uri="{FF2B5EF4-FFF2-40B4-BE49-F238E27FC236}">
+                <a16:creationId xmlns:a16="http://schemas.microsoft.com/office/drawing/2014/main" id="{BEA6EE45-6C48-F708-BBE2-E8CCEBF94480}"/>
+              </a:ext>
+            </a:extLst>
+          </p:cNvPr>
+          <p:cNvSpPr txBox="1"/>
+          <p:nvPr/>
+        </p:nvSpPr>
+        <p:spPr>
+          <a:xfrm>
+            <a:off x="1572068" y="2071253"/>
+            <a:ext cx="1259319" cy="646331"/>
+          </a:xfrm>
+          <a:prstGeom prst="rect">
+            <a:avLst/>
+          </a:prstGeom>
+          <a:noFill/>
+          <a:ln>
+            <a:solidFill>
+              <a:schemeClr val="tx2"/>
+            </a:solidFill>
+          </a:ln>
+        </p:spPr>
+        <p:txBody>
+          <a:bodyPr wrap="none" rtlCol="0">
+            <a:spAutoFit/>
+          </a:bodyPr>
+          <a:lstStyle/>
+          <a:p>
+            <a:pPr algn="ctr"/>
+            <a:r>
+              <a:rPr lang="es-PE" b="1" dirty="0">
+                <a:solidFill>
+                  <a:srgbClr val="7030A0"/>
+                </a:solidFill>
+                <a:effectLst>
+                  <a:outerShdw blurRad="38100" dist="38100" dir="2700000" algn="tl">
+                    <a:srgbClr val="000000">
+                      <a:alpha val="43137"/>
+                    </a:srgbClr>
+                  </a:outerShdw>
+                </a:effectLst>
+                <a:latin typeface="Calibri" panose="020F0502020204030204" pitchFamily="34" charset="0"/>
+                <a:cs typeface="Calibri" panose="020F0502020204030204" pitchFamily="34" charset="0"/>
+              </a:rPr>
+              <a:t>WORKING</a:t>
+            </a:r>
+            <a:r>
+              <a:rPr lang="es-PE" sz="1600" b="1" dirty="0">
+                <a:effectLst>
+                  <a:outerShdw blurRad="38100" dist="38100" dir="2700000" algn="tl">
+                    <a:srgbClr val="000000">
+                      <a:alpha val="43137"/>
+                    </a:srgbClr>
+                  </a:outerShdw>
+                </a:effectLst>
+                <a:latin typeface="Calibri" panose="020F0502020204030204" pitchFamily="34" charset="0"/>
+                <a:cs typeface="Calibri" panose="020F0502020204030204" pitchFamily="34" charset="0"/>
+              </a:rPr>
+              <a:t> </a:t>
+            </a:r>
+          </a:p>
+          <a:p>
+            <a:pPr algn="ctr"/>
+            <a:r>
+              <a:rPr lang="es-PE" b="1" dirty="0">
+                <a:solidFill>
+                  <a:srgbClr val="7030A0"/>
+                </a:solidFill>
+                <a:effectLst>
+                  <a:outerShdw blurRad="38100" dist="38100" dir="2700000" algn="tl">
+                    <a:srgbClr val="000000">
+                      <a:alpha val="43137"/>
+                    </a:srgbClr>
+                  </a:outerShdw>
+                </a:effectLst>
+                <a:latin typeface="Calibri" panose="020F0502020204030204" pitchFamily="34" charset="0"/>
+                <a:cs typeface="Calibri" panose="020F0502020204030204" pitchFamily="34" charset="0"/>
+              </a:rPr>
+              <a:t>DIRECTORY</a:t>
+            </a:r>
+          </a:p>
+        </p:txBody>
+      </p:sp>
+      <p:sp>
+        <p:nvSpPr>
+          <p:cNvPr id="8" name="CuadroTexto 7">
+            <a:extLst>
+              <a:ext uri="{FF2B5EF4-FFF2-40B4-BE49-F238E27FC236}">
+                <a16:creationId xmlns:a16="http://schemas.microsoft.com/office/drawing/2014/main" id="{0583AD69-7C0D-9057-4D94-E6A46887BCDA}"/>
+              </a:ext>
+            </a:extLst>
+          </p:cNvPr>
+          <p:cNvSpPr txBox="1"/>
+          <p:nvPr/>
+        </p:nvSpPr>
+        <p:spPr>
+          <a:xfrm>
+            <a:off x="3010691" y="2071253"/>
+            <a:ext cx="1031886" cy="646331"/>
+          </a:xfrm>
+          <a:prstGeom prst="rect">
+            <a:avLst/>
+          </a:prstGeom>
+          <a:noFill/>
+          <a:ln>
+            <a:solidFill>
+              <a:schemeClr val="tx2"/>
+            </a:solidFill>
+          </a:ln>
+        </p:spPr>
+        <p:txBody>
+          <a:bodyPr wrap="none" rtlCol="0">
+            <a:spAutoFit/>
+          </a:bodyPr>
+          <a:lstStyle/>
+          <a:p>
+            <a:pPr algn="ctr"/>
+            <a:r>
+              <a:rPr lang="es-PE" b="1" dirty="0">
+                <a:solidFill>
+                  <a:srgbClr val="7030A0"/>
+                </a:solidFill>
+                <a:effectLst>
+                  <a:outerShdw blurRad="38100" dist="38100" dir="2700000" algn="tl">
+                    <a:srgbClr val="000000">
+                      <a:alpha val="43137"/>
+                    </a:srgbClr>
+                  </a:outerShdw>
+                </a:effectLst>
+                <a:latin typeface="Calibri" panose="020F0502020204030204" pitchFamily="34" charset="0"/>
+                <a:cs typeface="Calibri" panose="020F0502020204030204" pitchFamily="34" charset="0"/>
+              </a:rPr>
+              <a:t>STAGING</a:t>
+            </a:r>
+          </a:p>
+          <a:p>
+            <a:pPr algn="ctr"/>
+            <a:r>
+              <a:rPr lang="es-PE" b="1" dirty="0">
+                <a:solidFill>
+                  <a:srgbClr val="7030A0"/>
+                </a:solidFill>
+                <a:effectLst>
+                  <a:outerShdw blurRad="38100" dist="38100" dir="2700000" algn="tl">
+                    <a:srgbClr val="000000">
+                      <a:alpha val="43137"/>
+                    </a:srgbClr>
+                  </a:outerShdw>
+                </a:effectLst>
+                <a:latin typeface="Calibri" panose="020F0502020204030204" pitchFamily="34" charset="0"/>
+                <a:cs typeface="Calibri" panose="020F0502020204030204" pitchFamily="34" charset="0"/>
+              </a:rPr>
+              <a:t>AREA</a:t>
+            </a:r>
+          </a:p>
+        </p:txBody>
+      </p:sp>
+      <p:pic>
+        <p:nvPicPr>
+          <p:cNvPr id="1028" name="Picture 4" descr="Files - Free interface icons">
+            <a:extLst>
+              <a:ext uri="{FF2B5EF4-FFF2-40B4-BE49-F238E27FC236}">
+                <a16:creationId xmlns:a16="http://schemas.microsoft.com/office/drawing/2014/main" id="{FDC0DB66-9293-1E4B-5684-E14A41F48D4F}"/>
+              </a:ext>
+            </a:extLst>
+          </p:cNvPr>
+          <p:cNvPicPr>
+            <a:picLocks noChangeAspect="1" noChangeArrowheads="1"/>
+          </p:cNvPicPr>
+          <p:nvPr/>
+        </p:nvPicPr>
+        <p:blipFill>
+          <a:blip r:embed="rId3">
+            <a:duotone>
+              <a:schemeClr val="accent4">
+                <a:shade val="45000"/>
+                <a:satMod val="135000"/>
+              </a:schemeClr>
+              <a:prstClr val="white"/>
+            </a:duotone>
+            <a:extLst>
+              <a:ext uri="{28A0092B-C50C-407E-A947-70E740481C1C}">
+                <a14:useLocalDpi xmlns:a14="http://schemas.microsoft.com/office/drawing/2010/main" val="0"/>
+              </a:ext>
+            </a:extLst>
+          </a:blip>
+          <a:srcRect/>
+          <a:stretch>
+            <a:fillRect/>
+          </a:stretch>
+        </p:blipFill>
+        <p:spPr bwMode="auto">
+          <a:xfrm>
+            <a:off x="1984322" y="1053212"/>
+            <a:ext cx="430307" cy="430307"/>
+          </a:xfrm>
+          <a:prstGeom prst="rect">
+            <a:avLst/>
+          </a:prstGeom>
+          <a:noFill/>
+          <a:extLst>
+            <a:ext uri="{909E8E84-426E-40DD-AFC4-6F175D3DCCD1}">
+              <a14:hiddenFill xmlns:a14="http://schemas.microsoft.com/office/drawing/2010/main">
+                <a:solidFill>
+                  <a:srgbClr val="FFFFFF"/>
+                </a:solidFill>
+              </a14:hiddenFill>
+            </a:ext>
+          </a:extLst>
+        </p:spPr>
+      </p:pic>
+      <p:pic>
+        <p:nvPicPr>
+          <p:cNvPr id="30" name="Picture 4" descr="Files - Free interface icons">
+            <a:extLst>
+              <a:ext uri="{FF2B5EF4-FFF2-40B4-BE49-F238E27FC236}">
+                <a16:creationId xmlns:a16="http://schemas.microsoft.com/office/drawing/2014/main" id="{F76A6635-7DC1-1E45-CD7F-EFE9EE3F01D9}"/>
+              </a:ext>
+            </a:extLst>
+          </p:cNvPr>
+          <p:cNvPicPr>
+            <a:picLocks noChangeAspect="1" noChangeArrowheads="1"/>
+          </p:cNvPicPr>
+          <p:nvPr/>
+        </p:nvPicPr>
+        <p:blipFill>
+          <a:blip r:embed="rId3">
+            <a:duotone>
+              <a:schemeClr val="accent3">
+                <a:shade val="45000"/>
+                <a:satMod val="135000"/>
+              </a:schemeClr>
+              <a:prstClr val="white"/>
+            </a:duotone>
+            <a:extLst>
+              <a:ext uri="{28A0092B-C50C-407E-A947-70E740481C1C}">
+                <a14:useLocalDpi xmlns:a14="http://schemas.microsoft.com/office/drawing/2010/main" val="0"/>
+              </a:ext>
+            </a:extLst>
+          </a:blip>
+          <a:srcRect/>
+          <a:stretch>
+            <a:fillRect/>
+          </a:stretch>
+        </p:blipFill>
+        <p:spPr bwMode="auto">
+          <a:xfrm>
+            <a:off x="3311481" y="1053212"/>
+            <a:ext cx="430307" cy="430307"/>
+          </a:xfrm>
+          <a:prstGeom prst="rect">
+            <a:avLst/>
+          </a:prstGeom>
+          <a:noFill/>
+          <a:extLst>
+            <a:ext uri="{909E8E84-426E-40DD-AFC4-6F175D3DCCD1}">
+              <a14:hiddenFill xmlns:a14="http://schemas.microsoft.com/office/drawing/2010/main">
+                <a:solidFill>
+                  <a:srgbClr val="FFFFFF"/>
+                </a:solidFill>
+              </a14:hiddenFill>
+            </a:ext>
+          </a:extLst>
+        </p:spPr>
+      </p:pic>
+      <p:grpSp>
+        <p:nvGrpSpPr>
+          <p:cNvPr id="1037" name="Grupo 1036">
+            <a:extLst>
+              <a:ext uri="{FF2B5EF4-FFF2-40B4-BE49-F238E27FC236}">
+                <a16:creationId xmlns:a16="http://schemas.microsoft.com/office/drawing/2014/main" id="{705B8281-CD15-F910-5292-5E655CF38003}"/>
+              </a:ext>
+            </a:extLst>
+          </p:cNvPr>
+          <p:cNvGrpSpPr/>
+          <p:nvPr/>
+        </p:nvGrpSpPr>
+        <p:grpSpPr>
+          <a:xfrm>
+            <a:off x="1456319" y="3429000"/>
+            <a:ext cx="1554372" cy="1338535"/>
+            <a:chOff x="10270876" y="128673"/>
+            <a:chExt cx="1554372" cy="1338535"/>
+          </a:xfrm>
+        </p:grpSpPr>
+        <p:sp>
+          <p:nvSpPr>
+            <p:cNvPr id="50" name="Rectángulo 49">
+              <a:extLst>
+                <a:ext uri="{FF2B5EF4-FFF2-40B4-BE49-F238E27FC236}">
+                  <a16:creationId xmlns:a16="http://schemas.microsoft.com/office/drawing/2014/main" id="{FAC60D7A-4591-4343-083F-5A1159DA431D}"/>
+                </a:ext>
+              </a:extLst>
+            </p:cNvPr>
+            <p:cNvSpPr/>
+            <p:nvPr/>
+          </p:nvSpPr>
+          <p:spPr>
+            <a:xfrm>
+              <a:off x="10270876" y="128673"/>
+              <a:ext cx="1554370" cy="1338535"/>
+            </a:xfrm>
+            <a:prstGeom prst="rect">
+              <a:avLst/>
+            </a:prstGeom>
+            <a:noFill/>
+            <a:effectLst>
+              <a:outerShdw blurRad="50800" dist="38100" dir="5400000" algn="t" rotWithShape="0">
+                <a:prstClr val="black">
+                  <a:alpha val="40000"/>
+                </a:prstClr>
+              </a:outerShdw>
+            </a:effectLst>
+          </p:spPr>
+          <p:style>
+            <a:lnRef idx="2">
+              <a:schemeClr val="accent1">
+                <a:shade val="50000"/>
+              </a:schemeClr>
+            </a:lnRef>
+            <a:fillRef idx="1">
+              <a:schemeClr val="accent1"/>
+            </a:fillRef>
+            <a:effectRef idx="0">
+              <a:schemeClr val="accent1"/>
+            </a:effectRef>
+            <a:fontRef idx="minor">
+              <a:schemeClr val="lt1"/>
+            </a:fontRef>
+          </p:style>
+          <p:txBody>
+            <a:bodyPr rtlCol="0" anchor="ctr"/>
+            <a:lstStyle/>
+            <a:p>
+              <a:pPr algn="ctr"/>
+              <a:endParaRPr lang="es-PE"/>
+            </a:p>
+          </p:txBody>
+        </p:sp>
+        <p:pic>
+          <p:nvPicPr>
+            <p:cNvPr id="43" name="Picture 4" descr="Files - Free interface icons">
+              <a:extLst>
+                <a:ext uri="{FF2B5EF4-FFF2-40B4-BE49-F238E27FC236}">
+                  <a16:creationId xmlns:a16="http://schemas.microsoft.com/office/drawing/2014/main" id="{58974604-17A5-677B-AD03-4D4500505F7E}"/>
+                </a:ext>
+              </a:extLst>
+            </p:cNvPr>
+            <p:cNvPicPr>
+              <a:picLocks noChangeAspect="1" noChangeArrowheads="1"/>
+            </p:cNvPicPr>
+            <p:nvPr/>
+          </p:nvPicPr>
+          <p:blipFill>
+            <a:blip r:embed="rId3">
+              <a:duotone>
+                <a:schemeClr val="accent4">
+                  <a:shade val="45000"/>
+                  <a:satMod val="135000"/>
+                </a:schemeClr>
+                <a:prstClr val="white"/>
+              </a:duotone>
+              <a:extLst>
+                <a:ext uri="{28A0092B-C50C-407E-A947-70E740481C1C}">
+                  <a14:useLocalDpi xmlns:a14="http://schemas.microsoft.com/office/drawing/2010/main" val="0"/>
+                </a:ext>
+              </a:extLst>
+            </a:blip>
+            <a:srcRect/>
+            <a:stretch>
+              <a:fillRect/>
+            </a:stretch>
+          </p:blipFill>
+          <p:spPr bwMode="auto">
+            <a:xfrm>
+              <a:off x="10373068" y="303614"/>
+              <a:ext cx="320046" cy="320046"/>
+            </a:xfrm>
+            <a:prstGeom prst="rect">
+              <a:avLst/>
+            </a:prstGeom>
+            <a:noFill/>
+            <a:extLst>
+              <a:ext uri="{909E8E84-426E-40DD-AFC4-6F175D3DCCD1}">
+                <a14:hiddenFill xmlns:a14="http://schemas.microsoft.com/office/drawing/2010/main">
+                  <a:solidFill>
+                    <a:srgbClr val="FFFFFF"/>
+                  </a:solidFill>
+                </a14:hiddenFill>
+              </a:ext>
+            </a:extLst>
+          </p:spPr>
+        </p:pic>
+        <p:pic>
+          <p:nvPicPr>
+            <p:cNvPr id="44" name="Picture 4" descr="Files - Free interface icons">
+              <a:extLst>
+                <a:ext uri="{FF2B5EF4-FFF2-40B4-BE49-F238E27FC236}">
+                  <a16:creationId xmlns:a16="http://schemas.microsoft.com/office/drawing/2014/main" id="{62777240-5CD1-9236-2B76-D205682AE498}"/>
+                </a:ext>
+              </a:extLst>
+            </p:cNvPr>
+            <p:cNvPicPr>
+              <a:picLocks noChangeAspect="1" noChangeArrowheads="1"/>
+            </p:cNvPicPr>
+            <p:nvPr/>
+          </p:nvPicPr>
+          <p:blipFill>
+            <a:blip r:embed="rId3">
+              <a:duotone>
+                <a:schemeClr val="accent3">
+                  <a:shade val="45000"/>
+                  <a:satMod val="135000"/>
+                </a:schemeClr>
+                <a:prstClr val="white"/>
+              </a:duotone>
+              <a:extLst>
+                <a:ext uri="{28A0092B-C50C-407E-A947-70E740481C1C}">
+                  <a14:useLocalDpi xmlns:a14="http://schemas.microsoft.com/office/drawing/2010/main" val="0"/>
+                </a:ext>
+              </a:extLst>
+            </a:blip>
+            <a:srcRect/>
+            <a:stretch>
+              <a:fillRect/>
+            </a:stretch>
+          </p:blipFill>
+          <p:spPr bwMode="auto">
+            <a:xfrm>
+              <a:off x="10373068" y="664161"/>
+              <a:ext cx="320046" cy="320046"/>
+            </a:xfrm>
+            <a:prstGeom prst="rect">
+              <a:avLst/>
+            </a:prstGeom>
+            <a:noFill/>
+            <a:extLst>
+              <a:ext uri="{909E8E84-426E-40DD-AFC4-6F175D3DCCD1}">
+                <a14:hiddenFill xmlns:a14="http://schemas.microsoft.com/office/drawing/2010/main">
+                  <a:solidFill>
+                    <a:srgbClr val="FFFFFF"/>
+                  </a:solidFill>
+                </a14:hiddenFill>
+              </a:ext>
+            </a:extLst>
+          </p:spPr>
+        </p:pic>
+        <p:pic>
+          <p:nvPicPr>
+            <p:cNvPr id="45" name="Picture 4" descr="Files - Free interface icons">
+              <a:extLst>
+                <a:ext uri="{FF2B5EF4-FFF2-40B4-BE49-F238E27FC236}">
+                  <a16:creationId xmlns:a16="http://schemas.microsoft.com/office/drawing/2014/main" id="{3D48A50C-3111-0E9E-0453-FEDFB8A66C1C}"/>
+                </a:ext>
+              </a:extLst>
+            </p:cNvPr>
+            <p:cNvPicPr>
+              <a:picLocks noChangeAspect="1" noChangeArrowheads="1"/>
+            </p:cNvPicPr>
+            <p:nvPr/>
+          </p:nvPicPr>
+          <p:blipFill>
+            <a:blip r:embed="rId3">
+              <a:duotone>
+                <a:schemeClr val="accent2">
+                  <a:shade val="45000"/>
+                  <a:satMod val="135000"/>
+                </a:schemeClr>
+                <a:prstClr val="white"/>
+              </a:duotone>
+              <a:extLst>
+                <a:ext uri="{28A0092B-C50C-407E-A947-70E740481C1C}">
+                  <a14:useLocalDpi xmlns:a14="http://schemas.microsoft.com/office/drawing/2010/main" val="0"/>
+                </a:ext>
+              </a:extLst>
+            </a:blip>
+            <a:srcRect/>
+            <a:stretch>
+              <a:fillRect/>
+            </a:stretch>
+          </p:blipFill>
+          <p:spPr bwMode="auto">
+            <a:xfrm>
+              <a:off x="10386015" y="1024708"/>
+              <a:ext cx="320046" cy="320046"/>
+            </a:xfrm>
+            <a:prstGeom prst="rect">
+              <a:avLst/>
+            </a:prstGeom>
+            <a:noFill/>
+            <a:extLst>
+              <a:ext uri="{909E8E84-426E-40DD-AFC4-6F175D3DCCD1}">
+                <a14:hiddenFill xmlns:a14="http://schemas.microsoft.com/office/drawing/2010/main">
+                  <a:solidFill>
+                    <a:srgbClr val="FFFFFF"/>
+                  </a:solidFill>
+                </a14:hiddenFill>
+              </a:ext>
+            </a:extLst>
+          </p:spPr>
+        </p:pic>
+        <p:sp>
+          <p:nvSpPr>
+            <p:cNvPr id="47" name="CuadroTexto 46">
+              <a:extLst>
+                <a:ext uri="{FF2B5EF4-FFF2-40B4-BE49-F238E27FC236}">
+                  <a16:creationId xmlns:a16="http://schemas.microsoft.com/office/drawing/2014/main" id="{DC2826BB-A829-BA9C-FDCF-98272EDB11B1}"/>
+                </a:ext>
+              </a:extLst>
+            </p:cNvPr>
+            <p:cNvSpPr txBox="1"/>
+            <p:nvPr/>
+          </p:nvSpPr>
+          <p:spPr>
+            <a:xfrm>
+              <a:off x="10630916" y="304631"/>
+              <a:ext cx="1174203" cy="338554"/>
+            </a:xfrm>
+            <a:prstGeom prst="rect">
+              <a:avLst/>
+            </a:prstGeom>
+            <a:noFill/>
+          </p:spPr>
+          <p:txBody>
+            <a:bodyPr wrap="square">
+              <a:spAutoFit/>
+            </a:bodyPr>
+            <a:lstStyle/>
+            <a:p>
+              <a:r>
+                <a:rPr lang="es-PE" sz="1600" b="1" dirty="0">
+                  <a:solidFill>
+                    <a:schemeClr val="tx2"/>
+                  </a:solidFill>
+                  <a:effectLst>
+                    <a:outerShdw blurRad="38100" dist="38100" dir="2700000" algn="tl">
+                      <a:srgbClr val="000000">
+                        <a:alpha val="43137"/>
+                      </a:srgbClr>
+                    </a:outerShdw>
+                  </a:effectLst>
+                  <a:latin typeface="Calibri" panose="020F0502020204030204" pitchFamily="34" charset="0"/>
+                  <a:cs typeface="Calibri" panose="020F0502020204030204" pitchFamily="34" charset="0"/>
+                </a:rPr>
+                <a:t>Modified</a:t>
+              </a:r>
+              <a:endParaRPr lang="es-PE" sz="1600" b="1" dirty="0"/>
+            </a:p>
+          </p:txBody>
+        </p:sp>
+        <p:sp>
+          <p:nvSpPr>
+            <p:cNvPr id="48" name="CuadroTexto 47">
+              <a:extLst>
+                <a:ext uri="{FF2B5EF4-FFF2-40B4-BE49-F238E27FC236}">
+                  <a16:creationId xmlns:a16="http://schemas.microsoft.com/office/drawing/2014/main" id="{647E1266-4558-93E3-D16E-6BDC990687C4}"/>
+                </a:ext>
+              </a:extLst>
+            </p:cNvPr>
+            <p:cNvSpPr txBox="1"/>
+            <p:nvPr/>
+          </p:nvSpPr>
+          <p:spPr>
+            <a:xfrm>
+              <a:off x="10630916" y="671295"/>
+              <a:ext cx="1174203" cy="338554"/>
+            </a:xfrm>
+            <a:prstGeom prst="rect">
+              <a:avLst/>
+            </a:prstGeom>
+            <a:noFill/>
+          </p:spPr>
+          <p:txBody>
+            <a:bodyPr wrap="square">
+              <a:spAutoFit/>
+            </a:bodyPr>
+            <a:lstStyle/>
+            <a:p>
+              <a:r>
+                <a:rPr lang="es-PE" sz="1600" b="1" dirty="0">
+                  <a:solidFill>
+                    <a:schemeClr val="tx2"/>
+                  </a:solidFill>
+                  <a:effectLst>
+                    <a:outerShdw blurRad="38100" dist="38100" dir="2700000" algn="tl">
+                      <a:srgbClr val="000000">
+                        <a:alpha val="43137"/>
+                      </a:srgbClr>
+                    </a:outerShdw>
+                  </a:effectLst>
+                  <a:latin typeface="Calibri" panose="020F0502020204030204" pitchFamily="34" charset="0"/>
+                  <a:cs typeface="Calibri" panose="020F0502020204030204" pitchFamily="34" charset="0"/>
+                </a:rPr>
+                <a:t>Staged</a:t>
+              </a:r>
+              <a:endParaRPr lang="es-PE" sz="1600" b="1" dirty="0"/>
+            </a:p>
+          </p:txBody>
+        </p:sp>
+        <p:sp>
+          <p:nvSpPr>
+            <p:cNvPr id="49" name="CuadroTexto 48">
+              <a:extLst>
+                <a:ext uri="{FF2B5EF4-FFF2-40B4-BE49-F238E27FC236}">
+                  <a16:creationId xmlns:a16="http://schemas.microsoft.com/office/drawing/2014/main" id="{5AF6A033-5E23-C753-4E85-C7E19BDC9211}"/>
+                </a:ext>
+              </a:extLst>
+            </p:cNvPr>
+            <p:cNvSpPr txBox="1"/>
+            <p:nvPr/>
+          </p:nvSpPr>
+          <p:spPr>
+            <a:xfrm>
+              <a:off x="10651045" y="1022925"/>
+              <a:ext cx="1174203" cy="338554"/>
+            </a:xfrm>
+            <a:prstGeom prst="rect">
+              <a:avLst/>
+            </a:prstGeom>
+            <a:noFill/>
+          </p:spPr>
+          <p:txBody>
+            <a:bodyPr wrap="square">
+              <a:spAutoFit/>
+            </a:bodyPr>
+            <a:lstStyle/>
+            <a:p>
+              <a:r>
+                <a:rPr lang="es-PE" sz="1600" b="1" dirty="0">
+                  <a:solidFill>
+                    <a:schemeClr val="tx2"/>
+                  </a:solidFill>
+                  <a:effectLst>
+                    <a:outerShdw blurRad="38100" dist="38100" dir="2700000" algn="tl">
+                      <a:srgbClr val="000000">
+                        <a:alpha val="43137"/>
+                      </a:srgbClr>
+                    </a:outerShdw>
+                  </a:effectLst>
+                  <a:latin typeface="Calibri" panose="020F0502020204030204" pitchFamily="34" charset="0"/>
+                  <a:cs typeface="Calibri" panose="020F0502020204030204" pitchFamily="34" charset="0"/>
+                </a:rPr>
+                <a:t>Committed</a:t>
+              </a:r>
+              <a:endParaRPr lang="es-PE" sz="1600" b="1" dirty="0"/>
+            </a:p>
+          </p:txBody>
+        </p:sp>
+      </p:grpSp>
+      <p:pic>
+        <p:nvPicPr>
+          <p:cNvPr id="7" name="Picture 4" descr="Files - Free interface icons">
+            <a:extLst>
+              <a:ext uri="{FF2B5EF4-FFF2-40B4-BE49-F238E27FC236}">
+                <a16:creationId xmlns:a16="http://schemas.microsoft.com/office/drawing/2014/main" id="{44F61327-F9E1-32A5-725C-94876522EB8E}"/>
+              </a:ext>
+            </a:extLst>
+          </p:cNvPr>
+          <p:cNvPicPr>
+            <a:picLocks noChangeAspect="1" noChangeArrowheads="1"/>
+          </p:cNvPicPr>
+          <p:nvPr/>
+        </p:nvPicPr>
+        <p:blipFill>
+          <a:blip r:embed="rId3">
+            <a:duotone>
+              <a:schemeClr val="accent2">
+                <a:shade val="45000"/>
+                <a:satMod val="135000"/>
+              </a:schemeClr>
+              <a:prstClr val="white"/>
+            </a:duotone>
+            <a:extLst>
+              <a:ext uri="{28A0092B-C50C-407E-A947-70E740481C1C}">
+                <a14:useLocalDpi xmlns:a14="http://schemas.microsoft.com/office/drawing/2010/main" val="0"/>
+              </a:ext>
+            </a:extLst>
+          </a:blip>
+          <a:srcRect/>
+          <a:stretch>
+            <a:fillRect/>
+          </a:stretch>
+        </p:blipFill>
+        <p:spPr bwMode="auto">
+          <a:xfrm>
+            <a:off x="4717003" y="1053212"/>
+            <a:ext cx="430307" cy="430307"/>
+          </a:xfrm>
+          <a:prstGeom prst="rect">
+            <a:avLst/>
+          </a:prstGeom>
+          <a:noFill/>
+          <a:extLst>
+            <a:ext uri="{909E8E84-426E-40DD-AFC4-6F175D3DCCD1}">
+              <a14:hiddenFill xmlns:a14="http://schemas.microsoft.com/office/drawing/2010/main">
+                <a:solidFill>
+                  <a:srgbClr val="FFFFFF"/>
+                </a:solidFill>
+              </a14:hiddenFill>
+            </a:ext>
+          </a:extLst>
+        </p:spPr>
+      </p:pic>
+      <p:sp>
+        <p:nvSpPr>
+          <p:cNvPr id="11" name="CuadroTexto 10">
+            <a:extLst>
+              <a:ext uri="{FF2B5EF4-FFF2-40B4-BE49-F238E27FC236}">
+                <a16:creationId xmlns:a16="http://schemas.microsoft.com/office/drawing/2014/main" id="{42DE32C8-54B2-EE77-C358-0BB7403FE7F0}"/>
+              </a:ext>
+            </a:extLst>
+          </p:cNvPr>
+          <p:cNvSpPr txBox="1"/>
+          <p:nvPr/>
+        </p:nvSpPr>
+        <p:spPr>
+          <a:xfrm>
+            <a:off x="6834612" y="112674"/>
+            <a:ext cx="4228351" cy="1477328"/>
+          </a:xfrm>
+          <a:prstGeom prst="rect">
+            <a:avLst/>
+          </a:prstGeom>
+          <a:noFill/>
+        </p:spPr>
+        <p:txBody>
+          <a:bodyPr wrap="square">
+            <a:spAutoFit/>
+          </a:bodyPr>
+          <a:lstStyle/>
+          <a:p>
+            <a:pPr algn="just"/>
+            <a:r>
+              <a:rPr lang="es-PE" b="1" dirty="0">
+                <a:solidFill>
+                  <a:schemeClr val="accent1">
+                    <a:lumMod val="75000"/>
+                  </a:schemeClr>
+                </a:solidFill>
+                <a:effectLst>
+                  <a:outerShdw blurRad="38100" dist="38100" dir="2700000" algn="tl">
+                    <a:srgbClr val="000000">
+                      <a:alpha val="43137"/>
+                    </a:srgbClr>
+                  </a:outerShdw>
+                </a:effectLst>
+                <a:latin typeface="Calibri" panose="020F0502020204030204" pitchFamily="34" charset="0"/>
+                <a:cs typeface="Calibri" panose="020F0502020204030204" pitchFamily="34" charset="0"/>
+                <a:sym typeface="Wingdings" panose="05000000000000000000" pitchFamily="2" charset="2"/>
+              </a:rPr>
+              <a:t>VERIFICAR </a:t>
+            </a:r>
+            <a:r>
+              <a:rPr lang="es-PE" b="1">
+                <a:solidFill>
+                  <a:schemeClr val="accent1">
+                    <a:lumMod val="75000"/>
+                  </a:schemeClr>
+                </a:solidFill>
+                <a:effectLst>
+                  <a:outerShdw blurRad="38100" dist="38100" dir="2700000" algn="tl">
+                    <a:srgbClr val="000000">
+                      <a:alpha val="43137"/>
+                    </a:srgbClr>
+                  </a:outerShdw>
+                </a:effectLst>
+                <a:latin typeface="Calibri" panose="020F0502020204030204" pitchFamily="34" charset="0"/>
+                <a:cs typeface="Calibri" panose="020F0502020204030204" pitchFamily="34" charset="0"/>
+                <a:sym typeface="Wingdings" panose="05000000000000000000" pitchFamily="2" charset="2"/>
+              </a:rPr>
+              <a:t>EL ESTADO </a:t>
+            </a:r>
+            <a:r>
+              <a:rPr lang="es-PE" b="1" dirty="0">
+                <a:solidFill>
+                  <a:schemeClr val="accent1">
+                    <a:lumMod val="75000"/>
+                  </a:schemeClr>
+                </a:solidFill>
+                <a:effectLst>
+                  <a:outerShdw blurRad="38100" dist="38100" dir="2700000" algn="tl">
+                    <a:srgbClr val="000000">
+                      <a:alpha val="43137"/>
+                    </a:srgbClr>
+                  </a:outerShdw>
+                </a:effectLst>
+                <a:latin typeface="Calibri" panose="020F0502020204030204" pitchFamily="34" charset="0"/>
+                <a:cs typeface="Calibri" panose="020F0502020204030204" pitchFamily="34" charset="0"/>
+                <a:sym typeface="Wingdings" panose="05000000000000000000" pitchFamily="2" charset="2"/>
+              </a:rPr>
+              <a:t>DEL REPOSITORIO</a:t>
+            </a:r>
+            <a:endParaRPr lang="es-PE" dirty="0">
+              <a:solidFill>
+                <a:schemeClr val="tx2"/>
+              </a:solidFill>
+              <a:effectLst>
+                <a:outerShdw blurRad="38100" dist="38100" dir="2700000" algn="tl">
+                  <a:srgbClr val="000000">
+                    <a:alpha val="43137"/>
+                  </a:srgbClr>
+                </a:outerShdw>
+              </a:effectLst>
+              <a:latin typeface="Calibri" panose="020F0502020204030204" pitchFamily="34" charset="0"/>
+              <a:cs typeface="Calibri" panose="020F0502020204030204" pitchFamily="34" charset="0"/>
+            </a:endParaRPr>
+          </a:p>
+          <a:p>
+            <a:pPr marL="285750" indent="-285750" algn="just">
+              <a:buFont typeface="Arial" panose="020B0604020202020204" pitchFamily="34" charset="0"/>
+              <a:buChar char="•"/>
+            </a:pPr>
+            <a:r>
+              <a:rPr lang="es-PE" i="1" dirty="0">
+                <a:solidFill>
+                  <a:schemeClr val="tx2"/>
+                </a:solidFill>
+                <a:effectLst>
+                  <a:outerShdw blurRad="38100" dist="38100" dir="2700000" algn="tl">
+                    <a:srgbClr val="000000">
+                      <a:alpha val="43137"/>
+                    </a:srgbClr>
+                  </a:outerShdw>
+                </a:effectLst>
+                <a:latin typeface="Calibri" panose="020F0502020204030204" pitchFamily="34" charset="0"/>
+                <a:cs typeface="Calibri" panose="020F0502020204030204" pitchFamily="34" charset="0"/>
+              </a:rPr>
+              <a:t>Ubicarse en el repositorio y utilizar el o los comando(s) siguiente(s):</a:t>
+            </a:r>
+          </a:p>
+          <a:p>
+            <a:pPr marL="285750" indent="-285750" algn="just">
+              <a:buFont typeface="Arial" panose="020B0604020202020204" pitchFamily="34" charset="0"/>
+              <a:buChar char="•"/>
+            </a:pPr>
+            <a:endParaRPr lang="es-PE" i="1" dirty="0">
+              <a:solidFill>
+                <a:schemeClr val="tx2"/>
+              </a:solidFill>
+              <a:effectLst>
+                <a:outerShdw blurRad="38100" dist="38100" dir="2700000" algn="tl">
+                  <a:srgbClr val="000000">
+                    <a:alpha val="43137"/>
+                  </a:srgbClr>
+                </a:outerShdw>
+              </a:effectLst>
+              <a:latin typeface="Calibri" panose="020F0502020204030204" pitchFamily="34" charset="0"/>
+              <a:cs typeface="Calibri" panose="020F0502020204030204" pitchFamily="34" charset="0"/>
+            </a:endParaRPr>
+          </a:p>
+          <a:p>
+            <a:pPr marL="285750" indent="-285750" algn="just">
+              <a:buFont typeface="Arial" panose="020B0604020202020204" pitchFamily="34" charset="0"/>
+              <a:buChar char="•"/>
+            </a:pPr>
+            <a:r>
+              <a:rPr lang="es-PE" i="1" dirty="0">
+                <a:solidFill>
+                  <a:schemeClr val="tx2"/>
+                </a:solidFill>
+                <a:effectLst>
+                  <a:outerShdw blurRad="38100" dist="38100" dir="2700000" algn="tl">
+                    <a:srgbClr val="000000">
+                      <a:alpha val="43137"/>
+                    </a:srgbClr>
+                  </a:outerShdw>
+                </a:effectLst>
+                <a:latin typeface="Calibri" panose="020F0502020204030204" pitchFamily="34" charset="0"/>
+                <a:cs typeface="Calibri" panose="020F0502020204030204" pitchFamily="34" charset="0"/>
+              </a:rPr>
+              <a:t>git status </a:t>
+            </a:r>
+            <a:r>
+              <a:rPr lang="es-PE" i="1" dirty="0">
+                <a:solidFill>
+                  <a:srgbClr val="7030A0"/>
+                </a:solidFill>
+                <a:effectLst>
+                  <a:outerShdw blurRad="38100" dist="38100" dir="2700000" algn="tl">
+                    <a:srgbClr val="000000">
+                      <a:alpha val="43137"/>
+                    </a:srgbClr>
+                  </a:outerShdw>
+                </a:effectLst>
+                <a:latin typeface="Calibri" panose="020F0502020204030204" pitchFamily="34" charset="0"/>
+                <a:cs typeface="Calibri" panose="020F0502020204030204" pitchFamily="34" charset="0"/>
+              </a:rPr>
+              <a:t>&lt;parámetros opcionales&gt;</a:t>
+            </a:r>
+            <a:endParaRPr lang="es-PE" i="1" dirty="0">
+              <a:solidFill>
+                <a:schemeClr val="tx2"/>
+              </a:solidFill>
+              <a:effectLst>
+                <a:outerShdw blurRad="38100" dist="38100" dir="2700000" algn="tl">
+                  <a:srgbClr val="000000">
+                    <a:alpha val="43137"/>
+                  </a:srgbClr>
+                </a:outerShdw>
+              </a:effectLst>
+              <a:latin typeface="Calibri" panose="020F0502020204030204" pitchFamily="34" charset="0"/>
+              <a:cs typeface="Calibri" panose="020F0502020204030204" pitchFamily="34" charset="0"/>
+            </a:endParaRPr>
+          </a:p>
+        </p:txBody>
+      </p:sp>
+      <p:sp>
+        <p:nvSpPr>
+          <p:cNvPr id="14" name="CuadroTexto 13">
+            <a:extLst>
+              <a:ext uri="{FF2B5EF4-FFF2-40B4-BE49-F238E27FC236}">
+                <a16:creationId xmlns:a16="http://schemas.microsoft.com/office/drawing/2014/main" id="{66A32BDF-7936-1FA0-3A21-D89479BDE7B1}"/>
+              </a:ext>
+            </a:extLst>
+          </p:cNvPr>
+          <p:cNvSpPr txBox="1"/>
+          <p:nvPr/>
+        </p:nvSpPr>
+        <p:spPr>
+          <a:xfrm>
+            <a:off x="2628537" y="112674"/>
+            <a:ext cx="1796197" cy="369332"/>
+          </a:xfrm>
+          <a:prstGeom prst="rect">
+            <a:avLst/>
+          </a:prstGeom>
+          <a:solidFill>
+            <a:schemeClr val="accent5">
+              <a:lumMod val="40000"/>
+              <a:lumOff val="60000"/>
+            </a:schemeClr>
+          </a:solidFill>
+          <a:ln>
+            <a:solidFill>
+              <a:schemeClr val="tx2"/>
+            </a:solidFill>
+          </a:ln>
+        </p:spPr>
+        <p:txBody>
+          <a:bodyPr wrap="none" rtlCol="0">
+            <a:spAutoFit/>
+          </a:bodyPr>
+          <a:lstStyle/>
+          <a:p>
+            <a:r>
+              <a:rPr lang="es-MX" dirty="0"/>
+              <a:t>Repositorio GIT</a:t>
+            </a:r>
+            <a:endParaRPr lang="es-PE" dirty="0"/>
+          </a:p>
+        </p:txBody>
+      </p:sp>
+      <p:cxnSp>
+        <p:nvCxnSpPr>
+          <p:cNvPr id="20" name="Conector recto de flecha 19">
+            <a:extLst>
+              <a:ext uri="{FF2B5EF4-FFF2-40B4-BE49-F238E27FC236}">
+                <a16:creationId xmlns:a16="http://schemas.microsoft.com/office/drawing/2014/main" id="{8D69F334-99FA-BDEE-B356-D7A2664F26FE}"/>
+              </a:ext>
+            </a:extLst>
+          </p:cNvPr>
+          <p:cNvCxnSpPr>
+            <a:stCxn id="14" idx="2"/>
+            <a:endCxn id="30" idx="0"/>
+          </p:cNvCxnSpPr>
+          <p:nvPr/>
+        </p:nvCxnSpPr>
+        <p:spPr>
+          <a:xfrm flipH="1">
+            <a:off x="3526635" y="482006"/>
+            <a:ext cx="1" cy="571206"/>
+          </a:xfrm>
+          <a:prstGeom prst="straightConnector1">
+            <a:avLst/>
+          </a:prstGeom>
+          <a:ln>
+            <a:solidFill>
+              <a:schemeClr val="tx2"/>
+            </a:solidFill>
+            <a:tailEnd type="triangle"/>
+          </a:ln>
+        </p:spPr>
+        <p:style>
+          <a:lnRef idx="1">
+            <a:schemeClr val="accent1"/>
+          </a:lnRef>
+          <a:fillRef idx="0">
+            <a:schemeClr val="accent1"/>
+          </a:fillRef>
+          <a:effectRef idx="0">
+            <a:schemeClr val="accent1"/>
+          </a:effectRef>
+          <a:fontRef idx="minor">
+            <a:schemeClr val="tx1"/>
+          </a:fontRef>
+        </p:style>
+      </p:cxnSp>
+      <p:cxnSp>
+        <p:nvCxnSpPr>
+          <p:cNvPr id="23" name="Conector recto 22">
+            <a:extLst>
+              <a:ext uri="{FF2B5EF4-FFF2-40B4-BE49-F238E27FC236}">
+                <a16:creationId xmlns:a16="http://schemas.microsoft.com/office/drawing/2014/main" id="{CCF24EA5-8DBF-3B74-812F-E77F6BD0D0B6}"/>
+              </a:ext>
+            </a:extLst>
+          </p:cNvPr>
+          <p:cNvCxnSpPr>
+            <a:cxnSpLocks/>
+          </p:cNvCxnSpPr>
+          <p:nvPr/>
+        </p:nvCxnSpPr>
+        <p:spPr>
+          <a:xfrm>
+            <a:off x="2199475" y="767609"/>
+            <a:ext cx="2736226" cy="0"/>
+          </a:xfrm>
+          <a:prstGeom prst="line">
+            <a:avLst/>
+          </a:prstGeom>
+        </p:spPr>
+        <p:style>
+          <a:lnRef idx="1">
+            <a:schemeClr val="dk1"/>
+          </a:lnRef>
+          <a:fillRef idx="0">
+            <a:schemeClr val="dk1"/>
+          </a:fillRef>
+          <a:effectRef idx="0">
+            <a:schemeClr val="dk1"/>
+          </a:effectRef>
+          <a:fontRef idx="minor">
+            <a:schemeClr val="tx1"/>
+          </a:fontRef>
+        </p:style>
+      </p:cxnSp>
+      <p:cxnSp>
+        <p:nvCxnSpPr>
+          <p:cNvPr id="25" name="Conector recto de flecha 24">
+            <a:extLst>
+              <a:ext uri="{FF2B5EF4-FFF2-40B4-BE49-F238E27FC236}">
+                <a16:creationId xmlns:a16="http://schemas.microsoft.com/office/drawing/2014/main" id="{FD1491E5-51F1-6272-D799-635FCE4C41D9}"/>
+              </a:ext>
+            </a:extLst>
+          </p:cNvPr>
+          <p:cNvCxnSpPr>
+            <a:cxnSpLocks/>
+            <a:endCxn id="1028" idx="0"/>
+          </p:cNvCxnSpPr>
+          <p:nvPr/>
+        </p:nvCxnSpPr>
+        <p:spPr>
+          <a:xfrm>
+            <a:off x="2199476" y="767609"/>
+            <a:ext cx="0" cy="285603"/>
+          </a:xfrm>
+          <a:prstGeom prst="straightConnector1">
+            <a:avLst/>
+          </a:prstGeom>
+          <a:ln>
+            <a:tailEnd type="triangle"/>
+          </a:ln>
+        </p:spPr>
+        <p:style>
+          <a:lnRef idx="1">
+            <a:schemeClr val="accent1"/>
+          </a:lnRef>
+          <a:fillRef idx="0">
+            <a:schemeClr val="accent1"/>
+          </a:fillRef>
+          <a:effectRef idx="0">
+            <a:schemeClr val="accent1"/>
+          </a:effectRef>
+          <a:fontRef idx="minor">
+            <a:schemeClr val="tx1"/>
+          </a:fontRef>
+        </p:style>
+      </p:cxnSp>
+      <p:cxnSp>
+        <p:nvCxnSpPr>
+          <p:cNvPr id="27" name="Conector recto de flecha 26">
+            <a:extLst>
+              <a:ext uri="{FF2B5EF4-FFF2-40B4-BE49-F238E27FC236}">
+                <a16:creationId xmlns:a16="http://schemas.microsoft.com/office/drawing/2014/main" id="{BBBCB0C3-5B04-894F-A8E3-82545DE43107}"/>
+              </a:ext>
+            </a:extLst>
+          </p:cNvPr>
+          <p:cNvCxnSpPr>
+            <a:cxnSpLocks/>
+            <a:endCxn id="7" idx="0"/>
+          </p:cNvCxnSpPr>
+          <p:nvPr/>
+        </p:nvCxnSpPr>
+        <p:spPr>
+          <a:xfrm>
+            <a:off x="4932157" y="767609"/>
+            <a:ext cx="0" cy="285603"/>
+          </a:xfrm>
+          <a:prstGeom prst="straightConnector1">
+            <a:avLst/>
+          </a:prstGeom>
+          <a:ln>
+            <a:tailEnd type="triangle"/>
+          </a:ln>
+        </p:spPr>
+        <p:style>
+          <a:lnRef idx="1">
+            <a:schemeClr val="dk1"/>
+          </a:lnRef>
+          <a:fillRef idx="0">
+            <a:schemeClr val="dk1"/>
+          </a:fillRef>
+          <a:effectRef idx="0">
+            <a:schemeClr val="dk1"/>
+          </a:effectRef>
+          <a:fontRef idx="minor">
+            <a:schemeClr val="tx1"/>
+          </a:fontRef>
+        </p:style>
+      </p:cxnSp>
+      <p:sp>
+        <p:nvSpPr>
+          <p:cNvPr id="29" name="CuadroTexto 28">
+            <a:extLst>
+              <a:ext uri="{FF2B5EF4-FFF2-40B4-BE49-F238E27FC236}">
+                <a16:creationId xmlns:a16="http://schemas.microsoft.com/office/drawing/2014/main" id="{3DA095EC-90DF-E18C-8393-0183A4E5B699}"/>
+              </a:ext>
+            </a:extLst>
+          </p:cNvPr>
+          <p:cNvSpPr txBox="1"/>
+          <p:nvPr/>
+        </p:nvSpPr>
+        <p:spPr>
+          <a:xfrm>
+            <a:off x="4243492" y="2074732"/>
+            <a:ext cx="1384418" cy="646331"/>
+          </a:xfrm>
+          <a:prstGeom prst="rect">
+            <a:avLst/>
+          </a:prstGeom>
+          <a:noFill/>
+          <a:ln>
+            <a:solidFill>
+              <a:schemeClr val="tx2"/>
+            </a:solidFill>
+          </a:ln>
+        </p:spPr>
+        <p:txBody>
+          <a:bodyPr wrap="none" rtlCol="0">
+            <a:spAutoFit/>
+          </a:bodyPr>
+          <a:lstStyle/>
+          <a:p>
+            <a:pPr algn="ctr"/>
+            <a:r>
+              <a:rPr lang="es-PE" b="1" dirty="0">
+                <a:solidFill>
+                  <a:srgbClr val="7030A0"/>
+                </a:solidFill>
+                <a:effectLst>
+                  <a:outerShdw blurRad="38100" dist="38100" dir="2700000" algn="tl">
+                    <a:srgbClr val="000000">
+                      <a:alpha val="43137"/>
+                    </a:srgbClr>
+                  </a:outerShdw>
+                </a:effectLst>
+                <a:latin typeface="Calibri" panose="020F0502020204030204" pitchFamily="34" charset="0"/>
+                <a:cs typeface="Calibri" panose="020F0502020204030204" pitchFamily="34" charset="0"/>
+              </a:rPr>
+              <a:t>LOCAL</a:t>
+            </a:r>
+          </a:p>
+          <a:p>
+            <a:pPr algn="ctr"/>
+            <a:r>
+              <a:rPr lang="es-PE" b="1" dirty="0">
+                <a:solidFill>
+                  <a:srgbClr val="7030A0"/>
+                </a:solidFill>
+                <a:effectLst>
+                  <a:outerShdw blurRad="38100" dist="38100" dir="2700000" algn="tl">
+                    <a:srgbClr val="000000">
+                      <a:alpha val="43137"/>
+                    </a:srgbClr>
+                  </a:outerShdw>
+                </a:effectLst>
+                <a:latin typeface="Calibri" panose="020F0502020204030204" pitchFamily="34" charset="0"/>
+                <a:cs typeface="Calibri" panose="020F0502020204030204" pitchFamily="34" charset="0"/>
+              </a:rPr>
+              <a:t>REPOSITORY</a:t>
+            </a:r>
+          </a:p>
+        </p:txBody>
+      </p:sp>
+      <p:cxnSp>
+        <p:nvCxnSpPr>
+          <p:cNvPr id="33" name="Conector recto de flecha 32">
+            <a:extLst>
+              <a:ext uri="{FF2B5EF4-FFF2-40B4-BE49-F238E27FC236}">
+                <a16:creationId xmlns:a16="http://schemas.microsoft.com/office/drawing/2014/main" id="{DA86C9E2-5FA1-C01E-405E-08E51EFC13A2}"/>
+              </a:ext>
+            </a:extLst>
+          </p:cNvPr>
+          <p:cNvCxnSpPr>
+            <a:stCxn id="1028" idx="2"/>
+            <a:endCxn id="6" idx="0"/>
+          </p:cNvCxnSpPr>
+          <p:nvPr/>
+        </p:nvCxnSpPr>
+        <p:spPr>
+          <a:xfrm>
+            <a:off x="2199476" y="1483519"/>
+            <a:ext cx="2252" cy="587734"/>
+          </a:xfrm>
+          <a:prstGeom prst="straightConnector1">
+            <a:avLst/>
+          </a:prstGeom>
+          <a:ln>
+            <a:tailEnd type="triangle"/>
+          </a:ln>
+        </p:spPr>
+        <p:style>
+          <a:lnRef idx="1">
+            <a:schemeClr val="dk1"/>
+          </a:lnRef>
+          <a:fillRef idx="0">
+            <a:schemeClr val="dk1"/>
+          </a:fillRef>
+          <a:effectRef idx="0">
+            <a:schemeClr val="dk1"/>
+          </a:effectRef>
+          <a:fontRef idx="minor">
+            <a:schemeClr val="tx1"/>
+          </a:fontRef>
+        </p:style>
+      </p:cxnSp>
+      <p:cxnSp>
+        <p:nvCxnSpPr>
+          <p:cNvPr id="35" name="Conector recto de flecha 34">
+            <a:extLst>
+              <a:ext uri="{FF2B5EF4-FFF2-40B4-BE49-F238E27FC236}">
+                <a16:creationId xmlns:a16="http://schemas.microsoft.com/office/drawing/2014/main" id="{7F600AEF-B95A-4D87-3266-5FA2329745BE}"/>
+              </a:ext>
+            </a:extLst>
+          </p:cNvPr>
+          <p:cNvCxnSpPr>
+            <a:cxnSpLocks/>
+            <a:stCxn id="30" idx="2"/>
+            <a:endCxn id="8" idx="0"/>
+          </p:cNvCxnSpPr>
+          <p:nvPr/>
+        </p:nvCxnSpPr>
+        <p:spPr>
+          <a:xfrm flipH="1">
+            <a:off x="3526634" y="1483519"/>
+            <a:ext cx="1" cy="587734"/>
+          </a:xfrm>
+          <a:prstGeom prst="straightConnector1">
+            <a:avLst/>
+          </a:prstGeom>
+          <a:ln>
+            <a:tailEnd type="triangle"/>
+          </a:ln>
+        </p:spPr>
+        <p:style>
+          <a:lnRef idx="1">
+            <a:schemeClr val="dk1"/>
+          </a:lnRef>
+          <a:fillRef idx="0">
+            <a:schemeClr val="dk1"/>
+          </a:fillRef>
+          <a:effectRef idx="0">
+            <a:schemeClr val="dk1"/>
+          </a:effectRef>
+          <a:fontRef idx="minor">
+            <a:schemeClr val="tx1"/>
+          </a:fontRef>
+        </p:style>
+      </p:cxnSp>
+      <p:cxnSp>
+        <p:nvCxnSpPr>
+          <p:cNvPr id="39" name="Conector recto de flecha 38">
+            <a:extLst>
+              <a:ext uri="{FF2B5EF4-FFF2-40B4-BE49-F238E27FC236}">
+                <a16:creationId xmlns:a16="http://schemas.microsoft.com/office/drawing/2014/main" id="{2F54F865-7662-C99A-0002-B108613B3917}"/>
+              </a:ext>
+            </a:extLst>
+          </p:cNvPr>
+          <p:cNvCxnSpPr>
+            <a:cxnSpLocks/>
+            <a:stCxn id="7" idx="2"/>
+            <a:endCxn id="29" idx="0"/>
+          </p:cNvCxnSpPr>
+          <p:nvPr/>
+        </p:nvCxnSpPr>
+        <p:spPr>
+          <a:xfrm>
+            <a:off x="4932157" y="1483519"/>
+            <a:ext cx="3544" cy="591213"/>
+          </a:xfrm>
+          <a:prstGeom prst="straightConnector1">
+            <a:avLst/>
+          </a:prstGeom>
+          <a:ln>
+            <a:tailEnd type="triangle"/>
+          </a:ln>
+        </p:spPr>
+        <p:style>
+          <a:lnRef idx="1">
+            <a:schemeClr val="dk1"/>
+          </a:lnRef>
+          <a:fillRef idx="0">
+            <a:schemeClr val="dk1"/>
+          </a:fillRef>
+          <a:effectRef idx="0">
+            <a:schemeClr val="dk1"/>
+          </a:effectRef>
+          <a:fontRef idx="minor">
+            <a:schemeClr val="tx1"/>
+          </a:fontRef>
+        </p:style>
+      </p:cxnSp>
+      <p:cxnSp>
+        <p:nvCxnSpPr>
+          <p:cNvPr id="1029" name="Conector: angular 1028">
+            <a:extLst>
+              <a:ext uri="{FF2B5EF4-FFF2-40B4-BE49-F238E27FC236}">
+                <a16:creationId xmlns:a16="http://schemas.microsoft.com/office/drawing/2014/main" id="{45BFBC76-9815-F603-B72A-A735C62463F0}"/>
+              </a:ext>
+            </a:extLst>
+          </p:cNvPr>
+          <p:cNvCxnSpPr>
+            <a:cxnSpLocks/>
+            <a:stCxn id="7" idx="3"/>
+            <a:endCxn id="6" idx="2"/>
+          </p:cNvCxnSpPr>
+          <p:nvPr/>
+        </p:nvCxnSpPr>
+        <p:spPr>
+          <a:xfrm flipH="1">
+            <a:off x="2201728" y="1268366"/>
+            <a:ext cx="2945582" cy="1449218"/>
+          </a:xfrm>
+          <a:prstGeom prst="bentConnector4">
+            <a:avLst>
+              <a:gd name="adj1" fmla="val -30397"/>
+              <a:gd name="adj2" fmla="val 129576"/>
+            </a:avLst>
+          </a:prstGeom>
+          <a:ln>
+            <a:tailEnd type="triangle"/>
+          </a:ln>
+        </p:spPr>
+        <p:style>
+          <a:lnRef idx="1">
+            <a:schemeClr val="dk1"/>
+          </a:lnRef>
+          <a:fillRef idx="0">
+            <a:schemeClr val="dk1"/>
+          </a:fillRef>
+          <a:effectRef idx="0">
+            <a:schemeClr val="dk1"/>
+          </a:effectRef>
+          <a:fontRef idx="minor">
+            <a:schemeClr val="tx1"/>
+          </a:fontRef>
+        </p:style>
+      </p:cxnSp>
     </p:spTree>
     <p:extLst>
       <p:ext uri="{BB962C8B-B14F-4D97-AF65-F5344CB8AC3E}">
-        <p14:creationId xmlns:p14="http://schemas.microsoft.com/office/powerpoint/2010/main" val="571916843"/>
+        <p14:creationId xmlns:p14="http://schemas.microsoft.com/office/powerpoint/2010/main" val="3087011284"/>
       </p:ext>
     </p:extLst>
   </p:cSld>
@@ -18198,353 +21514,64 @@
       </p:grpSpPr>
       <p:sp>
         <p:nvSpPr>
-          <p:cNvPr id="2" name="Título 1"/>
-          <p:cNvSpPr>
-            <a:spLocks noGrp="1"/>
-          </p:cNvSpPr>
-          <p:nvPr>
-            <p:ph type="title"/>
-          </p:nvPr>
-        </p:nvSpPr>
-        <p:spPr/>
-        <p:txBody>
-          <a:bodyPr rtlCol="0"/>
-          <a:lstStyle/>
-          <a:p>
-            <a:pPr rtl="0"/>
-            <a:r>
-              <a:rPr lang="es-ES" dirty="0"/>
-              <a:t>Diseño de dos objetos con tabla</a:t>
-            </a:r>
-          </a:p>
-        </p:txBody>
-      </p:sp>
-      <p:graphicFrame>
-        <p:nvGraphicFramePr>
-          <p:cNvPr id="11" name="Marcador de posición de contenido 10"/>
-          <p:cNvGraphicFramePr>
-            <a:graphicFrameLocks noGrp="1"/>
-          </p:cNvGraphicFramePr>
-          <p:nvPr>
-            <p:ph sz="half" idx="1"/>
-            <p:extLst>
-              <p:ext uri="{D42A27DB-BD31-4B8C-83A1-F6EECF244321}">
-                <p14:modId xmlns:p14="http://schemas.microsoft.com/office/powerpoint/2010/main" val="4096633267"/>
-              </p:ext>
-            </p:extLst>
-          </p:nvPr>
-        </p:nvGraphicFramePr>
-        <p:xfrm>
-          <a:off x="1593850" y="1600200"/>
-          <a:ext cx="4814889" cy="2209800"/>
-        </p:xfrm>
-        <a:graphic>
-          <a:graphicData uri="http://schemas.openxmlformats.org/drawingml/2006/table">
-            <a:tbl>
-              <a:tblPr firstRow="1" bandRow="1">
-                <a:tableStyleId>{073A0DAA-6AF3-43AB-8588-CEC1D06C72B9}</a:tableStyleId>
-              </a:tblPr>
-              <a:tblGrid>
-                <a:gridCol w="1604963">
-                  <a:extLst>
-                    <a:ext uri="{9D8B030D-6E8A-4147-A177-3AD203B41FA5}">
-                      <a16:colId xmlns:a16="http://schemas.microsoft.com/office/drawing/2014/main" val="20000"/>
-                    </a:ext>
-                  </a:extLst>
-                </a:gridCol>
-                <a:gridCol w="1604963">
-                  <a:extLst>
-                    <a:ext uri="{9D8B030D-6E8A-4147-A177-3AD203B41FA5}">
-                      <a16:colId xmlns:a16="http://schemas.microsoft.com/office/drawing/2014/main" val="20001"/>
-                    </a:ext>
-                  </a:extLst>
-                </a:gridCol>
-                <a:gridCol w="1604963">
-                  <a:extLst>
-                    <a:ext uri="{9D8B030D-6E8A-4147-A177-3AD203B41FA5}">
-                      <a16:colId xmlns:a16="http://schemas.microsoft.com/office/drawing/2014/main" val="20002"/>
-                    </a:ext>
-                  </a:extLst>
-                </a:gridCol>
-              </a:tblGrid>
-              <a:tr h="552450">
-                <a:tc>
-                  <a:txBody>
-                    <a:bodyPr/>
-                    <a:lstStyle/>
-                    <a:p>
-                      <a:pPr rtl="0"/>
-                      <a:r>
-                        <a:rPr lang="es-ES" noProof="0" dirty="0"/>
-                        <a:t>Clase</a:t>
-                      </a:r>
-                    </a:p>
-                  </a:txBody>
-                  <a:tcPr anchor="ctr"/>
-                </a:tc>
-                <a:tc>
-                  <a:txBody>
-                    <a:bodyPr/>
-                    <a:lstStyle/>
-                    <a:p>
-                      <a:pPr algn="ctr" rtl="0"/>
-                      <a:r>
-                        <a:rPr lang="es-ES" noProof="0" dirty="0"/>
-                        <a:t>Grupo A</a:t>
-                      </a:r>
-                    </a:p>
-                  </a:txBody>
-                  <a:tcPr anchor="ctr"/>
-                </a:tc>
-                <a:tc>
-                  <a:txBody>
-                    <a:bodyPr/>
-                    <a:lstStyle/>
-                    <a:p>
-                      <a:pPr algn="ctr" rtl="0"/>
-                      <a:r>
-                        <a:rPr lang="es-ES" noProof="0" dirty="0"/>
-                        <a:t>Grupo B</a:t>
-                      </a:r>
-                    </a:p>
-                  </a:txBody>
-                  <a:tcPr anchor="ctr"/>
-                </a:tc>
-                <a:extLst>
-                  <a:ext uri="{0D108BD9-81ED-4DB2-BD59-A6C34878D82A}">
-                    <a16:rowId xmlns:a16="http://schemas.microsoft.com/office/drawing/2014/main" val="10000"/>
-                  </a:ext>
-                </a:extLst>
-              </a:tr>
-              <a:tr h="552450">
-                <a:tc>
-                  <a:txBody>
-                    <a:bodyPr/>
-                    <a:lstStyle/>
-                    <a:p>
-                      <a:pPr rtl="0"/>
-                      <a:r>
-                        <a:rPr lang="es-ES" noProof="0" dirty="0"/>
-                        <a:t>Clase 1</a:t>
-                      </a:r>
-                    </a:p>
-                  </a:txBody>
-                  <a:tcPr anchor="ctr"/>
-                </a:tc>
-                <a:tc>
-                  <a:txBody>
-                    <a:bodyPr/>
-                    <a:lstStyle/>
-                    <a:p>
-                      <a:pPr algn="ctr" rtl="0"/>
-                      <a:r>
-                        <a:rPr lang="es-ES" noProof="0" dirty="0"/>
-                        <a:t>82</a:t>
-                      </a:r>
-                    </a:p>
-                  </a:txBody>
-                  <a:tcPr anchor="ctr"/>
-                </a:tc>
-                <a:tc>
-                  <a:txBody>
-                    <a:bodyPr/>
-                    <a:lstStyle/>
-                    <a:p>
-                      <a:pPr algn="ctr" rtl="0"/>
-                      <a:r>
-                        <a:rPr lang="es-ES" noProof="0" dirty="0"/>
-                        <a:t>95</a:t>
-                      </a:r>
-                    </a:p>
-                  </a:txBody>
-                  <a:tcPr anchor="ctr"/>
-                </a:tc>
-                <a:extLst>
-                  <a:ext uri="{0D108BD9-81ED-4DB2-BD59-A6C34878D82A}">
-                    <a16:rowId xmlns:a16="http://schemas.microsoft.com/office/drawing/2014/main" val="10001"/>
-                  </a:ext>
-                </a:extLst>
-              </a:tr>
-              <a:tr h="552450">
-                <a:tc>
-                  <a:txBody>
-                    <a:bodyPr/>
-                    <a:lstStyle/>
-                    <a:p>
-                      <a:pPr rtl="0"/>
-                      <a:r>
-                        <a:rPr lang="es-ES" noProof="0" dirty="0"/>
-                        <a:t>Clase 2</a:t>
-                      </a:r>
-                    </a:p>
-                  </a:txBody>
-                  <a:tcPr anchor="ctr"/>
-                </a:tc>
-                <a:tc>
-                  <a:txBody>
-                    <a:bodyPr/>
-                    <a:lstStyle/>
-                    <a:p>
-                      <a:pPr algn="ctr" rtl="0"/>
-                      <a:r>
-                        <a:rPr lang="es-ES" noProof="0" dirty="0"/>
-                        <a:t>76</a:t>
-                      </a:r>
-                    </a:p>
-                  </a:txBody>
-                  <a:tcPr anchor="ctr"/>
-                </a:tc>
-                <a:tc>
-                  <a:txBody>
-                    <a:bodyPr/>
-                    <a:lstStyle/>
-                    <a:p>
-                      <a:pPr algn="ctr" rtl="0"/>
-                      <a:r>
-                        <a:rPr lang="es-ES" noProof="0" dirty="0"/>
-                        <a:t>88</a:t>
-                      </a:r>
-                    </a:p>
-                  </a:txBody>
-                  <a:tcPr anchor="ctr"/>
-                </a:tc>
-                <a:extLst>
-                  <a:ext uri="{0D108BD9-81ED-4DB2-BD59-A6C34878D82A}">
-                    <a16:rowId xmlns:a16="http://schemas.microsoft.com/office/drawing/2014/main" val="10002"/>
-                  </a:ext>
-                </a:extLst>
-              </a:tr>
-              <a:tr h="552450">
-                <a:tc>
-                  <a:txBody>
-                    <a:bodyPr/>
-                    <a:lstStyle/>
-                    <a:p>
-                      <a:pPr rtl="0"/>
-                      <a:r>
-                        <a:rPr lang="es-ES" noProof="0" dirty="0"/>
-                        <a:t>Clase 3</a:t>
-                      </a:r>
-                    </a:p>
-                  </a:txBody>
-                  <a:tcPr anchor="ctr"/>
-                </a:tc>
-                <a:tc>
-                  <a:txBody>
-                    <a:bodyPr/>
-                    <a:lstStyle/>
-                    <a:p>
-                      <a:pPr algn="ctr" rtl="0"/>
-                      <a:r>
-                        <a:rPr lang="es-ES" noProof="0" dirty="0"/>
-                        <a:t>84</a:t>
-                      </a:r>
-                    </a:p>
-                  </a:txBody>
-                  <a:tcPr anchor="ctr"/>
-                </a:tc>
-                <a:tc>
-                  <a:txBody>
-                    <a:bodyPr/>
-                    <a:lstStyle/>
-                    <a:p>
-                      <a:pPr algn="ctr" rtl="0"/>
-                      <a:r>
-                        <a:rPr lang="es-ES" noProof="0" dirty="0"/>
-                        <a:t>90</a:t>
-                      </a:r>
-                    </a:p>
-                  </a:txBody>
-                  <a:tcPr anchor="ctr"/>
-                </a:tc>
-                <a:extLst>
-                  <a:ext uri="{0D108BD9-81ED-4DB2-BD59-A6C34878D82A}">
-                    <a16:rowId xmlns:a16="http://schemas.microsoft.com/office/drawing/2014/main" val="10003"/>
-                  </a:ext>
-                </a:extLst>
-              </a:tr>
-            </a:tbl>
-          </a:graphicData>
-        </a:graphic>
-      </p:graphicFrame>
-      <p:sp>
-        <p:nvSpPr>
-          <p:cNvPr id="7" name="Marcador de posición de contenido 6"/>
-          <p:cNvSpPr>
-            <a:spLocks noGrp="1"/>
-          </p:cNvSpPr>
-          <p:nvPr>
-            <p:ph sz="half" idx="2"/>
-          </p:nvPr>
-        </p:nvSpPr>
-        <p:spPr/>
-        <p:txBody>
-          <a:bodyPr rtlCol="0"/>
-          <a:lstStyle/>
-          <a:p>
-            <a:pPr rtl="0"/>
-            <a:r>
-              <a:rPr lang="es-ES" dirty="0"/>
-              <a:t>Primera viñeta aquí</a:t>
-            </a:r>
-          </a:p>
-          <a:p>
-            <a:pPr rtl="0"/>
-            <a:r>
-              <a:rPr lang="es-ES" dirty="0"/>
-              <a:t>Segunda viñeta aquí</a:t>
-            </a:r>
-          </a:p>
-          <a:p>
-            <a:pPr rtl="0"/>
-            <a:r>
-              <a:rPr lang="es-ES" dirty="0"/>
-              <a:t>Tercera viñeta aquí</a:t>
-            </a:r>
-          </a:p>
-        </p:txBody>
-      </p:sp>
-      <p:sp>
-        <p:nvSpPr>
-          <p:cNvPr id="3" name="Marcador de pie de página 2">
+          <p:cNvPr id="50" name="Rectángulo 49">
             <a:extLst>
               <a:ext uri="{FF2B5EF4-FFF2-40B4-BE49-F238E27FC236}">
-                <a16:creationId xmlns:a16="http://schemas.microsoft.com/office/drawing/2014/main" id="{8C9B2DFC-D020-4E44-857D-6BC7FC101879}"/>
+                <a16:creationId xmlns:a16="http://schemas.microsoft.com/office/drawing/2014/main" id="{FAC60D7A-4591-4343-083F-5A1159DA431D}"/>
               </a:ext>
             </a:extLst>
           </p:cNvPr>
-          <p:cNvSpPr>
-            <a:spLocks noGrp="1"/>
-          </p:cNvSpPr>
-          <p:nvPr>
-            <p:ph type="ftr" sz="quarter" idx="4294967295"/>
-          </p:nvPr>
+          <p:cNvSpPr/>
+          <p:nvPr/>
         </p:nvSpPr>
         <p:spPr>
           <a:xfrm>
-            <a:off x="6595933" y="6356351"/>
-            <a:ext cx="3974065" cy="365125"/>
+            <a:off x="10247473" y="2073402"/>
+            <a:ext cx="1554370" cy="1338535"/>
           </a:xfrm>
+          <a:prstGeom prst="rect">
+            <a:avLst/>
+          </a:prstGeom>
+          <a:noFill/>
+          <a:effectLst>
+            <a:outerShdw blurRad="50800" dist="38100" dir="5400000" algn="t" rotWithShape="0">
+              <a:prstClr val="black">
+                <a:alpha val="40000"/>
+              </a:prstClr>
+            </a:outerShdw>
+          </a:effectLst>
         </p:spPr>
-        <p:txBody>
-          <a:bodyPr/>
+        <p:style>
+          <a:lnRef idx="2">
+            <a:schemeClr val="accent1">
+              <a:shade val="50000"/>
+            </a:schemeClr>
+          </a:lnRef>
+          <a:fillRef idx="1">
+            <a:schemeClr val="accent1"/>
+          </a:fillRef>
+          <a:effectRef idx="0">
+            <a:schemeClr val="accent1"/>
+          </a:effectRef>
+          <a:fontRef idx="minor">
+            <a:schemeClr val="lt1"/>
+          </a:fontRef>
+        </p:style>
+        <p:txBody>
+          <a:bodyPr rtlCol="0" anchor="ctr"/>
           <a:lstStyle/>
           <a:p>
-            <a:pPr rtl="0"/>
-            <a:r>
-              <a:rPr lang="es-ES" noProof="0"/>
-              <a:t>Agregar un pie de página</a:t>
-            </a:r>
-            <a:endParaRPr lang="es-ES" noProof="0" dirty="0"/>
-          </a:p>
-        </p:txBody>
-      </p:sp>
-      <p:sp>
-        <p:nvSpPr>
-          <p:cNvPr id="4" name="Marcador de número de diapositiva 3">
+            <a:pPr algn="ctr"/>
+            <a:endParaRPr lang="es-PE"/>
+          </a:p>
+        </p:txBody>
+      </p:sp>
+      <p:sp>
+        <p:nvSpPr>
+          <p:cNvPr id="3" name="Marcador de número de diapositiva 2">
             <a:extLst>
               <a:ext uri="{FF2B5EF4-FFF2-40B4-BE49-F238E27FC236}">
-                <a16:creationId xmlns:a16="http://schemas.microsoft.com/office/drawing/2014/main" id="{FCC561E1-9AB8-4CEA-BA7E-6E77A44BDA62}"/>
+                <a16:creationId xmlns:a16="http://schemas.microsoft.com/office/drawing/2014/main" id="{8D2D6617-46E2-4BB5-A527-766D31BC6FE3}"/>
               </a:ext>
             </a:extLst>
           </p:cNvPr>
@@ -18555,7 +21582,12 @@
             <p:ph type="sldNum" sz="quarter" idx="12"/>
           </p:nvPr>
         </p:nvSpPr>
-        <p:spPr/>
+        <p:spPr>
+          <a:xfrm>
+            <a:off x="10766796" y="6448251"/>
+            <a:ext cx="609441" cy="365125"/>
+          </a:xfrm>
+        </p:spPr>
         <p:txBody>
           <a:bodyPr/>
           <a:lstStyle/>
@@ -18569,10 +21601,1693 @@
           </a:p>
         </p:txBody>
       </p:sp>
+      <p:sp>
+        <p:nvSpPr>
+          <p:cNvPr id="2" name="CuadroTexto 1">
+            <a:extLst>
+              <a:ext uri="{FF2B5EF4-FFF2-40B4-BE49-F238E27FC236}">
+                <a16:creationId xmlns:a16="http://schemas.microsoft.com/office/drawing/2014/main" id="{385B9208-6506-683A-1092-ECA25746D5E8}"/>
+              </a:ext>
+            </a:extLst>
+          </p:cNvPr>
+          <p:cNvSpPr txBox="1"/>
+          <p:nvPr/>
+        </p:nvSpPr>
+        <p:spPr>
+          <a:xfrm rot="16200000">
+            <a:off x="-1251192" y="3400442"/>
+            <a:ext cx="3159839" cy="461665"/>
+          </a:xfrm>
+          <a:prstGeom prst="rect">
+            <a:avLst/>
+          </a:prstGeom>
+          <a:noFill/>
+        </p:spPr>
+        <p:txBody>
+          <a:bodyPr wrap="none" rtlCol="0">
+            <a:spAutoFit/>
+          </a:bodyPr>
+          <a:lstStyle/>
+          <a:p>
+            <a:r>
+              <a:rPr lang="es-MX" sz="2400" b="1" dirty="0">
+                <a:solidFill>
+                  <a:schemeClr val="bg1"/>
+                </a:solidFill>
+                <a:effectLst>
+                  <a:outerShdw blurRad="38100" dist="38100" dir="2700000" algn="tl">
+                    <a:srgbClr val="000000">
+                      <a:alpha val="43137"/>
+                    </a:srgbClr>
+                  </a:outerShdw>
+                </a:effectLst>
+                <a:latin typeface="Calibri" panose="020F0502020204030204" pitchFamily="34" charset="0"/>
+                <a:cs typeface="Calibri" panose="020F0502020204030204" pitchFamily="34" charset="0"/>
+              </a:rPr>
+              <a:t>OPERACIONES BÁSICAS</a:t>
+            </a:r>
+            <a:endParaRPr lang="es-PE" sz="2400" b="1" dirty="0">
+              <a:solidFill>
+                <a:schemeClr val="bg1"/>
+              </a:solidFill>
+              <a:effectLst>
+                <a:outerShdw blurRad="38100" dist="38100" dir="2700000" algn="tl">
+                  <a:srgbClr val="000000">
+                    <a:alpha val="43137"/>
+                  </a:srgbClr>
+                </a:outerShdw>
+              </a:effectLst>
+              <a:latin typeface="Calibri" panose="020F0502020204030204" pitchFamily="34" charset="0"/>
+              <a:cs typeface="Calibri" panose="020F0502020204030204" pitchFamily="34" charset="0"/>
+            </a:endParaRPr>
+          </a:p>
+        </p:txBody>
+      </p:sp>
+      <p:sp>
+        <p:nvSpPr>
+          <p:cNvPr id="5" name="CuadroTexto 4">
+            <a:extLst>
+              <a:ext uri="{FF2B5EF4-FFF2-40B4-BE49-F238E27FC236}">
+                <a16:creationId xmlns:a16="http://schemas.microsoft.com/office/drawing/2014/main" id="{D9987EA6-DE13-79C2-4CDF-73C346DC30B0}"/>
+              </a:ext>
+            </a:extLst>
+          </p:cNvPr>
+          <p:cNvSpPr txBox="1"/>
+          <p:nvPr/>
+        </p:nvSpPr>
+        <p:spPr>
+          <a:xfrm rot="16200000">
+            <a:off x="-1598608" y="3611710"/>
+            <a:ext cx="5003549" cy="461665"/>
+          </a:xfrm>
+          <a:prstGeom prst="rect">
+            <a:avLst/>
+          </a:prstGeom>
+          <a:noFill/>
+        </p:spPr>
+        <p:txBody>
+          <a:bodyPr wrap="none" rtlCol="0">
+            <a:spAutoFit/>
+          </a:bodyPr>
+          <a:lstStyle/>
+          <a:p>
+            <a:r>
+              <a:rPr lang="es-MX" sz="2400" b="1" dirty="0">
+                <a:solidFill>
+                  <a:schemeClr val="bg1"/>
+                </a:solidFill>
+                <a:effectLst>
+                  <a:outerShdw blurRad="38100" dist="38100" dir="2700000" algn="tl">
+                    <a:srgbClr val="000000">
+                      <a:alpha val="43137"/>
+                    </a:srgbClr>
+                  </a:outerShdw>
+                </a:effectLst>
+                <a:latin typeface="Calibri" panose="020F0502020204030204" pitchFamily="34" charset="0"/>
+                <a:cs typeface="Calibri" panose="020F0502020204030204" pitchFamily="34" charset="0"/>
+              </a:rPr>
+              <a:t>GUARDAR CAMBIOS EN REPOSITORIO</a:t>
+            </a:r>
+            <a:endParaRPr lang="es-PE" sz="2400" b="1" dirty="0">
+              <a:solidFill>
+                <a:schemeClr val="bg1"/>
+              </a:solidFill>
+              <a:effectLst>
+                <a:outerShdw blurRad="38100" dist="38100" dir="2700000" algn="tl">
+                  <a:srgbClr val="000000">
+                    <a:alpha val="43137"/>
+                  </a:srgbClr>
+                </a:outerShdw>
+              </a:effectLst>
+              <a:latin typeface="Calibri" panose="020F0502020204030204" pitchFamily="34" charset="0"/>
+              <a:cs typeface="Calibri" panose="020F0502020204030204" pitchFamily="34" charset="0"/>
+            </a:endParaRPr>
+          </a:p>
+        </p:txBody>
+      </p:sp>
+      <p:sp>
+        <p:nvSpPr>
+          <p:cNvPr id="16" name="CuadroTexto 15">
+            <a:extLst>
+              <a:ext uri="{FF2B5EF4-FFF2-40B4-BE49-F238E27FC236}">
+                <a16:creationId xmlns:a16="http://schemas.microsoft.com/office/drawing/2014/main" id="{6D5C2937-DC13-E387-FD1F-830CF1F28A86}"/>
+              </a:ext>
+            </a:extLst>
+          </p:cNvPr>
+          <p:cNvSpPr txBox="1"/>
+          <p:nvPr/>
+        </p:nvSpPr>
+        <p:spPr>
+          <a:xfrm>
+            <a:off x="1391848" y="3422007"/>
+            <a:ext cx="10608278" cy="2308324"/>
+          </a:xfrm>
+          <a:prstGeom prst="rect">
+            <a:avLst/>
+          </a:prstGeom>
+          <a:noFill/>
+        </p:spPr>
+        <p:txBody>
+          <a:bodyPr wrap="square" rtlCol="0">
+            <a:spAutoFit/>
+          </a:bodyPr>
+          <a:lstStyle/>
+          <a:p>
+            <a:pPr marL="742950" lvl="1" indent="-285750" algn="just">
+              <a:buFont typeface="Courier New" panose="02070309020205020404" pitchFamily="49" charset="0"/>
+              <a:buChar char="o"/>
+            </a:pPr>
+            <a:endParaRPr lang="es-PE" i="1" dirty="0">
+              <a:solidFill>
+                <a:schemeClr val="tx2"/>
+              </a:solidFill>
+              <a:effectLst>
+                <a:outerShdw blurRad="38100" dist="38100" dir="2700000" algn="tl">
+                  <a:srgbClr val="000000">
+                    <a:alpha val="43137"/>
+                  </a:srgbClr>
+                </a:outerShdw>
+              </a:effectLst>
+              <a:latin typeface="Calibri" panose="020F0502020204030204" pitchFamily="34" charset="0"/>
+              <a:cs typeface="Calibri" panose="020F0502020204030204" pitchFamily="34" charset="0"/>
+            </a:endParaRPr>
+          </a:p>
+          <a:p>
+            <a:pPr marL="285750" indent="-285750" algn="just">
+              <a:buFont typeface="Arial" panose="020B0604020202020204" pitchFamily="34" charset="0"/>
+              <a:buChar char="•"/>
+            </a:pPr>
+            <a:r>
+              <a:rPr lang="es-PE" b="1" i="1" dirty="0">
+                <a:solidFill>
+                  <a:schemeClr val="tx2"/>
+                </a:solidFill>
+                <a:effectLst>
+                  <a:outerShdw blurRad="38100" dist="38100" dir="2700000" algn="tl">
+                    <a:srgbClr val="000000">
+                      <a:alpha val="43137"/>
+                    </a:srgbClr>
+                  </a:outerShdw>
+                </a:effectLst>
+                <a:latin typeface="Calibri" panose="020F0502020204030204" pitchFamily="34" charset="0"/>
+                <a:cs typeface="Calibri" panose="020F0502020204030204" pitchFamily="34" charset="0"/>
+              </a:rPr>
+              <a:t>Ejemplos:</a:t>
+            </a:r>
+          </a:p>
+          <a:p>
+            <a:pPr marL="742950" lvl="1" indent="-285750" algn="just">
+              <a:buFont typeface="Courier New" panose="02070309020205020404" pitchFamily="49" charset="0"/>
+              <a:buChar char="o"/>
+            </a:pPr>
+            <a:r>
+              <a:rPr lang="es-PE" i="1" dirty="0">
+                <a:solidFill>
+                  <a:schemeClr val="tx2"/>
+                </a:solidFill>
+                <a:effectLst>
+                  <a:outerShdw blurRad="38100" dist="38100" dir="2700000" algn="tl">
+                    <a:srgbClr val="000000">
+                      <a:alpha val="43137"/>
+                    </a:srgbClr>
+                  </a:outerShdw>
+                </a:effectLst>
+                <a:latin typeface="Calibri" panose="020F0502020204030204" pitchFamily="34" charset="0"/>
+                <a:cs typeface="Calibri" panose="020F0502020204030204" pitchFamily="34" charset="0"/>
+              </a:rPr>
+              <a:t>git add </a:t>
+            </a:r>
+            <a:r>
+              <a:rPr lang="es-PE" i="1" dirty="0">
+                <a:solidFill>
+                  <a:srgbClr val="7030A0"/>
+                </a:solidFill>
+                <a:effectLst>
+                  <a:outerShdw blurRad="38100" dist="38100" dir="2700000" algn="tl">
+                    <a:srgbClr val="000000">
+                      <a:alpha val="43137"/>
+                    </a:srgbClr>
+                  </a:outerShdw>
+                </a:effectLst>
+                <a:latin typeface="Calibri" panose="020F0502020204030204" pitchFamily="34" charset="0"/>
+                <a:cs typeface="Calibri" panose="020F0502020204030204" pitchFamily="34" charset="0"/>
+              </a:rPr>
+              <a:t>index.html </a:t>
+            </a:r>
+            <a:r>
+              <a:rPr lang="es-PE" b="1" i="1" dirty="0">
+                <a:solidFill>
+                  <a:schemeClr val="accent1">
+                    <a:lumMod val="75000"/>
+                  </a:schemeClr>
+                </a:solidFill>
+                <a:effectLst>
+                  <a:outerShdw blurRad="38100" dist="38100" dir="2700000" algn="tl">
+                    <a:srgbClr val="000000">
+                      <a:alpha val="43137"/>
+                    </a:srgbClr>
+                  </a:outerShdw>
+                </a:effectLst>
+                <a:latin typeface="Calibri" panose="020F0502020204030204" pitchFamily="34" charset="0"/>
+                <a:cs typeface="Calibri" panose="020F0502020204030204" pitchFamily="34" charset="0"/>
+              </a:rPr>
+              <a:t>(subir un archivo específico modificado)</a:t>
+            </a:r>
+          </a:p>
+          <a:p>
+            <a:pPr marL="742950" lvl="1" indent="-285750" algn="just">
+              <a:buFont typeface="Courier New" panose="02070309020205020404" pitchFamily="49" charset="0"/>
+              <a:buChar char="o"/>
+            </a:pPr>
+            <a:r>
+              <a:rPr lang="es-PE" i="1" dirty="0">
+                <a:solidFill>
+                  <a:schemeClr val="tx2"/>
+                </a:solidFill>
+                <a:effectLst>
+                  <a:outerShdw blurRad="38100" dist="38100" dir="2700000" algn="tl">
+                    <a:srgbClr val="000000">
+                      <a:alpha val="43137"/>
+                    </a:srgbClr>
+                  </a:outerShdw>
+                </a:effectLst>
+                <a:latin typeface="Calibri" panose="020F0502020204030204" pitchFamily="34" charset="0"/>
+                <a:cs typeface="Calibri" panose="020F0502020204030204" pitchFamily="34" charset="0"/>
+              </a:rPr>
+              <a:t>git add </a:t>
+            </a:r>
+            <a:r>
+              <a:rPr lang="es-PE" i="1" dirty="0">
+                <a:solidFill>
+                  <a:srgbClr val="7030A0"/>
+                </a:solidFill>
+                <a:effectLst>
+                  <a:outerShdw blurRad="38100" dist="38100" dir="2700000" algn="tl">
+                    <a:srgbClr val="000000">
+                      <a:alpha val="43137"/>
+                    </a:srgbClr>
+                  </a:outerShdw>
+                </a:effectLst>
+                <a:latin typeface="Calibri" panose="020F0502020204030204" pitchFamily="34" charset="0"/>
+                <a:cs typeface="Calibri" panose="020F0502020204030204" pitchFamily="34" charset="0"/>
+              </a:rPr>
+              <a:t>index.html style.css funciones.js </a:t>
+            </a:r>
+            <a:r>
+              <a:rPr lang="es-PE" b="1" i="1" dirty="0">
+                <a:solidFill>
+                  <a:schemeClr val="accent1">
+                    <a:lumMod val="75000"/>
+                  </a:schemeClr>
+                </a:solidFill>
+                <a:effectLst>
+                  <a:outerShdw blurRad="38100" dist="38100" dir="2700000" algn="tl">
+                    <a:srgbClr val="000000">
+                      <a:alpha val="43137"/>
+                    </a:srgbClr>
+                  </a:outerShdw>
+                </a:effectLst>
+                <a:latin typeface="Calibri" panose="020F0502020204030204" pitchFamily="34" charset="0"/>
+                <a:cs typeface="Calibri" panose="020F0502020204030204" pitchFamily="34" charset="0"/>
+              </a:rPr>
+              <a:t>(subir varios archivos modificados)</a:t>
+            </a:r>
+            <a:endParaRPr lang="es-PE" i="1" dirty="0">
+              <a:solidFill>
+                <a:schemeClr val="tx2"/>
+              </a:solidFill>
+              <a:effectLst>
+                <a:outerShdw blurRad="38100" dist="38100" dir="2700000" algn="tl">
+                  <a:srgbClr val="000000">
+                    <a:alpha val="43137"/>
+                  </a:srgbClr>
+                </a:outerShdw>
+              </a:effectLst>
+              <a:latin typeface="Calibri" panose="020F0502020204030204" pitchFamily="34" charset="0"/>
+              <a:cs typeface="Calibri" panose="020F0502020204030204" pitchFamily="34" charset="0"/>
+            </a:endParaRPr>
+          </a:p>
+          <a:p>
+            <a:pPr marL="742950" lvl="1" indent="-285750" algn="just">
+              <a:buFont typeface="Courier New" panose="02070309020205020404" pitchFamily="49" charset="0"/>
+              <a:buChar char="o"/>
+            </a:pPr>
+            <a:r>
+              <a:rPr lang="es-PE" i="1" dirty="0">
+                <a:solidFill>
+                  <a:schemeClr val="tx2"/>
+                </a:solidFill>
+                <a:effectLst>
+                  <a:outerShdw blurRad="38100" dist="38100" dir="2700000" algn="tl">
+                    <a:srgbClr val="000000">
+                      <a:alpha val="43137"/>
+                    </a:srgbClr>
+                  </a:outerShdw>
+                </a:effectLst>
+                <a:latin typeface="Calibri" panose="020F0502020204030204" pitchFamily="34" charset="0"/>
+                <a:cs typeface="Calibri" panose="020F0502020204030204" pitchFamily="34" charset="0"/>
+              </a:rPr>
+              <a:t>git add </a:t>
+            </a:r>
+            <a:r>
+              <a:rPr lang="es-PE" b="1" dirty="0">
+                <a:solidFill>
+                  <a:srgbClr val="7030A0"/>
+                </a:solidFill>
+                <a:effectLst>
+                  <a:outerShdw blurRad="38100" dist="38100" dir="2700000" algn="tl">
+                    <a:srgbClr val="000000">
+                      <a:alpha val="43137"/>
+                    </a:srgbClr>
+                  </a:outerShdw>
+                </a:effectLst>
+                <a:latin typeface="Calibri" panose="020F0502020204030204" pitchFamily="34" charset="0"/>
+                <a:cs typeface="Calibri" panose="020F0502020204030204" pitchFamily="34" charset="0"/>
+              </a:rPr>
+              <a:t>.</a:t>
+            </a:r>
+            <a:r>
+              <a:rPr lang="es-PE" i="1" dirty="0">
+                <a:solidFill>
+                  <a:schemeClr val="tx2"/>
+                </a:solidFill>
+                <a:effectLst>
+                  <a:outerShdw blurRad="38100" dist="38100" dir="2700000" algn="tl">
+                    <a:srgbClr val="000000">
+                      <a:alpha val="43137"/>
+                    </a:srgbClr>
+                  </a:outerShdw>
+                </a:effectLst>
+                <a:latin typeface="Calibri" panose="020F0502020204030204" pitchFamily="34" charset="0"/>
+                <a:cs typeface="Calibri" panose="020F0502020204030204" pitchFamily="34" charset="0"/>
+              </a:rPr>
+              <a:t> </a:t>
+            </a:r>
+            <a:r>
+              <a:rPr lang="es-PE" b="1" i="1" dirty="0">
+                <a:solidFill>
+                  <a:schemeClr val="accent1">
+                    <a:lumMod val="75000"/>
+                  </a:schemeClr>
+                </a:solidFill>
+                <a:effectLst>
+                  <a:outerShdw blurRad="38100" dist="38100" dir="2700000" algn="tl">
+                    <a:srgbClr val="000000">
+                      <a:alpha val="43137"/>
+                    </a:srgbClr>
+                  </a:outerShdw>
+                </a:effectLst>
+                <a:latin typeface="Calibri" panose="020F0502020204030204" pitchFamily="34" charset="0"/>
+                <a:cs typeface="Calibri" panose="020F0502020204030204" pitchFamily="34" charset="0"/>
+              </a:rPr>
+              <a:t>(subir todos los archivos modificados)</a:t>
+            </a:r>
+          </a:p>
+          <a:p>
+            <a:pPr marL="742950" lvl="1" indent="-285750" algn="just">
+              <a:buFont typeface="Courier New" panose="02070309020205020404" pitchFamily="49" charset="0"/>
+              <a:buChar char="o"/>
+            </a:pPr>
+            <a:r>
+              <a:rPr lang="es-PE" i="1" dirty="0">
+                <a:solidFill>
+                  <a:schemeClr val="tx2"/>
+                </a:solidFill>
+                <a:effectLst>
+                  <a:outerShdw blurRad="38100" dist="38100" dir="2700000" algn="tl">
+                    <a:srgbClr val="000000">
+                      <a:alpha val="43137"/>
+                    </a:srgbClr>
+                  </a:outerShdw>
+                </a:effectLst>
+                <a:latin typeface="Calibri" panose="020F0502020204030204" pitchFamily="34" charset="0"/>
+                <a:cs typeface="Calibri" panose="020F0502020204030204" pitchFamily="34" charset="0"/>
+              </a:rPr>
+              <a:t>git add </a:t>
+            </a:r>
+            <a:r>
+              <a:rPr lang="es-PE" i="1" dirty="0" err="1">
+                <a:solidFill>
+                  <a:srgbClr val="7030A0"/>
+                </a:solidFill>
+                <a:effectLst>
+                  <a:outerShdw blurRad="38100" dist="38100" dir="2700000" algn="tl">
+                    <a:srgbClr val="000000">
+                      <a:alpha val="43137"/>
+                    </a:srgbClr>
+                  </a:outerShdw>
+                </a:effectLst>
+                <a:latin typeface="Calibri" panose="020F0502020204030204" pitchFamily="34" charset="0"/>
+                <a:cs typeface="Calibri" panose="020F0502020204030204" pitchFamily="34" charset="0"/>
+              </a:rPr>
+              <a:t>Documentation</a:t>
+            </a:r>
+            <a:r>
+              <a:rPr lang="es-PE" i="1" dirty="0">
+                <a:solidFill>
+                  <a:srgbClr val="7030A0"/>
+                </a:solidFill>
+                <a:effectLst>
+                  <a:outerShdw blurRad="38100" dist="38100" dir="2700000" algn="tl">
+                    <a:srgbClr val="000000">
+                      <a:alpha val="43137"/>
+                    </a:srgbClr>
+                  </a:outerShdw>
+                </a:effectLst>
+                <a:latin typeface="Calibri" panose="020F0502020204030204" pitchFamily="34" charset="0"/>
+                <a:cs typeface="Calibri" panose="020F0502020204030204" pitchFamily="34" charset="0"/>
+              </a:rPr>
+              <a:t>/\*.</a:t>
+            </a:r>
+            <a:r>
+              <a:rPr lang="es-PE" i="1" dirty="0" err="1">
+                <a:solidFill>
+                  <a:srgbClr val="7030A0"/>
+                </a:solidFill>
+                <a:effectLst>
+                  <a:outerShdw blurRad="38100" dist="38100" dir="2700000" algn="tl">
+                    <a:srgbClr val="000000">
+                      <a:alpha val="43137"/>
+                    </a:srgbClr>
+                  </a:outerShdw>
+                </a:effectLst>
+                <a:latin typeface="Calibri" panose="020F0502020204030204" pitchFamily="34" charset="0"/>
+                <a:cs typeface="Calibri" panose="020F0502020204030204" pitchFamily="34" charset="0"/>
+              </a:rPr>
+              <a:t>txt</a:t>
+            </a:r>
+            <a:r>
+              <a:rPr lang="es-PE" i="1" dirty="0">
+                <a:solidFill>
+                  <a:srgbClr val="7030A0"/>
+                </a:solidFill>
+                <a:effectLst>
+                  <a:outerShdw blurRad="38100" dist="38100" dir="2700000" algn="tl">
+                    <a:srgbClr val="000000">
+                      <a:alpha val="43137"/>
+                    </a:srgbClr>
+                  </a:outerShdw>
+                </a:effectLst>
+                <a:latin typeface="Calibri" panose="020F0502020204030204" pitchFamily="34" charset="0"/>
+                <a:cs typeface="Calibri" panose="020F0502020204030204" pitchFamily="34" charset="0"/>
+              </a:rPr>
+              <a:t> </a:t>
+            </a:r>
+            <a:r>
+              <a:rPr lang="es-PE" b="1" i="1" dirty="0">
+                <a:solidFill>
+                  <a:schemeClr val="accent1">
+                    <a:lumMod val="75000"/>
+                  </a:schemeClr>
+                </a:solidFill>
+                <a:effectLst>
+                  <a:outerShdw blurRad="38100" dist="38100" dir="2700000" algn="tl">
+                    <a:srgbClr val="000000">
+                      <a:alpha val="43137"/>
+                    </a:srgbClr>
+                  </a:outerShdw>
+                </a:effectLst>
+                <a:latin typeface="Calibri" panose="020F0502020204030204" pitchFamily="34" charset="0"/>
+                <a:cs typeface="Calibri" panose="020F0502020204030204" pitchFamily="34" charset="0"/>
+              </a:rPr>
+              <a:t>(subir todos los archivos modificados con extensión </a:t>
+            </a:r>
+            <a:r>
+              <a:rPr lang="es-PE" b="1" i="1" dirty="0" err="1">
+                <a:solidFill>
+                  <a:schemeClr val="accent1">
+                    <a:lumMod val="75000"/>
+                  </a:schemeClr>
+                </a:solidFill>
+                <a:effectLst>
+                  <a:outerShdw blurRad="38100" dist="38100" dir="2700000" algn="tl">
+                    <a:srgbClr val="000000">
+                      <a:alpha val="43137"/>
+                    </a:srgbClr>
+                  </a:outerShdw>
+                </a:effectLst>
+                <a:latin typeface="Calibri" panose="020F0502020204030204" pitchFamily="34" charset="0"/>
+                <a:cs typeface="Calibri" panose="020F0502020204030204" pitchFamily="34" charset="0"/>
+              </a:rPr>
+              <a:t>txt</a:t>
+            </a:r>
+            <a:r>
+              <a:rPr lang="es-PE" b="1" i="1" dirty="0">
+                <a:solidFill>
+                  <a:schemeClr val="accent1">
+                    <a:lumMod val="75000"/>
+                  </a:schemeClr>
+                </a:solidFill>
+                <a:effectLst>
+                  <a:outerShdw blurRad="38100" dist="38100" dir="2700000" algn="tl">
+                    <a:srgbClr val="000000">
+                      <a:alpha val="43137"/>
+                    </a:srgbClr>
+                  </a:outerShdw>
+                </a:effectLst>
+                <a:latin typeface="Calibri" panose="020F0502020204030204" pitchFamily="34" charset="0"/>
+                <a:cs typeface="Calibri" panose="020F0502020204030204" pitchFamily="34" charset="0"/>
+              </a:rPr>
+              <a:t> de la carpeta DOCUMENTATION)</a:t>
+            </a:r>
+          </a:p>
+          <a:p>
+            <a:pPr marL="742950" lvl="1" indent="-285750" algn="just">
+              <a:buFont typeface="Courier New" panose="02070309020205020404" pitchFamily="49" charset="0"/>
+              <a:buChar char="o"/>
+            </a:pPr>
+            <a:r>
+              <a:rPr lang="es-PE" i="1" dirty="0">
+                <a:solidFill>
+                  <a:schemeClr val="tx2"/>
+                </a:solidFill>
+                <a:effectLst>
+                  <a:outerShdw blurRad="38100" dist="38100" dir="2700000" algn="tl">
+                    <a:srgbClr val="000000">
+                      <a:alpha val="43137"/>
+                    </a:srgbClr>
+                  </a:outerShdw>
+                </a:effectLst>
+                <a:latin typeface="Calibri" panose="020F0502020204030204" pitchFamily="34" charset="0"/>
+                <a:cs typeface="Calibri" panose="020F0502020204030204" pitchFamily="34" charset="0"/>
+              </a:rPr>
+              <a:t>git add </a:t>
+            </a:r>
+            <a:r>
+              <a:rPr lang="es-PE" i="1" dirty="0">
+                <a:solidFill>
+                  <a:srgbClr val="7030A0"/>
+                </a:solidFill>
+                <a:effectLst>
+                  <a:outerShdw blurRad="38100" dist="38100" dir="2700000" algn="tl">
+                    <a:srgbClr val="000000">
+                      <a:alpha val="43137"/>
+                    </a:srgbClr>
+                  </a:outerShdw>
+                </a:effectLst>
+                <a:latin typeface="Calibri" panose="020F0502020204030204" pitchFamily="34" charset="0"/>
+                <a:cs typeface="Calibri" panose="020F0502020204030204" pitchFamily="34" charset="0"/>
+              </a:rPr>
+              <a:t>*.</a:t>
+            </a:r>
+            <a:r>
+              <a:rPr lang="es-PE" i="1" dirty="0" err="1">
+                <a:solidFill>
+                  <a:srgbClr val="7030A0"/>
+                </a:solidFill>
+                <a:effectLst>
+                  <a:outerShdw blurRad="38100" dist="38100" dir="2700000" algn="tl">
+                    <a:srgbClr val="000000">
+                      <a:alpha val="43137"/>
+                    </a:srgbClr>
+                  </a:outerShdw>
+                </a:effectLst>
+                <a:latin typeface="Calibri" panose="020F0502020204030204" pitchFamily="34" charset="0"/>
+                <a:cs typeface="Calibri" panose="020F0502020204030204" pitchFamily="34" charset="0"/>
+              </a:rPr>
+              <a:t>cs</a:t>
+            </a:r>
+            <a:r>
+              <a:rPr lang="es-PE" i="1" dirty="0">
+                <a:solidFill>
+                  <a:srgbClr val="7030A0"/>
+                </a:solidFill>
+                <a:effectLst>
+                  <a:outerShdw blurRad="38100" dist="38100" dir="2700000" algn="tl">
+                    <a:srgbClr val="000000">
+                      <a:alpha val="43137"/>
+                    </a:srgbClr>
+                  </a:outerShdw>
+                </a:effectLst>
+                <a:latin typeface="Calibri" panose="020F0502020204030204" pitchFamily="34" charset="0"/>
+                <a:cs typeface="Calibri" panose="020F0502020204030204" pitchFamily="34" charset="0"/>
+              </a:rPr>
+              <a:t> </a:t>
+            </a:r>
+            <a:r>
+              <a:rPr lang="es-PE" b="1" i="1" dirty="0">
+                <a:solidFill>
+                  <a:schemeClr val="accent1">
+                    <a:lumMod val="75000"/>
+                  </a:schemeClr>
+                </a:solidFill>
+                <a:effectLst>
+                  <a:outerShdw blurRad="38100" dist="38100" dir="2700000" algn="tl">
+                    <a:srgbClr val="000000">
+                      <a:alpha val="43137"/>
+                    </a:srgbClr>
+                  </a:outerShdw>
+                </a:effectLst>
+                <a:latin typeface="Calibri" panose="020F0502020204030204" pitchFamily="34" charset="0"/>
+                <a:cs typeface="Calibri" panose="020F0502020204030204" pitchFamily="34" charset="0"/>
+              </a:rPr>
+              <a:t>(subir todos los archivos modificados con extensión </a:t>
+            </a:r>
+            <a:r>
+              <a:rPr lang="es-PE" b="1" i="1" dirty="0" err="1">
+                <a:solidFill>
+                  <a:schemeClr val="accent1">
+                    <a:lumMod val="75000"/>
+                  </a:schemeClr>
+                </a:solidFill>
+                <a:effectLst>
+                  <a:outerShdw blurRad="38100" dist="38100" dir="2700000" algn="tl">
+                    <a:srgbClr val="000000">
+                      <a:alpha val="43137"/>
+                    </a:srgbClr>
+                  </a:outerShdw>
+                </a:effectLst>
+                <a:latin typeface="Calibri" panose="020F0502020204030204" pitchFamily="34" charset="0"/>
+                <a:cs typeface="Calibri" panose="020F0502020204030204" pitchFamily="34" charset="0"/>
+              </a:rPr>
+              <a:t>cs</a:t>
+            </a:r>
+            <a:r>
+              <a:rPr lang="es-PE" b="1" i="1" dirty="0">
+                <a:solidFill>
+                  <a:schemeClr val="accent1">
+                    <a:lumMod val="75000"/>
+                  </a:schemeClr>
+                </a:solidFill>
+                <a:effectLst>
+                  <a:outerShdw blurRad="38100" dist="38100" dir="2700000" algn="tl">
+                    <a:srgbClr val="000000">
+                      <a:alpha val="43137"/>
+                    </a:srgbClr>
+                  </a:outerShdw>
+                </a:effectLst>
+                <a:latin typeface="Calibri" panose="020F0502020204030204" pitchFamily="34" charset="0"/>
+                <a:cs typeface="Calibri" panose="020F0502020204030204" pitchFamily="34" charset="0"/>
+              </a:rPr>
+              <a:t>)</a:t>
+            </a:r>
+            <a:endParaRPr lang="es-PE" i="1" dirty="0">
+              <a:solidFill>
+                <a:srgbClr val="7030A0"/>
+              </a:solidFill>
+              <a:effectLst>
+                <a:outerShdw blurRad="38100" dist="38100" dir="2700000" algn="tl">
+                  <a:srgbClr val="000000">
+                    <a:alpha val="43137"/>
+                  </a:srgbClr>
+                </a:outerShdw>
+              </a:effectLst>
+              <a:latin typeface="Calibri" panose="020F0502020204030204" pitchFamily="34" charset="0"/>
+              <a:cs typeface="Calibri" panose="020F0502020204030204" pitchFamily="34" charset="0"/>
+            </a:endParaRPr>
+          </a:p>
+        </p:txBody>
+      </p:sp>
+      <p:sp>
+        <p:nvSpPr>
+          <p:cNvPr id="6" name="CuadroTexto 5">
+            <a:extLst>
+              <a:ext uri="{FF2B5EF4-FFF2-40B4-BE49-F238E27FC236}">
+                <a16:creationId xmlns:a16="http://schemas.microsoft.com/office/drawing/2014/main" id="{BEA6EE45-6C48-F708-BBE2-E8CCEBF94480}"/>
+              </a:ext>
+            </a:extLst>
+          </p:cNvPr>
+          <p:cNvSpPr txBox="1"/>
+          <p:nvPr/>
+        </p:nvSpPr>
+        <p:spPr>
+          <a:xfrm>
+            <a:off x="5680777" y="1079391"/>
+            <a:ext cx="1259319" cy="646331"/>
+          </a:xfrm>
+          <a:prstGeom prst="rect">
+            <a:avLst/>
+          </a:prstGeom>
+          <a:noFill/>
+          <a:ln>
+            <a:solidFill>
+              <a:schemeClr val="tx2"/>
+            </a:solidFill>
+          </a:ln>
+        </p:spPr>
+        <p:txBody>
+          <a:bodyPr wrap="none" rtlCol="0">
+            <a:spAutoFit/>
+          </a:bodyPr>
+          <a:lstStyle/>
+          <a:p>
+            <a:pPr algn="ctr"/>
+            <a:r>
+              <a:rPr lang="es-PE" b="1" dirty="0">
+                <a:solidFill>
+                  <a:srgbClr val="7030A0"/>
+                </a:solidFill>
+                <a:effectLst>
+                  <a:outerShdw blurRad="38100" dist="38100" dir="2700000" algn="tl">
+                    <a:srgbClr val="000000">
+                      <a:alpha val="43137"/>
+                    </a:srgbClr>
+                  </a:outerShdw>
+                </a:effectLst>
+                <a:latin typeface="Calibri" panose="020F0502020204030204" pitchFamily="34" charset="0"/>
+                <a:cs typeface="Calibri" panose="020F0502020204030204" pitchFamily="34" charset="0"/>
+              </a:rPr>
+              <a:t>WORKING</a:t>
+            </a:r>
+            <a:r>
+              <a:rPr lang="es-PE" sz="1600" b="1" dirty="0">
+                <a:effectLst>
+                  <a:outerShdw blurRad="38100" dist="38100" dir="2700000" algn="tl">
+                    <a:srgbClr val="000000">
+                      <a:alpha val="43137"/>
+                    </a:srgbClr>
+                  </a:outerShdw>
+                </a:effectLst>
+                <a:latin typeface="Calibri" panose="020F0502020204030204" pitchFamily="34" charset="0"/>
+                <a:cs typeface="Calibri" panose="020F0502020204030204" pitchFamily="34" charset="0"/>
+              </a:rPr>
+              <a:t> </a:t>
+            </a:r>
+          </a:p>
+          <a:p>
+            <a:pPr algn="ctr"/>
+            <a:r>
+              <a:rPr lang="es-PE" b="1" dirty="0">
+                <a:solidFill>
+                  <a:srgbClr val="7030A0"/>
+                </a:solidFill>
+                <a:effectLst>
+                  <a:outerShdw blurRad="38100" dist="38100" dir="2700000" algn="tl">
+                    <a:srgbClr val="000000">
+                      <a:alpha val="43137"/>
+                    </a:srgbClr>
+                  </a:outerShdw>
+                </a:effectLst>
+                <a:latin typeface="Calibri" panose="020F0502020204030204" pitchFamily="34" charset="0"/>
+                <a:cs typeface="Calibri" panose="020F0502020204030204" pitchFamily="34" charset="0"/>
+              </a:rPr>
+              <a:t>DIRECTORY</a:t>
+            </a:r>
+          </a:p>
+        </p:txBody>
+      </p:sp>
+      <p:sp>
+        <p:nvSpPr>
+          <p:cNvPr id="8" name="CuadroTexto 7">
+            <a:extLst>
+              <a:ext uri="{FF2B5EF4-FFF2-40B4-BE49-F238E27FC236}">
+                <a16:creationId xmlns:a16="http://schemas.microsoft.com/office/drawing/2014/main" id="{0583AD69-7C0D-9057-4D94-E6A46887BCDA}"/>
+              </a:ext>
+            </a:extLst>
+          </p:cNvPr>
+          <p:cNvSpPr txBox="1"/>
+          <p:nvPr/>
+        </p:nvSpPr>
+        <p:spPr>
+          <a:xfrm>
+            <a:off x="8887973" y="1079390"/>
+            <a:ext cx="1031886" cy="646331"/>
+          </a:xfrm>
+          <a:prstGeom prst="rect">
+            <a:avLst/>
+          </a:prstGeom>
+          <a:noFill/>
+          <a:ln>
+            <a:solidFill>
+              <a:schemeClr val="tx2"/>
+            </a:solidFill>
+          </a:ln>
+        </p:spPr>
+        <p:txBody>
+          <a:bodyPr wrap="none" rtlCol="0">
+            <a:spAutoFit/>
+          </a:bodyPr>
+          <a:lstStyle/>
+          <a:p>
+            <a:pPr algn="ctr"/>
+            <a:r>
+              <a:rPr lang="es-PE" b="1" dirty="0">
+                <a:solidFill>
+                  <a:srgbClr val="7030A0"/>
+                </a:solidFill>
+                <a:effectLst>
+                  <a:outerShdw blurRad="38100" dist="38100" dir="2700000" algn="tl">
+                    <a:srgbClr val="000000">
+                      <a:alpha val="43137"/>
+                    </a:srgbClr>
+                  </a:outerShdw>
+                </a:effectLst>
+                <a:latin typeface="Calibri" panose="020F0502020204030204" pitchFamily="34" charset="0"/>
+                <a:cs typeface="Calibri" panose="020F0502020204030204" pitchFamily="34" charset="0"/>
+              </a:rPr>
+              <a:t>STAGING</a:t>
+            </a:r>
+          </a:p>
+          <a:p>
+            <a:pPr algn="ctr"/>
+            <a:r>
+              <a:rPr lang="es-PE" b="1" dirty="0">
+                <a:solidFill>
+                  <a:srgbClr val="7030A0"/>
+                </a:solidFill>
+                <a:effectLst>
+                  <a:outerShdw blurRad="38100" dist="38100" dir="2700000" algn="tl">
+                    <a:srgbClr val="000000">
+                      <a:alpha val="43137"/>
+                    </a:srgbClr>
+                  </a:outerShdw>
+                </a:effectLst>
+                <a:latin typeface="Calibri" panose="020F0502020204030204" pitchFamily="34" charset="0"/>
+                <a:cs typeface="Calibri" panose="020F0502020204030204" pitchFamily="34" charset="0"/>
+              </a:rPr>
+              <a:t>AREA</a:t>
+            </a:r>
+          </a:p>
+        </p:txBody>
+      </p:sp>
+      <p:cxnSp>
+        <p:nvCxnSpPr>
+          <p:cNvPr id="12" name="Conector recto 11">
+            <a:extLst>
+              <a:ext uri="{FF2B5EF4-FFF2-40B4-BE49-F238E27FC236}">
+                <a16:creationId xmlns:a16="http://schemas.microsoft.com/office/drawing/2014/main" id="{F5B0363C-1F84-8C41-1326-7BFE1CBAE6CD}"/>
+              </a:ext>
+            </a:extLst>
+          </p:cNvPr>
+          <p:cNvCxnSpPr>
+            <a:cxnSpLocks/>
+            <a:stCxn id="6" idx="2"/>
+          </p:cNvCxnSpPr>
+          <p:nvPr/>
+        </p:nvCxnSpPr>
+        <p:spPr>
+          <a:xfrm>
+            <a:off x="6310437" y="1725722"/>
+            <a:ext cx="0" cy="1660538"/>
+          </a:xfrm>
+          <a:prstGeom prst="line">
+            <a:avLst/>
+          </a:prstGeom>
+          <a:ln w="28575">
+            <a:prstDash val="sysDot"/>
+          </a:ln>
+        </p:spPr>
+        <p:style>
+          <a:lnRef idx="1">
+            <a:schemeClr val="dk1"/>
+          </a:lnRef>
+          <a:fillRef idx="0">
+            <a:schemeClr val="dk1"/>
+          </a:fillRef>
+          <a:effectRef idx="0">
+            <a:schemeClr val="dk1"/>
+          </a:effectRef>
+          <a:fontRef idx="minor">
+            <a:schemeClr val="tx1"/>
+          </a:fontRef>
+        </p:style>
+      </p:cxnSp>
+      <p:cxnSp>
+        <p:nvCxnSpPr>
+          <p:cNvPr id="13" name="Conector recto 12">
+            <a:extLst>
+              <a:ext uri="{FF2B5EF4-FFF2-40B4-BE49-F238E27FC236}">
+                <a16:creationId xmlns:a16="http://schemas.microsoft.com/office/drawing/2014/main" id="{FD93406A-556D-988D-6717-69AEB73D25DD}"/>
+              </a:ext>
+            </a:extLst>
+          </p:cNvPr>
+          <p:cNvCxnSpPr>
+            <a:cxnSpLocks/>
+            <a:stCxn id="8" idx="2"/>
+          </p:cNvCxnSpPr>
+          <p:nvPr/>
+        </p:nvCxnSpPr>
+        <p:spPr>
+          <a:xfrm>
+            <a:off x="9403916" y="1725721"/>
+            <a:ext cx="0" cy="1660539"/>
+          </a:xfrm>
+          <a:prstGeom prst="line">
+            <a:avLst/>
+          </a:prstGeom>
+          <a:ln w="28575">
+            <a:prstDash val="sysDot"/>
+          </a:ln>
+        </p:spPr>
+        <p:style>
+          <a:lnRef idx="1">
+            <a:schemeClr val="dk1"/>
+          </a:lnRef>
+          <a:fillRef idx="0">
+            <a:schemeClr val="dk1"/>
+          </a:fillRef>
+          <a:effectRef idx="0">
+            <a:schemeClr val="dk1"/>
+          </a:effectRef>
+          <a:fontRef idx="minor">
+            <a:schemeClr val="tx1"/>
+          </a:fontRef>
+        </p:style>
+      </p:cxnSp>
+      <p:cxnSp>
+        <p:nvCxnSpPr>
+          <p:cNvPr id="28" name="Conector recto de flecha 27">
+            <a:extLst>
+              <a:ext uri="{FF2B5EF4-FFF2-40B4-BE49-F238E27FC236}">
+                <a16:creationId xmlns:a16="http://schemas.microsoft.com/office/drawing/2014/main" id="{F54F0BE9-51D8-F62C-A336-625DCAED04BF}"/>
+              </a:ext>
+            </a:extLst>
+          </p:cNvPr>
+          <p:cNvCxnSpPr/>
+          <p:nvPr/>
+        </p:nvCxnSpPr>
+        <p:spPr>
+          <a:xfrm>
+            <a:off x="6310436" y="2231519"/>
+            <a:ext cx="3093480" cy="0"/>
+          </a:xfrm>
+          <a:prstGeom prst="straightConnector1">
+            <a:avLst/>
+          </a:prstGeom>
+          <a:ln>
+            <a:solidFill>
+              <a:srgbClr val="0070C0"/>
+            </a:solidFill>
+            <a:tailEnd type="triangle"/>
+          </a:ln>
+        </p:spPr>
+        <p:style>
+          <a:lnRef idx="1">
+            <a:schemeClr val="accent1"/>
+          </a:lnRef>
+          <a:fillRef idx="0">
+            <a:schemeClr val="accent1"/>
+          </a:fillRef>
+          <a:effectRef idx="0">
+            <a:schemeClr val="accent1"/>
+          </a:effectRef>
+          <a:fontRef idx="minor">
+            <a:schemeClr val="tx1"/>
+          </a:fontRef>
+        </p:style>
+      </p:cxnSp>
+      <p:pic>
+        <p:nvPicPr>
+          <p:cNvPr id="1028" name="Picture 4" descr="Files - Free interface icons">
+            <a:extLst>
+              <a:ext uri="{FF2B5EF4-FFF2-40B4-BE49-F238E27FC236}">
+                <a16:creationId xmlns:a16="http://schemas.microsoft.com/office/drawing/2014/main" id="{FDC0DB66-9293-1E4B-5684-E14A41F48D4F}"/>
+              </a:ext>
+            </a:extLst>
+          </p:cNvPr>
+          <p:cNvPicPr>
+            <a:picLocks noChangeAspect="1" noChangeArrowheads="1"/>
+          </p:cNvPicPr>
+          <p:nvPr/>
+        </p:nvPicPr>
+        <p:blipFill>
+          <a:blip r:embed="rId3">
+            <a:duotone>
+              <a:schemeClr val="accent4">
+                <a:shade val="45000"/>
+                <a:satMod val="135000"/>
+              </a:schemeClr>
+              <a:prstClr val="white"/>
+            </a:duotone>
+            <a:extLst>
+              <a:ext uri="{28A0092B-C50C-407E-A947-70E740481C1C}">
+                <a14:useLocalDpi xmlns:a14="http://schemas.microsoft.com/office/drawing/2010/main" val="0"/>
+              </a:ext>
+            </a:extLst>
+          </a:blip>
+          <a:srcRect/>
+          <a:stretch>
+            <a:fillRect/>
+          </a:stretch>
+        </p:blipFill>
+        <p:spPr bwMode="auto">
+          <a:xfrm>
+            <a:off x="5880129" y="1800094"/>
+            <a:ext cx="430307" cy="430307"/>
+          </a:xfrm>
+          <a:prstGeom prst="rect">
+            <a:avLst/>
+          </a:prstGeom>
+          <a:noFill/>
+          <a:extLst>
+            <a:ext uri="{909E8E84-426E-40DD-AFC4-6F175D3DCCD1}">
+              <a14:hiddenFill xmlns:a14="http://schemas.microsoft.com/office/drawing/2010/main">
+                <a:solidFill>
+                  <a:srgbClr val="FFFFFF"/>
+                </a:solidFill>
+              </a14:hiddenFill>
+            </a:ext>
+          </a:extLst>
+        </p:spPr>
+      </p:pic>
+      <p:pic>
+        <p:nvPicPr>
+          <p:cNvPr id="30" name="Picture 4" descr="Files - Free interface icons">
+            <a:extLst>
+              <a:ext uri="{FF2B5EF4-FFF2-40B4-BE49-F238E27FC236}">
+                <a16:creationId xmlns:a16="http://schemas.microsoft.com/office/drawing/2014/main" id="{F76A6635-7DC1-1E45-CD7F-EFE9EE3F01D9}"/>
+              </a:ext>
+            </a:extLst>
+          </p:cNvPr>
+          <p:cNvPicPr>
+            <a:picLocks noChangeAspect="1" noChangeArrowheads="1"/>
+          </p:cNvPicPr>
+          <p:nvPr/>
+        </p:nvPicPr>
+        <p:blipFill>
+          <a:blip r:embed="rId3">
+            <a:duotone>
+              <a:schemeClr val="accent3">
+                <a:shade val="45000"/>
+                <a:satMod val="135000"/>
+              </a:schemeClr>
+              <a:prstClr val="white"/>
+            </a:duotone>
+            <a:extLst>
+              <a:ext uri="{28A0092B-C50C-407E-A947-70E740481C1C}">
+                <a14:useLocalDpi xmlns:a14="http://schemas.microsoft.com/office/drawing/2010/main" val="0"/>
+              </a:ext>
+            </a:extLst>
+          </a:blip>
+          <a:srcRect/>
+          <a:stretch>
+            <a:fillRect/>
+          </a:stretch>
+        </p:blipFill>
+        <p:spPr bwMode="auto">
+          <a:xfrm>
+            <a:off x="9446733" y="2073402"/>
+            <a:ext cx="430307" cy="430307"/>
+          </a:xfrm>
+          <a:prstGeom prst="rect">
+            <a:avLst/>
+          </a:prstGeom>
+          <a:noFill/>
+          <a:extLst>
+            <a:ext uri="{909E8E84-426E-40DD-AFC4-6F175D3DCCD1}">
+              <a14:hiddenFill xmlns:a14="http://schemas.microsoft.com/office/drawing/2010/main">
+                <a:solidFill>
+                  <a:srgbClr val="FFFFFF"/>
+                </a:solidFill>
+              </a14:hiddenFill>
+            </a:ext>
+          </a:extLst>
+        </p:spPr>
+      </p:pic>
+      <p:sp>
+        <p:nvSpPr>
+          <p:cNvPr id="41" name="CuadroTexto 40">
+            <a:extLst>
+              <a:ext uri="{FF2B5EF4-FFF2-40B4-BE49-F238E27FC236}">
+                <a16:creationId xmlns:a16="http://schemas.microsoft.com/office/drawing/2014/main" id="{3228C2FA-1225-32D2-5003-1CD51DD062AA}"/>
+              </a:ext>
+            </a:extLst>
+          </p:cNvPr>
+          <p:cNvSpPr txBox="1"/>
+          <p:nvPr/>
+        </p:nvSpPr>
+        <p:spPr>
+          <a:xfrm>
+            <a:off x="7182188" y="1816020"/>
+            <a:ext cx="1174204" cy="830997"/>
+          </a:xfrm>
+          <a:prstGeom prst="rect">
+            <a:avLst/>
+          </a:prstGeom>
+          <a:noFill/>
+        </p:spPr>
+        <p:txBody>
+          <a:bodyPr wrap="square">
+            <a:spAutoFit/>
+          </a:bodyPr>
+          <a:lstStyle/>
+          <a:p>
+            <a:pPr algn="ctr"/>
+            <a:r>
+              <a:rPr lang="es-PE" sz="2400" b="1" dirty="0">
+                <a:solidFill>
+                  <a:schemeClr val="tx2"/>
+                </a:solidFill>
+                <a:latin typeface="Calibri" panose="020F0502020204030204" pitchFamily="34" charset="0"/>
+                <a:cs typeface="Calibri" panose="020F0502020204030204" pitchFamily="34" charset="0"/>
+                <a:sym typeface="Wingdings" panose="05000000000000000000" pitchFamily="2" charset="2"/>
+              </a:rPr>
+              <a:t>git </a:t>
+            </a:r>
+          </a:p>
+          <a:p>
+            <a:pPr algn="ctr"/>
+            <a:r>
+              <a:rPr lang="es-PE" sz="2400" b="1" dirty="0">
+                <a:solidFill>
+                  <a:schemeClr val="tx2"/>
+                </a:solidFill>
+                <a:latin typeface="Calibri" panose="020F0502020204030204" pitchFamily="34" charset="0"/>
+                <a:cs typeface="Calibri" panose="020F0502020204030204" pitchFamily="34" charset="0"/>
+                <a:sym typeface="Wingdings" panose="05000000000000000000" pitchFamily="2" charset="2"/>
+              </a:rPr>
+              <a:t>add</a:t>
+            </a:r>
+            <a:endParaRPr lang="es-PE" sz="2400" b="1" dirty="0">
+              <a:solidFill>
+                <a:schemeClr val="tx2"/>
+              </a:solidFill>
+              <a:latin typeface="Calibri" panose="020F0502020204030204" pitchFamily="34" charset="0"/>
+              <a:cs typeface="Calibri" panose="020F0502020204030204" pitchFamily="34" charset="0"/>
+            </a:endParaRPr>
+          </a:p>
+        </p:txBody>
+      </p:sp>
+      <p:pic>
+        <p:nvPicPr>
+          <p:cNvPr id="43" name="Picture 4" descr="Files - Free interface icons">
+            <a:extLst>
+              <a:ext uri="{FF2B5EF4-FFF2-40B4-BE49-F238E27FC236}">
+                <a16:creationId xmlns:a16="http://schemas.microsoft.com/office/drawing/2014/main" id="{58974604-17A5-677B-AD03-4D4500505F7E}"/>
+              </a:ext>
+            </a:extLst>
+          </p:cNvPr>
+          <p:cNvPicPr>
+            <a:picLocks noChangeAspect="1" noChangeArrowheads="1"/>
+          </p:cNvPicPr>
+          <p:nvPr/>
+        </p:nvPicPr>
+        <p:blipFill>
+          <a:blip r:embed="rId3">
+            <a:duotone>
+              <a:schemeClr val="accent4">
+                <a:shade val="45000"/>
+                <a:satMod val="135000"/>
+              </a:schemeClr>
+              <a:prstClr val="white"/>
+            </a:duotone>
+            <a:extLst>
+              <a:ext uri="{28A0092B-C50C-407E-A947-70E740481C1C}">
+                <a14:useLocalDpi xmlns:a14="http://schemas.microsoft.com/office/drawing/2010/main" val="0"/>
+              </a:ext>
+            </a:extLst>
+          </a:blip>
+          <a:srcRect/>
+          <a:stretch>
+            <a:fillRect/>
+          </a:stretch>
+        </p:blipFill>
+        <p:spPr bwMode="auto">
+          <a:xfrm>
+            <a:off x="10349665" y="2248343"/>
+            <a:ext cx="320046" cy="320046"/>
+          </a:xfrm>
+          <a:prstGeom prst="rect">
+            <a:avLst/>
+          </a:prstGeom>
+          <a:noFill/>
+          <a:extLst>
+            <a:ext uri="{909E8E84-426E-40DD-AFC4-6F175D3DCCD1}">
+              <a14:hiddenFill xmlns:a14="http://schemas.microsoft.com/office/drawing/2010/main">
+                <a:solidFill>
+                  <a:srgbClr val="FFFFFF"/>
+                </a:solidFill>
+              </a14:hiddenFill>
+            </a:ext>
+          </a:extLst>
+        </p:spPr>
+      </p:pic>
+      <p:pic>
+        <p:nvPicPr>
+          <p:cNvPr id="44" name="Picture 4" descr="Files - Free interface icons">
+            <a:extLst>
+              <a:ext uri="{FF2B5EF4-FFF2-40B4-BE49-F238E27FC236}">
+                <a16:creationId xmlns:a16="http://schemas.microsoft.com/office/drawing/2014/main" id="{62777240-5CD1-9236-2B76-D205682AE498}"/>
+              </a:ext>
+            </a:extLst>
+          </p:cNvPr>
+          <p:cNvPicPr>
+            <a:picLocks noChangeAspect="1" noChangeArrowheads="1"/>
+          </p:cNvPicPr>
+          <p:nvPr/>
+        </p:nvPicPr>
+        <p:blipFill>
+          <a:blip r:embed="rId3">
+            <a:duotone>
+              <a:schemeClr val="accent3">
+                <a:shade val="45000"/>
+                <a:satMod val="135000"/>
+              </a:schemeClr>
+              <a:prstClr val="white"/>
+            </a:duotone>
+            <a:extLst>
+              <a:ext uri="{28A0092B-C50C-407E-A947-70E740481C1C}">
+                <a14:useLocalDpi xmlns:a14="http://schemas.microsoft.com/office/drawing/2010/main" val="0"/>
+              </a:ext>
+            </a:extLst>
+          </a:blip>
+          <a:srcRect/>
+          <a:stretch>
+            <a:fillRect/>
+          </a:stretch>
+        </p:blipFill>
+        <p:spPr bwMode="auto">
+          <a:xfrm>
+            <a:off x="10349665" y="2608890"/>
+            <a:ext cx="320046" cy="320046"/>
+          </a:xfrm>
+          <a:prstGeom prst="rect">
+            <a:avLst/>
+          </a:prstGeom>
+          <a:noFill/>
+          <a:extLst>
+            <a:ext uri="{909E8E84-426E-40DD-AFC4-6F175D3DCCD1}">
+              <a14:hiddenFill xmlns:a14="http://schemas.microsoft.com/office/drawing/2010/main">
+                <a:solidFill>
+                  <a:srgbClr val="FFFFFF"/>
+                </a:solidFill>
+              </a14:hiddenFill>
+            </a:ext>
+          </a:extLst>
+        </p:spPr>
+      </p:pic>
+      <p:pic>
+        <p:nvPicPr>
+          <p:cNvPr id="45" name="Picture 4" descr="Files - Free interface icons">
+            <a:extLst>
+              <a:ext uri="{FF2B5EF4-FFF2-40B4-BE49-F238E27FC236}">
+                <a16:creationId xmlns:a16="http://schemas.microsoft.com/office/drawing/2014/main" id="{3D48A50C-3111-0E9E-0453-FEDFB8A66C1C}"/>
+              </a:ext>
+            </a:extLst>
+          </p:cNvPr>
+          <p:cNvPicPr>
+            <a:picLocks noChangeAspect="1" noChangeArrowheads="1"/>
+          </p:cNvPicPr>
+          <p:nvPr/>
+        </p:nvPicPr>
+        <p:blipFill>
+          <a:blip r:embed="rId3">
+            <a:duotone>
+              <a:schemeClr val="accent2">
+                <a:shade val="45000"/>
+                <a:satMod val="135000"/>
+              </a:schemeClr>
+              <a:prstClr val="white"/>
+            </a:duotone>
+            <a:extLst>
+              <a:ext uri="{28A0092B-C50C-407E-A947-70E740481C1C}">
+                <a14:useLocalDpi xmlns:a14="http://schemas.microsoft.com/office/drawing/2010/main" val="0"/>
+              </a:ext>
+            </a:extLst>
+          </a:blip>
+          <a:srcRect/>
+          <a:stretch>
+            <a:fillRect/>
+          </a:stretch>
+        </p:blipFill>
+        <p:spPr bwMode="auto">
+          <a:xfrm>
+            <a:off x="10362612" y="2969437"/>
+            <a:ext cx="320046" cy="320046"/>
+          </a:xfrm>
+          <a:prstGeom prst="rect">
+            <a:avLst/>
+          </a:prstGeom>
+          <a:noFill/>
+          <a:extLst>
+            <a:ext uri="{909E8E84-426E-40DD-AFC4-6F175D3DCCD1}">
+              <a14:hiddenFill xmlns:a14="http://schemas.microsoft.com/office/drawing/2010/main">
+                <a:solidFill>
+                  <a:srgbClr val="FFFFFF"/>
+                </a:solidFill>
+              </a14:hiddenFill>
+            </a:ext>
+          </a:extLst>
+        </p:spPr>
+      </p:pic>
+      <p:sp>
+        <p:nvSpPr>
+          <p:cNvPr id="47" name="CuadroTexto 46">
+            <a:extLst>
+              <a:ext uri="{FF2B5EF4-FFF2-40B4-BE49-F238E27FC236}">
+                <a16:creationId xmlns:a16="http://schemas.microsoft.com/office/drawing/2014/main" id="{DC2826BB-A829-BA9C-FDCF-98272EDB11B1}"/>
+              </a:ext>
+            </a:extLst>
+          </p:cNvPr>
+          <p:cNvSpPr txBox="1"/>
+          <p:nvPr/>
+        </p:nvSpPr>
+        <p:spPr>
+          <a:xfrm>
+            <a:off x="10607513" y="2249360"/>
+            <a:ext cx="1174203" cy="338554"/>
+          </a:xfrm>
+          <a:prstGeom prst="rect">
+            <a:avLst/>
+          </a:prstGeom>
+          <a:noFill/>
+        </p:spPr>
+        <p:txBody>
+          <a:bodyPr wrap="square">
+            <a:spAutoFit/>
+          </a:bodyPr>
+          <a:lstStyle/>
+          <a:p>
+            <a:r>
+              <a:rPr lang="es-PE" sz="1600" b="1" dirty="0">
+                <a:solidFill>
+                  <a:schemeClr val="tx2"/>
+                </a:solidFill>
+                <a:effectLst>
+                  <a:outerShdw blurRad="38100" dist="38100" dir="2700000" algn="tl">
+                    <a:srgbClr val="000000">
+                      <a:alpha val="43137"/>
+                    </a:srgbClr>
+                  </a:outerShdw>
+                </a:effectLst>
+                <a:latin typeface="Calibri" panose="020F0502020204030204" pitchFamily="34" charset="0"/>
+                <a:cs typeface="Calibri" panose="020F0502020204030204" pitchFamily="34" charset="0"/>
+              </a:rPr>
+              <a:t>Modified</a:t>
+            </a:r>
+            <a:endParaRPr lang="es-PE" sz="1600" b="1" dirty="0"/>
+          </a:p>
+        </p:txBody>
+      </p:sp>
+      <p:sp>
+        <p:nvSpPr>
+          <p:cNvPr id="48" name="CuadroTexto 47">
+            <a:extLst>
+              <a:ext uri="{FF2B5EF4-FFF2-40B4-BE49-F238E27FC236}">
+                <a16:creationId xmlns:a16="http://schemas.microsoft.com/office/drawing/2014/main" id="{647E1266-4558-93E3-D16E-6BDC990687C4}"/>
+              </a:ext>
+            </a:extLst>
+          </p:cNvPr>
+          <p:cNvSpPr txBox="1"/>
+          <p:nvPr/>
+        </p:nvSpPr>
+        <p:spPr>
+          <a:xfrm>
+            <a:off x="10607513" y="2616024"/>
+            <a:ext cx="1174203" cy="338554"/>
+          </a:xfrm>
+          <a:prstGeom prst="rect">
+            <a:avLst/>
+          </a:prstGeom>
+          <a:noFill/>
+        </p:spPr>
+        <p:txBody>
+          <a:bodyPr wrap="square">
+            <a:spAutoFit/>
+          </a:bodyPr>
+          <a:lstStyle/>
+          <a:p>
+            <a:r>
+              <a:rPr lang="es-PE" sz="1600" b="1" dirty="0">
+                <a:solidFill>
+                  <a:schemeClr val="tx2"/>
+                </a:solidFill>
+                <a:effectLst>
+                  <a:outerShdw blurRad="38100" dist="38100" dir="2700000" algn="tl">
+                    <a:srgbClr val="000000">
+                      <a:alpha val="43137"/>
+                    </a:srgbClr>
+                  </a:outerShdw>
+                </a:effectLst>
+                <a:latin typeface="Calibri" panose="020F0502020204030204" pitchFamily="34" charset="0"/>
+                <a:cs typeface="Calibri" panose="020F0502020204030204" pitchFamily="34" charset="0"/>
+              </a:rPr>
+              <a:t>Staged</a:t>
+            </a:r>
+            <a:endParaRPr lang="es-PE" sz="1600" b="1" dirty="0"/>
+          </a:p>
+        </p:txBody>
+      </p:sp>
+      <p:sp>
+        <p:nvSpPr>
+          <p:cNvPr id="49" name="CuadroTexto 48">
+            <a:extLst>
+              <a:ext uri="{FF2B5EF4-FFF2-40B4-BE49-F238E27FC236}">
+                <a16:creationId xmlns:a16="http://schemas.microsoft.com/office/drawing/2014/main" id="{5AF6A033-5E23-C753-4E85-C7E19BDC9211}"/>
+              </a:ext>
+            </a:extLst>
+          </p:cNvPr>
+          <p:cNvSpPr txBox="1"/>
+          <p:nvPr/>
+        </p:nvSpPr>
+        <p:spPr>
+          <a:xfrm>
+            <a:off x="10627642" y="2967654"/>
+            <a:ext cx="1174203" cy="338554"/>
+          </a:xfrm>
+          <a:prstGeom prst="rect">
+            <a:avLst/>
+          </a:prstGeom>
+          <a:noFill/>
+        </p:spPr>
+        <p:txBody>
+          <a:bodyPr wrap="square">
+            <a:spAutoFit/>
+          </a:bodyPr>
+          <a:lstStyle/>
+          <a:p>
+            <a:r>
+              <a:rPr lang="es-PE" sz="1600" b="1" dirty="0">
+                <a:solidFill>
+                  <a:schemeClr val="tx2"/>
+                </a:solidFill>
+                <a:effectLst>
+                  <a:outerShdw blurRad="38100" dist="38100" dir="2700000" algn="tl">
+                    <a:srgbClr val="000000">
+                      <a:alpha val="43137"/>
+                    </a:srgbClr>
+                  </a:outerShdw>
+                </a:effectLst>
+                <a:latin typeface="Calibri" panose="020F0502020204030204" pitchFamily="34" charset="0"/>
+                <a:cs typeface="Calibri" panose="020F0502020204030204" pitchFamily="34" charset="0"/>
+              </a:rPr>
+              <a:t>Committed</a:t>
+            </a:r>
+            <a:endParaRPr lang="es-PE" sz="1600" b="1" dirty="0"/>
+          </a:p>
+        </p:txBody>
+      </p:sp>
+      <p:pic>
+        <p:nvPicPr>
+          <p:cNvPr id="7" name="Picture 4" descr="Files - Free interface icons">
+            <a:extLst>
+              <a:ext uri="{FF2B5EF4-FFF2-40B4-BE49-F238E27FC236}">
+                <a16:creationId xmlns:a16="http://schemas.microsoft.com/office/drawing/2014/main" id="{44F61327-F9E1-32A5-725C-94876522EB8E}"/>
+              </a:ext>
+            </a:extLst>
+          </p:cNvPr>
+          <p:cNvPicPr>
+            <a:picLocks noChangeAspect="1" noChangeArrowheads="1"/>
+          </p:cNvPicPr>
+          <p:nvPr/>
+        </p:nvPicPr>
+        <p:blipFill>
+          <a:blip r:embed="rId3">
+            <a:duotone>
+              <a:schemeClr val="accent2">
+                <a:shade val="45000"/>
+                <a:satMod val="135000"/>
+              </a:schemeClr>
+              <a:prstClr val="white"/>
+            </a:duotone>
+            <a:extLst>
+              <a:ext uri="{28A0092B-C50C-407E-A947-70E740481C1C}">
+                <a14:useLocalDpi xmlns:a14="http://schemas.microsoft.com/office/drawing/2010/main" val="0"/>
+              </a:ext>
+            </a:extLst>
+          </a:blip>
+          <a:srcRect/>
+          <a:stretch>
+            <a:fillRect/>
+          </a:stretch>
+        </p:blipFill>
+        <p:spPr bwMode="auto">
+          <a:xfrm>
+            <a:off x="5887200" y="2304773"/>
+            <a:ext cx="430307" cy="430307"/>
+          </a:xfrm>
+          <a:prstGeom prst="rect">
+            <a:avLst/>
+          </a:prstGeom>
+          <a:noFill/>
+          <a:extLst>
+            <a:ext uri="{909E8E84-426E-40DD-AFC4-6F175D3DCCD1}">
+              <a14:hiddenFill xmlns:a14="http://schemas.microsoft.com/office/drawing/2010/main">
+                <a:solidFill>
+                  <a:srgbClr val="FFFFFF"/>
+                </a:solidFill>
+              </a14:hiddenFill>
+            </a:ext>
+          </a:extLst>
+        </p:spPr>
+      </p:pic>
+      <p:sp>
+        <p:nvSpPr>
+          <p:cNvPr id="11" name="CuadroTexto 10">
+            <a:extLst>
+              <a:ext uri="{FF2B5EF4-FFF2-40B4-BE49-F238E27FC236}">
+                <a16:creationId xmlns:a16="http://schemas.microsoft.com/office/drawing/2014/main" id="{42DE32C8-54B2-EE77-C358-0BB7403FE7F0}"/>
+              </a:ext>
+            </a:extLst>
+          </p:cNvPr>
+          <p:cNvSpPr txBox="1"/>
+          <p:nvPr/>
+        </p:nvSpPr>
+        <p:spPr>
+          <a:xfrm>
+            <a:off x="1391848" y="291573"/>
+            <a:ext cx="3655154" cy="1754326"/>
+          </a:xfrm>
+          <a:prstGeom prst="rect">
+            <a:avLst/>
+          </a:prstGeom>
+          <a:noFill/>
+        </p:spPr>
+        <p:txBody>
+          <a:bodyPr wrap="square">
+            <a:spAutoFit/>
+          </a:bodyPr>
+          <a:lstStyle/>
+          <a:p>
+            <a:pPr algn="just"/>
+            <a:r>
+              <a:rPr lang="es-PE" b="1" dirty="0">
+                <a:solidFill>
+                  <a:schemeClr val="accent1">
+                    <a:lumMod val="75000"/>
+                  </a:schemeClr>
+                </a:solidFill>
+                <a:effectLst>
+                  <a:outerShdw blurRad="38100" dist="38100" dir="2700000" algn="tl">
+                    <a:srgbClr val="000000">
+                      <a:alpha val="43137"/>
+                    </a:srgbClr>
+                  </a:outerShdw>
+                </a:effectLst>
+                <a:latin typeface="Calibri" panose="020F0502020204030204" pitchFamily="34" charset="0"/>
+                <a:cs typeface="Calibri" panose="020F0502020204030204" pitchFamily="34" charset="0"/>
+                <a:sym typeface="Wingdings" panose="05000000000000000000" pitchFamily="2" charset="2"/>
+              </a:rPr>
+              <a:t>SUBIR CAMBIOS A STAGING AREA</a:t>
+            </a:r>
+            <a:endParaRPr lang="es-PE" dirty="0">
+              <a:solidFill>
+                <a:schemeClr val="tx2"/>
+              </a:solidFill>
+              <a:effectLst>
+                <a:outerShdw blurRad="38100" dist="38100" dir="2700000" algn="tl">
+                  <a:srgbClr val="000000">
+                    <a:alpha val="43137"/>
+                  </a:srgbClr>
+                </a:outerShdw>
+              </a:effectLst>
+              <a:latin typeface="Calibri" panose="020F0502020204030204" pitchFamily="34" charset="0"/>
+              <a:cs typeface="Calibri" panose="020F0502020204030204" pitchFamily="34" charset="0"/>
+            </a:endParaRPr>
+          </a:p>
+          <a:p>
+            <a:pPr marL="285750" indent="-285750" algn="just">
+              <a:buFont typeface="Arial" panose="020B0604020202020204" pitchFamily="34" charset="0"/>
+              <a:buChar char="•"/>
+            </a:pPr>
+            <a:r>
+              <a:rPr lang="es-PE" i="1" dirty="0">
+                <a:solidFill>
+                  <a:schemeClr val="tx2"/>
+                </a:solidFill>
+                <a:effectLst>
+                  <a:outerShdw blurRad="38100" dist="38100" dir="2700000" algn="tl">
+                    <a:srgbClr val="000000">
+                      <a:alpha val="43137"/>
+                    </a:srgbClr>
+                  </a:outerShdw>
+                </a:effectLst>
+                <a:latin typeface="Calibri" panose="020F0502020204030204" pitchFamily="34" charset="0"/>
+                <a:cs typeface="Calibri" panose="020F0502020204030204" pitchFamily="34" charset="0"/>
+              </a:rPr>
+              <a:t>Ubicarse en el repositorio y utilizar el o los comando(s) siguiente(s):</a:t>
+            </a:r>
+          </a:p>
+          <a:p>
+            <a:pPr marL="285750" indent="-285750" algn="just">
+              <a:buFont typeface="Arial" panose="020B0604020202020204" pitchFamily="34" charset="0"/>
+              <a:buChar char="•"/>
+            </a:pPr>
+            <a:endParaRPr lang="es-PE" i="1" dirty="0">
+              <a:solidFill>
+                <a:schemeClr val="tx2"/>
+              </a:solidFill>
+              <a:effectLst>
+                <a:outerShdw blurRad="38100" dist="38100" dir="2700000" algn="tl">
+                  <a:srgbClr val="000000">
+                    <a:alpha val="43137"/>
+                  </a:srgbClr>
+                </a:outerShdw>
+              </a:effectLst>
+              <a:latin typeface="Calibri" panose="020F0502020204030204" pitchFamily="34" charset="0"/>
+              <a:cs typeface="Calibri" panose="020F0502020204030204" pitchFamily="34" charset="0"/>
+            </a:endParaRPr>
+          </a:p>
+          <a:p>
+            <a:pPr marL="285750" indent="-285750" algn="just">
+              <a:buFont typeface="Arial" panose="020B0604020202020204" pitchFamily="34" charset="0"/>
+              <a:buChar char="•"/>
+            </a:pPr>
+            <a:r>
+              <a:rPr lang="es-PE" i="1" dirty="0">
+                <a:solidFill>
+                  <a:schemeClr val="tx2"/>
+                </a:solidFill>
+                <a:effectLst>
+                  <a:outerShdw blurRad="38100" dist="38100" dir="2700000" algn="tl">
+                    <a:srgbClr val="000000">
+                      <a:alpha val="43137"/>
+                    </a:srgbClr>
+                  </a:outerShdw>
+                </a:effectLst>
+                <a:latin typeface="Calibri" panose="020F0502020204030204" pitchFamily="34" charset="0"/>
+                <a:cs typeface="Calibri" panose="020F0502020204030204" pitchFamily="34" charset="0"/>
+              </a:rPr>
+              <a:t>git add </a:t>
+            </a:r>
+            <a:r>
+              <a:rPr lang="es-PE" i="1" dirty="0">
+                <a:solidFill>
+                  <a:srgbClr val="7030A0"/>
+                </a:solidFill>
+                <a:effectLst>
+                  <a:outerShdw blurRad="38100" dist="38100" dir="2700000" algn="tl">
+                    <a:srgbClr val="000000">
+                      <a:alpha val="43137"/>
+                    </a:srgbClr>
+                  </a:outerShdw>
+                </a:effectLst>
+                <a:latin typeface="Calibri" panose="020F0502020204030204" pitchFamily="34" charset="0"/>
+                <a:cs typeface="Calibri" panose="020F0502020204030204" pitchFamily="34" charset="0"/>
+              </a:rPr>
+              <a:t>&lt;parámetros de carga&gt;</a:t>
+            </a:r>
+            <a:endParaRPr lang="es-PE" i="1" dirty="0">
+              <a:solidFill>
+                <a:schemeClr val="tx2"/>
+              </a:solidFill>
+              <a:effectLst>
+                <a:outerShdw blurRad="38100" dist="38100" dir="2700000" algn="tl">
+                  <a:srgbClr val="000000">
+                    <a:alpha val="43137"/>
+                  </a:srgbClr>
+                </a:outerShdw>
+              </a:effectLst>
+              <a:latin typeface="Calibri" panose="020F0502020204030204" pitchFamily="34" charset="0"/>
+              <a:cs typeface="Calibri" panose="020F0502020204030204" pitchFamily="34" charset="0"/>
+            </a:endParaRPr>
+          </a:p>
+        </p:txBody>
+      </p:sp>
     </p:spTree>
     <p:extLst>
       <p:ext uri="{BB962C8B-B14F-4D97-AF65-F5344CB8AC3E}">
-        <p14:creationId xmlns:p14="http://schemas.microsoft.com/office/powerpoint/2010/main" val="2593339164"/>
+        <p14:creationId xmlns:p14="http://schemas.microsoft.com/office/powerpoint/2010/main" val="1978988162"/>
       </p:ext>
     </p:extLst>
   </p:cSld>
@@ -18613,130 +23328,64 @@
       </p:grpSpPr>
       <p:sp>
         <p:nvSpPr>
-          <p:cNvPr id="2" name="Título 1"/>
-          <p:cNvSpPr>
-            <a:spLocks noGrp="1"/>
-          </p:cNvSpPr>
-          <p:nvPr>
-            <p:ph type="title"/>
-          </p:nvPr>
-        </p:nvSpPr>
-        <p:spPr/>
-        <p:txBody>
-          <a:bodyPr rtlCol="0"/>
-          <a:lstStyle/>
-          <a:p>
-            <a:pPr rtl="0"/>
-            <a:r>
-              <a:rPr lang="es-ES" dirty="0"/>
-              <a:t>Diseño de dos objetos con SmartArt</a:t>
-            </a:r>
-          </a:p>
-        </p:txBody>
-      </p:sp>
-      <p:graphicFrame>
-        <p:nvGraphicFramePr>
-          <p:cNvPr id="6" name="Marcador de posición de contenido 5" descr="Diagrama de lista vertical con botón de contenido adicional en el que se muestran tres grupos organizados uno debajo del otro con viñetas que indican las tareas de cada grupo."/>
-          <p:cNvGraphicFramePr>
-            <a:graphicFrameLocks noGrp="1"/>
-          </p:cNvGraphicFramePr>
-          <p:nvPr>
-            <p:ph sz="half" idx="1"/>
-            <p:extLst>
-              <p:ext uri="{D42A27DB-BD31-4B8C-83A1-F6EECF244321}">
-                <p14:modId xmlns:p14="http://schemas.microsoft.com/office/powerpoint/2010/main" val="3959688702"/>
-              </p:ext>
-            </p:extLst>
-          </p:nvPr>
-        </p:nvGraphicFramePr>
-        <p:xfrm>
-          <a:off x="1593850" y="1600200"/>
-          <a:ext cx="4814888" cy="4572000"/>
-        </p:xfrm>
-        <a:graphic>
-          <a:graphicData uri="http://schemas.openxmlformats.org/drawingml/2006/diagram">
-            <dgm:relIds xmlns:dgm="http://schemas.openxmlformats.org/drawingml/2006/diagram" xmlns:r="http://schemas.openxmlformats.org/officeDocument/2006/relationships" r:dm="rId3" r:lo="rId4" r:qs="rId5" r:cs="rId6"/>
-          </a:graphicData>
-        </a:graphic>
-      </p:graphicFrame>
-      <p:sp>
-        <p:nvSpPr>
-          <p:cNvPr id="7" name="Marcador de posición de contenido 6"/>
-          <p:cNvSpPr>
-            <a:spLocks noGrp="1"/>
-          </p:cNvSpPr>
-          <p:nvPr>
-            <p:ph sz="half" idx="2"/>
-          </p:nvPr>
-        </p:nvSpPr>
-        <p:spPr/>
-        <p:txBody>
-          <a:bodyPr rtlCol="0"/>
-          <a:lstStyle/>
-          <a:p>
-            <a:pPr rtl="0"/>
-            <a:r>
-              <a:rPr lang="es-ES" dirty="0"/>
-              <a:t>Primera viñeta aquí</a:t>
-            </a:r>
-          </a:p>
-          <a:p>
-            <a:pPr rtl="0"/>
-            <a:r>
-              <a:rPr lang="es-ES" dirty="0"/>
-              <a:t>Segunda viñeta aquí</a:t>
-            </a:r>
-          </a:p>
-          <a:p>
-            <a:pPr rtl="0"/>
-            <a:r>
-              <a:rPr lang="es-ES" dirty="0"/>
-              <a:t>Tercera viñeta aquí</a:t>
-            </a:r>
-          </a:p>
-        </p:txBody>
-      </p:sp>
-      <p:sp>
-        <p:nvSpPr>
-          <p:cNvPr id="3" name="Marcador de pie de página 2">
+          <p:cNvPr id="50" name="Rectángulo 49">
             <a:extLst>
               <a:ext uri="{FF2B5EF4-FFF2-40B4-BE49-F238E27FC236}">
-                <a16:creationId xmlns:a16="http://schemas.microsoft.com/office/drawing/2014/main" id="{589E451B-1A91-445D-BF6B-781565BF6D4A}"/>
+                <a16:creationId xmlns:a16="http://schemas.microsoft.com/office/drawing/2014/main" id="{FAC60D7A-4591-4343-083F-5A1159DA431D}"/>
               </a:ext>
             </a:extLst>
           </p:cNvPr>
-          <p:cNvSpPr>
-            <a:spLocks noGrp="1"/>
-          </p:cNvSpPr>
-          <p:nvPr>
-            <p:ph type="ftr" sz="quarter" idx="4294967295"/>
-          </p:nvPr>
+          <p:cNvSpPr/>
+          <p:nvPr/>
         </p:nvSpPr>
         <p:spPr>
           <a:xfrm>
-            <a:off x="6595933" y="6356351"/>
-            <a:ext cx="3974065" cy="365125"/>
+            <a:off x="10126860" y="116632"/>
+            <a:ext cx="1554370" cy="1338535"/>
           </a:xfrm>
+          <a:prstGeom prst="rect">
+            <a:avLst/>
+          </a:prstGeom>
+          <a:noFill/>
+          <a:effectLst>
+            <a:outerShdw blurRad="50800" dist="38100" dir="5400000" algn="t" rotWithShape="0">
+              <a:prstClr val="black">
+                <a:alpha val="40000"/>
+              </a:prstClr>
+            </a:outerShdw>
+          </a:effectLst>
         </p:spPr>
-        <p:txBody>
-          <a:bodyPr/>
+        <p:style>
+          <a:lnRef idx="2">
+            <a:schemeClr val="accent1">
+              <a:shade val="50000"/>
+            </a:schemeClr>
+          </a:lnRef>
+          <a:fillRef idx="1">
+            <a:schemeClr val="accent1"/>
+          </a:fillRef>
+          <a:effectRef idx="0">
+            <a:schemeClr val="accent1"/>
+          </a:effectRef>
+          <a:fontRef idx="minor">
+            <a:schemeClr val="lt1"/>
+          </a:fontRef>
+        </p:style>
+        <p:txBody>
+          <a:bodyPr rtlCol="0" anchor="ctr"/>
           <a:lstStyle/>
           <a:p>
-            <a:pPr rtl="0"/>
-            <a:r>
-              <a:rPr lang="es-ES" noProof="0"/>
-              <a:t>Agregar un pie de página</a:t>
-            </a:r>
-            <a:endParaRPr lang="es-ES" noProof="0" dirty="0"/>
-          </a:p>
-        </p:txBody>
-      </p:sp>
-      <p:sp>
-        <p:nvSpPr>
-          <p:cNvPr id="4" name="Marcador de número de diapositiva 3">
+            <a:pPr algn="ctr"/>
+            <a:endParaRPr lang="es-PE"/>
+          </a:p>
+        </p:txBody>
+      </p:sp>
+      <p:sp>
+        <p:nvSpPr>
+          <p:cNvPr id="3" name="Marcador de número de diapositiva 2">
             <a:extLst>
               <a:ext uri="{FF2B5EF4-FFF2-40B4-BE49-F238E27FC236}">
-                <a16:creationId xmlns:a16="http://schemas.microsoft.com/office/drawing/2014/main" id="{4590DC53-CB48-4CAC-B507-F6D5107FBF12}"/>
+                <a16:creationId xmlns:a16="http://schemas.microsoft.com/office/drawing/2014/main" id="{8D2D6617-46E2-4BB5-A527-766D31BC6FE3}"/>
               </a:ext>
             </a:extLst>
           </p:cNvPr>
@@ -18747,7 +23396,12 @@
             <p:ph type="sldNum" sz="quarter" idx="12"/>
           </p:nvPr>
         </p:nvSpPr>
-        <p:spPr/>
+        <p:spPr>
+          <a:xfrm>
+            <a:off x="10766796" y="6448251"/>
+            <a:ext cx="609441" cy="365125"/>
+          </a:xfrm>
+        </p:spPr>
         <p:txBody>
           <a:bodyPr/>
           <a:lstStyle/>
@@ -18761,10 +23415,1862 @@
           </a:p>
         </p:txBody>
       </p:sp>
+      <p:sp>
+        <p:nvSpPr>
+          <p:cNvPr id="2" name="CuadroTexto 1">
+            <a:extLst>
+              <a:ext uri="{FF2B5EF4-FFF2-40B4-BE49-F238E27FC236}">
+                <a16:creationId xmlns:a16="http://schemas.microsoft.com/office/drawing/2014/main" id="{385B9208-6506-683A-1092-ECA25746D5E8}"/>
+              </a:ext>
+            </a:extLst>
+          </p:cNvPr>
+          <p:cNvSpPr txBox="1"/>
+          <p:nvPr/>
+        </p:nvSpPr>
+        <p:spPr>
+          <a:xfrm rot="16200000">
+            <a:off x="-1251192" y="3400442"/>
+            <a:ext cx="3159839" cy="461665"/>
+          </a:xfrm>
+          <a:prstGeom prst="rect">
+            <a:avLst/>
+          </a:prstGeom>
+          <a:noFill/>
+        </p:spPr>
+        <p:txBody>
+          <a:bodyPr wrap="none" rtlCol="0">
+            <a:spAutoFit/>
+          </a:bodyPr>
+          <a:lstStyle/>
+          <a:p>
+            <a:r>
+              <a:rPr lang="es-MX" sz="2400" b="1" dirty="0">
+                <a:solidFill>
+                  <a:schemeClr val="bg1"/>
+                </a:solidFill>
+                <a:effectLst>
+                  <a:outerShdw blurRad="38100" dist="38100" dir="2700000" algn="tl">
+                    <a:srgbClr val="000000">
+                      <a:alpha val="43137"/>
+                    </a:srgbClr>
+                  </a:outerShdw>
+                </a:effectLst>
+                <a:latin typeface="Calibri" panose="020F0502020204030204" pitchFamily="34" charset="0"/>
+                <a:cs typeface="Calibri" panose="020F0502020204030204" pitchFamily="34" charset="0"/>
+              </a:rPr>
+              <a:t>OPERACIONES BÁSICAS</a:t>
+            </a:r>
+            <a:endParaRPr lang="es-PE" sz="2400" b="1" dirty="0">
+              <a:solidFill>
+                <a:schemeClr val="bg1"/>
+              </a:solidFill>
+              <a:effectLst>
+                <a:outerShdw blurRad="38100" dist="38100" dir="2700000" algn="tl">
+                  <a:srgbClr val="000000">
+                    <a:alpha val="43137"/>
+                  </a:srgbClr>
+                </a:outerShdw>
+              </a:effectLst>
+              <a:latin typeface="Calibri" panose="020F0502020204030204" pitchFamily="34" charset="0"/>
+              <a:cs typeface="Calibri" panose="020F0502020204030204" pitchFamily="34" charset="0"/>
+            </a:endParaRPr>
+          </a:p>
+        </p:txBody>
+      </p:sp>
+      <p:sp>
+        <p:nvSpPr>
+          <p:cNvPr id="5" name="CuadroTexto 4">
+            <a:extLst>
+              <a:ext uri="{FF2B5EF4-FFF2-40B4-BE49-F238E27FC236}">
+                <a16:creationId xmlns:a16="http://schemas.microsoft.com/office/drawing/2014/main" id="{D9987EA6-DE13-79C2-4CDF-73C346DC30B0}"/>
+              </a:ext>
+            </a:extLst>
+          </p:cNvPr>
+          <p:cNvSpPr txBox="1"/>
+          <p:nvPr/>
+        </p:nvSpPr>
+        <p:spPr>
+          <a:xfrm rot="16200000">
+            <a:off x="-1598608" y="3611710"/>
+            <a:ext cx="5003549" cy="461665"/>
+          </a:xfrm>
+          <a:prstGeom prst="rect">
+            <a:avLst/>
+          </a:prstGeom>
+          <a:noFill/>
+        </p:spPr>
+        <p:txBody>
+          <a:bodyPr wrap="none" rtlCol="0">
+            <a:spAutoFit/>
+          </a:bodyPr>
+          <a:lstStyle/>
+          <a:p>
+            <a:r>
+              <a:rPr lang="es-MX" sz="2400" b="1" dirty="0">
+                <a:solidFill>
+                  <a:schemeClr val="bg1"/>
+                </a:solidFill>
+                <a:effectLst>
+                  <a:outerShdw blurRad="38100" dist="38100" dir="2700000" algn="tl">
+                    <a:srgbClr val="000000">
+                      <a:alpha val="43137"/>
+                    </a:srgbClr>
+                  </a:outerShdw>
+                </a:effectLst>
+                <a:latin typeface="Calibri" panose="020F0502020204030204" pitchFamily="34" charset="0"/>
+                <a:cs typeface="Calibri" panose="020F0502020204030204" pitchFamily="34" charset="0"/>
+              </a:rPr>
+              <a:t>GUARDAR CAMBIOS EN REPOSITORIO</a:t>
+            </a:r>
+            <a:endParaRPr lang="es-PE" sz="2400" b="1" dirty="0">
+              <a:solidFill>
+                <a:schemeClr val="bg1"/>
+              </a:solidFill>
+              <a:effectLst>
+                <a:outerShdw blurRad="38100" dist="38100" dir="2700000" algn="tl">
+                  <a:srgbClr val="000000">
+                    <a:alpha val="43137"/>
+                  </a:srgbClr>
+                </a:outerShdw>
+              </a:effectLst>
+              <a:latin typeface="Calibri" panose="020F0502020204030204" pitchFamily="34" charset="0"/>
+              <a:cs typeface="Calibri" panose="020F0502020204030204" pitchFamily="34" charset="0"/>
+            </a:endParaRPr>
+          </a:p>
+        </p:txBody>
+      </p:sp>
+      <p:sp>
+        <p:nvSpPr>
+          <p:cNvPr id="16" name="CuadroTexto 15">
+            <a:extLst>
+              <a:ext uri="{FF2B5EF4-FFF2-40B4-BE49-F238E27FC236}">
+                <a16:creationId xmlns:a16="http://schemas.microsoft.com/office/drawing/2014/main" id="{6D5C2937-DC13-E387-FD1F-830CF1F28A86}"/>
+              </a:ext>
+            </a:extLst>
+          </p:cNvPr>
+          <p:cNvSpPr txBox="1"/>
+          <p:nvPr/>
+        </p:nvSpPr>
+        <p:spPr>
+          <a:xfrm>
+            <a:off x="1246773" y="2959644"/>
+            <a:ext cx="10608278" cy="3416320"/>
+          </a:xfrm>
+          <a:prstGeom prst="rect">
+            <a:avLst/>
+          </a:prstGeom>
+          <a:noFill/>
+        </p:spPr>
+        <p:txBody>
+          <a:bodyPr wrap="square" rtlCol="0">
+            <a:spAutoFit/>
+          </a:bodyPr>
+          <a:lstStyle/>
+          <a:p>
+            <a:pPr algn="just"/>
+            <a:r>
+              <a:rPr lang="es-PE" b="1" dirty="0">
+                <a:solidFill>
+                  <a:schemeClr val="accent1">
+                    <a:lumMod val="75000"/>
+                  </a:schemeClr>
+                </a:solidFill>
+                <a:effectLst>
+                  <a:outerShdw blurRad="38100" dist="38100" dir="2700000" algn="tl">
+                    <a:srgbClr val="000000">
+                      <a:alpha val="43137"/>
+                    </a:srgbClr>
+                  </a:outerShdw>
+                </a:effectLst>
+                <a:latin typeface="Calibri" panose="020F0502020204030204" pitchFamily="34" charset="0"/>
+                <a:cs typeface="Calibri" panose="020F0502020204030204" pitchFamily="34" charset="0"/>
+                <a:sym typeface="Wingdings" panose="05000000000000000000" pitchFamily="2" charset="2"/>
+              </a:rPr>
+              <a:t>SUBIR CAMBIOS A STAGING AREA</a:t>
+            </a:r>
+            <a:endParaRPr lang="es-PE" dirty="0">
+              <a:solidFill>
+                <a:schemeClr val="tx2"/>
+              </a:solidFill>
+              <a:effectLst>
+                <a:outerShdw blurRad="38100" dist="38100" dir="2700000" algn="tl">
+                  <a:srgbClr val="000000">
+                    <a:alpha val="43137"/>
+                  </a:srgbClr>
+                </a:outerShdw>
+              </a:effectLst>
+              <a:latin typeface="Calibri" panose="020F0502020204030204" pitchFamily="34" charset="0"/>
+              <a:cs typeface="Calibri" panose="020F0502020204030204" pitchFamily="34" charset="0"/>
+            </a:endParaRPr>
+          </a:p>
+          <a:p>
+            <a:pPr marL="285750" indent="-285750" algn="just">
+              <a:buFont typeface="Arial" panose="020B0604020202020204" pitchFamily="34" charset="0"/>
+              <a:buChar char="•"/>
+            </a:pPr>
+            <a:r>
+              <a:rPr lang="es-PE" i="1" dirty="0">
+                <a:solidFill>
+                  <a:schemeClr val="tx2"/>
+                </a:solidFill>
+                <a:effectLst>
+                  <a:outerShdw blurRad="38100" dist="38100" dir="2700000" algn="tl">
+                    <a:srgbClr val="000000">
+                      <a:alpha val="43137"/>
+                    </a:srgbClr>
+                  </a:outerShdw>
+                </a:effectLst>
+                <a:latin typeface="Calibri" panose="020F0502020204030204" pitchFamily="34" charset="0"/>
+                <a:cs typeface="Calibri" panose="020F0502020204030204" pitchFamily="34" charset="0"/>
+              </a:rPr>
+              <a:t>Ubicarse en el repositorio y utilizar el o los comando(s) siguiente(s):</a:t>
+            </a:r>
+          </a:p>
+          <a:p>
+            <a:pPr marL="285750" indent="-285750" algn="just">
+              <a:buFont typeface="Arial" panose="020B0604020202020204" pitchFamily="34" charset="0"/>
+              <a:buChar char="•"/>
+            </a:pPr>
+            <a:endParaRPr lang="es-PE" i="1" dirty="0">
+              <a:solidFill>
+                <a:schemeClr val="tx2"/>
+              </a:solidFill>
+              <a:effectLst>
+                <a:outerShdw blurRad="38100" dist="38100" dir="2700000" algn="tl">
+                  <a:srgbClr val="000000">
+                    <a:alpha val="43137"/>
+                  </a:srgbClr>
+                </a:outerShdw>
+              </a:effectLst>
+              <a:latin typeface="Calibri" panose="020F0502020204030204" pitchFamily="34" charset="0"/>
+              <a:cs typeface="Calibri" panose="020F0502020204030204" pitchFamily="34" charset="0"/>
+            </a:endParaRPr>
+          </a:p>
+          <a:p>
+            <a:pPr marL="285750" indent="-285750" algn="just">
+              <a:buFont typeface="Arial" panose="020B0604020202020204" pitchFamily="34" charset="0"/>
+              <a:buChar char="•"/>
+            </a:pPr>
+            <a:r>
+              <a:rPr lang="es-PE" i="1" dirty="0">
+                <a:solidFill>
+                  <a:schemeClr val="tx2"/>
+                </a:solidFill>
+                <a:effectLst>
+                  <a:outerShdw blurRad="38100" dist="38100" dir="2700000" algn="tl">
+                    <a:srgbClr val="000000">
+                      <a:alpha val="43137"/>
+                    </a:srgbClr>
+                  </a:outerShdw>
+                </a:effectLst>
+                <a:latin typeface="Calibri" panose="020F0502020204030204" pitchFamily="34" charset="0"/>
+                <a:cs typeface="Calibri" panose="020F0502020204030204" pitchFamily="34" charset="0"/>
+              </a:rPr>
+              <a:t>git add </a:t>
+            </a:r>
+            <a:r>
+              <a:rPr lang="es-PE" i="1" dirty="0">
+                <a:solidFill>
+                  <a:srgbClr val="7030A0"/>
+                </a:solidFill>
+                <a:effectLst>
+                  <a:outerShdw blurRad="38100" dist="38100" dir="2700000" algn="tl">
+                    <a:srgbClr val="000000">
+                      <a:alpha val="43137"/>
+                    </a:srgbClr>
+                  </a:outerShdw>
+                </a:effectLst>
+                <a:latin typeface="Calibri" panose="020F0502020204030204" pitchFamily="34" charset="0"/>
+                <a:cs typeface="Calibri" panose="020F0502020204030204" pitchFamily="34" charset="0"/>
+              </a:rPr>
+              <a:t>&lt;parámetros de carga&gt;</a:t>
+            </a:r>
+            <a:endParaRPr lang="es-PE" i="1" dirty="0">
+              <a:solidFill>
+                <a:schemeClr val="tx2"/>
+              </a:solidFill>
+              <a:effectLst>
+                <a:outerShdw blurRad="38100" dist="38100" dir="2700000" algn="tl">
+                  <a:srgbClr val="000000">
+                    <a:alpha val="43137"/>
+                  </a:srgbClr>
+                </a:outerShdw>
+              </a:effectLst>
+              <a:latin typeface="Calibri" panose="020F0502020204030204" pitchFamily="34" charset="0"/>
+              <a:cs typeface="Calibri" panose="020F0502020204030204" pitchFamily="34" charset="0"/>
+            </a:endParaRPr>
+          </a:p>
+          <a:p>
+            <a:pPr marL="742950" lvl="1" indent="-285750" algn="just">
+              <a:buFont typeface="Courier New" panose="02070309020205020404" pitchFamily="49" charset="0"/>
+              <a:buChar char="o"/>
+            </a:pPr>
+            <a:endParaRPr lang="es-PE" i="1" dirty="0">
+              <a:solidFill>
+                <a:schemeClr val="tx2"/>
+              </a:solidFill>
+              <a:effectLst>
+                <a:outerShdw blurRad="38100" dist="38100" dir="2700000" algn="tl">
+                  <a:srgbClr val="000000">
+                    <a:alpha val="43137"/>
+                  </a:srgbClr>
+                </a:outerShdw>
+              </a:effectLst>
+              <a:latin typeface="Calibri" panose="020F0502020204030204" pitchFamily="34" charset="0"/>
+              <a:cs typeface="Calibri" panose="020F0502020204030204" pitchFamily="34" charset="0"/>
+            </a:endParaRPr>
+          </a:p>
+          <a:p>
+            <a:pPr marL="285750" indent="-285750" algn="just">
+              <a:buFont typeface="Arial" panose="020B0604020202020204" pitchFamily="34" charset="0"/>
+              <a:buChar char="•"/>
+            </a:pPr>
+            <a:r>
+              <a:rPr lang="es-PE" b="1" i="1" dirty="0">
+                <a:solidFill>
+                  <a:schemeClr val="tx2"/>
+                </a:solidFill>
+                <a:effectLst>
+                  <a:outerShdw blurRad="38100" dist="38100" dir="2700000" algn="tl">
+                    <a:srgbClr val="000000">
+                      <a:alpha val="43137"/>
+                    </a:srgbClr>
+                  </a:outerShdw>
+                </a:effectLst>
+                <a:latin typeface="Calibri" panose="020F0502020204030204" pitchFamily="34" charset="0"/>
+                <a:cs typeface="Calibri" panose="020F0502020204030204" pitchFamily="34" charset="0"/>
+              </a:rPr>
+              <a:t>Ejemplos:</a:t>
+            </a:r>
+          </a:p>
+          <a:p>
+            <a:pPr marL="742950" lvl="1" indent="-285750" algn="just">
+              <a:buFont typeface="Courier New" panose="02070309020205020404" pitchFamily="49" charset="0"/>
+              <a:buChar char="o"/>
+            </a:pPr>
+            <a:r>
+              <a:rPr lang="es-PE" i="1" dirty="0">
+                <a:solidFill>
+                  <a:schemeClr val="tx2"/>
+                </a:solidFill>
+                <a:effectLst>
+                  <a:outerShdw blurRad="38100" dist="38100" dir="2700000" algn="tl">
+                    <a:srgbClr val="000000">
+                      <a:alpha val="43137"/>
+                    </a:srgbClr>
+                  </a:outerShdw>
+                </a:effectLst>
+                <a:latin typeface="Calibri" panose="020F0502020204030204" pitchFamily="34" charset="0"/>
+                <a:cs typeface="Calibri" panose="020F0502020204030204" pitchFamily="34" charset="0"/>
+              </a:rPr>
+              <a:t>git add </a:t>
+            </a:r>
+            <a:r>
+              <a:rPr lang="es-PE" i="1" dirty="0">
+                <a:solidFill>
+                  <a:srgbClr val="7030A0"/>
+                </a:solidFill>
+                <a:effectLst>
+                  <a:outerShdw blurRad="38100" dist="38100" dir="2700000" algn="tl">
+                    <a:srgbClr val="000000">
+                      <a:alpha val="43137"/>
+                    </a:srgbClr>
+                  </a:outerShdw>
+                </a:effectLst>
+                <a:latin typeface="Calibri" panose="020F0502020204030204" pitchFamily="34" charset="0"/>
+                <a:cs typeface="Calibri" panose="020F0502020204030204" pitchFamily="34" charset="0"/>
+              </a:rPr>
+              <a:t>index.html </a:t>
+            </a:r>
+            <a:r>
+              <a:rPr lang="es-PE" b="1" i="1" dirty="0">
+                <a:solidFill>
+                  <a:schemeClr val="accent1">
+                    <a:lumMod val="75000"/>
+                  </a:schemeClr>
+                </a:solidFill>
+                <a:effectLst>
+                  <a:outerShdw blurRad="38100" dist="38100" dir="2700000" algn="tl">
+                    <a:srgbClr val="000000">
+                      <a:alpha val="43137"/>
+                    </a:srgbClr>
+                  </a:outerShdw>
+                </a:effectLst>
+                <a:latin typeface="Calibri" panose="020F0502020204030204" pitchFamily="34" charset="0"/>
+                <a:cs typeface="Calibri" panose="020F0502020204030204" pitchFamily="34" charset="0"/>
+              </a:rPr>
+              <a:t>(subir un archivo específico modificado)</a:t>
+            </a:r>
+          </a:p>
+          <a:p>
+            <a:pPr marL="742950" lvl="1" indent="-285750" algn="just">
+              <a:buFont typeface="Courier New" panose="02070309020205020404" pitchFamily="49" charset="0"/>
+              <a:buChar char="o"/>
+            </a:pPr>
+            <a:r>
+              <a:rPr lang="es-PE" i="1" dirty="0">
+                <a:solidFill>
+                  <a:schemeClr val="tx2"/>
+                </a:solidFill>
+                <a:effectLst>
+                  <a:outerShdw blurRad="38100" dist="38100" dir="2700000" algn="tl">
+                    <a:srgbClr val="000000">
+                      <a:alpha val="43137"/>
+                    </a:srgbClr>
+                  </a:outerShdw>
+                </a:effectLst>
+                <a:latin typeface="Calibri" panose="020F0502020204030204" pitchFamily="34" charset="0"/>
+                <a:cs typeface="Calibri" panose="020F0502020204030204" pitchFamily="34" charset="0"/>
+              </a:rPr>
+              <a:t>git add </a:t>
+            </a:r>
+            <a:r>
+              <a:rPr lang="es-PE" i="1" dirty="0">
+                <a:solidFill>
+                  <a:srgbClr val="7030A0"/>
+                </a:solidFill>
+                <a:effectLst>
+                  <a:outerShdw blurRad="38100" dist="38100" dir="2700000" algn="tl">
+                    <a:srgbClr val="000000">
+                      <a:alpha val="43137"/>
+                    </a:srgbClr>
+                  </a:outerShdw>
+                </a:effectLst>
+                <a:latin typeface="Calibri" panose="020F0502020204030204" pitchFamily="34" charset="0"/>
+                <a:cs typeface="Calibri" panose="020F0502020204030204" pitchFamily="34" charset="0"/>
+              </a:rPr>
+              <a:t>index.html style.css funciones.js </a:t>
+            </a:r>
+            <a:r>
+              <a:rPr lang="es-PE" b="1" i="1" dirty="0">
+                <a:solidFill>
+                  <a:schemeClr val="accent1">
+                    <a:lumMod val="75000"/>
+                  </a:schemeClr>
+                </a:solidFill>
+                <a:effectLst>
+                  <a:outerShdw blurRad="38100" dist="38100" dir="2700000" algn="tl">
+                    <a:srgbClr val="000000">
+                      <a:alpha val="43137"/>
+                    </a:srgbClr>
+                  </a:outerShdw>
+                </a:effectLst>
+                <a:latin typeface="Calibri" panose="020F0502020204030204" pitchFamily="34" charset="0"/>
+                <a:cs typeface="Calibri" panose="020F0502020204030204" pitchFamily="34" charset="0"/>
+              </a:rPr>
+              <a:t>(subir varios archivos modificados)</a:t>
+            </a:r>
+            <a:endParaRPr lang="es-PE" i="1" dirty="0">
+              <a:solidFill>
+                <a:schemeClr val="tx2"/>
+              </a:solidFill>
+              <a:effectLst>
+                <a:outerShdw blurRad="38100" dist="38100" dir="2700000" algn="tl">
+                  <a:srgbClr val="000000">
+                    <a:alpha val="43137"/>
+                  </a:srgbClr>
+                </a:outerShdw>
+              </a:effectLst>
+              <a:latin typeface="Calibri" panose="020F0502020204030204" pitchFamily="34" charset="0"/>
+              <a:cs typeface="Calibri" panose="020F0502020204030204" pitchFamily="34" charset="0"/>
+            </a:endParaRPr>
+          </a:p>
+          <a:p>
+            <a:pPr marL="742950" lvl="1" indent="-285750" algn="just">
+              <a:buFont typeface="Courier New" panose="02070309020205020404" pitchFamily="49" charset="0"/>
+              <a:buChar char="o"/>
+            </a:pPr>
+            <a:r>
+              <a:rPr lang="es-PE" i="1" dirty="0">
+                <a:solidFill>
+                  <a:schemeClr val="tx2"/>
+                </a:solidFill>
+                <a:effectLst>
+                  <a:outerShdw blurRad="38100" dist="38100" dir="2700000" algn="tl">
+                    <a:srgbClr val="000000">
+                      <a:alpha val="43137"/>
+                    </a:srgbClr>
+                  </a:outerShdw>
+                </a:effectLst>
+                <a:latin typeface="Calibri" panose="020F0502020204030204" pitchFamily="34" charset="0"/>
+                <a:cs typeface="Calibri" panose="020F0502020204030204" pitchFamily="34" charset="0"/>
+              </a:rPr>
+              <a:t>git add </a:t>
+            </a:r>
+            <a:r>
+              <a:rPr lang="es-PE" b="1" dirty="0">
+                <a:solidFill>
+                  <a:srgbClr val="7030A0"/>
+                </a:solidFill>
+                <a:effectLst>
+                  <a:outerShdw blurRad="38100" dist="38100" dir="2700000" algn="tl">
+                    <a:srgbClr val="000000">
+                      <a:alpha val="43137"/>
+                    </a:srgbClr>
+                  </a:outerShdw>
+                </a:effectLst>
+                <a:latin typeface="Calibri" panose="020F0502020204030204" pitchFamily="34" charset="0"/>
+                <a:cs typeface="Calibri" panose="020F0502020204030204" pitchFamily="34" charset="0"/>
+              </a:rPr>
+              <a:t>.</a:t>
+            </a:r>
+            <a:r>
+              <a:rPr lang="es-PE" i="1" dirty="0">
+                <a:solidFill>
+                  <a:schemeClr val="tx2"/>
+                </a:solidFill>
+                <a:effectLst>
+                  <a:outerShdw blurRad="38100" dist="38100" dir="2700000" algn="tl">
+                    <a:srgbClr val="000000">
+                      <a:alpha val="43137"/>
+                    </a:srgbClr>
+                  </a:outerShdw>
+                </a:effectLst>
+                <a:latin typeface="Calibri" panose="020F0502020204030204" pitchFamily="34" charset="0"/>
+                <a:cs typeface="Calibri" panose="020F0502020204030204" pitchFamily="34" charset="0"/>
+              </a:rPr>
+              <a:t> </a:t>
+            </a:r>
+            <a:r>
+              <a:rPr lang="es-PE" b="1" i="1" dirty="0">
+                <a:solidFill>
+                  <a:schemeClr val="accent1">
+                    <a:lumMod val="75000"/>
+                  </a:schemeClr>
+                </a:solidFill>
+                <a:effectLst>
+                  <a:outerShdw blurRad="38100" dist="38100" dir="2700000" algn="tl">
+                    <a:srgbClr val="000000">
+                      <a:alpha val="43137"/>
+                    </a:srgbClr>
+                  </a:outerShdw>
+                </a:effectLst>
+                <a:latin typeface="Calibri" panose="020F0502020204030204" pitchFamily="34" charset="0"/>
+                <a:cs typeface="Calibri" panose="020F0502020204030204" pitchFamily="34" charset="0"/>
+              </a:rPr>
+              <a:t>(subir todos los archivos modificados)</a:t>
+            </a:r>
+          </a:p>
+          <a:p>
+            <a:pPr marL="742950" lvl="1" indent="-285750" algn="just">
+              <a:buFont typeface="Courier New" panose="02070309020205020404" pitchFamily="49" charset="0"/>
+              <a:buChar char="o"/>
+            </a:pPr>
+            <a:r>
+              <a:rPr lang="es-PE" i="1" dirty="0">
+                <a:solidFill>
+                  <a:schemeClr val="tx2"/>
+                </a:solidFill>
+                <a:effectLst>
+                  <a:outerShdw blurRad="38100" dist="38100" dir="2700000" algn="tl">
+                    <a:srgbClr val="000000">
+                      <a:alpha val="43137"/>
+                    </a:srgbClr>
+                  </a:outerShdw>
+                </a:effectLst>
+                <a:latin typeface="Calibri" panose="020F0502020204030204" pitchFamily="34" charset="0"/>
+                <a:cs typeface="Calibri" panose="020F0502020204030204" pitchFamily="34" charset="0"/>
+              </a:rPr>
+              <a:t>git add </a:t>
+            </a:r>
+            <a:r>
+              <a:rPr lang="es-PE" i="1" dirty="0" err="1">
+                <a:solidFill>
+                  <a:srgbClr val="7030A0"/>
+                </a:solidFill>
+                <a:effectLst>
+                  <a:outerShdw blurRad="38100" dist="38100" dir="2700000" algn="tl">
+                    <a:srgbClr val="000000">
+                      <a:alpha val="43137"/>
+                    </a:srgbClr>
+                  </a:outerShdw>
+                </a:effectLst>
+                <a:latin typeface="Calibri" panose="020F0502020204030204" pitchFamily="34" charset="0"/>
+                <a:cs typeface="Calibri" panose="020F0502020204030204" pitchFamily="34" charset="0"/>
+              </a:rPr>
+              <a:t>Documentation</a:t>
+            </a:r>
+            <a:r>
+              <a:rPr lang="es-PE" i="1" dirty="0">
+                <a:solidFill>
+                  <a:srgbClr val="7030A0"/>
+                </a:solidFill>
+                <a:effectLst>
+                  <a:outerShdw blurRad="38100" dist="38100" dir="2700000" algn="tl">
+                    <a:srgbClr val="000000">
+                      <a:alpha val="43137"/>
+                    </a:srgbClr>
+                  </a:outerShdw>
+                </a:effectLst>
+                <a:latin typeface="Calibri" panose="020F0502020204030204" pitchFamily="34" charset="0"/>
+                <a:cs typeface="Calibri" panose="020F0502020204030204" pitchFamily="34" charset="0"/>
+              </a:rPr>
+              <a:t>/\*.</a:t>
+            </a:r>
+            <a:r>
+              <a:rPr lang="es-PE" i="1" dirty="0" err="1">
+                <a:solidFill>
+                  <a:srgbClr val="7030A0"/>
+                </a:solidFill>
+                <a:effectLst>
+                  <a:outerShdw blurRad="38100" dist="38100" dir="2700000" algn="tl">
+                    <a:srgbClr val="000000">
+                      <a:alpha val="43137"/>
+                    </a:srgbClr>
+                  </a:outerShdw>
+                </a:effectLst>
+                <a:latin typeface="Calibri" panose="020F0502020204030204" pitchFamily="34" charset="0"/>
+                <a:cs typeface="Calibri" panose="020F0502020204030204" pitchFamily="34" charset="0"/>
+              </a:rPr>
+              <a:t>txt</a:t>
+            </a:r>
+            <a:r>
+              <a:rPr lang="es-PE" i="1" dirty="0">
+                <a:solidFill>
+                  <a:srgbClr val="7030A0"/>
+                </a:solidFill>
+                <a:effectLst>
+                  <a:outerShdw blurRad="38100" dist="38100" dir="2700000" algn="tl">
+                    <a:srgbClr val="000000">
+                      <a:alpha val="43137"/>
+                    </a:srgbClr>
+                  </a:outerShdw>
+                </a:effectLst>
+                <a:latin typeface="Calibri" panose="020F0502020204030204" pitchFamily="34" charset="0"/>
+                <a:cs typeface="Calibri" panose="020F0502020204030204" pitchFamily="34" charset="0"/>
+              </a:rPr>
+              <a:t> </a:t>
+            </a:r>
+            <a:r>
+              <a:rPr lang="es-PE" b="1" i="1" dirty="0">
+                <a:solidFill>
+                  <a:schemeClr val="accent1">
+                    <a:lumMod val="75000"/>
+                  </a:schemeClr>
+                </a:solidFill>
+                <a:effectLst>
+                  <a:outerShdw blurRad="38100" dist="38100" dir="2700000" algn="tl">
+                    <a:srgbClr val="000000">
+                      <a:alpha val="43137"/>
+                    </a:srgbClr>
+                  </a:outerShdw>
+                </a:effectLst>
+                <a:latin typeface="Calibri" panose="020F0502020204030204" pitchFamily="34" charset="0"/>
+                <a:cs typeface="Calibri" panose="020F0502020204030204" pitchFamily="34" charset="0"/>
+              </a:rPr>
+              <a:t>(subir todos los archivos modificados con extensión </a:t>
+            </a:r>
+            <a:r>
+              <a:rPr lang="es-PE" b="1" i="1" dirty="0" err="1">
+                <a:solidFill>
+                  <a:schemeClr val="accent1">
+                    <a:lumMod val="75000"/>
+                  </a:schemeClr>
+                </a:solidFill>
+                <a:effectLst>
+                  <a:outerShdw blurRad="38100" dist="38100" dir="2700000" algn="tl">
+                    <a:srgbClr val="000000">
+                      <a:alpha val="43137"/>
+                    </a:srgbClr>
+                  </a:outerShdw>
+                </a:effectLst>
+                <a:latin typeface="Calibri" panose="020F0502020204030204" pitchFamily="34" charset="0"/>
+                <a:cs typeface="Calibri" panose="020F0502020204030204" pitchFamily="34" charset="0"/>
+              </a:rPr>
+              <a:t>txt</a:t>
+            </a:r>
+            <a:r>
+              <a:rPr lang="es-PE" b="1" i="1" dirty="0">
+                <a:solidFill>
+                  <a:schemeClr val="accent1">
+                    <a:lumMod val="75000"/>
+                  </a:schemeClr>
+                </a:solidFill>
+                <a:effectLst>
+                  <a:outerShdw blurRad="38100" dist="38100" dir="2700000" algn="tl">
+                    <a:srgbClr val="000000">
+                      <a:alpha val="43137"/>
+                    </a:srgbClr>
+                  </a:outerShdw>
+                </a:effectLst>
+                <a:latin typeface="Calibri" panose="020F0502020204030204" pitchFamily="34" charset="0"/>
+                <a:cs typeface="Calibri" panose="020F0502020204030204" pitchFamily="34" charset="0"/>
+              </a:rPr>
+              <a:t> de la carpeta DOCUMENTATION)</a:t>
+            </a:r>
+          </a:p>
+          <a:p>
+            <a:pPr marL="742950" lvl="1" indent="-285750" algn="just">
+              <a:buFont typeface="Courier New" panose="02070309020205020404" pitchFamily="49" charset="0"/>
+              <a:buChar char="o"/>
+            </a:pPr>
+            <a:r>
+              <a:rPr lang="es-PE" i="1" dirty="0">
+                <a:solidFill>
+                  <a:schemeClr val="tx2"/>
+                </a:solidFill>
+                <a:effectLst>
+                  <a:outerShdw blurRad="38100" dist="38100" dir="2700000" algn="tl">
+                    <a:srgbClr val="000000">
+                      <a:alpha val="43137"/>
+                    </a:srgbClr>
+                  </a:outerShdw>
+                </a:effectLst>
+                <a:latin typeface="Calibri" panose="020F0502020204030204" pitchFamily="34" charset="0"/>
+                <a:cs typeface="Calibri" panose="020F0502020204030204" pitchFamily="34" charset="0"/>
+              </a:rPr>
+              <a:t>git add </a:t>
+            </a:r>
+            <a:r>
+              <a:rPr lang="es-PE" i="1" dirty="0">
+                <a:solidFill>
+                  <a:srgbClr val="7030A0"/>
+                </a:solidFill>
+                <a:effectLst>
+                  <a:outerShdw blurRad="38100" dist="38100" dir="2700000" algn="tl">
+                    <a:srgbClr val="000000">
+                      <a:alpha val="43137"/>
+                    </a:srgbClr>
+                  </a:outerShdw>
+                </a:effectLst>
+                <a:latin typeface="Calibri" panose="020F0502020204030204" pitchFamily="34" charset="0"/>
+                <a:cs typeface="Calibri" panose="020F0502020204030204" pitchFamily="34" charset="0"/>
+              </a:rPr>
+              <a:t>*.</a:t>
+            </a:r>
+            <a:r>
+              <a:rPr lang="es-PE" i="1" dirty="0" err="1">
+                <a:solidFill>
+                  <a:srgbClr val="7030A0"/>
+                </a:solidFill>
+                <a:effectLst>
+                  <a:outerShdw blurRad="38100" dist="38100" dir="2700000" algn="tl">
+                    <a:srgbClr val="000000">
+                      <a:alpha val="43137"/>
+                    </a:srgbClr>
+                  </a:outerShdw>
+                </a:effectLst>
+                <a:latin typeface="Calibri" panose="020F0502020204030204" pitchFamily="34" charset="0"/>
+                <a:cs typeface="Calibri" panose="020F0502020204030204" pitchFamily="34" charset="0"/>
+              </a:rPr>
+              <a:t>cs</a:t>
+            </a:r>
+            <a:r>
+              <a:rPr lang="es-PE" i="1" dirty="0">
+                <a:solidFill>
+                  <a:srgbClr val="7030A0"/>
+                </a:solidFill>
+                <a:effectLst>
+                  <a:outerShdw blurRad="38100" dist="38100" dir="2700000" algn="tl">
+                    <a:srgbClr val="000000">
+                      <a:alpha val="43137"/>
+                    </a:srgbClr>
+                  </a:outerShdw>
+                </a:effectLst>
+                <a:latin typeface="Calibri" panose="020F0502020204030204" pitchFamily="34" charset="0"/>
+                <a:cs typeface="Calibri" panose="020F0502020204030204" pitchFamily="34" charset="0"/>
+              </a:rPr>
+              <a:t> </a:t>
+            </a:r>
+            <a:r>
+              <a:rPr lang="es-PE" b="1" i="1" dirty="0">
+                <a:solidFill>
+                  <a:schemeClr val="accent1">
+                    <a:lumMod val="75000"/>
+                  </a:schemeClr>
+                </a:solidFill>
+                <a:effectLst>
+                  <a:outerShdw blurRad="38100" dist="38100" dir="2700000" algn="tl">
+                    <a:srgbClr val="000000">
+                      <a:alpha val="43137"/>
+                    </a:srgbClr>
+                  </a:outerShdw>
+                </a:effectLst>
+                <a:latin typeface="Calibri" panose="020F0502020204030204" pitchFamily="34" charset="0"/>
+                <a:cs typeface="Calibri" panose="020F0502020204030204" pitchFamily="34" charset="0"/>
+              </a:rPr>
+              <a:t>(subir todos los archivos modificados con extensión </a:t>
+            </a:r>
+            <a:r>
+              <a:rPr lang="es-PE" b="1" i="1" dirty="0" err="1">
+                <a:solidFill>
+                  <a:schemeClr val="accent1">
+                    <a:lumMod val="75000"/>
+                  </a:schemeClr>
+                </a:solidFill>
+                <a:effectLst>
+                  <a:outerShdw blurRad="38100" dist="38100" dir="2700000" algn="tl">
+                    <a:srgbClr val="000000">
+                      <a:alpha val="43137"/>
+                    </a:srgbClr>
+                  </a:outerShdw>
+                </a:effectLst>
+                <a:latin typeface="Calibri" panose="020F0502020204030204" pitchFamily="34" charset="0"/>
+                <a:cs typeface="Calibri" panose="020F0502020204030204" pitchFamily="34" charset="0"/>
+              </a:rPr>
+              <a:t>cs</a:t>
+            </a:r>
+            <a:r>
+              <a:rPr lang="es-PE" b="1" i="1" dirty="0">
+                <a:solidFill>
+                  <a:schemeClr val="accent1">
+                    <a:lumMod val="75000"/>
+                  </a:schemeClr>
+                </a:solidFill>
+                <a:effectLst>
+                  <a:outerShdw blurRad="38100" dist="38100" dir="2700000" algn="tl">
+                    <a:srgbClr val="000000">
+                      <a:alpha val="43137"/>
+                    </a:srgbClr>
+                  </a:outerShdw>
+                </a:effectLst>
+                <a:latin typeface="Calibri" panose="020F0502020204030204" pitchFamily="34" charset="0"/>
+                <a:cs typeface="Calibri" panose="020F0502020204030204" pitchFamily="34" charset="0"/>
+              </a:rPr>
+              <a:t>)</a:t>
+            </a:r>
+            <a:endParaRPr lang="es-PE" i="1" dirty="0">
+              <a:solidFill>
+                <a:srgbClr val="7030A0"/>
+              </a:solidFill>
+              <a:effectLst>
+                <a:outerShdw blurRad="38100" dist="38100" dir="2700000" algn="tl">
+                  <a:srgbClr val="000000">
+                    <a:alpha val="43137"/>
+                  </a:srgbClr>
+                </a:outerShdw>
+              </a:effectLst>
+              <a:latin typeface="Calibri" panose="020F0502020204030204" pitchFamily="34" charset="0"/>
+              <a:cs typeface="Calibri" panose="020F0502020204030204" pitchFamily="34" charset="0"/>
+            </a:endParaRPr>
+          </a:p>
+        </p:txBody>
+      </p:sp>
+      <p:sp>
+        <p:nvSpPr>
+          <p:cNvPr id="6" name="CuadroTexto 5">
+            <a:extLst>
+              <a:ext uri="{FF2B5EF4-FFF2-40B4-BE49-F238E27FC236}">
+                <a16:creationId xmlns:a16="http://schemas.microsoft.com/office/drawing/2014/main" id="{BEA6EE45-6C48-F708-BBE2-E8CCEBF94480}"/>
+              </a:ext>
+            </a:extLst>
+          </p:cNvPr>
+          <p:cNvSpPr txBox="1"/>
+          <p:nvPr/>
+        </p:nvSpPr>
+        <p:spPr>
+          <a:xfrm>
+            <a:off x="1991584" y="332656"/>
+            <a:ext cx="1259319" cy="646331"/>
+          </a:xfrm>
+          <a:prstGeom prst="rect">
+            <a:avLst/>
+          </a:prstGeom>
+          <a:noFill/>
+          <a:ln>
+            <a:solidFill>
+              <a:schemeClr val="tx2"/>
+            </a:solidFill>
+          </a:ln>
+        </p:spPr>
+        <p:txBody>
+          <a:bodyPr wrap="none" rtlCol="0">
+            <a:spAutoFit/>
+          </a:bodyPr>
+          <a:lstStyle/>
+          <a:p>
+            <a:pPr algn="ctr"/>
+            <a:r>
+              <a:rPr lang="es-PE" b="1" dirty="0">
+                <a:solidFill>
+                  <a:srgbClr val="7030A0"/>
+                </a:solidFill>
+                <a:effectLst>
+                  <a:outerShdw blurRad="38100" dist="38100" dir="2700000" algn="tl">
+                    <a:srgbClr val="000000">
+                      <a:alpha val="43137"/>
+                    </a:srgbClr>
+                  </a:outerShdw>
+                </a:effectLst>
+                <a:latin typeface="Calibri" panose="020F0502020204030204" pitchFamily="34" charset="0"/>
+                <a:cs typeface="Calibri" panose="020F0502020204030204" pitchFamily="34" charset="0"/>
+              </a:rPr>
+              <a:t>WORKING</a:t>
+            </a:r>
+            <a:r>
+              <a:rPr lang="es-PE" sz="1600" b="1" dirty="0">
+                <a:effectLst>
+                  <a:outerShdw blurRad="38100" dist="38100" dir="2700000" algn="tl">
+                    <a:srgbClr val="000000">
+                      <a:alpha val="43137"/>
+                    </a:srgbClr>
+                  </a:outerShdw>
+                </a:effectLst>
+                <a:latin typeface="Calibri" panose="020F0502020204030204" pitchFamily="34" charset="0"/>
+                <a:cs typeface="Calibri" panose="020F0502020204030204" pitchFamily="34" charset="0"/>
+              </a:rPr>
+              <a:t> </a:t>
+            </a:r>
+          </a:p>
+          <a:p>
+            <a:pPr algn="ctr"/>
+            <a:r>
+              <a:rPr lang="es-PE" b="1" dirty="0">
+                <a:solidFill>
+                  <a:srgbClr val="7030A0"/>
+                </a:solidFill>
+                <a:effectLst>
+                  <a:outerShdw blurRad="38100" dist="38100" dir="2700000" algn="tl">
+                    <a:srgbClr val="000000">
+                      <a:alpha val="43137"/>
+                    </a:srgbClr>
+                  </a:outerShdw>
+                </a:effectLst>
+                <a:latin typeface="Calibri" panose="020F0502020204030204" pitchFamily="34" charset="0"/>
+                <a:cs typeface="Calibri" panose="020F0502020204030204" pitchFamily="34" charset="0"/>
+              </a:rPr>
+              <a:t>DIRECTORY</a:t>
+            </a:r>
+          </a:p>
+        </p:txBody>
+      </p:sp>
+      <p:sp>
+        <p:nvSpPr>
+          <p:cNvPr id="8" name="CuadroTexto 7">
+            <a:extLst>
+              <a:ext uri="{FF2B5EF4-FFF2-40B4-BE49-F238E27FC236}">
+                <a16:creationId xmlns:a16="http://schemas.microsoft.com/office/drawing/2014/main" id="{0583AD69-7C0D-9057-4D94-E6A46887BCDA}"/>
+              </a:ext>
+            </a:extLst>
+          </p:cNvPr>
+          <p:cNvSpPr txBox="1"/>
+          <p:nvPr/>
+        </p:nvSpPr>
+        <p:spPr>
+          <a:xfrm>
+            <a:off x="5198780" y="332655"/>
+            <a:ext cx="1031886" cy="646331"/>
+          </a:xfrm>
+          <a:prstGeom prst="rect">
+            <a:avLst/>
+          </a:prstGeom>
+          <a:noFill/>
+          <a:ln>
+            <a:solidFill>
+              <a:schemeClr val="tx2"/>
+            </a:solidFill>
+          </a:ln>
+        </p:spPr>
+        <p:txBody>
+          <a:bodyPr wrap="none" rtlCol="0">
+            <a:spAutoFit/>
+          </a:bodyPr>
+          <a:lstStyle/>
+          <a:p>
+            <a:pPr algn="ctr"/>
+            <a:r>
+              <a:rPr lang="es-PE" b="1" dirty="0">
+                <a:solidFill>
+                  <a:srgbClr val="7030A0"/>
+                </a:solidFill>
+                <a:effectLst>
+                  <a:outerShdw blurRad="38100" dist="38100" dir="2700000" algn="tl">
+                    <a:srgbClr val="000000">
+                      <a:alpha val="43137"/>
+                    </a:srgbClr>
+                  </a:outerShdw>
+                </a:effectLst>
+                <a:latin typeface="Calibri" panose="020F0502020204030204" pitchFamily="34" charset="0"/>
+                <a:cs typeface="Calibri" panose="020F0502020204030204" pitchFamily="34" charset="0"/>
+              </a:rPr>
+              <a:t>STAGING</a:t>
+            </a:r>
+          </a:p>
+          <a:p>
+            <a:pPr algn="ctr"/>
+            <a:r>
+              <a:rPr lang="es-PE" b="1" dirty="0">
+                <a:solidFill>
+                  <a:srgbClr val="7030A0"/>
+                </a:solidFill>
+                <a:effectLst>
+                  <a:outerShdw blurRad="38100" dist="38100" dir="2700000" algn="tl">
+                    <a:srgbClr val="000000">
+                      <a:alpha val="43137"/>
+                    </a:srgbClr>
+                  </a:outerShdw>
+                </a:effectLst>
+                <a:latin typeface="Calibri" panose="020F0502020204030204" pitchFamily="34" charset="0"/>
+                <a:cs typeface="Calibri" panose="020F0502020204030204" pitchFamily="34" charset="0"/>
+              </a:rPr>
+              <a:t>AREA</a:t>
+            </a:r>
+          </a:p>
+        </p:txBody>
+      </p:sp>
+      <p:sp>
+        <p:nvSpPr>
+          <p:cNvPr id="10" name="CuadroTexto 9">
+            <a:extLst>
+              <a:ext uri="{FF2B5EF4-FFF2-40B4-BE49-F238E27FC236}">
+                <a16:creationId xmlns:a16="http://schemas.microsoft.com/office/drawing/2014/main" id="{964F6798-7E1A-E02B-6C96-36DA71082361}"/>
+              </a:ext>
+            </a:extLst>
+          </p:cNvPr>
+          <p:cNvSpPr txBox="1"/>
+          <p:nvPr/>
+        </p:nvSpPr>
+        <p:spPr>
+          <a:xfrm>
+            <a:off x="8110636" y="332655"/>
+            <a:ext cx="1384418" cy="646331"/>
+          </a:xfrm>
+          <a:prstGeom prst="rect">
+            <a:avLst/>
+          </a:prstGeom>
+          <a:noFill/>
+          <a:ln>
+            <a:solidFill>
+              <a:schemeClr val="tx2"/>
+            </a:solidFill>
+          </a:ln>
+        </p:spPr>
+        <p:txBody>
+          <a:bodyPr wrap="none" rtlCol="0">
+            <a:spAutoFit/>
+          </a:bodyPr>
+          <a:lstStyle/>
+          <a:p>
+            <a:pPr algn="ctr"/>
+            <a:r>
+              <a:rPr lang="es-PE" b="1" dirty="0">
+                <a:solidFill>
+                  <a:srgbClr val="7030A0"/>
+                </a:solidFill>
+                <a:effectLst>
+                  <a:outerShdw blurRad="38100" dist="38100" dir="2700000" algn="tl">
+                    <a:srgbClr val="000000">
+                      <a:alpha val="43137"/>
+                    </a:srgbClr>
+                  </a:outerShdw>
+                </a:effectLst>
+                <a:latin typeface="Calibri" panose="020F0502020204030204" pitchFamily="34" charset="0"/>
+                <a:cs typeface="Calibri" panose="020F0502020204030204" pitchFamily="34" charset="0"/>
+              </a:rPr>
+              <a:t>LOCAL</a:t>
+            </a:r>
+          </a:p>
+          <a:p>
+            <a:pPr algn="ctr"/>
+            <a:r>
+              <a:rPr lang="es-PE" b="1" dirty="0">
+                <a:solidFill>
+                  <a:srgbClr val="7030A0"/>
+                </a:solidFill>
+                <a:effectLst>
+                  <a:outerShdw blurRad="38100" dist="38100" dir="2700000" algn="tl">
+                    <a:srgbClr val="000000">
+                      <a:alpha val="43137"/>
+                    </a:srgbClr>
+                  </a:outerShdw>
+                </a:effectLst>
+                <a:latin typeface="Calibri" panose="020F0502020204030204" pitchFamily="34" charset="0"/>
+                <a:cs typeface="Calibri" panose="020F0502020204030204" pitchFamily="34" charset="0"/>
+              </a:rPr>
+              <a:t>REPOSITORY</a:t>
+            </a:r>
+          </a:p>
+        </p:txBody>
+      </p:sp>
+      <p:cxnSp>
+        <p:nvCxnSpPr>
+          <p:cNvPr id="12" name="Conector recto 11">
+            <a:extLst>
+              <a:ext uri="{FF2B5EF4-FFF2-40B4-BE49-F238E27FC236}">
+                <a16:creationId xmlns:a16="http://schemas.microsoft.com/office/drawing/2014/main" id="{F5B0363C-1F84-8C41-1326-7BFE1CBAE6CD}"/>
+              </a:ext>
+            </a:extLst>
+          </p:cNvPr>
+          <p:cNvCxnSpPr>
+            <a:cxnSpLocks/>
+            <a:stCxn id="6" idx="2"/>
+          </p:cNvCxnSpPr>
+          <p:nvPr/>
+        </p:nvCxnSpPr>
+        <p:spPr>
+          <a:xfrm>
+            <a:off x="2621244" y="978987"/>
+            <a:ext cx="0" cy="1660538"/>
+          </a:xfrm>
+          <a:prstGeom prst="line">
+            <a:avLst/>
+          </a:prstGeom>
+          <a:ln w="28575">
+            <a:prstDash val="sysDot"/>
+          </a:ln>
+        </p:spPr>
+        <p:style>
+          <a:lnRef idx="1">
+            <a:schemeClr val="dk1"/>
+          </a:lnRef>
+          <a:fillRef idx="0">
+            <a:schemeClr val="dk1"/>
+          </a:fillRef>
+          <a:effectRef idx="0">
+            <a:schemeClr val="dk1"/>
+          </a:effectRef>
+          <a:fontRef idx="minor">
+            <a:schemeClr val="tx1"/>
+          </a:fontRef>
+        </p:style>
+      </p:cxnSp>
+      <p:cxnSp>
+        <p:nvCxnSpPr>
+          <p:cNvPr id="13" name="Conector recto 12">
+            <a:extLst>
+              <a:ext uri="{FF2B5EF4-FFF2-40B4-BE49-F238E27FC236}">
+                <a16:creationId xmlns:a16="http://schemas.microsoft.com/office/drawing/2014/main" id="{FD93406A-556D-988D-6717-69AEB73D25DD}"/>
+              </a:ext>
+            </a:extLst>
+          </p:cNvPr>
+          <p:cNvCxnSpPr>
+            <a:cxnSpLocks/>
+            <a:stCxn id="8" idx="2"/>
+          </p:cNvCxnSpPr>
+          <p:nvPr/>
+        </p:nvCxnSpPr>
+        <p:spPr>
+          <a:xfrm>
+            <a:off x="5714723" y="978986"/>
+            <a:ext cx="0" cy="1660539"/>
+          </a:xfrm>
+          <a:prstGeom prst="line">
+            <a:avLst/>
+          </a:prstGeom>
+          <a:ln w="28575">
+            <a:prstDash val="sysDot"/>
+          </a:ln>
+        </p:spPr>
+        <p:style>
+          <a:lnRef idx="1">
+            <a:schemeClr val="dk1"/>
+          </a:lnRef>
+          <a:fillRef idx="0">
+            <a:schemeClr val="dk1"/>
+          </a:fillRef>
+          <a:effectRef idx="0">
+            <a:schemeClr val="dk1"/>
+          </a:effectRef>
+          <a:fontRef idx="minor">
+            <a:schemeClr val="tx1"/>
+          </a:fontRef>
+        </p:style>
+      </p:cxnSp>
+      <p:cxnSp>
+        <p:nvCxnSpPr>
+          <p:cNvPr id="15" name="Conector recto 14">
+            <a:extLst>
+              <a:ext uri="{FF2B5EF4-FFF2-40B4-BE49-F238E27FC236}">
+                <a16:creationId xmlns:a16="http://schemas.microsoft.com/office/drawing/2014/main" id="{4D7C509B-C919-3228-3512-2B24359B28BE}"/>
+              </a:ext>
+            </a:extLst>
+          </p:cNvPr>
+          <p:cNvCxnSpPr>
+            <a:cxnSpLocks/>
+            <a:stCxn id="10" idx="2"/>
+          </p:cNvCxnSpPr>
+          <p:nvPr/>
+        </p:nvCxnSpPr>
+        <p:spPr>
+          <a:xfrm>
+            <a:off x="8802845" y="978986"/>
+            <a:ext cx="0" cy="1660539"/>
+          </a:xfrm>
+          <a:prstGeom prst="line">
+            <a:avLst/>
+          </a:prstGeom>
+          <a:ln w="28575">
+            <a:prstDash val="sysDot"/>
+          </a:ln>
+        </p:spPr>
+        <p:style>
+          <a:lnRef idx="1">
+            <a:schemeClr val="dk1"/>
+          </a:lnRef>
+          <a:fillRef idx="0">
+            <a:schemeClr val="dk1"/>
+          </a:fillRef>
+          <a:effectRef idx="0">
+            <a:schemeClr val="dk1"/>
+          </a:effectRef>
+          <a:fontRef idx="minor">
+            <a:schemeClr val="tx1"/>
+          </a:fontRef>
+        </p:style>
+      </p:cxnSp>
+      <p:cxnSp>
+        <p:nvCxnSpPr>
+          <p:cNvPr id="28" name="Conector recto de flecha 27">
+            <a:extLst>
+              <a:ext uri="{FF2B5EF4-FFF2-40B4-BE49-F238E27FC236}">
+                <a16:creationId xmlns:a16="http://schemas.microsoft.com/office/drawing/2014/main" id="{F54F0BE9-51D8-F62C-A336-625DCAED04BF}"/>
+              </a:ext>
+            </a:extLst>
+          </p:cNvPr>
+          <p:cNvCxnSpPr/>
+          <p:nvPr/>
+        </p:nvCxnSpPr>
+        <p:spPr>
+          <a:xfrm>
+            <a:off x="2621243" y="1484784"/>
+            <a:ext cx="3093480" cy="0"/>
+          </a:xfrm>
+          <a:prstGeom prst="straightConnector1">
+            <a:avLst/>
+          </a:prstGeom>
+          <a:ln>
+            <a:solidFill>
+              <a:srgbClr val="0070C0"/>
+            </a:solidFill>
+            <a:tailEnd type="triangle"/>
+          </a:ln>
+        </p:spPr>
+        <p:style>
+          <a:lnRef idx="1">
+            <a:schemeClr val="accent1"/>
+          </a:lnRef>
+          <a:fillRef idx="0">
+            <a:schemeClr val="accent1"/>
+          </a:fillRef>
+          <a:effectRef idx="0">
+            <a:schemeClr val="accent1"/>
+          </a:effectRef>
+          <a:fontRef idx="minor">
+            <a:schemeClr val="tx1"/>
+          </a:fontRef>
+        </p:style>
+      </p:cxnSp>
+      <p:pic>
+        <p:nvPicPr>
+          <p:cNvPr id="1028" name="Picture 4" descr="Files - Free interface icons">
+            <a:extLst>
+              <a:ext uri="{FF2B5EF4-FFF2-40B4-BE49-F238E27FC236}">
+                <a16:creationId xmlns:a16="http://schemas.microsoft.com/office/drawing/2014/main" id="{FDC0DB66-9293-1E4B-5684-E14A41F48D4F}"/>
+              </a:ext>
+            </a:extLst>
+          </p:cNvPr>
+          <p:cNvPicPr>
+            <a:picLocks noChangeAspect="1" noChangeArrowheads="1"/>
+          </p:cNvPicPr>
+          <p:nvPr/>
+        </p:nvPicPr>
+        <p:blipFill>
+          <a:blip r:embed="rId3">
+            <a:duotone>
+              <a:schemeClr val="accent4">
+                <a:shade val="45000"/>
+                <a:satMod val="135000"/>
+              </a:schemeClr>
+              <a:prstClr val="white"/>
+            </a:duotone>
+            <a:extLst>
+              <a:ext uri="{28A0092B-C50C-407E-A947-70E740481C1C}">
+                <a14:useLocalDpi xmlns:a14="http://schemas.microsoft.com/office/drawing/2010/main" val="0"/>
+              </a:ext>
+            </a:extLst>
+          </a:blip>
+          <a:srcRect/>
+          <a:stretch>
+            <a:fillRect/>
+          </a:stretch>
+        </p:blipFill>
+        <p:spPr bwMode="auto">
+          <a:xfrm>
+            <a:off x="2162546" y="1279125"/>
+            <a:ext cx="430307" cy="430307"/>
+          </a:xfrm>
+          <a:prstGeom prst="rect">
+            <a:avLst/>
+          </a:prstGeom>
+          <a:noFill/>
+          <a:extLst>
+            <a:ext uri="{909E8E84-426E-40DD-AFC4-6F175D3DCCD1}">
+              <a14:hiddenFill xmlns:a14="http://schemas.microsoft.com/office/drawing/2010/main">
+                <a:solidFill>
+                  <a:srgbClr val="FFFFFF"/>
+                </a:solidFill>
+              </a14:hiddenFill>
+            </a:ext>
+          </a:extLst>
+        </p:spPr>
+      </p:pic>
+      <p:pic>
+        <p:nvPicPr>
+          <p:cNvPr id="30" name="Picture 4" descr="Files - Free interface icons">
+            <a:extLst>
+              <a:ext uri="{FF2B5EF4-FFF2-40B4-BE49-F238E27FC236}">
+                <a16:creationId xmlns:a16="http://schemas.microsoft.com/office/drawing/2014/main" id="{F76A6635-7DC1-1E45-CD7F-EFE9EE3F01D9}"/>
+              </a:ext>
+            </a:extLst>
+          </p:cNvPr>
+          <p:cNvPicPr>
+            <a:picLocks noChangeAspect="1" noChangeArrowheads="1"/>
+          </p:cNvPicPr>
+          <p:nvPr/>
+        </p:nvPicPr>
+        <p:blipFill>
+          <a:blip r:embed="rId3">
+            <a:duotone>
+              <a:schemeClr val="accent3">
+                <a:shade val="45000"/>
+                <a:satMod val="135000"/>
+              </a:schemeClr>
+              <a:prstClr val="white"/>
+            </a:duotone>
+            <a:extLst>
+              <a:ext uri="{28A0092B-C50C-407E-A947-70E740481C1C}">
+                <a14:useLocalDpi xmlns:a14="http://schemas.microsoft.com/office/drawing/2010/main" val="0"/>
+              </a:ext>
+            </a:extLst>
+          </a:blip>
+          <a:srcRect/>
+          <a:stretch>
+            <a:fillRect/>
+          </a:stretch>
+        </p:blipFill>
+        <p:spPr bwMode="auto">
+          <a:xfrm>
+            <a:off x="5222040" y="1685999"/>
+            <a:ext cx="430307" cy="430307"/>
+          </a:xfrm>
+          <a:prstGeom prst="rect">
+            <a:avLst/>
+          </a:prstGeom>
+          <a:noFill/>
+          <a:extLst>
+            <a:ext uri="{909E8E84-426E-40DD-AFC4-6F175D3DCCD1}">
+              <a14:hiddenFill xmlns:a14="http://schemas.microsoft.com/office/drawing/2010/main">
+                <a:solidFill>
+                  <a:srgbClr val="FFFFFF"/>
+                </a:solidFill>
+              </a14:hiddenFill>
+            </a:ext>
+          </a:extLst>
+        </p:spPr>
+      </p:pic>
+      <p:cxnSp>
+        <p:nvCxnSpPr>
+          <p:cNvPr id="32" name="Conector recto de flecha 31">
+            <a:extLst>
+              <a:ext uri="{FF2B5EF4-FFF2-40B4-BE49-F238E27FC236}">
+                <a16:creationId xmlns:a16="http://schemas.microsoft.com/office/drawing/2014/main" id="{EC757979-888B-DB21-72FD-AD4B864AC66E}"/>
+              </a:ext>
+            </a:extLst>
+          </p:cNvPr>
+          <p:cNvCxnSpPr/>
+          <p:nvPr/>
+        </p:nvCxnSpPr>
+        <p:spPr>
+          <a:xfrm>
+            <a:off x="5714723" y="1916832"/>
+            <a:ext cx="3093480" cy="0"/>
+          </a:xfrm>
+          <a:prstGeom prst="straightConnector1">
+            <a:avLst/>
+          </a:prstGeom>
+          <a:ln>
+            <a:solidFill>
+              <a:srgbClr val="0070C0"/>
+            </a:solidFill>
+            <a:tailEnd type="triangle"/>
+          </a:ln>
+        </p:spPr>
+        <p:style>
+          <a:lnRef idx="1">
+            <a:schemeClr val="accent1"/>
+          </a:lnRef>
+          <a:fillRef idx="0">
+            <a:schemeClr val="accent1"/>
+          </a:fillRef>
+          <a:effectRef idx="0">
+            <a:schemeClr val="accent1"/>
+          </a:effectRef>
+          <a:fontRef idx="minor">
+            <a:schemeClr val="tx1"/>
+          </a:fontRef>
+        </p:style>
+      </p:cxnSp>
+      <p:pic>
+        <p:nvPicPr>
+          <p:cNvPr id="34" name="Picture 4" descr="Files - Free interface icons">
+            <a:extLst>
+              <a:ext uri="{FF2B5EF4-FFF2-40B4-BE49-F238E27FC236}">
+                <a16:creationId xmlns:a16="http://schemas.microsoft.com/office/drawing/2014/main" id="{8C9A93E4-42E2-9830-7B5C-934C744EA5A9}"/>
+              </a:ext>
+            </a:extLst>
+          </p:cNvPr>
+          <p:cNvPicPr>
+            <a:picLocks noChangeAspect="1" noChangeArrowheads="1"/>
+          </p:cNvPicPr>
+          <p:nvPr/>
+        </p:nvPicPr>
+        <p:blipFill>
+          <a:blip r:embed="rId3">
+            <a:duotone>
+              <a:schemeClr val="accent2">
+                <a:shade val="45000"/>
+                <a:satMod val="135000"/>
+              </a:schemeClr>
+              <a:prstClr val="white"/>
+            </a:duotone>
+            <a:extLst>
+              <a:ext uri="{28A0092B-C50C-407E-A947-70E740481C1C}">
+                <a14:useLocalDpi xmlns:a14="http://schemas.microsoft.com/office/drawing/2010/main" val="0"/>
+              </a:ext>
+            </a:extLst>
+          </a:blip>
+          <a:srcRect/>
+          <a:stretch>
+            <a:fillRect/>
+          </a:stretch>
+        </p:blipFill>
+        <p:spPr bwMode="auto">
+          <a:xfrm>
+            <a:off x="8904465" y="1990581"/>
+            <a:ext cx="430307" cy="430307"/>
+          </a:xfrm>
+          <a:prstGeom prst="rect">
+            <a:avLst/>
+          </a:prstGeom>
+          <a:noFill/>
+          <a:extLst>
+            <a:ext uri="{909E8E84-426E-40DD-AFC4-6F175D3DCCD1}">
+              <a14:hiddenFill xmlns:a14="http://schemas.microsoft.com/office/drawing/2010/main">
+                <a:solidFill>
+                  <a:srgbClr val="FFFFFF"/>
+                </a:solidFill>
+              </a14:hiddenFill>
+            </a:ext>
+          </a:extLst>
+        </p:spPr>
+      </p:pic>
+      <p:sp>
+        <p:nvSpPr>
+          <p:cNvPr id="41" name="CuadroTexto 40">
+            <a:extLst>
+              <a:ext uri="{FF2B5EF4-FFF2-40B4-BE49-F238E27FC236}">
+                <a16:creationId xmlns:a16="http://schemas.microsoft.com/office/drawing/2014/main" id="{3228C2FA-1225-32D2-5003-1CD51DD062AA}"/>
+              </a:ext>
+            </a:extLst>
+          </p:cNvPr>
+          <p:cNvSpPr txBox="1"/>
+          <p:nvPr/>
+        </p:nvSpPr>
+        <p:spPr>
+          <a:xfrm>
+            <a:off x="2621616" y="1065036"/>
+            <a:ext cx="1174204" cy="461665"/>
+          </a:xfrm>
+          <a:prstGeom prst="rect">
+            <a:avLst/>
+          </a:prstGeom>
+          <a:noFill/>
+        </p:spPr>
+        <p:txBody>
+          <a:bodyPr wrap="square">
+            <a:spAutoFit/>
+          </a:bodyPr>
+          <a:lstStyle/>
+          <a:p>
+            <a:pPr algn="ctr"/>
+            <a:r>
+              <a:rPr lang="es-PE" sz="2400" b="1" dirty="0">
+                <a:solidFill>
+                  <a:schemeClr val="accent1">
+                    <a:lumMod val="75000"/>
+                  </a:schemeClr>
+                </a:solidFill>
+                <a:latin typeface="Calibri" panose="020F0502020204030204" pitchFamily="34" charset="0"/>
+                <a:cs typeface="Calibri" panose="020F0502020204030204" pitchFamily="34" charset="0"/>
+                <a:sym typeface="Wingdings" panose="05000000000000000000" pitchFamily="2" charset="2"/>
+              </a:rPr>
+              <a:t>git add</a:t>
+            </a:r>
+            <a:endParaRPr lang="es-PE" sz="2400" b="1" dirty="0">
+              <a:solidFill>
+                <a:schemeClr val="tx2"/>
+              </a:solidFill>
+              <a:latin typeface="Calibri" panose="020F0502020204030204" pitchFamily="34" charset="0"/>
+              <a:cs typeface="Calibri" panose="020F0502020204030204" pitchFamily="34" charset="0"/>
+            </a:endParaRPr>
+          </a:p>
+        </p:txBody>
+      </p:sp>
+      <p:sp>
+        <p:nvSpPr>
+          <p:cNvPr id="42" name="CuadroTexto 41">
+            <a:extLst>
+              <a:ext uri="{FF2B5EF4-FFF2-40B4-BE49-F238E27FC236}">
+                <a16:creationId xmlns:a16="http://schemas.microsoft.com/office/drawing/2014/main" id="{B6E9AA0A-5C92-A497-FBBF-2CF8A024EEBD}"/>
+              </a:ext>
+            </a:extLst>
+          </p:cNvPr>
+          <p:cNvSpPr txBox="1"/>
+          <p:nvPr/>
+        </p:nvSpPr>
+        <p:spPr>
+          <a:xfrm>
+            <a:off x="5709736" y="1455167"/>
+            <a:ext cx="1824833" cy="461665"/>
+          </a:xfrm>
+          <a:prstGeom prst="rect">
+            <a:avLst/>
+          </a:prstGeom>
+          <a:noFill/>
+        </p:spPr>
+        <p:txBody>
+          <a:bodyPr wrap="square">
+            <a:spAutoFit/>
+          </a:bodyPr>
+          <a:lstStyle/>
+          <a:p>
+            <a:pPr algn="ctr"/>
+            <a:r>
+              <a:rPr lang="es-PE" sz="2400" b="1" dirty="0">
+                <a:solidFill>
+                  <a:schemeClr val="accent1">
+                    <a:lumMod val="75000"/>
+                  </a:schemeClr>
+                </a:solidFill>
+                <a:latin typeface="Calibri" panose="020F0502020204030204" pitchFamily="34" charset="0"/>
+                <a:cs typeface="Calibri" panose="020F0502020204030204" pitchFamily="34" charset="0"/>
+                <a:sym typeface="Wingdings" panose="05000000000000000000" pitchFamily="2" charset="2"/>
+              </a:rPr>
+              <a:t>git commit</a:t>
+            </a:r>
+            <a:endParaRPr lang="es-PE" sz="2400" b="1" dirty="0">
+              <a:solidFill>
+                <a:schemeClr val="tx2"/>
+              </a:solidFill>
+              <a:latin typeface="Calibri" panose="020F0502020204030204" pitchFamily="34" charset="0"/>
+              <a:cs typeface="Calibri" panose="020F0502020204030204" pitchFamily="34" charset="0"/>
+            </a:endParaRPr>
+          </a:p>
+        </p:txBody>
+      </p:sp>
+      <p:pic>
+        <p:nvPicPr>
+          <p:cNvPr id="43" name="Picture 4" descr="Files - Free interface icons">
+            <a:extLst>
+              <a:ext uri="{FF2B5EF4-FFF2-40B4-BE49-F238E27FC236}">
+                <a16:creationId xmlns:a16="http://schemas.microsoft.com/office/drawing/2014/main" id="{58974604-17A5-677B-AD03-4D4500505F7E}"/>
+              </a:ext>
+            </a:extLst>
+          </p:cNvPr>
+          <p:cNvPicPr>
+            <a:picLocks noChangeAspect="1" noChangeArrowheads="1"/>
+          </p:cNvPicPr>
+          <p:nvPr/>
+        </p:nvPicPr>
+        <p:blipFill>
+          <a:blip r:embed="rId3">
+            <a:duotone>
+              <a:schemeClr val="accent4">
+                <a:shade val="45000"/>
+                <a:satMod val="135000"/>
+              </a:schemeClr>
+              <a:prstClr val="white"/>
+            </a:duotone>
+            <a:extLst>
+              <a:ext uri="{28A0092B-C50C-407E-A947-70E740481C1C}">
+                <a14:useLocalDpi xmlns:a14="http://schemas.microsoft.com/office/drawing/2010/main" val="0"/>
+              </a:ext>
+            </a:extLst>
+          </a:blip>
+          <a:srcRect/>
+          <a:stretch>
+            <a:fillRect/>
+          </a:stretch>
+        </p:blipFill>
+        <p:spPr bwMode="auto">
+          <a:xfrm>
+            <a:off x="10229052" y="291573"/>
+            <a:ext cx="320046" cy="320046"/>
+          </a:xfrm>
+          <a:prstGeom prst="rect">
+            <a:avLst/>
+          </a:prstGeom>
+          <a:noFill/>
+          <a:extLst>
+            <a:ext uri="{909E8E84-426E-40DD-AFC4-6F175D3DCCD1}">
+              <a14:hiddenFill xmlns:a14="http://schemas.microsoft.com/office/drawing/2010/main">
+                <a:solidFill>
+                  <a:srgbClr val="FFFFFF"/>
+                </a:solidFill>
+              </a14:hiddenFill>
+            </a:ext>
+          </a:extLst>
+        </p:spPr>
+      </p:pic>
+      <p:pic>
+        <p:nvPicPr>
+          <p:cNvPr id="44" name="Picture 4" descr="Files - Free interface icons">
+            <a:extLst>
+              <a:ext uri="{FF2B5EF4-FFF2-40B4-BE49-F238E27FC236}">
+                <a16:creationId xmlns:a16="http://schemas.microsoft.com/office/drawing/2014/main" id="{62777240-5CD1-9236-2B76-D205682AE498}"/>
+              </a:ext>
+            </a:extLst>
+          </p:cNvPr>
+          <p:cNvPicPr>
+            <a:picLocks noChangeAspect="1" noChangeArrowheads="1"/>
+          </p:cNvPicPr>
+          <p:nvPr/>
+        </p:nvPicPr>
+        <p:blipFill>
+          <a:blip r:embed="rId3">
+            <a:duotone>
+              <a:schemeClr val="accent3">
+                <a:shade val="45000"/>
+                <a:satMod val="135000"/>
+              </a:schemeClr>
+              <a:prstClr val="white"/>
+            </a:duotone>
+            <a:extLst>
+              <a:ext uri="{28A0092B-C50C-407E-A947-70E740481C1C}">
+                <a14:useLocalDpi xmlns:a14="http://schemas.microsoft.com/office/drawing/2010/main" val="0"/>
+              </a:ext>
+            </a:extLst>
+          </a:blip>
+          <a:srcRect/>
+          <a:stretch>
+            <a:fillRect/>
+          </a:stretch>
+        </p:blipFill>
+        <p:spPr bwMode="auto">
+          <a:xfrm>
+            <a:off x="10229052" y="652120"/>
+            <a:ext cx="320046" cy="320046"/>
+          </a:xfrm>
+          <a:prstGeom prst="rect">
+            <a:avLst/>
+          </a:prstGeom>
+          <a:noFill/>
+          <a:extLst>
+            <a:ext uri="{909E8E84-426E-40DD-AFC4-6F175D3DCCD1}">
+              <a14:hiddenFill xmlns:a14="http://schemas.microsoft.com/office/drawing/2010/main">
+                <a:solidFill>
+                  <a:srgbClr val="FFFFFF"/>
+                </a:solidFill>
+              </a14:hiddenFill>
+            </a:ext>
+          </a:extLst>
+        </p:spPr>
+      </p:pic>
+      <p:pic>
+        <p:nvPicPr>
+          <p:cNvPr id="45" name="Picture 4" descr="Files - Free interface icons">
+            <a:extLst>
+              <a:ext uri="{FF2B5EF4-FFF2-40B4-BE49-F238E27FC236}">
+                <a16:creationId xmlns:a16="http://schemas.microsoft.com/office/drawing/2014/main" id="{3D48A50C-3111-0E9E-0453-FEDFB8A66C1C}"/>
+              </a:ext>
+            </a:extLst>
+          </p:cNvPr>
+          <p:cNvPicPr>
+            <a:picLocks noChangeAspect="1" noChangeArrowheads="1"/>
+          </p:cNvPicPr>
+          <p:nvPr/>
+        </p:nvPicPr>
+        <p:blipFill>
+          <a:blip r:embed="rId3">
+            <a:duotone>
+              <a:schemeClr val="accent2">
+                <a:shade val="45000"/>
+                <a:satMod val="135000"/>
+              </a:schemeClr>
+              <a:prstClr val="white"/>
+            </a:duotone>
+            <a:extLst>
+              <a:ext uri="{28A0092B-C50C-407E-A947-70E740481C1C}">
+                <a14:useLocalDpi xmlns:a14="http://schemas.microsoft.com/office/drawing/2010/main" val="0"/>
+              </a:ext>
+            </a:extLst>
+          </a:blip>
+          <a:srcRect/>
+          <a:stretch>
+            <a:fillRect/>
+          </a:stretch>
+        </p:blipFill>
+        <p:spPr bwMode="auto">
+          <a:xfrm>
+            <a:off x="10241999" y="1012667"/>
+            <a:ext cx="320046" cy="320046"/>
+          </a:xfrm>
+          <a:prstGeom prst="rect">
+            <a:avLst/>
+          </a:prstGeom>
+          <a:noFill/>
+          <a:extLst>
+            <a:ext uri="{909E8E84-426E-40DD-AFC4-6F175D3DCCD1}">
+              <a14:hiddenFill xmlns:a14="http://schemas.microsoft.com/office/drawing/2010/main">
+                <a:solidFill>
+                  <a:srgbClr val="FFFFFF"/>
+                </a:solidFill>
+              </a14:hiddenFill>
+            </a:ext>
+          </a:extLst>
+        </p:spPr>
+      </p:pic>
+      <p:sp>
+        <p:nvSpPr>
+          <p:cNvPr id="47" name="CuadroTexto 46">
+            <a:extLst>
+              <a:ext uri="{FF2B5EF4-FFF2-40B4-BE49-F238E27FC236}">
+                <a16:creationId xmlns:a16="http://schemas.microsoft.com/office/drawing/2014/main" id="{DC2826BB-A829-BA9C-FDCF-98272EDB11B1}"/>
+              </a:ext>
+            </a:extLst>
+          </p:cNvPr>
+          <p:cNvSpPr txBox="1"/>
+          <p:nvPr/>
+        </p:nvSpPr>
+        <p:spPr>
+          <a:xfrm>
+            <a:off x="10486900" y="292590"/>
+            <a:ext cx="1174203" cy="338554"/>
+          </a:xfrm>
+          <a:prstGeom prst="rect">
+            <a:avLst/>
+          </a:prstGeom>
+          <a:noFill/>
+        </p:spPr>
+        <p:txBody>
+          <a:bodyPr wrap="square">
+            <a:spAutoFit/>
+          </a:bodyPr>
+          <a:lstStyle/>
+          <a:p>
+            <a:r>
+              <a:rPr lang="es-PE" sz="1600" b="1" dirty="0">
+                <a:solidFill>
+                  <a:schemeClr val="tx2"/>
+                </a:solidFill>
+                <a:effectLst>
+                  <a:outerShdw blurRad="38100" dist="38100" dir="2700000" algn="tl">
+                    <a:srgbClr val="000000">
+                      <a:alpha val="43137"/>
+                    </a:srgbClr>
+                  </a:outerShdw>
+                </a:effectLst>
+                <a:latin typeface="Calibri" panose="020F0502020204030204" pitchFamily="34" charset="0"/>
+                <a:cs typeface="Calibri" panose="020F0502020204030204" pitchFamily="34" charset="0"/>
+              </a:rPr>
+              <a:t>Modified</a:t>
+            </a:r>
+            <a:endParaRPr lang="es-PE" sz="1600" b="1" dirty="0"/>
+          </a:p>
+        </p:txBody>
+      </p:sp>
+      <p:sp>
+        <p:nvSpPr>
+          <p:cNvPr id="48" name="CuadroTexto 47">
+            <a:extLst>
+              <a:ext uri="{FF2B5EF4-FFF2-40B4-BE49-F238E27FC236}">
+                <a16:creationId xmlns:a16="http://schemas.microsoft.com/office/drawing/2014/main" id="{647E1266-4558-93E3-D16E-6BDC990687C4}"/>
+              </a:ext>
+            </a:extLst>
+          </p:cNvPr>
+          <p:cNvSpPr txBox="1"/>
+          <p:nvPr/>
+        </p:nvSpPr>
+        <p:spPr>
+          <a:xfrm>
+            <a:off x="10486900" y="659254"/>
+            <a:ext cx="1174203" cy="338554"/>
+          </a:xfrm>
+          <a:prstGeom prst="rect">
+            <a:avLst/>
+          </a:prstGeom>
+          <a:noFill/>
+        </p:spPr>
+        <p:txBody>
+          <a:bodyPr wrap="square">
+            <a:spAutoFit/>
+          </a:bodyPr>
+          <a:lstStyle/>
+          <a:p>
+            <a:r>
+              <a:rPr lang="es-PE" sz="1600" b="1" dirty="0">
+                <a:solidFill>
+                  <a:schemeClr val="tx2"/>
+                </a:solidFill>
+                <a:effectLst>
+                  <a:outerShdw blurRad="38100" dist="38100" dir="2700000" algn="tl">
+                    <a:srgbClr val="000000">
+                      <a:alpha val="43137"/>
+                    </a:srgbClr>
+                  </a:outerShdw>
+                </a:effectLst>
+                <a:latin typeface="Calibri" panose="020F0502020204030204" pitchFamily="34" charset="0"/>
+                <a:cs typeface="Calibri" panose="020F0502020204030204" pitchFamily="34" charset="0"/>
+              </a:rPr>
+              <a:t>Staged</a:t>
+            </a:r>
+            <a:endParaRPr lang="es-PE" sz="1600" b="1" dirty="0"/>
+          </a:p>
+        </p:txBody>
+      </p:sp>
+      <p:sp>
+        <p:nvSpPr>
+          <p:cNvPr id="49" name="CuadroTexto 48">
+            <a:extLst>
+              <a:ext uri="{FF2B5EF4-FFF2-40B4-BE49-F238E27FC236}">
+                <a16:creationId xmlns:a16="http://schemas.microsoft.com/office/drawing/2014/main" id="{5AF6A033-5E23-C753-4E85-C7E19BDC9211}"/>
+              </a:ext>
+            </a:extLst>
+          </p:cNvPr>
+          <p:cNvSpPr txBox="1"/>
+          <p:nvPr/>
+        </p:nvSpPr>
+        <p:spPr>
+          <a:xfrm>
+            <a:off x="10507029" y="1010884"/>
+            <a:ext cx="1174203" cy="338554"/>
+          </a:xfrm>
+          <a:prstGeom prst="rect">
+            <a:avLst/>
+          </a:prstGeom>
+          <a:noFill/>
+        </p:spPr>
+        <p:txBody>
+          <a:bodyPr wrap="square">
+            <a:spAutoFit/>
+          </a:bodyPr>
+          <a:lstStyle/>
+          <a:p>
+            <a:r>
+              <a:rPr lang="es-PE" sz="1600" b="1" dirty="0">
+                <a:solidFill>
+                  <a:schemeClr val="tx2"/>
+                </a:solidFill>
+                <a:effectLst>
+                  <a:outerShdw blurRad="38100" dist="38100" dir="2700000" algn="tl">
+                    <a:srgbClr val="000000">
+                      <a:alpha val="43137"/>
+                    </a:srgbClr>
+                  </a:outerShdw>
+                </a:effectLst>
+                <a:latin typeface="Calibri" panose="020F0502020204030204" pitchFamily="34" charset="0"/>
+                <a:cs typeface="Calibri" panose="020F0502020204030204" pitchFamily="34" charset="0"/>
+              </a:rPr>
+              <a:t>Committed</a:t>
+            </a:r>
+            <a:endParaRPr lang="es-PE" sz="1600" b="1" dirty="0"/>
+          </a:p>
+        </p:txBody>
+      </p:sp>
     </p:spTree>
     <p:extLst>
       <p:ext uri="{BB962C8B-B14F-4D97-AF65-F5344CB8AC3E}">
-        <p14:creationId xmlns:p14="http://schemas.microsoft.com/office/powerpoint/2010/main" val="513726968"/>
+        <p14:creationId xmlns:p14="http://schemas.microsoft.com/office/powerpoint/2010/main" val="326804"/>
       </p:ext>
     </p:extLst>
   </p:cSld>
